--- a/trunk/slides/Multicore Design.pptx
+++ b/trunk/slides/Multicore Design.pptx
@@ -3094,7 +3094,7 @@
               <a:pPr>
                 <a:defRPr/>
               </a:pPr>
-              <a:t>1/26/2012</a:t>
+              <a:t>11/15/2011</a:t>
             </a:fld>
             <a:endParaRPr lang="en-US"/>
           </a:p>
@@ -3286,7 +3286,7 @@
               <a:pPr>
                 <a:defRPr/>
               </a:pPr>
-              <a:t>1/26/2012</a:t>
+              <a:t>11/15/2011</a:t>
             </a:fld>
             <a:endParaRPr lang="en-US"/>
           </a:p>
@@ -3554,7 +3554,7 @@
               <a:pPr>
                 <a:defRPr/>
               </a:pPr>
-              <a:t>1/26/2012</a:t>
+              <a:t>11/15/2011</a:t>
             </a:fld>
             <a:endParaRPr lang="en-US"/>
           </a:p>
@@ -3864,7 +3864,7 @@
               <a:pPr>
                 <a:defRPr/>
               </a:pPr>
-              <a:t>1/26/2012</a:t>
+              <a:t>11/15/2011</a:t>
             </a:fld>
             <a:endParaRPr lang="en-US"/>
           </a:p>
@@ -4523,7 +4523,7 @@
               <a:pPr>
                 <a:defRPr/>
               </a:pPr>
-              <a:t>1/26/2012</a:t>
+              <a:t>11/15/2011</a:t>
             </a:fld>
             <a:endParaRPr lang="en-US"/>
           </a:p>
@@ -4663,7 +4663,7 @@
               <a:pPr>
                 <a:defRPr/>
               </a:pPr>
-              <a:t>1/26/2012</a:t>
+              <a:t>11/15/2011</a:t>
             </a:fld>
             <a:endParaRPr lang="en-US"/>
           </a:p>
@@ -4780,7 +4780,7 @@
               <a:pPr>
                 <a:defRPr/>
               </a:pPr>
-              <a:t>1/26/2012</a:t>
+              <a:t>11/15/2011</a:t>
             </a:fld>
             <a:endParaRPr lang="en-US"/>
           </a:p>
@@ -5079,7 +5079,7 @@
               <a:pPr>
                 <a:defRPr/>
               </a:pPr>
-              <a:t>1/26/2012</a:t>
+              <a:t>11/15/2011</a:t>
             </a:fld>
             <a:endParaRPr lang="en-US"/>
           </a:p>
@@ -5357,7 +5357,7 @@
               <a:pPr>
                 <a:defRPr/>
               </a:pPr>
-              <a:t>1/26/2012</a:t>
+              <a:t>11/15/2011</a:t>
             </a:fld>
             <a:endParaRPr lang="en-US"/>
           </a:p>
@@ -5549,7 +5549,7 @@
               <a:pPr>
                 <a:defRPr/>
               </a:pPr>
-              <a:t>1/26/2012</a:t>
+              <a:t>11/15/2011</a:t>
             </a:fld>
             <a:endParaRPr lang="en-US"/>
           </a:p>
@@ -5751,7 +5751,7 @@
               <a:pPr>
                 <a:defRPr/>
               </a:pPr>
-              <a:t>1/26/2012</a:t>
+              <a:t>11/15/2011</a:t>
             </a:fld>
             <a:endParaRPr lang="en-US"/>
           </a:p>
@@ -8638,7 +8638,7 @@
               <a:pPr>
                 <a:defRPr/>
               </a:pPr>
-              <a:t>1/26/2012</a:t>
+              <a:t>11/15/2011</a:t>
             </a:fld>
             <a:endParaRPr lang="en-US"/>
           </a:p>
@@ -9966,7 +9966,37 @@
               <a:rPr lang="en-US" altLang="zh-CN" sz="2800" dirty="0" smtClean="0">
                 <a:ea typeface="SimSun" charset="-122"/>
               </a:rPr>
-              <a:t>High Def 1080i60 Video H264 Encoder</a:t>
+              <a:t>High </a:t>
+            </a:r>
+            <a:r>
+              <a:rPr lang="en-US" altLang="zh-CN" sz="2800" dirty="0" smtClean="0">
+                <a:ea typeface="SimSun" charset="-122"/>
+              </a:rPr>
+              <a:t>Def </a:t>
+            </a:r>
+            <a:r>
+              <a:rPr lang="en-US" altLang="zh-CN" sz="2800" dirty="0" smtClean="0">
+                <a:ea typeface="SimSun" charset="-122"/>
+              </a:rPr>
+              <a:t>1080i60 </a:t>
+            </a:r>
+            <a:r>
+              <a:rPr lang="en-US" altLang="zh-CN" sz="2800" dirty="0" smtClean="0">
+                <a:ea typeface="SimSun" charset="-122"/>
+              </a:rPr>
+              <a:t>Video </a:t>
+            </a:r>
+            <a:r>
+              <a:rPr lang="en-US" altLang="zh-CN" sz="2800" dirty="0" smtClean="0">
+                <a:ea typeface="SimSun" charset="-122"/>
+              </a:rPr>
+              <a:t>H264 E</a:t>
+            </a:r>
+            <a:r>
+              <a:rPr lang="en-US" altLang="zh-CN" sz="2800" dirty="0" smtClean="0">
+                <a:ea typeface="SimSun" charset="-122"/>
+              </a:rPr>
+              <a:t>ncoder</a:t>
             </a:r>
             <a:endParaRPr lang="en-US" sz="2800" dirty="0" smtClean="0"/>
           </a:p>
@@ -10678,7 +10708,11 @@
             </a:r>
             <a:r>
               <a:rPr lang="en-US" sz="2800" dirty="0" err="1" smtClean="0"/>
-              <a:t>Macroblock</a:t>
+              <a:t>M</a:t>
+            </a:r>
+            <a:r>
+              <a:rPr lang="en-US" sz="2800" dirty="0" err="1" smtClean="0"/>
+              <a:t>acroblock</a:t>
             </a:r>
             <a:r>
               <a:rPr lang="en-US" sz="2800" dirty="0" smtClean="0"/>
@@ -15312,7 +15346,15 @@
           <a:p>
             <a:r>
               <a:rPr lang="en-US" sz="2800" dirty="0" smtClean="0"/>
-              <a:t>How Does this Access Avoid Contention?</a:t>
+              <a:t>How Does this </a:t>
+            </a:r>
+            <a:r>
+              <a:rPr lang="en-US" sz="2800" dirty="0" smtClean="0"/>
+              <a:t>Access Avoid </a:t>
+            </a:r>
+            <a:r>
+              <a:rPr lang="en-US" sz="2800" dirty="0" smtClean="0"/>
+              <a:t>Contention?</a:t>
             </a:r>
           </a:p>
         </p:txBody>
@@ -15338,40 +15380,32 @@
           <a:lstStyle/>
           <a:p>
             <a:r>
-              <a:rPr lang="en-US" sz="2400" b="1" dirty="0" smtClean="0"/>
+              <a:rPr lang="en-US" sz="2400" b="1" smtClean="0"/>
               <a:t>Total DDR access for a single frame is less than 32 MB.</a:t>
             </a:r>
-            <a:endParaRPr lang="en-US" sz="2400" dirty="0" smtClean="0"/>
-          </a:p>
-          <a:p>
-            <a:r>
-              <a:rPr lang="en-US" sz="2400" dirty="0" smtClean="0"/>
+            <a:endParaRPr lang="en-US" sz="2400" smtClean="0"/>
+          </a:p>
+          <a:p>
+            <a:r>
+              <a:rPr lang="en-US" sz="2400" smtClean="0"/>
               <a:t>The total DDR access for 30 frames per second (60 fields) is less than 32 * 30 = 960 MBps. </a:t>
             </a:r>
           </a:p>
           <a:p>
             <a:r>
-              <a:rPr lang="en-US" sz="2400" dirty="0" smtClean="0"/>
+              <a:rPr lang="en-US" sz="2400" smtClean="0"/>
               <a:t>The DDR3 raw bandwidth is more than 10 Gbps (1333 MHz clock and 64 bits). 10% utilization reduces contention possibilities.</a:t>
             </a:r>
           </a:p>
           <a:p>
             <a:r>
-              <a:rPr lang="en-US" sz="2400" dirty="0" smtClean="0"/>
-              <a:t>DDR3 DMA uses TeraNet with clock/3 and 128 bits. TeraNet bandwidth is 400 MHz * 16B = 6.4 </a:t>
-            </a:r>
-            <a:r>
               <a:rPr lang="en-US" sz="2400" smtClean="0"/>
-              <a:t>GBps</a:t>
-            </a:r>
-            <a:r>
-              <a:rPr lang="en-US" sz="2400" dirty="0" smtClean="0"/>
-              <a:t>.  </a:t>
+              <a:t>DDR3 DMA uses TeraNet with clock/2 and 128 bits. TeraNet bandwidth is 600 MHz * 16B = 9.6 Gbps.  </a:t>
             </a:r>
           </a:p>
           <a:p>
             <a:pPr lvl="1"/>
-            <a:endParaRPr lang="en-US" dirty="0" smtClean="0"/>
+            <a:endParaRPr lang="en-US" smtClean="0"/>
           </a:p>
         </p:txBody>
       </p:sp>
@@ -15434,6 +15468,7 @@
               <a:rPr lang="en-US" sz="2800" dirty="0" smtClean="0"/>
               <a:t> Architecture Resources </a:t>
             </a:r>
+            <a:endParaRPr lang="en-US" sz="2800" dirty="0" smtClean="0"/>
           </a:p>
         </p:txBody>
       </p:sp>
@@ -15789,7 +15824,14 @@
                 <a:ea typeface="SimSun" charset="-122"/>
                 <a:hlinkClick r:id="rId2"/>
               </a:rPr>
-              <a:t>Economist: Parallel Bars</a:t>
+              <a:t>Economist: Parallel </a:t>
+            </a:r>
+            <a:r>
+              <a:rPr lang="en-US" altLang="zh-CN" sz="2000" b="0" i="1" dirty="0" smtClean="0">
+                <a:ea typeface="SimSun" charset="-122"/>
+                <a:hlinkClick r:id="rId2"/>
+              </a:rPr>
+              <a:t>Bars</a:t>
             </a:r>
             <a:r>
               <a:rPr lang="en-US" altLang="zh-CN" sz="2000" b="0" i="1" dirty="0" smtClean="0">
@@ -15842,7 +15884,43 @@
               <a:rPr lang="en-US" altLang="zh-CN" sz="2000" b="0" dirty="0" smtClean="0">
                 <a:ea typeface="SimSun" charset="-122"/>
               </a:rPr>
-              <a:t>parallel processing, which refers to the use of simultaneous processors to execute an application or multiple computational threads. </a:t>
+              <a:t>parallel </a:t>
+            </a:r>
+            <a:r>
+              <a:rPr lang="en-US" altLang="zh-CN" sz="2000" b="0" dirty="0" smtClean="0">
+                <a:ea typeface="SimSun" charset="-122"/>
+              </a:rPr>
+              <a:t>p</a:t>
+            </a:r>
+            <a:r>
+              <a:rPr lang="en-US" altLang="zh-CN" sz="2000" b="0" dirty="0" smtClean="0">
+                <a:ea typeface="SimSun" charset="-122"/>
+              </a:rPr>
+              <a:t>rocessing, which refers to the use of </a:t>
+            </a:r>
+            <a:r>
+              <a:rPr lang="en-US" altLang="zh-CN" sz="2000" b="0" dirty="0" smtClean="0">
+                <a:ea typeface="SimSun" charset="-122"/>
+              </a:rPr>
+              <a:t>simultaneous processors to </a:t>
+            </a:r>
+            <a:r>
+              <a:rPr lang="en-US" altLang="zh-CN" sz="2000" b="0" dirty="0" smtClean="0">
+                <a:ea typeface="SimSun" charset="-122"/>
+              </a:rPr>
+              <a:t>execute </a:t>
+            </a:r>
+            <a:r>
+              <a:rPr lang="en-US" altLang="zh-CN" sz="2000" b="0" dirty="0" smtClean="0">
+                <a:ea typeface="SimSun" charset="-122"/>
+              </a:rPr>
+              <a:t>an application or </a:t>
+            </a:r>
+            <a:r>
+              <a:rPr lang="en-US" altLang="zh-CN" sz="2000" b="0" dirty="0" smtClean="0">
+                <a:ea typeface="SimSun" charset="-122"/>
+              </a:rPr>
+              <a:t>multiple computational threads. </a:t>
             </a:r>
           </a:p>
           <a:p>
@@ -16072,6 +16150,7 @@
               <a:rPr lang="en-US" dirty="0" smtClean="0"/>
               <a:t>Parallel Processing </a:t>
             </a:r>
+            <a:endParaRPr lang="en-US" dirty="0" smtClean="0"/>
           </a:p>
         </p:txBody>
       </p:sp>
@@ -16097,7 +16176,11 @@
           <a:p>
             <a:r>
               <a:rPr lang="en-US" sz="2400" dirty="0" smtClean="0"/>
-              <a:t>Parallel processing divides big applications into smaller applications and distributes tasks across multiple cores.</a:t>
+              <a:t>Parallel processing </a:t>
+            </a:r>
+            <a:r>
+              <a:rPr lang="en-US" sz="2400" dirty="0" smtClean="0"/>
+              <a:t>divides big applications into smaller applications and distributes tasks across multiple cores.</a:t>
             </a:r>
           </a:p>
           <a:p>
@@ -16217,8 +16300,13 @@
           <a:p>
             <a:r>
               <a:rPr lang="en-US" sz="2800" dirty="0" smtClean="0"/>
-              <a:t>Parallel Processing: Use Cases</a:t>
-            </a:r>
+              <a:t>Parallel </a:t>
+            </a:r>
+            <a:r>
+              <a:rPr lang="en-US" sz="2800" dirty="0" smtClean="0"/>
+              <a:t>Processing: Use Cases</a:t>
+            </a:r>
+            <a:endParaRPr lang="en-US" sz="2800" dirty="0" smtClean="0"/>
           </a:p>
         </p:txBody>
       </p:sp>
@@ -16500,8 +16588,13 @@
           <a:p>
             <a:r>
               <a:rPr lang="en-US" sz="2800" dirty="0" smtClean="0"/>
-              <a:t>Parallel Processing: Use Cases</a:t>
-            </a:r>
+              <a:t>Parallel </a:t>
+            </a:r>
+            <a:r>
+              <a:rPr lang="en-US" sz="2800" dirty="0" smtClean="0"/>
+              <a:t>Processing: Use Cases</a:t>
+            </a:r>
+            <a:endParaRPr lang="en-US" sz="2800" dirty="0" smtClean="0"/>
           </a:p>
         </p:txBody>
       </p:sp>

--- a/trunk/slides/Multicore Design.pptx
+++ b/trunk/slides/Multicore Design.pptx
@@ -3094,7 +3094,7 @@
               <a:pPr>
                 <a:defRPr/>
               </a:pPr>
-              <a:t>11/15/2011</a:t>
+              <a:t>1/26/2012</a:t>
             </a:fld>
             <a:endParaRPr lang="en-US"/>
           </a:p>
@@ -3286,7 +3286,7 @@
               <a:pPr>
                 <a:defRPr/>
               </a:pPr>
-              <a:t>11/15/2011</a:t>
+              <a:t>1/26/2012</a:t>
             </a:fld>
             <a:endParaRPr lang="en-US"/>
           </a:p>
@@ -3554,7 +3554,7 @@
               <a:pPr>
                 <a:defRPr/>
               </a:pPr>
-              <a:t>11/15/2011</a:t>
+              <a:t>1/26/2012</a:t>
             </a:fld>
             <a:endParaRPr lang="en-US"/>
           </a:p>
@@ -3864,7 +3864,7 @@
               <a:pPr>
                 <a:defRPr/>
               </a:pPr>
-              <a:t>11/15/2011</a:t>
+              <a:t>1/26/2012</a:t>
             </a:fld>
             <a:endParaRPr lang="en-US"/>
           </a:p>
@@ -4523,7 +4523,7 @@
               <a:pPr>
                 <a:defRPr/>
               </a:pPr>
-              <a:t>11/15/2011</a:t>
+              <a:t>1/26/2012</a:t>
             </a:fld>
             <a:endParaRPr lang="en-US"/>
           </a:p>
@@ -4663,7 +4663,7 @@
               <a:pPr>
                 <a:defRPr/>
               </a:pPr>
-              <a:t>11/15/2011</a:t>
+              <a:t>1/26/2012</a:t>
             </a:fld>
             <a:endParaRPr lang="en-US"/>
           </a:p>
@@ -4780,7 +4780,7 @@
               <a:pPr>
                 <a:defRPr/>
               </a:pPr>
-              <a:t>11/15/2011</a:t>
+              <a:t>1/26/2012</a:t>
             </a:fld>
             <a:endParaRPr lang="en-US"/>
           </a:p>
@@ -5079,7 +5079,7 @@
               <a:pPr>
                 <a:defRPr/>
               </a:pPr>
-              <a:t>11/15/2011</a:t>
+              <a:t>1/26/2012</a:t>
             </a:fld>
             <a:endParaRPr lang="en-US"/>
           </a:p>
@@ -5357,7 +5357,7 @@
               <a:pPr>
                 <a:defRPr/>
               </a:pPr>
-              <a:t>11/15/2011</a:t>
+              <a:t>1/26/2012</a:t>
             </a:fld>
             <a:endParaRPr lang="en-US"/>
           </a:p>
@@ -5549,7 +5549,7 @@
               <a:pPr>
                 <a:defRPr/>
               </a:pPr>
-              <a:t>11/15/2011</a:t>
+              <a:t>1/26/2012</a:t>
             </a:fld>
             <a:endParaRPr lang="en-US"/>
           </a:p>
@@ -5751,7 +5751,7 @@
               <a:pPr>
                 <a:defRPr/>
               </a:pPr>
-              <a:t>11/15/2011</a:t>
+              <a:t>1/26/2012</a:t>
             </a:fld>
             <a:endParaRPr lang="en-US"/>
           </a:p>
@@ -8638,7 +8638,7 @@
               <a:pPr>
                 <a:defRPr/>
               </a:pPr>
-              <a:t>11/15/2011</a:t>
+              <a:t>1/26/2012</a:t>
             </a:fld>
             <a:endParaRPr lang="en-US"/>
           </a:p>
@@ -9966,37 +9966,7 @@
               <a:rPr lang="en-US" altLang="zh-CN" sz="2800" dirty="0" smtClean="0">
                 <a:ea typeface="SimSun" charset="-122"/>
               </a:rPr>
-              <a:t>High </a:t>
-            </a:r>
-            <a:r>
-              <a:rPr lang="en-US" altLang="zh-CN" sz="2800" dirty="0" smtClean="0">
-                <a:ea typeface="SimSun" charset="-122"/>
-              </a:rPr>
-              <a:t>Def </a:t>
-            </a:r>
-            <a:r>
-              <a:rPr lang="en-US" altLang="zh-CN" sz="2800" dirty="0" smtClean="0">
-                <a:ea typeface="SimSun" charset="-122"/>
-              </a:rPr>
-              <a:t>1080i60 </a:t>
-            </a:r>
-            <a:r>
-              <a:rPr lang="en-US" altLang="zh-CN" sz="2800" dirty="0" smtClean="0">
-                <a:ea typeface="SimSun" charset="-122"/>
-              </a:rPr>
-              <a:t>Video </a:t>
-            </a:r>
-            <a:r>
-              <a:rPr lang="en-US" altLang="zh-CN" sz="2800" dirty="0" smtClean="0">
-                <a:ea typeface="SimSun" charset="-122"/>
-              </a:rPr>
-              <a:t>H264 E</a:t>
-            </a:r>
-            <a:r>
-              <a:rPr lang="en-US" altLang="zh-CN" sz="2800" dirty="0" smtClean="0">
-                <a:ea typeface="SimSun" charset="-122"/>
-              </a:rPr>
-              <a:t>ncoder</a:t>
+              <a:t>High Def 1080i60 Video H264 Encoder</a:t>
             </a:r>
             <a:endParaRPr lang="en-US" sz="2800" dirty="0" smtClean="0"/>
           </a:p>
@@ -10708,11 +10678,7 @@
             </a:r>
             <a:r>
               <a:rPr lang="en-US" sz="2800" dirty="0" err="1" smtClean="0"/>
-              <a:t>M</a:t>
-            </a:r>
-            <a:r>
-              <a:rPr lang="en-US" sz="2800" dirty="0" err="1" smtClean="0"/>
-              <a:t>acroblock</a:t>
+              <a:t>Macroblock</a:t>
             </a:r>
             <a:r>
               <a:rPr lang="en-US" sz="2800" dirty="0" smtClean="0"/>
@@ -15346,15 +15312,7 @@
           <a:p>
             <a:r>
               <a:rPr lang="en-US" sz="2800" dirty="0" smtClean="0"/>
-              <a:t>How Does this </a:t>
-            </a:r>
-            <a:r>
-              <a:rPr lang="en-US" sz="2800" dirty="0" smtClean="0"/>
-              <a:t>Access Avoid </a:t>
-            </a:r>
-            <a:r>
-              <a:rPr lang="en-US" sz="2800" dirty="0" smtClean="0"/>
-              <a:t>Contention?</a:t>
+              <a:t>How Does this Access Avoid Contention?</a:t>
             </a:r>
           </a:p>
         </p:txBody>
@@ -15380,32 +15338,40 @@
           <a:lstStyle/>
           <a:p>
             <a:r>
-              <a:rPr lang="en-US" sz="2400" b="1" smtClean="0"/>
+              <a:rPr lang="en-US" sz="2400" b="1" dirty="0" smtClean="0"/>
               <a:t>Total DDR access for a single frame is less than 32 MB.</a:t>
             </a:r>
-            <a:endParaRPr lang="en-US" sz="2400" smtClean="0"/>
-          </a:p>
-          <a:p>
+            <a:endParaRPr lang="en-US" sz="2400" dirty="0" smtClean="0"/>
+          </a:p>
+          <a:p>
+            <a:r>
+              <a:rPr lang="en-US" sz="2400" dirty="0" smtClean="0"/>
+              <a:t>The total DDR access for 30 frames per second (60 fields) is less than 32 * 30 = 960 MBps. </a:t>
+            </a:r>
+          </a:p>
+          <a:p>
+            <a:r>
+              <a:rPr lang="en-US" sz="2400" dirty="0" smtClean="0"/>
+              <a:t>The DDR3 raw bandwidth is more than 10 Gbps (1333 MHz clock and 64 bits). 10% utilization reduces contention possibilities.</a:t>
+            </a:r>
+          </a:p>
+          <a:p>
+            <a:r>
+              <a:rPr lang="en-US" sz="2400" dirty="0" smtClean="0"/>
+              <a:t>DDR3 DMA uses TeraNet with clock/3 and 128 bits. TeraNet bandwidth is 400 MHz * 16B = 6.4 </a:t>
+            </a:r>
             <a:r>
               <a:rPr lang="en-US" sz="2400" smtClean="0"/>
-              <a:t>The total DDR access for 30 frames per second (60 fields) is less than 32 * 30 = 960 MBps. </a:t>
-            </a:r>
-          </a:p>
-          <a:p>
-            <a:r>
-              <a:rPr lang="en-US" sz="2400" smtClean="0"/>
-              <a:t>The DDR3 raw bandwidth is more than 10 Gbps (1333 MHz clock and 64 bits). 10% utilization reduces contention possibilities.</a:t>
-            </a:r>
-          </a:p>
-          <a:p>
-            <a:r>
-              <a:rPr lang="en-US" sz="2400" smtClean="0"/>
-              <a:t>DDR3 DMA uses TeraNet with clock/2 and 128 bits. TeraNet bandwidth is 600 MHz * 16B = 9.6 Gbps.  </a:t>
+              <a:t>GBps</a:t>
+            </a:r>
+            <a:r>
+              <a:rPr lang="en-US" sz="2400" dirty="0" smtClean="0"/>
+              <a:t>.  </a:t>
             </a:r>
           </a:p>
           <a:p>
             <a:pPr lvl="1"/>
-            <a:endParaRPr lang="en-US" smtClean="0"/>
+            <a:endParaRPr lang="en-US" dirty="0" smtClean="0"/>
           </a:p>
         </p:txBody>
       </p:sp>
@@ -15468,7 +15434,6 @@
               <a:rPr lang="en-US" sz="2800" dirty="0" smtClean="0"/>
               <a:t> Architecture Resources </a:t>
             </a:r>
-            <a:endParaRPr lang="en-US" sz="2800" dirty="0" smtClean="0"/>
           </a:p>
         </p:txBody>
       </p:sp>
@@ -15824,14 +15789,7 @@
                 <a:ea typeface="SimSun" charset="-122"/>
                 <a:hlinkClick r:id="rId2"/>
               </a:rPr>
-              <a:t>Economist: Parallel </a:t>
-            </a:r>
-            <a:r>
-              <a:rPr lang="en-US" altLang="zh-CN" sz="2000" b="0" i="1" dirty="0" smtClean="0">
-                <a:ea typeface="SimSun" charset="-122"/>
-                <a:hlinkClick r:id="rId2"/>
-              </a:rPr>
-              <a:t>Bars</a:t>
+              <a:t>Economist: Parallel Bars</a:t>
             </a:r>
             <a:r>
               <a:rPr lang="en-US" altLang="zh-CN" sz="2000" b="0" i="1" dirty="0" smtClean="0">
@@ -15884,43 +15842,7 @@
               <a:rPr lang="en-US" altLang="zh-CN" sz="2000" b="0" dirty="0" smtClean="0">
                 <a:ea typeface="SimSun" charset="-122"/>
               </a:rPr>
-              <a:t>parallel </a:t>
-            </a:r>
-            <a:r>
-              <a:rPr lang="en-US" altLang="zh-CN" sz="2000" b="0" dirty="0" smtClean="0">
-                <a:ea typeface="SimSun" charset="-122"/>
-              </a:rPr>
-              <a:t>p</a:t>
-            </a:r>
-            <a:r>
-              <a:rPr lang="en-US" altLang="zh-CN" sz="2000" b="0" dirty="0" smtClean="0">
-                <a:ea typeface="SimSun" charset="-122"/>
-              </a:rPr>
-              <a:t>rocessing, which refers to the use of </a:t>
-            </a:r>
-            <a:r>
-              <a:rPr lang="en-US" altLang="zh-CN" sz="2000" b="0" dirty="0" smtClean="0">
-                <a:ea typeface="SimSun" charset="-122"/>
-              </a:rPr>
-              <a:t>simultaneous processors to </a:t>
-            </a:r>
-            <a:r>
-              <a:rPr lang="en-US" altLang="zh-CN" sz="2000" b="0" dirty="0" smtClean="0">
-                <a:ea typeface="SimSun" charset="-122"/>
-              </a:rPr>
-              <a:t>execute </a:t>
-            </a:r>
-            <a:r>
-              <a:rPr lang="en-US" altLang="zh-CN" sz="2000" b="0" dirty="0" smtClean="0">
-                <a:ea typeface="SimSun" charset="-122"/>
-              </a:rPr>
-              <a:t>an application or </a:t>
-            </a:r>
-            <a:r>
-              <a:rPr lang="en-US" altLang="zh-CN" sz="2000" b="0" dirty="0" smtClean="0">
-                <a:ea typeface="SimSun" charset="-122"/>
-              </a:rPr>
-              <a:t>multiple computational threads. </a:t>
+              <a:t>parallel processing, which refers to the use of simultaneous processors to execute an application or multiple computational threads. </a:t>
             </a:r>
           </a:p>
           <a:p>
@@ -16150,7 +16072,6 @@
               <a:rPr lang="en-US" dirty="0" smtClean="0"/>
               <a:t>Parallel Processing </a:t>
             </a:r>
-            <a:endParaRPr lang="en-US" dirty="0" smtClean="0"/>
           </a:p>
         </p:txBody>
       </p:sp>
@@ -16176,11 +16097,7 @@
           <a:p>
             <a:r>
               <a:rPr lang="en-US" sz="2400" dirty="0" smtClean="0"/>
-              <a:t>Parallel processing </a:t>
-            </a:r>
-            <a:r>
-              <a:rPr lang="en-US" sz="2400" dirty="0" smtClean="0"/>
-              <a:t>divides big applications into smaller applications and distributes tasks across multiple cores.</a:t>
+              <a:t>Parallel processing divides big applications into smaller applications and distributes tasks across multiple cores.</a:t>
             </a:r>
           </a:p>
           <a:p>
@@ -16300,13 +16217,8 @@
           <a:p>
             <a:r>
               <a:rPr lang="en-US" sz="2800" dirty="0" smtClean="0"/>
-              <a:t>Parallel </a:t>
-            </a:r>
-            <a:r>
-              <a:rPr lang="en-US" sz="2800" dirty="0" smtClean="0"/>
-              <a:t>Processing: Use Cases</a:t>
-            </a:r>
-            <a:endParaRPr lang="en-US" sz="2800" dirty="0" smtClean="0"/>
+              <a:t>Parallel Processing: Use Cases</a:t>
+            </a:r>
           </a:p>
         </p:txBody>
       </p:sp>
@@ -16588,13 +16500,8 @@
           <a:p>
             <a:r>
               <a:rPr lang="en-US" sz="2800" dirty="0" smtClean="0"/>
-              <a:t>Parallel </a:t>
-            </a:r>
-            <a:r>
-              <a:rPr lang="en-US" sz="2800" dirty="0" smtClean="0"/>
-              <a:t>Processing: Use Cases</a:t>
-            </a:r>
-            <a:endParaRPr lang="en-US" sz="2800" dirty="0" smtClean="0"/>
+              <a:t>Parallel Processing: Use Cases</a:t>
+            </a:r>
           </a:p>
         </p:txBody>
       </p:sp>

--- a/trunk/slides/Multicore Design.pptx
+++ b/trunk/slides/Multicore Design.pptx
@@ -3094,7 +3094,7 @@
               <a:pPr>
                 <a:defRPr/>
               </a:pPr>
-              <a:t>1/26/2012</a:t>
+              <a:t>2/28/2012</a:t>
             </a:fld>
             <a:endParaRPr lang="en-US"/>
           </a:p>
@@ -3286,7 +3286,7 @@
               <a:pPr>
                 <a:defRPr/>
               </a:pPr>
-              <a:t>1/26/2012</a:t>
+              <a:t>2/28/2012</a:t>
             </a:fld>
             <a:endParaRPr lang="en-US"/>
           </a:p>
@@ -3554,7 +3554,7 @@
               <a:pPr>
                 <a:defRPr/>
               </a:pPr>
-              <a:t>1/26/2012</a:t>
+              <a:t>2/28/2012</a:t>
             </a:fld>
             <a:endParaRPr lang="en-US"/>
           </a:p>
@@ -3864,7 +3864,7 @@
               <a:pPr>
                 <a:defRPr/>
               </a:pPr>
-              <a:t>1/26/2012</a:t>
+              <a:t>2/28/2012</a:t>
             </a:fld>
             <a:endParaRPr lang="en-US"/>
           </a:p>
@@ -4523,7 +4523,7 @@
               <a:pPr>
                 <a:defRPr/>
               </a:pPr>
-              <a:t>1/26/2012</a:t>
+              <a:t>2/28/2012</a:t>
             </a:fld>
             <a:endParaRPr lang="en-US"/>
           </a:p>
@@ -4663,7 +4663,7 @@
               <a:pPr>
                 <a:defRPr/>
               </a:pPr>
-              <a:t>1/26/2012</a:t>
+              <a:t>2/28/2012</a:t>
             </a:fld>
             <a:endParaRPr lang="en-US"/>
           </a:p>
@@ -4780,7 +4780,7 @@
               <a:pPr>
                 <a:defRPr/>
               </a:pPr>
-              <a:t>1/26/2012</a:t>
+              <a:t>2/28/2012</a:t>
             </a:fld>
             <a:endParaRPr lang="en-US"/>
           </a:p>
@@ -5079,7 +5079,7 @@
               <a:pPr>
                 <a:defRPr/>
               </a:pPr>
-              <a:t>1/26/2012</a:t>
+              <a:t>2/28/2012</a:t>
             </a:fld>
             <a:endParaRPr lang="en-US"/>
           </a:p>
@@ -5357,7 +5357,7 @@
               <a:pPr>
                 <a:defRPr/>
               </a:pPr>
-              <a:t>1/26/2012</a:t>
+              <a:t>2/28/2012</a:t>
             </a:fld>
             <a:endParaRPr lang="en-US"/>
           </a:p>
@@ -5549,7 +5549,7 @@
               <a:pPr>
                 <a:defRPr/>
               </a:pPr>
-              <a:t>1/26/2012</a:t>
+              <a:t>2/28/2012</a:t>
             </a:fld>
             <a:endParaRPr lang="en-US"/>
           </a:p>
@@ -5751,7 +5751,7 @@
               <a:pPr>
                 <a:defRPr/>
               </a:pPr>
-              <a:t>1/26/2012</a:t>
+              <a:t>2/28/2012</a:t>
             </a:fld>
             <a:endParaRPr lang="en-US"/>
           </a:p>
@@ -8025,8 +8025,8 @@
         </p:nvSpPr>
         <p:spPr>
           <a:xfrm>
-            <a:off x="7930120" y="6498264"/>
-            <a:ext cx="856260" cy="276999"/>
+            <a:off x="7420757" y="6498264"/>
+            <a:ext cx="1357103" cy="276999"/>
           </a:xfrm>
           <a:prstGeom prst="rect">
             <a:avLst/>
@@ -8050,6 +8050,26 @@
               </a:spcAft>
               <a:defRPr/>
             </a:pPr>
+            <a:r>
+              <a:rPr lang="en-US" sz="1200" dirty="0" smtClean="0">
+                <a:ln w="10541" cmpd="sng">
+                  <a:solidFill>
+                    <a:srgbClr val="7D7D7D">
+                      <a:tint val="100000"/>
+                      <a:shade val="100000"/>
+                      <a:satMod val="110000"/>
+                    </a:srgbClr>
+                  </a:solidFill>
+                  <a:prstDash val="solid"/>
+                </a:ln>
+                <a:solidFill>
+                  <a:srgbClr val="000000"/>
+                </a:solidFill>
+                <a:latin typeface="Calibri"/>
+                <a:cs typeface="Arial" charset="0"/>
+              </a:rPr>
+              <a:t>Multicore </a:t>
+            </a:r>
             <a:r>
               <a:rPr lang="en-US" sz="1200" dirty="0">
                 <a:ln w="10541" cmpd="sng">
@@ -8068,7 +8088,7 @@
                 <a:latin typeface="Calibri"/>
                 <a:cs typeface="Arial" charset="0"/>
               </a:rPr>
-              <a:t>CI Training</a:t>
+              <a:t>Training</a:t>
             </a:r>
           </a:p>
         </p:txBody>
@@ -8638,7 +8658,7 @@
               <a:pPr>
                 <a:defRPr/>
               </a:pPr>
-              <a:t>1/26/2012</a:t>
+              <a:t>2/28/2012</a:t>
             </a:fld>
             <a:endParaRPr lang="en-US"/>
           </a:p>
@@ -10023,8 +10043,8 @@
         </p:nvSpPr>
         <p:spPr bwMode="auto">
           <a:xfrm>
-            <a:off x="657225" y="1736725"/>
-            <a:ext cx="7602538" cy="4659313"/>
+            <a:off x="601238" y="700984"/>
+            <a:ext cx="7805643" cy="4462760"/>
           </a:xfrm>
           <a:prstGeom prst="rect">
             <a:avLst/>
@@ -10038,7 +10058,7 @@
           </a:ln>
         </p:spPr>
         <p:txBody>
-          <a:bodyPr>
+          <a:bodyPr wrap="square">
             <a:spAutoFit/>
           </a:bodyPr>
           <a:lstStyle/>
@@ -10051,7 +10071,7 @@
               <a:buChar char="•"/>
             </a:pPr>
             <a:r>
-              <a:rPr lang="en-US" altLang="zh-CN" b="0">
+              <a:rPr lang="en-US" altLang="zh-CN" sz="2000" b="0" dirty="0">
                 <a:ea typeface="SimSun" charset="-122"/>
               </a:rPr>
               <a:t>A short introduction to video encoding</a:t>
@@ -10066,7 +10086,7 @@
               <a:buChar char="•"/>
             </a:pPr>
             <a:r>
-              <a:rPr lang="en-US" altLang="zh-CN" b="0">
+              <a:rPr lang="en-US" altLang="zh-CN" sz="2000" b="0" dirty="0">
                 <a:ea typeface="SimSun" charset="-122"/>
               </a:rPr>
               <a:t>Pixel format</a:t>
@@ -10081,10 +10101,16 @@
               <a:buChar char="•"/>
             </a:pPr>
             <a:r>
-              <a:rPr lang="en-US" altLang="zh-CN" b="0">
+              <a:rPr lang="en-US" altLang="zh-CN" sz="2000" b="0" dirty="0" err="1">
                 <a:ea typeface="SimSun" charset="-122"/>
               </a:rPr>
-              <a:t>Macroblocks  </a:t>
+              <a:t>Macroblocks</a:t>
+            </a:r>
+            <a:r>
+              <a:rPr lang="en-US" altLang="zh-CN" sz="2000" b="0" dirty="0">
+                <a:ea typeface="SimSun" charset="-122"/>
+              </a:rPr>
+              <a:t>  </a:t>
             </a:r>
           </a:p>
           <a:p>
@@ -10096,7 +10122,7 @@
               <a:buChar char="•"/>
             </a:pPr>
             <a:r>
-              <a:rPr lang="en-US" altLang="zh-CN" b="0">
+              <a:rPr lang="en-US" altLang="zh-CN" sz="2000" b="0" dirty="0">
                 <a:ea typeface="SimSun" charset="-122"/>
               </a:rPr>
               <a:t>Performance numbers and limitations</a:t>
@@ -10111,7 +10137,7 @@
               <a:buChar char="•"/>
             </a:pPr>
             <a:r>
-              <a:rPr lang="en-US" altLang="zh-CN" b="0">
+              <a:rPr lang="en-US" altLang="zh-CN" sz="2000" b="0" dirty="0">
                 <a:ea typeface="SimSun" charset="-122"/>
               </a:rPr>
               <a:t>Motion estimation </a:t>
@@ -10126,7 +10152,7 @@
               <a:buChar char="•"/>
             </a:pPr>
             <a:r>
-              <a:rPr lang="en-US" altLang="zh-CN" b="0">
+              <a:rPr lang="en-US" altLang="zh-CN" sz="2000" b="0" dirty="0">
                 <a:ea typeface="SimSun" charset="-122"/>
               </a:rPr>
               <a:t>Encoding</a:t>
@@ -10141,7 +10167,7 @@
               <a:buChar char="•"/>
             </a:pPr>
             <a:r>
-              <a:rPr lang="en-US" altLang="zh-CN" b="0">
+              <a:rPr lang="en-US" altLang="zh-CN" sz="2000" b="0" dirty="0">
                 <a:ea typeface="SimSun" charset="-122"/>
               </a:rPr>
               <a:t>Entropy encoder </a:t>
@@ -10156,7 +10182,7 @@
               <a:buChar char="•"/>
             </a:pPr>
             <a:r>
-              <a:rPr lang="en-US" altLang="zh-CN" b="0">
+              <a:rPr lang="en-US" altLang="zh-CN" sz="2000" b="0" dirty="0">
                 <a:ea typeface="SimSun" charset="-122"/>
               </a:rPr>
               <a:t>Reconstruction</a:t>
@@ -10171,7 +10197,7 @@
               <a:buChar char="•"/>
             </a:pPr>
             <a:r>
-              <a:rPr lang="en-US" altLang="zh-CN" b="0">
+              <a:rPr lang="en-US" altLang="zh-CN" sz="2000" b="0" dirty="0">
                 <a:ea typeface="SimSun" charset="-122"/>
               </a:rPr>
               <a:t>Data in and out of the system</a:t>
@@ -10186,7 +10212,7 @@
               <a:buChar char="•"/>
             </a:pPr>
             <a:r>
-              <a:rPr lang="en-US" altLang="zh-CN" b="0">
+              <a:rPr lang="en-US" altLang="zh-CN" sz="2000" b="0" dirty="0">
                 <a:ea typeface="SimSun" charset="-122"/>
               </a:rPr>
               <a:t>DDR bandwidth</a:t>
@@ -10201,7 +10227,7 @@
               <a:buChar char="•"/>
             </a:pPr>
             <a:r>
-              <a:rPr lang="en-US" altLang="zh-CN" b="0">
+              <a:rPr lang="en-US" altLang="zh-CN" sz="2000" b="0" dirty="0">
                 <a:ea typeface="SimSun" charset="-122"/>
               </a:rPr>
               <a:t>Synchronization, data movement</a:t>
@@ -10216,31 +10242,18 @@
               <a:buChar char="•"/>
             </a:pPr>
             <a:r>
-              <a:rPr lang="en-US" altLang="zh-CN" b="0">
+              <a:rPr lang="en-US" altLang="zh-CN" sz="2000" b="0" dirty="0">
                 <a:ea typeface="SimSun" charset="-122"/>
               </a:rPr>
-              <a:t>System architecture</a:t>
-            </a:r>
-          </a:p>
-          <a:p>
-            <a:pPr marL="800100" lvl="1" indent="-342900" eaLnBrk="0" hangingPunct="0">
-              <a:spcBef>
-                <a:spcPct val="20000"/>
-              </a:spcBef>
-            </a:pPr>
-            <a:endParaRPr lang="en-US" altLang="zh-CN" b="0">
-              <a:ea typeface="SimSun" charset="-122"/>
-            </a:endParaRPr>
-          </a:p>
-          <a:p>
-            <a:pPr marL="342900" indent="-342900" eaLnBrk="0" hangingPunct="0">
-              <a:spcBef>
-                <a:spcPct val="20000"/>
-              </a:spcBef>
-              <a:buFontTx/>
-              <a:buChar char="•"/>
-            </a:pPr>
-            <a:endParaRPr lang="en-US" altLang="zh-CN" b="0">
+              <a:t>System </a:t>
+            </a:r>
+            <a:r>
+              <a:rPr lang="en-US" altLang="zh-CN" sz="2000" b="0" dirty="0" smtClean="0">
+                <a:ea typeface="SimSun" charset="-122"/>
+              </a:rPr>
+              <a:t>architecture</a:t>
+            </a:r>
+            <a:endParaRPr lang="en-US" altLang="zh-CN" sz="2000" b="0" dirty="0">
               <a:ea typeface="SimSun" charset="-122"/>
             </a:endParaRPr>
           </a:p>
@@ -10294,11 +10307,11 @@
           <a:lstStyle/>
           <a:p>
             <a:r>
-              <a:rPr lang="en-US" sz="3200" dirty="0" err="1" smtClean="0"/>
+              <a:rPr lang="en-US" dirty="0" err="1" smtClean="0"/>
               <a:t>Macroblock</a:t>
             </a:r>
             <a:r>
-              <a:rPr lang="en-US" sz="3200" dirty="0" smtClean="0"/>
+              <a:rPr lang="en-US" dirty="0" smtClean="0"/>
               <a:t> and Pixel Data</a:t>
             </a:r>
           </a:p>
@@ -10667,21 +10680,26 @@
             <p:ph type="title"/>
           </p:nvPr>
         </p:nvSpPr>
-        <p:spPr/>
+        <p:spPr>
+          <a:xfrm>
+            <a:off x="342900" y="83979"/>
+            <a:ext cx="8458200" cy="657225"/>
+          </a:xfrm>
+        </p:spPr>
         <p:txBody>
           <a:bodyPr/>
           <a:lstStyle/>
           <a:p>
             <a:r>
-              <a:rPr lang="en-US" sz="2800" dirty="0" smtClean="0"/>
+              <a:rPr lang="en-US" dirty="0" smtClean="0"/>
               <a:t>Video Encoder Flow (per </a:t>
             </a:r>
             <a:r>
-              <a:rPr lang="en-US" sz="2800" dirty="0" err="1" smtClean="0"/>
+              <a:rPr lang="en-US" dirty="0" err="1" smtClean="0"/>
               <a:t>Macroblock</a:t>
             </a:r>
             <a:r>
-              <a:rPr lang="en-US" sz="2800" dirty="0" smtClean="0"/>
+              <a:rPr lang="en-US" dirty="0" smtClean="0"/>
               <a:t>)</a:t>
             </a:r>
           </a:p>
@@ -14568,8 +14586,8 @@
         </p:nvSpPr>
         <p:spPr bwMode="auto">
           <a:xfrm>
-            <a:off x="0" y="0"/>
-            <a:ext cx="9144000" cy="457200"/>
+            <a:off x="0" y="99916"/>
+            <a:ext cx="9144000" cy="369332"/>
           </a:xfrm>
           <a:prstGeom prst="rect">
             <a:avLst/>
@@ -14583,7 +14601,7 @@
           </a:ln>
         </p:spPr>
         <p:txBody>
-          <a:bodyPr wrap="none" anchor="ctr">
+          <a:bodyPr wrap="square" anchor="ctr">
             <a:spAutoFit/>
           </a:bodyPr>
           <a:lstStyle/>
@@ -14607,7 +14625,7 @@
         </p:xfrm>
         <a:graphic>
           <a:graphicData uri="http://schemas.openxmlformats.org/presentationml/2006/ole">
-            <p:oleObj spid="_x0000_s1026" name="Visio" r:id="rId4" imgW="3786183" imgH="6541581" progId="Visio.Drawing.11">
+            <p:oleObj spid="_x0000_s1026" name="Visio" r:id="rId4" imgW="3786183" imgH="6541581" progId="">
               <p:embed/>
             </p:oleObj>
           </a:graphicData>
@@ -14654,7 +14672,7 @@
           <a:lstStyle/>
           <a:p>
             <a:r>
-              <a:rPr lang="en-US" sz="2800" smtClean="0"/>
+              <a:rPr lang="en-US" dirty="0" smtClean="0"/>
               <a:t>Video Coding Algorithm Limitations</a:t>
             </a:r>
           </a:p>
@@ -14822,14 +14840,27 @@
             <p:ph type="title"/>
           </p:nvPr>
         </p:nvSpPr>
-        <p:spPr/>
+        <p:spPr>
+          <a:xfrm>
+            <a:off x="139959" y="0"/>
+            <a:ext cx="8826759" cy="657225"/>
+          </a:xfrm>
+        </p:spPr>
         <p:txBody>
           <a:bodyPr/>
           <a:lstStyle/>
           <a:p>
             <a:r>
-              <a:rPr lang="en-US" sz="2400" dirty="0" smtClean="0"/>
-              <a:t>How Many Channels Can One TMS320C6678 Process?</a:t>
+              <a:rPr lang="en-US" sz="3000" dirty="0" smtClean="0"/>
+              <a:t>How Many Channels Can One </a:t>
+            </a:r>
+            <a:r>
+              <a:rPr lang="en-US" sz="3000" dirty="0" smtClean="0"/>
+              <a:t>C6678 </a:t>
+            </a:r>
+            <a:r>
+              <a:rPr lang="en-US" sz="3000" dirty="0" smtClean="0"/>
+              <a:t>Process?</a:t>
             </a:r>
           </a:p>
         </p:txBody>
@@ -14855,69 +14886,76 @@
           <a:lstStyle/>
           <a:p>
             <a:r>
-              <a:rPr lang="en-US" smtClean="0"/>
-              <a:t>Looks like 2 channels; Each one uses 4 cores</a:t>
+              <a:rPr lang="en-US" dirty="0" smtClean="0"/>
+              <a:t>Looks like two channels;</a:t>
+            </a:r>
+            <a:br>
+              <a:rPr lang="en-US" dirty="0" smtClean="0"/>
+            </a:br>
+            <a:r>
+              <a:rPr lang="en-US" dirty="0" smtClean="0"/>
+              <a:t>Each one uses four cores.</a:t>
             </a:r>
           </a:p>
           <a:p>
             <a:pPr lvl="1"/>
             <a:r>
-              <a:rPr lang="en-US" smtClean="0"/>
+              <a:rPr lang="en-US" dirty="0" smtClean="0"/>
               <a:t>Two cores for motion estimation</a:t>
             </a:r>
           </a:p>
           <a:p>
             <a:pPr lvl="1"/>
             <a:r>
-              <a:rPr lang="en-US" smtClean="0"/>
+              <a:rPr lang="en-US" dirty="0" smtClean="0"/>
               <a:t>One core for entropy encoding</a:t>
             </a:r>
           </a:p>
           <a:p>
             <a:pPr lvl="1"/>
             <a:r>
-              <a:rPr lang="en-US" smtClean="0"/>
+              <a:rPr lang="en-US" dirty="0" smtClean="0"/>
               <a:t>One core for everything else</a:t>
             </a:r>
           </a:p>
           <a:p>
             <a:r>
-              <a:rPr lang="en-US" smtClean="0"/>
+              <a:rPr lang="en-US" dirty="0" smtClean="0"/>
               <a:t>What other resources are needed?</a:t>
             </a:r>
           </a:p>
           <a:p>
             <a:pPr lvl="1"/>
             <a:r>
-              <a:rPr lang="en-US" smtClean="0"/>
+              <a:rPr lang="en-US" dirty="0" smtClean="0"/>
               <a:t>Streaming data in and out of the system</a:t>
             </a:r>
           </a:p>
           <a:p>
             <a:pPr lvl="1"/>
             <a:r>
-              <a:rPr lang="en-US" smtClean="0"/>
+              <a:rPr lang="en-US" dirty="0" smtClean="0"/>
               <a:t>Store and load data to and from DDR</a:t>
             </a:r>
           </a:p>
           <a:p>
             <a:pPr lvl="1"/>
             <a:r>
-              <a:rPr lang="en-US" smtClean="0"/>
+              <a:rPr lang="en-US" dirty="0" smtClean="0"/>
               <a:t>Internal bus bandwidth</a:t>
             </a:r>
           </a:p>
           <a:p>
             <a:pPr lvl="1"/>
             <a:r>
-              <a:rPr lang="en-US" smtClean="0"/>
+              <a:rPr lang="en-US" dirty="0" smtClean="0"/>
               <a:t>DMA availability</a:t>
             </a:r>
           </a:p>
           <a:p>
             <a:pPr lvl="1"/>
             <a:r>
-              <a:rPr lang="en-US" smtClean="0"/>
+              <a:rPr lang="en-US" dirty="0" smtClean="0"/>
               <a:t>Synchronization between cores, especially if trying to minimize delay</a:t>
             </a:r>
           </a:p>
@@ -14998,69 +15036,125 @@
           <a:lstStyle/>
           <a:p>
             <a:r>
-              <a:rPr lang="en-US" smtClean="0"/>
-              <a:t>Stream data in and out of the system</a:t>
+              <a:rPr lang="en-US" dirty="0" smtClean="0"/>
+              <a:t>Stream data in and out of the system:</a:t>
             </a:r>
           </a:p>
           <a:p>
             <a:pPr lvl="1"/>
             <a:r>
-              <a:rPr lang="en-US" sz="2000" smtClean="0"/>
+              <a:rPr lang="en-US" sz="2000" dirty="0" smtClean="0"/>
               <a:t>Raw data: 1920 * 1080 * 1.5  = 3,110,400 bytes per frame</a:t>
             </a:r>
             <a:br>
-              <a:rPr lang="en-US" sz="2000" smtClean="0"/>
+              <a:rPr lang="en-US" sz="2000" dirty="0" smtClean="0"/>
             </a:br>
             <a:r>
-              <a:rPr lang="en-US" sz="2000" smtClean="0"/>
+              <a:rPr lang="en-US" sz="2000" dirty="0" smtClean="0"/>
               <a:t>= 24.883200 bits per frame (~25M bits per frame)</a:t>
             </a:r>
           </a:p>
           <a:p>
             <a:pPr lvl="1"/>
             <a:r>
-              <a:rPr lang="en-US" sz="2000" smtClean="0"/>
+              <a:rPr lang="en-US" sz="2000" dirty="0" smtClean="0"/>
               <a:t>At 30 frames per second, the input is 750 Mbps</a:t>
             </a:r>
           </a:p>
           <a:p>
             <a:pPr lvl="1"/>
             <a:r>
-              <a:rPr lang="en-US" sz="2000" smtClean="0"/>
+              <a:rPr lang="en-US" sz="2000" dirty="0" smtClean="0"/>
               <a:t>NOTE: The order of raw data for a frame is Y component first, followed by U and V</a:t>
             </a:r>
           </a:p>
           <a:p>
             <a:r>
-              <a:rPr lang="en-US" smtClean="0"/>
+              <a:rPr lang="en-US" dirty="0" smtClean="0"/>
               <a:t>750 Mbps input requires one of the following:</a:t>
             </a:r>
           </a:p>
           <a:p>
             <a:pPr lvl="1"/>
             <a:r>
-              <a:rPr lang="en-US" sz="2000" smtClean="0"/>
-              <a:t>One SRIO lane (5 Gbps raw, about 3.5 Gbps of payload), </a:t>
+              <a:rPr lang="en-US" sz="2000" dirty="0" smtClean="0"/>
+              <a:t>One SRIO lane (5 </a:t>
+            </a:r>
+            <a:r>
+              <a:rPr lang="en-US" sz="2000" dirty="0" err="1" smtClean="0"/>
+              <a:t>Gbps</a:t>
+            </a:r>
+            <a:r>
+              <a:rPr lang="en-US" sz="2000" dirty="0" smtClean="0"/>
+              <a:t> raw, about 3.5 </a:t>
+            </a:r>
+            <a:r>
+              <a:rPr lang="en-US" sz="2000" dirty="0" err="1" smtClean="0"/>
+              <a:t>Gbps</a:t>
+            </a:r>
+            <a:r>
+              <a:rPr lang="en-US" sz="2000" dirty="0" smtClean="0"/>
+              <a:t> of payload), </a:t>
             </a:r>
           </a:p>
           <a:p>
             <a:pPr lvl="1"/>
             <a:r>
-              <a:rPr lang="en-US" sz="2000" smtClean="0"/>
-              <a:t>One PCIe lane (5 Gbps raw)</a:t>
+              <a:rPr lang="en-US" sz="2000" dirty="0" smtClean="0"/>
+              <a:t>One </a:t>
+            </a:r>
+            <a:r>
+              <a:rPr lang="en-US" sz="2000" dirty="0" err="1" smtClean="0"/>
+              <a:t>PCIe</a:t>
+            </a:r>
+            <a:r>
+              <a:rPr lang="en-US" sz="2000" dirty="0" smtClean="0"/>
+              <a:t> lane (5 </a:t>
+            </a:r>
+            <a:r>
+              <a:rPr lang="en-US" sz="2000" dirty="0" err="1" smtClean="0"/>
+              <a:t>Gbps</a:t>
+            </a:r>
+            <a:r>
+              <a:rPr lang="en-US" sz="2000" dirty="0" smtClean="0"/>
+              <a:t> raw)</a:t>
             </a:r>
           </a:p>
           <a:p>
             <a:pPr lvl="1"/>
             <a:r>
-              <a:rPr lang="en-US" sz="2000" smtClean="0"/>
-              <a:t>NOTE: KeyStone devices provide four SRIO lanes and two PCIe lanes</a:t>
-            </a:r>
-          </a:p>
-          <a:p>
-            <a:r>
-              <a:rPr lang="en-US" smtClean="0"/>
-              <a:t>Compressed data (e.g., 10 to 20 Mbps) can use SGMII (10M/100M/1G) or SRIO or PCIe.</a:t>
+              <a:rPr lang="en-US" sz="2000" dirty="0" smtClean="0"/>
+              <a:t>NOTE: </a:t>
+            </a:r>
+            <a:r>
+              <a:rPr lang="en-US" sz="2000" dirty="0" err="1" smtClean="0"/>
+              <a:t>KeyStone</a:t>
+            </a:r>
+            <a:r>
+              <a:rPr lang="en-US" sz="2000" dirty="0" smtClean="0"/>
+              <a:t> devices provide four SRIO lanes and two </a:t>
+            </a:r>
+            <a:r>
+              <a:rPr lang="en-US" sz="2000" dirty="0" err="1" smtClean="0"/>
+              <a:t>PCIe</a:t>
+            </a:r>
+            <a:r>
+              <a:rPr lang="en-US" sz="2000" dirty="0" smtClean="0"/>
+              <a:t> lanes</a:t>
+            </a:r>
+          </a:p>
+          <a:p>
+            <a:r>
+              <a:rPr lang="en-US" dirty="0" smtClean="0"/>
+              <a:t>Compressed data (e.g., 10 to 20 Mbps) can use SGMII (10M/100M/1G) or SRIO or </a:t>
+            </a:r>
+            <a:r>
+              <a:rPr lang="en-US" dirty="0" err="1" smtClean="0"/>
+              <a:t>PCIe</a:t>
+            </a:r>
+            <a:r>
+              <a:rPr lang="en-US" dirty="0" smtClean="0"/>
+              <a:t>.</a:t>
             </a:r>
           </a:p>
         </p:txBody>
@@ -15113,7 +15207,7 @@
           <a:lstStyle/>
           <a:p>
             <a:r>
-              <a:rPr lang="en-US" sz="2800" smtClean="0"/>
+              <a:rPr lang="en-US" dirty="0" smtClean="0"/>
               <a:t>How Many Accesses to the DDR?</a:t>
             </a:r>
           </a:p>
@@ -15311,8 +15405,8 @@
           <a:lstStyle/>
           <a:p>
             <a:r>
-              <a:rPr lang="en-US" sz="2800" dirty="0" smtClean="0"/>
-              <a:t>How Does this Access Avoid Contention?</a:t>
+              <a:rPr lang="en-US" sz="3200" dirty="0" smtClean="0"/>
+              <a:t>How Does This Access Avoid Contention?</a:t>
             </a:r>
           </a:p>
         </p:txBody>
@@ -15352,7 +15446,15 @@
           <a:p>
             <a:r>
               <a:rPr lang="en-US" sz="2400" dirty="0" smtClean="0"/>
-              <a:t>The DDR3 raw bandwidth is more than 10 Gbps (1333 MHz clock and 64 bits). 10% utilization reduces contention possibilities.</a:t>
+              <a:t>The DDR3 raw bandwidth is more than 10 </a:t>
+            </a:r>
+            <a:r>
+              <a:rPr lang="en-US" sz="2400" dirty="0" err="1" smtClean="0"/>
+              <a:t>GBps</a:t>
+            </a:r>
+            <a:r>
+              <a:rPr lang="en-US" sz="2400" dirty="0" smtClean="0"/>
+              <a:t> (1333 MHz clock and 64 bits). 10% utilization reduces contention possibilities.</a:t>
             </a:r>
           </a:p>
           <a:p>
@@ -15361,7 +15463,7 @@
               <a:t>DDR3 DMA uses TeraNet with clock/3 and 128 bits. TeraNet bandwidth is 400 MHz * 16B = 6.4 </a:t>
             </a:r>
             <a:r>
-              <a:rPr lang="en-US" sz="2400" smtClean="0"/>
+              <a:rPr lang="en-US" sz="2400" dirty="0" err="1" smtClean="0"/>
               <a:t>GBps</a:t>
             </a:r>
             <a:r>
@@ -15417,21 +15519,26 @@
             <p:ph type="title"/>
           </p:nvPr>
         </p:nvSpPr>
-        <p:spPr/>
+        <p:spPr>
+          <a:xfrm>
+            <a:off x="195943" y="18662"/>
+            <a:ext cx="8742784" cy="657225"/>
+          </a:xfrm>
+        </p:spPr>
         <p:txBody>
           <a:bodyPr/>
           <a:lstStyle/>
           <a:p>
             <a:r>
-              <a:rPr lang="en-US" sz="2800" dirty="0" smtClean="0"/>
+              <a:rPr lang="en-US" dirty="0" smtClean="0"/>
               <a:t>KeyStone </a:t>
             </a:r>
             <a:r>
-              <a:rPr lang="en-US" sz="2800" dirty="0" err="1" smtClean="0"/>
+              <a:rPr lang="en-US" dirty="0" err="1" smtClean="0"/>
               <a:t>SoC</a:t>
             </a:r>
             <a:r>
-              <a:rPr lang="en-US" sz="2800" dirty="0" smtClean="0"/>
+              <a:rPr lang="en-US" dirty="0" smtClean="0"/>
               <a:t> Architecture Resources </a:t>
             </a:r>
           </a:p>
@@ -15464,7 +15571,7 @@
             </a:pPr>
             <a:r>
               <a:rPr lang="en-US" dirty="0" smtClean="0"/>
-              <a:t>10 EDMA controllers with 144 EDMA channels and 1152 </a:t>
+              <a:t>10 EDMA transfer controllers with 144 EDMA channels and 1152 </a:t>
             </a:r>
             <a:r>
               <a:rPr lang="en-US" dirty="0" err="1" smtClean="0"/>
@@ -16015,7 +16122,7 @@
         </p:xfrm>
         <a:graphic>
           <a:graphicData uri="http://schemas.openxmlformats.org/presentationml/2006/ole">
-            <p:oleObj spid="_x0000_s2050" name="Visio" r:id="rId3" imgW="9655632" imgH="4762230" progId="Visio.Drawing.11">
+            <p:oleObj spid="_x0000_s2050" name="Visio" r:id="rId3" imgW="9655632" imgH="4762230" progId="">
               <p:embed/>
             </p:oleObj>
           </a:graphicData>
@@ -16216,7 +16323,7 @@
           <a:lstStyle/>
           <a:p>
             <a:r>
-              <a:rPr lang="en-US" sz="2800" dirty="0" smtClean="0"/>
+              <a:rPr lang="en-US" dirty="0" smtClean="0"/>
               <a:t>Parallel Processing: Use Cases</a:t>
             </a:r>
           </a:p>
@@ -16499,7 +16606,7 @@
           <a:lstStyle/>
           <a:p>
             <a:r>
-              <a:rPr lang="en-US" sz="2800" dirty="0" smtClean="0"/>
+              <a:rPr lang="en-US" dirty="0" smtClean="0"/>
               <a:t>Parallel Processing: Use Cases</a:t>
             </a:r>
           </a:p>
@@ -16789,7 +16896,7 @@
           <a:lstStyle/>
           <a:p>
             <a:r>
-              <a:rPr lang="en-US" sz="3200" smtClean="0"/>
+              <a:rPr lang="en-US" dirty="0" smtClean="0"/>
               <a:t>Parallel Processing: Control Models</a:t>
             </a:r>
           </a:p>
@@ -16811,72 +16918,77 @@
           <a:lstStyle/>
           <a:p>
             <a:r>
-              <a:rPr lang="en-US" b="1" smtClean="0"/>
+              <a:rPr lang="en-US" b="1" dirty="0" smtClean="0"/>
               <a:t>Master Slave Model</a:t>
             </a:r>
           </a:p>
           <a:p>
             <a:pPr lvl="1"/>
             <a:r>
-              <a:rPr lang="en-US" sz="2000" smtClean="0"/>
+              <a:rPr lang="en-US" sz="2000" dirty="0" smtClean="0"/>
               <a:t>Multiple speech processing</a:t>
             </a:r>
           </a:p>
           <a:p>
             <a:pPr lvl="1"/>
             <a:r>
-              <a:rPr lang="en-US" sz="2000" smtClean="0"/>
+              <a:rPr lang="en-US" sz="2000" dirty="0" smtClean="0"/>
               <a:t>Variable-size, short FFT</a:t>
             </a:r>
           </a:p>
           <a:p>
             <a:pPr lvl="1"/>
             <a:r>
-              <a:rPr lang="en-US" sz="2000" smtClean="0"/>
+              <a:rPr lang="en-US" sz="2000" dirty="0" smtClean="0"/>
               <a:t>Video encoder slice processing</a:t>
             </a:r>
           </a:p>
           <a:p>
             <a:pPr lvl="1"/>
             <a:r>
-              <a:rPr lang="en-US" sz="2000" smtClean="0"/>
+              <a:rPr lang="en-US" sz="2000" dirty="0" smtClean="0"/>
               <a:t>VLFFT</a:t>
             </a:r>
           </a:p>
           <a:p>
             <a:r>
-              <a:rPr lang="en-US" b="1" smtClean="0"/>
+              <a:rPr lang="en-US" b="1" dirty="0" smtClean="0"/>
               <a:t>Data Flow Model</a:t>
             </a:r>
           </a:p>
           <a:p>
             <a:pPr lvl="1"/>
             <a:r>
-              <a:rPr lang="en-US" sz="2000" smtClean="0"/>
+              <a:rPr lang="en-US" sz="2000" dirty="0" smtClean="0"/>
               <a:t>High quality video encoder</a:t>
             </a:r>
           </a:p>
           <a:p>
             <a:pPr lvl="1"/>
             <a:r>
-              <a:rPr lang="en-US" sz="2000" smtClean="0"/>
+              <a:rPr lang="en-US" sz="2000" dirty="0" smtClean="0"/>
               <a:t>Video decoder</a:t>
             </a:r>
           </a:p>
           <a:p>
             <a:pPr lvl="1"/>
             <a:r>
-              <a:rPr lang="en-US" sz="2000" smtClean="0"/>
-              <a:t>Video transcoder</a:t>
-            </a:r>
+              <a:rPr lang="en-US" sz="2000" dirty="0" smtClean="0"/>
+              <a:t>Video </a:t>
+            </a:r>
+            <a:r>
+              <a:rPr lang="en-US" sz="2000" dirty="0" err="1" smtClean="0"/>
+              <a:t>transcoder</a:t>
+            </a:r>
+            <a:endParaRPr lang="en-US" sz="2000" dirty="0" smtClean="0"/>
           </a:p>
           <a:p>
             <a:pPr lvl="1"/>
             <a:r>
-              <a:rPr lang="en-US" sz="2000" smtClean="0"/>
+              <a:rPr lang="en-US" sz="2000" dirty="0" smtClean="0"/>
               <a:t>LTE physical layer</a:t>
             </a:r>
-            <a:endParaRPr lang="en-US" smtClean="0"/>
+            <a:endParaRPr lang="en-US" dirty="0" smtClean="0"/>
           </a:p>
         </p:txBody>
       </p:sp>
@@ -17627,7 +17739,7 @@
           <a:lstStyle/>
           <a:p>
             <a:r>
-              <a:rPr lang="en-US" sz="2800" smtClean="0"/>
+              <a:rPr lang="en-US" sz="2800" dirty="0" smtClean="0"/>
               <a:t>Parallel Processing: Partitioning Considerations</a:t>
             </a:r>
           </a:p>
@@ -17654,7 +17766,7 @@
               </a:lnSpc>
             </a:pPr>
             <a:r>
-              <a:rPr lang="en-US" sz="2400" b="1" smtClean="0"/>
+              <a:rPr lang="en-US" sz="2400" b="1" dirty="0" smtClean="0"/>
               <a:t>Function driven</a:t>
             </a:r>
           </a:p>
@@ -17665,7 +17777,7 @@
               </a:lnSpc>
             </a:pPr>
             <a:r>
-              <a:rPr lang="en-US" sz="2000" smtClean="0"/>
+              <a:rPr lang="en-US" sz="2000" dirty="0" smtClean="0"/>
               <a:t>Large tasks are divided into function blocks</a:t>
             </a:r>
           </a:p>
@@ -17676,7 +17788,7 @@
               </a:lnSpc>
             </a:pPr>
             <a:r>
-              <a:rPr lang="en-US" sz="2000" smtClean="0"/>
+              <a:rPr lang="en-US" sz="2000" dirty="0" smtClean="0"/>
               <a:t>Function blocks are assigned to each core</a:t>
             </a:r>
           </a:p>
@@ -17687,7 +17799,7 @@
               </a:lnSpc>
             </a:pPr>
             <a:r>
-              <a:rPr lang="en-US" sz="2000" smtClean="0"/>
+              <a:rPr lang="en-US" sz="2000" dirty="0" smtClean="0"/>
               <a:t>The output of one core is the input of the next core</a:t>
             </a:r>
           </a:p>
@@ -17698,7 +17810,7 @@
               </a:lnSpc>
             </a:pPr>
             <a:r>
-              <a:rPr lang="en-US" sz="2000" smtClean="0"/>
+              <a:rPr lang="en-US" sz="2000" dirty="0" smtClean="0"/>
               <a:t>Use cases: H.264 high quality encoding and decoding, LTE</a:t>
             </a:r>
           </a:p>
@@ -17709,7 +17821,7 @@
               </a:lnSpc>
             </a:pPr>
             <a:r>
-              <a:rPr lang="en-US" sz="2400" b="1" smtClean="0"/>
+              <a:rPr lang="en-US" sz="2400" b="1" dirty="0" smtClean="0"/>
               <a:t>Data driven</a:t>
             </a:r>
           </a:p>
@@ -17720,7 +17832,7 @@
               </a:lnSpc>
             </a:pPr>
             <a:r>
-              <a:rPr lang="en-US" sz="2000" smtClean="0"/>
+              <a:rPr lang="en-US" sz="2000" dirty="0" smtClean="0"/>
               <a:t>Large data sets are divided into smaller data sets</a:t>
             </a:r>
           </a:p>
@@ -17731,7 +17843,7 @@
               </a:lnSpc>
             </a:pPr>
             <a:r>
-              <a:rPr lang="en-US" sz="2000" smtClean="0"/>
+              <a:rPr lang="en-US" sz="2000" dirty="0" smtClean="0"/>
               <a:t>All cores perform the same process on different blocks of data</a:t>
             </a:r>
           </a:p>
@@ -17742,7 +17854,7 @@
               </a:lnSpc>
             </a:pPr>
             <a:r>
-              <a:rPr lang="en-US" sz="2000" smtClean="0"/>
+              <a:rPr lang="en-US" sz="2000" dirty="0" smtClean="0"/>
               <a:t>Use cases: image processing, multi-channel speech processing, sliced-based encoder </a:t>
             </a:r>
           </a:p>

--- a/trunk/slides/Multicore Design.pptx
+++ b/trunk/slides/Multicore Design.pptx
@@ -23,7 +23,7 @@
     <p:sldId id="660" r:id="rId11"/>
     <p:sldId id="661" r:id="rId12"/>
     <p:sldId id="662" r:id="rId13"/>
-    <p:sldId id="670" r:id="rId14"/>
+    <p:sldId id="694" r:id="rId14"/>
     <p:sldId id="684" r:id="rId15"/>
     <p:sldId id="685" r:id="rId16"/>
     <p:sldId id="686" r:id="rId17"/>
@@ -964,6 +964,859 @@
 </p:notes>
 </file>
 
+<file path=ppt/notesSlides/notesSlide10.xml><?xml version="1.0" encoding="utf-8"?>
+<p:notes xmlns:a="http://schemas.openxmlformats.org/drawingml/2006/main" xmlns:r="http://schemas.openxmlformats.org/officeDocument/2006/relationships" xmlns:p="http://schemas.openxmlformats.org/presentationml/2006/main">
+  <p:cSld>
+    <p:spTree>
+      <p:nvGrpSpPr>
+        <p:cNvPr id="1" name=""/>
+        <p:cNvGrpSpPr/>
+        <p:nvPr/>
+      </p:nvGrpSpPr>
+      <p:grpSpPr>
+        <a:xfrm>
+          <a:off x="0" y="0"/>
+          <a:ext cx="0" cy="0"/>
+          <a:chOff x="0" y="0"/>
+          <a:chExt cx="0" cy="0"/>
+        </a:xfrm>
+      </p:grpSpPr>
+      <p:sp>
+        <p:nvSpPr>
+          <p:cNvPr id="44033" name="Slide Image Placeholder 1"/>
+          <p:cNvSpPr>
+            <a:spLocks noGrp="1" noRot="1" noChangeAspect="1" noTextEdit="1"/>
+          </p:cNvSpPr>
+          <p:nvPr>
+            <p:ph type="sldImg"/>
+          </p:nvPr>
+        </p:nvSpPr>
+        <p:spPr>
+          <a:ln/>
+        </p:spPr>
+      </p:sp>
+      <p:sp>
+        <p:nvSpPr>
+          <p:cNvPr id="44034" name="Notes Placeholder 2"/>
+          <p:cNvSpPr>
+            <a:spLocks noGrp="1"/>
+          </p:cNvSpPr>
+          <p:nvPr>
+            <p:ph type="body" idx="1"/>
+          </p:nvPr>
+        </p:nvSpPr>
+        <p:spPr>
+          <a:noFill/>
+          <a:ln/>
+        </p:spPr>
+        <p:txBody>
+          <a:bodyPr/>
+          <a:lstStyle/>
+          <a:p>
+            <a:endParaRPr lang="en-US" smtClean="0"/>
+          </a:p>
+        </p:txBody>
+      </p:sp>
+      <p:sp>
+        <p:nvSpPr>
+          <p:cNvPr id="44035" name="Slide Number Placeholder 3"/>
+          <p:cNvSpPr>
+            <a:spLocks noGrp="1"/>
+          </p:cNvSpPr>
+          <p:nvPr>
+            <p:ph type="sldNum" sz="quarter" idx="5"/>
+          </p:nvPr>
+        </p:nvSpPr>
+        <p:spPr>
+          <a:noFill/>
+        </p:spPr>
+        <p:txBody>
+          <a:bodyPr/>
+          <a:lstStyle/>
+          <a:p>
+            <a:fld id="{2168E797-3F41-4703-84AD-791D675ECE2B}" type="slidenum">
+              <a:rPr lang="en-US" smtClean="0"/>
+              <a:pPr/>
+              <a:t>10</a:t>
+            </a:fld>
+            <a:endParaRPr lang="en-US" smtClean="0"/>
+          </a:p>
+        </p:txBody>
+      </p:sp>
+    </p:spTree>
+  </p:cSld>
+  <p:clrMapOvr>
+    <a:masterClrMapping/>
+  </p:clrMapOvr>
+</p:notes>
+</file>
+
+<file path=ppt/notesSlides/notesSlide11.xml><?xml version="1.0" encoding="utf-8"?>
+<p:notes xmlns:a="http://schemas.openxmlformats.org/drawingml/2006/main" xmlns:r="http://schemas.openxmlformats.org/officeDocument/2006/relationships" xmlns:p="http://schemas.openxmlformats.org/presentationml/2006/main">
+  <p:cSld>
+    <p:spTree>
+      <p:nvGrpSpPr>
+        <p:cNvPr id="1" name=""/>
+        <p:cNvGrpSpPr/>
+        <p:nvPr/>
+      </p:nvGrpSpPr>
+      <p:grpSpPr>
+        <a:xfrm>
+          <a:off x="0" y="0"/>
+          <a:ext cx="0" cy="0"/>
+          <a:chOff x="0" y="0"/>
+          <a:chExt cx="0" cy="0"/>
+        </a:xfrm>
+      </p:grpSpPr>
+      <p:sp>
+        <p:nvSpPr>
+          <p:cNvPr id="2" name="Slide Image Placeholder 1"/>
+          <p:cNvSpPr>
+            <a:spLocks noGrp="1" noRot="1" noChangeAspect="1"/>
+          </p:cNvSpPr>
+          <p:nvPr>
+            <p:ph type="sldImg"/>
+          </p:nvPr>
+        </p:nvSpPr>
+        <p:spPr/>
+      </p:sp>
+      <p:sp>
+        <p:nvSpPr>
+          <p:cNvPr id="3" name="Notes Placeholder 2"/>
+          <p:cNvSpPr>
+            <a:spLocks noGrp="1"/>
+          </p:cNvSpPr>
+          <p:nvPr>
+            <p:ph type="body" idx="1"/>
+          </p:nvPr>
+        </p:nvSpPr>
+        <p:spPr/>
+        <p:txBody>
+          <a:bodyPr>
+            <a:normAutofit/>
+          </a:bodyPr>
+          <a:lstStyle/>
+          <a:p>
+            <a:endParaRPr lang="en-US" dirty="0"/>
+          </a:p>
+        </p:txBody>
+      </p:sp>
+      <p:sp>
+        <p:nvSpPr>
+          <p:cNvPr id="4" name="Slide Number Placeholder 3"/>
+          <p:cNvSpPr>
+            <a:spLocks noGrp="1"/>
+          </p:cNvSpPr>
+          <p:nvPr>
+            <p:ph type="sldNum" sz="quarter" idx="10"/>
+          </p:nvPr>
+        </p:nvSpPr>
+        <p:spPr/>
+        <p:txBody>
+          <a:bodyPr/>
+          <a:lstStyle/>
+          <a:p>
+            <a:pPr>
+              <a:defRPr/>
+            </a:pPr>
+            <a:fld id="{AADD6CCA-78B7-498B-B599-3F471BD712C6}" type="slidenum">
+              <a:rPr lang="en-US" smtClean="0"/>
+              <a:pPr>
+                <a:defRPr/>
+              </a:pPr>
+              <a:t>11</a:t>
+            </a:fld>
+            <a:endParaRPr lang="en-US" dirty="0"/>
+          </a:p>
+        </p:txBody>
+      </p:sp>
+    </p:spTree>
+  </p:cSld>
+  <p:clrMapOvr>
+    <a:masterClrMapping/>
+  </p:clrMapOvr>
+</p:notes>
+</file>
+
+<file path=ppt/notesSlides/notesSlide12.xml><?xml version="1.0" encoding="utf-8"?>
+<p:notes xmlns:a="http://schemas.openxmlformats.org/drawingml/2006/main" xmlns:r="http://schemas.openxmlformats.org/officeDocument/2006/relationships" xmlns:p="http://schemas.openxmlformats.org/presentationml/2006/main">
+  <p:cSld>
+    <p:spTree>
+      <p:nvGrpSpPr>
+        <p:cNvPr id="1" name=""/>
+        <p:cNvGrpSpPr/>
+        <p:nvPr/>
+      </p:nvGrpSpPr>
+      <p:grpSpPr>
+        <a:xfrm>
+          <a:off x="0" y="0"/>
+          <a:ext cx="0" cy="0"/>
+          <a:chOff x="0" y="0"/>
+          <a:chExt cx="0" cy="0"/>
+        </a:xfrm>
+      </p:grpSpPr>
+      <p:sp>
+        <p:nvSpPr>
+          <p:cNvPr id="72706" name="Rectangle 2"/>
+          <p:cNvSpPr>
+            <a:spLocks noGrp="1" noRot="1" noChangeAspect="1" noChangeArrowheads="1" noTextEdit="1"/>
+          </p:cNvSpPr>
+          <p:nvPr>
+            <p:ph type="sldImg"/>
+          </p:nvPr>
+        </p:nvSpPr>
+        <p:spPr>
+          <a:ln/>
+        </p:spPr>
+      </p:sp>
+      <p:sp>
+        <p:nvSpPr>
+          <p:cNvPr id="72707" name="Rectangle 3"/>
+          <p:cNvSpPr>
+            <a:spLocks noGrp="1" noChangeArrowheads="1"/>
+          </p:cNvSpPr>
+          <p:nvPr>
+            <p:ph type="body" idx="1"/>
+          </p:nvPr>
+        </p:nvSpPr>
+        <p:spPr>
+          <a:noFill/>
+          <a:ln/>
+        </p:spPr>
+        <p:txBody>
+          <a:bodyPr/>
+          <a:lstStyle/>
+          <a:p>
+            <a:r>
+              <a:rPr lang="en-US" smtClean="0"/>
+              <a:t>Entropy decoder – decodes each frame independently</a:t>
+            </a:r>
+          </a:p>
+          <a:p>
+            <a:r>
+              <a:rPr lang="en-US" smtClean="0"/>
+              <a:t>Motion estimation – varies algorithm, but there are often interdependencies</a:t>
+            </a:r>
+          </a:p>
+        </p:txBody>
+      </p:sp>
+    </p:spTree>
+  </p:cSld>
+  <p:clrMapOvr>
+    <a:masterClrMapping/>
+  </p:clrMapOvr>
+</p:notes>
+</file>
+
+<file path=ppt/notesSlides/notesSlide13.xml><?xml version="1.0" encoding="utf-8"?>
+<p:notes xmlns:a="http://schemas.openxmlformats.org/drawingml/2006/main" xmlns:r="http://schemas.openxmlformats.org/officeDocument/2006/relationships" xmlns:p="http://schemas.openxmlformats.org/presentationml/2006/main">
+  <p:cSld>
+    <p:spTree>
+      <p:nvGrpSpPr>
+        <p:cNvPr id="1" name=""/>
+        <p:cNvGrpSpPr/>
+        <p:nvPr/>
+      </p:nvGrpSpPr>
+      <p:grpSpPr>
+        <a:xfrm>
+          <a:off x="0" y="0"/>
+          <a:ext cx="0" cy="0"/>
+          <a:chOff x="0" y="0"/>
+          <a:chExt cx="0" cy="0"/>
+        </a:xfrm>
+      </p:grpSpPr>
+      <p:sp>
+        <p:nvSpPr>
+          <p:cNvPr id="48129" name="Slide Image Placeholder 1"/>
+          <p:cNvSpPr>
+            <a:spLocks noGrp="1" noRot="1" noChangeAspect="1" noTextEdit="1"/>
+          </p:cNvSpPr>
+          <p:nvPr>
+            <p:ph type="sldImg"/>
+          </p:nvPr>
+        </p:nvSpPr>
+        <p:spPr>
+          <a:ln/>
+        </p:spPr>
+      </p:sp>
+      <p:sp>
+        <p:nvSpPr>
+          <p:cNvPr id="48130" name="Notes Placeholder 2"/>
+          <p:cNvSpPr>
+            <a:spLocks noGrp="1"/>
+          </p:cNvSpPr>
+          <p:nvPr>
+            <p:ph type="body" idx="1"/>
+          </p:nvPr>
+        </p:nvSpPr>
+        <p:spPr>
+          <a:noFill/>
+          <a:ln/>
+        </p:spPr>
+        <p:txBody>
+          <a:bodyPr/>
+          <a:lstStyle/>
+          <a:p>
+            <a:endParaRPr lang="en-US" smtClean="0"/>
+          </a:p>
+        </p:txBody>
+      </p:sp>
+      <p:sp>
+        <p:nvSpPr>
+          <p:cNvPr id="48131" name="Slide Number Placeholder 3"/>
+          <p:cNvSpPr>
+            <a:spLocks noGrp="1"/>
+          </p:cNvSpPr>
+          <p:nvPr>
+            <p:ph type="sldNum" sz="quarter" idx="5"/>
+          </p:nvPr>
+        </p:nvSpPr>
+        <p:spPr>
+          <a:noFill/>
+        </p:spPr>
+        <p:txBody>
+          <a:bodyPr/>
+          <a:lstStyle/>
+          <a:p>
+            <a:fld id="{9B6394FC-F76B-41A9-9296-ECACBEE39ACC}" type="slidenum">
+              <a:rPr lang="en-US" smtClean="0"/>
+              <a:pPr/>
+              <a:t>13</a:t>
+            </a:fld>
+            <a:endParaRPr lang="en-US" smtClean="0"/>
+          </a:p>
+        </p:txBody>
+      </p:sp>
+    </p:spTree>
+  </p:cSld>
+  <p:clrMapOvr>
+    <a:masterClrMapping/>
+  </p:clrMapOvr>
+</p:notes>
+</file>
+
+<file path=ppt/notesSlides/notesSlide14.xml><?xml version="1.0" encoding="utf-8"?>
+<p:notes xmlns:a="http://schemas.openxmlformats.org/drawingml/2006/main" xmlns:r="http://schemas.openxmlformats.org/officeDocument/2006/relationships" xmlns:p="http://schemas.openxmlformats.org/presentationml/2006/main">
+  <p:cSld>
+    <p:spTree>
+      <p:nvGrpSpPr>
+        <p:cNvPr id="1" name=""/>
+        <p:cNvGrpSpPr/>
+        <p:nvPr/>
+      </p:nvGrpSpPr>
+      <p:grpSpPr>
+        <a:xfrm>
+          <a:off x="0" y="0"/>
+          <a:ext cx="0" cy="0"/>
+          <a:chOff x="0" y="0"/>
+          <a:chExt cx="0" cy="0"/>
+        </a:xfrm>
+      </p:grpSpPr>
+      <p:sp>
+        <p:nvSpPr>
+          <p:cNvPr id="2" name="Slide Image Placeholder 1"/>
+          <p:cNvSpPr>
+            <a:spLocks noGrp="1" noRot="1" noChangeAspect="1"/>
+          </p:cNvSpPr>
+          <p:nvPr>
+            <p:ph type="sldImg"/>
+          </p:nvPr>
+        </p:nvSpPr>
+        <p:spPr/>
+      </p:sp>
+      <p:sp>
+        <p:nvSpPr>
+          <p:cNvPr id="3" name="Notes Placeholder 2"/>
+          <p:cNvSpPr>
+            <a:spLocks noGrp="1"/>
+          </p:cNvSpPr>
+          <p:nvPr>
+            <p:ph type="body" idx="1"/>
+          </p:nvPr>
+        </p:nvSpPr>
+        <p:spPr/>
+        <p:txBody>
+          <a:bodyPr>
+            <a:normAutofit/>
+          </a:bodyPr>
+          <a:lstStyle/>
+          <a:p>
+            <a:endParaRPr lang="en-US"/>
+          </a:p>
+        </p:txBody>
+      </p:sp>
+      <p:sp>
+        <p:nvSpPr>
+          <p:cNvPr id="4" name="Slide Number Placeholder 3"/>
+          <p:cNvSpPr>
+            <a:spLocks noGrp="1"/>
+          </p:cNvSpPr>
+          <p:nvPr>
+            <p:ph type="sldNum" sz="quarter" idx="10"/>
+          </p:nvPr>
+        </p:nvSpPr>
+        <p:spPr/>
+        <p:txBody>
+          <a:bodyPr/>
+          <a:lstStyle/>
+          <a:p>
+            <a:pPr>
+              <a:defRPr/>
+            </a:pPr>
+            <a:fld id="{AADD6CCA-78B7-498B-B599-3F471BD712C6}" type="slidenum">
+              <a:rPr lang="en-US" smtClean="0"/>
+              <a:pPr>
+                <a:defRPr/>
+              </a:pPr>
+              <a:t>14</a:t>
+            </a:fld>
+            <a:endParaRPr lang="en-US" dirty="0"/>
+          </a:p>
+        </p:txBody>
+      </p:sp>
+    </p:spTree>
+  </p:cSld>
+  <p:clrMapOvr>
+    <a:masterClrMapping/>
+  </p:clrMapOvr>
+</p:notes>
+</file>
+
+<file path=ppt/notesSlides/notesSlide15.xml><?xml version="1.0" encoding="utf-8"?>
+<p:notes xmlns:a="http://schemas.openxmlformats.org/drawingml/2006/main" xmlns:r="http://schemas.openxmlformats.org/officeDocument/2006/relationships" xmlns:p="http://schemas.openxmlformats.org/presentationml/2006/main">
+  <p:cSld>
+    <p:spTree>
+      <p:nvGrpSpPr>
+        <p:cNvPr id="1" name=""/>
+        <p:cNvGrpSpPr/>
+        <p:nvPr/>
+      </p:nvGrpSpPr>
+      <p:grpSpPr>
+        <a:xfrm>
+          <a:off x="0" y="0"/>
+          <a:ext cx="0" cy="0"/>
+          <a:chOff x="0" y="0"/>
+          <a:chExt cx="0" cy="0"/>
+        </a:xfrm>
+      </p:grpSpPr>
+      <p:sp>
+        <p:nvSpPr>
+          <p:cNvPr id="2" name="Slide Image Placeholder 1"/>
+          <p:cNvSpPr>
+            <a:spLocks noGrp="1" noRot="1" noChangeAspect="1"/>
+          </p:cNvSpPr>
+          <p:nvPr>
+            <p:ph type="sldImg"/>
+          </p:nvPr>
+        </p:nvSpPr>
+        <p:spPr/>
+      </p:sp>
+      <p:sp>
+        <p:nvSpPr>
+          <p:cNvPr id="3" name="Notes Placeholder 2"/>
+          <p:cNvSpPr>
+            <a:spLocks noGrp="1"/>
+          </p:cNvSpPr>
+          <p:nvPr>
+            <p:ph type="body" idx="1"/>
+          </p:nvPr>
+        </p:nvSpPr>
+        <p:spPr/>
+        <p:txBody>
+          <a:bodyPr>
+            <a:normAutofit/>
+          </a:bodyPr>
+          <a:lstStyle/>
+          <a:p>
+            <a:endParaRPr lang="en-US"/>
+          </a:p>
+        </p:txBody>
+      </p:sp>
+      <p:sp>
+        <p:nvSpPr>
+          <p:cNvPr id="4" name="Slide Number Placeholder 3"/>
+          <p:cNvSpPr>
+            <a:spLocks noGrp="1"/>
+          </p:cNvSpPr>
+          <p:nvPr>
+            <p:ph type="sldNum" sz="quarter" idx="10"/>
+          </p:nvPr>
+        </p:nvSpPr>
+        <p:spPr/>
+        <p:txBody>
+          <a:bodyPr/>
+          <a:lstStyle/>
+          <a:p>
+            <a:pPr>
+              <a:defRPr/>
+            </a:pPr>
+            <a:fld id="{AADD6CCA-78B7-498B-B599-3F471BD712C6}" type="slidenum">
+              <a:rPr lang="en-US" smtClean="0"/>
+              <a:pPr>
+                <a:defRPr/>
+              </a:pPr>
+              <a:t>15</a:t>
+            </a:fld>
+            <a:endParaRPr lang="en-US" dirty="0"/>
+          </a:p>
+        </p:txBody>
+      </p:sp>
+    </p:spTree>
+  </p:cSld>
+  <p:clrMapOvr>
+    <a:masterClrMapping/>
+  </p:clrMapOvr>
+</p:notes>
+</file>
+
+<file path=ppt/notesSlides/notesSlide16.xml><?xml version="1.0" encoding="utf-8"?>
+<p:notes xmlns:a="http://schemas.openxmlformats.org/drawingml/2006/main" xmlns:r="http://schemas.openxmlformats.org/officeDocument/2006/relationships" xmlns:p="http://schemas.openxmlformats.org/presentationml/2006/main">
+  <p:cSld>
+    <p:spTree>
+      <p:nvGrpSpPr>
+        <p:cNvPr id="1" name=""/>
+        <p:cNvGrpSpPr/>
+        <p:nvPr/>
+      </p:nvGrpSpPr>
+      <p:grpSpPr>
+        <a:xfrm>
+          <a:off x="0" y="0"/>
+          <a:ext cx="0" cy="0"/>
+          <a:chOff x="0" y="0"/>
+          <a:chExt cx="0" cy="0"/>
+        </a:xfrm>
+      </p:grpSpPr>
+      <p:sp>
+        <p:nvSpPr>
+          <p:cNvPr id="2" name="Slide Image Placeholder 1"/>
+          <p:cNvSpPr>
+            <a:spLocks noGrp="1" noRot="1" noChangeAspect="1"/>
+          </p:cNvSpPr>
+          <p:nvPr>
+            <p:ph type="sldImg"/>
+          </p:nvPr>
+        </p:nvSpPr>
+        <p:spPr/>
+      </p:sp>
+      <p:sp>
+        <p:nvSpPr>
+          <p:cNvPr id="3" name="Notes Placeholder 2"/>
+          <p:cNvSpPr>
+            <a:spLocks noGrp="1"/>
+          </p:cNvSpPr>
+          <p:nvPr>
+            <p:ph type="body" idx="1"/>
+          </p:nvPr>
+        </p:nvSpPr>
+        <p:spPr/>
+        <p:txBody>
+          <a:bodyPr>
+            <a:normAutofit/>
+          </a:bodyPr>
+          <a:lstStyle/>
+          <a:p>
+            <a:endParaRPr lang="en-US"/>
+          </a:p>
+        </p:txBody>
+      </p:sp>
+      <p:sp>
+        <p:nvSpPr>
+          <p:cNvPr id="4" name="Slide Number Placeholder 3"/>
+          <p:cNvSpPr>
+            <a:spLocks noGrp="1"/>
+          </p:cNvSpPr>
+          <p:nvPr>
+            <p:ph type="sldNum" sz="quarter" idx="10"/>
+          </p:nvPr>
+        </p:nvSpPr>
+        <p:spPr/>
+        <p:txBody>
+          <a:bodyPr/>
+          <a:lstStyle/>
+          <a:p>
+            <a:pPr>
+              <a:defRPr/>
+            </a:pPr>
+            <a:fld id="{AADD6CCA-78B7-498B-B599-3F471BD712C6}" type="slidenum">
+              <a:rPr lang="en-US" smtClean="0"/>
+              <a:pPr>
+                <a:defRPr/>
+              </a:pPr>
+              <a:t>16</a:t>
+            </a:fld>
+            <a:endParaRPr lang="en-US" dirty="0"/>
+          </a:p>
+        </p:txBody>
+      </p:sp>
+    </p:spTree>
+  </p:cSld>
+  <p:clrMapOvr>
+    <a:masterClrMapping/>
+  </p:clrMapOvr>
+</p:notes>
+</file>
+
+<file path=ppt/notesSlides/notesSlide17.xml><?xml version="1.0" encoding="utf-8"?>
+<p:notes xmlns:a="http://schemas.openxmlformats.org/drawingml/2006/main" xmlns:r="http://schemas.openxmlformats.org/officeDocument/2006/relationships" xmlns:p="http://schemas.openxmlformats.org/presentationml/2006/main">
+  <p:cSld>
+    <p:spTree>
+      <p:nvGrpSpPr>
+        <p:cNvPr id="1" name=""/>
+        <p:cNvGrpSpPr/>
+        <p:nvPr/>
+      </p:nvGrpSpPr>
+      <p:grpSpPr>
+        <a:xfrm>
+          <a:off x="0" y="0"/>
+          <a:ext cx="0" cy="0"/>
+          <a:chOff x="0" y="0"/>
+          <a:chExt cx="0" cy="0"/>
+        </a:xfrm>
+      </p:grpSpPr>
+      <p:sp>
+        <p:nvSpPr>
+          <p:cNvPr id="2" name="Slide Image Placeholder 1"/>
+          <p:cNvSpPr>
+            <a:spLocks noGrp="1" noRot="1" noChangeAspect="1"/>
+          </p:cNvSpPr>
+          <p:nvPr>
+            <p:ph type="sldImg"/>
+          </p:nvPr>
+        </p:nvSpPr>
+        <p:spPr/>
+      </p:sp>
+      <p:sp>
+        <p:nvSpPr>
+          <p:cNvPr id="3" name="Notes Placeholder 2"/>
+          <p:cNvSpPr>
+            <a:spLocks noGrp="1"/>
+          </p:cNvSpPr>
+          <p:nvPr>
+            <p:ph type="body" idx="1"/>
+          </p:nvPr>
+        </p:nvSpPr>
+        <p:spPr/>
+        <p:txBody>
+          <a:bodyPr>
+            <a:normAutofit/>
+          </a:bodyPr>
+          <a:lstStyle/>
+          <a:p>
+            <a:endParaRPr lang="en-US"/>
+          </a:p>
+        </p:txBody>
+      </p:sp>
+      <p:sp>
+        <p:nvSpPr>
+          <p:cNvPr id="4" name="Slide Number Placeholder 3"/>
+          <p:cNvSpPr>
+            <a:spLocks noGrp="1"/>
+          </p:cNvSpPr>
+          <p:nvPr>
+            <p:ph type="sldNum" sz="quarter" idx="10"/>
+          </p:nvPr>
+        </p:nvSpPr>
+        <p:spPr/>
+        <p:txBody>
+          <a:bodyPr/>
+          <a:lstStyle/>
+          <a:p>
+            <a:pPr>
+              <a:defRPr/>
+            </a:pPr>
+            <a:fld id="{AADD6CCA-78B7-498B-B599-3F471BD712C6}" type="slidenum">
+              <a:rPr lang="en-US" smtClean="0"/>
+              <a:pPr>
+                <a:defRPr/>
+              </a:pPr>
+              <a:t>17</a:t>
+            </a:fld>
+            <a:endParaRPr lang="en-US" dirty="0"/>
+          </a:p>
+        </p:txBody>
+      </p:sp>
+    </p:spTree>
+  </p:cSld>
+  <p:clrMapOvr>
+    <a:masterClrMapping/>
+  </p:clrMapOvr>
+</p:notes>
+</file>
+
+<file path=ppt/notesSlides/notesSlide18.xml><?xml version="1.0" encoding="utf-8"?>
+<p:notes xmlns:a="http://schemas.openxmlformats.org/drawingml/2006/main" xmlns:r="http://schemas.openxmlformats.org/officeDocument/2006/relationships" xmlns:p="http://schemas.openxmlformats.org/presentationml/2006/main">
+  <p:cSld>
+    <p:spTree>
+      <p:nvGrpSpPr>
+        <p:cNvPr id="1" name=""/>
+        <p:cNvGrpSpPr/>
+        <p:nvPr/>
+      </p:nvGrpSpPr>
+      <p:grpSpPr>
+        <a:xfrm>
+          <a:off x="0" y="0"/>
+          <a:ext cx="0" cy="0"/>
+          <a:chOff x="0" y="0"/>
+          <a:chExt cx="0" cy="0"/>
+        </a:xfrm>
+      </p:grpSpPr>
+      <p:sp>
+        <p:nvSpPr>
+          <p:cNvPr id="2" name="Slide Image Placeholder 1"/>
+          <p:cNvSpPr>
+            <a:spLocks noGrp="1" noRot="1" noChangeAspect="1"/>
+          </p:cNvSpPr>
+          <p:nvPr>
+            <p:ph type="sldImg"/>
+          </p:nvPr>
+        </p:nvSpPr>
+        <p:spPr/>
+      </p:sp>
+      <p:sp>
+        <p:nvSpPr>
+          <p:cNvPr id="3" name="Notes Placeholder 2"/>
+          <p:cNvSpPr>
+            <a:spLocks noGrp="1"/>
+          </p:cNvSpPr>
+          <p:nvPr>
+            <p:ph type="body" idx="1"/>
+          </p:nvPr>
+        </p:nvSpPr>
+        <p:spPr/>
+        <p:txBody>
+          <a:bodyPr>
+            <a:normAutofit/>
+          </a:bodyPr>
+          <a:lstStyle/>
+          <a:p>
+            <a:endParaRPr lang="en-US"/>
+          </a:p>
+        </p:txBody>
+      </p:sp>
+      <p:sp>
+        <p:nvSpPr>
+          <p:cNvPr id="4" name="Slide Number Placeholder 3"/>
+          <p:cNvSpPr>
+            <a:spLocks noGrp="1"/>
+          </p:cNvSpPr>
+          <p:nvPr>
+            <p:ph type="sldNum" sz="quarter" idx="10"/>
+          </p:nvPr>
+        </p:nvSpPr>
+        <p:spPr/>
+        <p:txBody>
+          <a:bodyPr/>
+          <a:lstStyle/>
+          <a:p>
+            <a:pPr>
+              <a:defRPr/>
+            </a:pPr>
+            <a:fld id="{AADD6CCA-78B7-498B-B599-3F471BD712C6}" type="slidenum">
+              <a:rPr lang="en-US" smtClean="0"/>
+              <a:pPr>
+                <a:defRPr/>
+              </a:pPr>
+              <a:t>18</a:t>
+            </a:fld>
+            <a:endParaRPr lang="en-US" dirty="0"/>
+          </a:p>
+        </p:txBody>
+      </p:sp>
+    </p:spTree>
+  </p:cSld>
+  <p:clrMapOvr>
+    <a:masterClrMapping/>
+  </p:clrMapOvr>
+</p:notes>
+</file>
+
+<file path=ppt/notesSlides/notesSlide19.xml><?xml version="1.0" encoding="utf-8"?>
+<p:notes xmlns:a="http://schemas.openxmlformats.org/drawingml/2006/main" xmlns:r="http://schemas.openxmlformats.org/officeDocument/2006/relationships" xmlns:p="http://schemas.openxmlformats.org/presentationml/2006/main">
+  <p:cSld>
+    <p:spTree>
+      <p:nvGrpSpPr>
+        <p:cNvPr id="1" name=""/>
+        <p:cNvGrpSpPr/>
+        <p:nvPr/>
+      </p:nvGrpSpPr>
+      <p:grpSpPr>
+        <a:xfrm>
+          <a:off x="0" y="0"/>
+          <a:ext cx="0" cy="0"/>
+          <a:chOff x="0" y="0"/>
+          <a:chExt cx="0" cy="0"/>
+        </a:xfrm>
+      </p:grpSpPr>
+      <p:sp>
+        <p:nvSpPr>
+          <p:cNvPr id="2" name="Slide Image Placeholder 1"/>
+          <p:cNvSpPr>
+            <a:spLocks noGrp="1" noRot="1" noChangeAspect="1"/>
+          </p:cNvSpPr>
+          <p:nvPr>
+            <p:ph type="sldImg"/>
+          </p:nvPr>
+        </p:nvSpPr>
+        <p:spPr/>
+      </p:sp>
+      <p:sp>
+        <p:nvSpPr>
+          <p:cNvPr id="3" name="Notes Placeholder 2"/>
+          <p:cNvSpPr>
+            <a:spLocks noGrp="1"/>
+          </p:cNvSpPr>
+          <p:nvPr>
+            <p:ph type="body" idx="1"/>
+          </p:nvPr>
+        </p:nvSpPr>
+        <p:spPr/>
+        <p:txBody>
+          <a:bodyPr>
+            <a:normAutofit/>
+          </a:bodyPr>
+          <a:lstStyle/>
+          <a:p>
+            <a:endParaRPr lang="en-US"/>
+          </a:p>
+        </p:txBody>
+      </p:sp>
+      <p:sp>
+        <p:nvSpPr>
+          <p:cNvPr id="4" name="Slide Number Placeholder 3"/>
+          <p:cNvSpPr>
+            <a:spLocks noGrp="1"/>
+          </p:cNvSpPr>
+          <p:nvPr>
+            <p:ph type="sldNum" sz="quarter" idx="10"/>
+          </p:nvPr>
+        </p:nvSpPr>
+        <p:spPr/>
+        <p:txBody>
+          <a:bodyPr/>
+          <a:lstStyle/>
+          <a:p>
+            <a:pPr>
+              <a:defRPr/>
+            </a:pPr>
+            <a:fld id="{AADD6CCA-78B7-498B-B599-3F471BD712C6}" type="slidenum">
+              <a:rPr lang="en-US" smtClean="0"/>
+              <a:pPr>
+                <a:defRPr/>
+              </a:pPr>
+              <a:t>19</a:t>
+            </a:fld>
+            <a:endParaRPr lang="en-US" dirty="0"/>
+          </a:p>
+        </p:txBody>
+      </p:sp>
+    </p:spTree>
+  </p:cSld>
+  <p:clrMapOvr>
+    <a:masterClrMapping/>
+  </p:clrMapOvr>
+</p:notes>
+</file>
+
 <file path=ppt/notesSlides/notesSlide2.xml><?xml version="1.0" encoding="utf-8"?>
 <p:notes xmlns:a="http://schemas.openxmlformats.org/drawingml/2006/main" xmlns:r="http://schemas.openxmlformats.org/officeDocument/2006/relationships" xmlns:p="http://schemas.openxmlformats.org/presentationml/2006/main">
   <p:cSld>
@@ -983,21 +1836,19 @@
       </p:grpSpPr>
       <p:sp>
         <p:nvSpPr>
-          <p:cNvPr id="44033" name="Slide Image Placeholder 1"/>
-          <p:cNvSpPr>
-            <a:spLocks noGrp="1" noRot="1" noChangeAspect="1" noTextEdit="1"/>
+          <p:cNvPr id="2" name="Slide Image Placeholder 1"/>
+          <p:cNvSpPr>
+            <a:spLocks noGrp="1" noRot="1" noChangeAspect="1"/>
           </p:cNvSpPr>
           <p:nvPr>
             <p:ph type="sldImg"/>
           </p:nvPr>
         </p:nvSpPr>
-        <p:spPr>
-          <a:ln/>
-        </p:spPr>
-      </p:sp>
-      <p:sp>
-        <p:nvSpPr>
-          <p:cNvPr id="44034" name="Notes Placeholder 2"/>
+        <p:spPr/>
+      </p:sp>
+      <p:sp>
+        <p:nvSpPr>
+          <p:cNvPr id="3" name="Notes Placeholder 2"/>
           <p:cNvSpPr>
             <a:spLocks noGrp="1"/>
           </p:cNvSpPr>
@@ -1005,41 +1856,130 @@
             <p:ph type="body" idx="1"/>
           </p:nvPr>
         </p:nvSpPr>
-        <p:spPr>
-          <a:noFill/>
-          <a:ln/>
-        </p:spPr>
+        <p:spPr/>
+        <p:txBody>
+          <a:bodyPr>
+            <a:normAutofit/>
+          </a:bodyPr>
+          <a:lstStyle/>
+          <a:p>
+            <a:endParaRPr lang="en-US"/>
+          </a:p>
+        </p:txBody>
+      </p:sp>
+      <p:sp>
+        <p:nvSpPr>
+          <p:cNvPr id="4" name="Slide Number Placeholder 3"/>
+          <p:cNvSpPr>
+            <a:spLocks noGrp="1"/>
+          </p:cNvSpPr>
+          <p:nvPr>
+            <p:ph type="sldNum" sz="quarter" idx="10"/>
+          </p:nvPr>
+        </p:nvSpPr>
+        <p:spPr/>
         <p:txBody>
           <a:bodyPr/>
           <a:lstStyle/>
           <a:p>
-            <a:endParaRPr lang="en-US" smtClean="0"/>
-          </a:p>
-        </p:txBody>
-      </p:sp>
-      <p:sp>
-        <p:nvSpPr>
-          <p:cNvPr id="44035" name="Slide Number Placeholder 3"/>
+            <a:pPr>
+              <a:defRPr/>
+            </a:pPr>
+            <a:fld id="{AADD6CCA-78B7-498B-B599-3F471BD712C6}" type="slidenum">
+              <a:rPr lang="en-US" smtClean="0"/>
+              <a:pPr>
+                <a:defRPr/>
+              </a:pPr>
+              <a:t>2</a:t>
+            </a:fld>
+            <a:endParaRPr lang="en-US" dirty="0"/>
+          </a:p>
+        </p:txBody>
+      </p:sp>
+    </p:spTree>
+  </p:cSld>
+  <p:clrMapOvr>
+    <a:masterClrMapping/>
+  </p:clrMapOvr>
+</p:notes>
+</file>
+
+<file path=ppt/notesSlides/notesSlide20.xml><?xml version="1.0" encoding="utf-8"?>
+<p:notes xmlns:a="http://schemas.openxmlformats.org/drawingml/2006/main" xmlns:r="http://schemas.openxmlformats.org/officeDocument/2006/relationships" xmlns:p="http://schemas.openxmlformats.org/presentationml/2006/main">
+  <p:cSld>
+    <p:spTree>
+      <p:nvGrpSpPr>
+        <p:cNvPr id="1" name=""/>
+        <p:cNvGrpSpPr/>
+        <p:nvPr/>
+      </p:nvGrpSpPr>
+      <p:grpSpPr>
+        <a:xfrm>
+          <a:off x="0" y="0"/>
+          <a:ext cx="0" cy="0"/>
+          <a:chOff x="0" y="0"/>
+          <a:chExt cx="0" cy="0"/>
+        </a:xfrm>
+      </p:grpSpPr>
+      <p:sp>
+        <p:nvSpPr>
+          <p:cNvPr id="2" name="Slide Image Placeholder 1"/>
+          <p:cNvSpPr>
+            <a:spLocks noGrp="1" noRot="1" noChangeAspect="1"/>
+          </p:cNvSpPr>
+          <p:nvPr>
+            <p:ph type="sldImg"/>
+          </p:nvPr>
+        </p:nvSpPr>
+        <p:spPr/>
+      </p:sp>
+      <p:sp>
+        <p:nvSpPr>
+          <p:cNvPr id="3" name="Notes Placeholder 2"/>
           <p:cNvSpPr>
             <a:spLocks noGrp="1"/>
           </p:cNvSpPr>
           <p:nvPr>
-            <p:ph type="sldNum" sz="quarter" idx="5"/>
-          </p:nvPr>
-        </p:nvSpPr>
-        <p:spPr>
-          <a:noFill/>
-        </p:spPr>
+            <p:ph type="body" idx="1"/>
+          </p:nvPr>
+        </p:nvSpPr>
+        <p:spPr/>
+        <p:txBody>
+          <a:bodyPr>
+            <a:normAutofit/>
+          </a:bodyPr>
+          <a:lstStyle/>
+          <a:p>
+            <a:endParaRPr lang="en-US"/>
+          </a:p>
+        </p:txBody>
+      </p:sp>
+      <p:sp>
+        <p:nvSpPr>
+          <p:cNvPr id="4" name="Slide Number Placeholder 3"/>
+          <p:cNvSpPr>
+            <a:spLocks noGrp="1"/>
+          </p:cNvSpPr>
+          <p:nvPr>
+            <p:ph type="sldNum" sz="quarter" idx="10"/>
+          </p:nvPr>
+        </p:nvSpPr>
+        <p:spPr/>
         <p:txBody>
           <a:bodyPr/>
           <a:lstStyle/>
           <a:p>
-            <a:fld id="{2168E797-3F41-4703-84AD-791D675ECE2B}" type="slidenum">
+            <a:pPr>
+              <a:defRPr/>
+            </a:pPr>
+            <a:fld id="{AADD6CCA-78B7-498B-B599-3F471BD712C6}" type="slidenum">
               <a:rPr lang="en-US" smtClean="0"/>
-              <a:pPr/>
-              <a:t>10</a:t>
+              <a:pPr>
+                <a:defRPr/>
+              </a:pPr>
+              <a:t>20</a:t>
             </a:fld>
-            <a:endParaRPr lang="en-US" smtClean="0"/>
+            <a:endParaRPr lang="en-US" dirty="0"/>
           </a:p>
         </p:txBody>
       </p:sp>
@@ -1070,46 +2010,63 @@
       </p:grpSpPr>
       <p:sp>
         <p:nvSpPr>
-          <p:cNvPr id="72706" name="Rectangle 2"/>
-          <p:cNvSpPr>
-            <a:spLocks noGrp="1" noRot="1" noChangeAspect="1" noChangeArrowheads="1" noTextEdit="1"/>
+          <p:cNvPr id="2" name="Slide Image Placeholder 1"/>
+          <p:cNvSpPr>
+            <a:spLocks noGrp="1" noRot="1" noChangeAspect="1"/>
           </p:cNvSpPr>
           <p:nvPr>
             <p:ph type="sldImg"/>
           </p:nvPr>
         </p:nvSpPr>
-        <p:spPr>
-          <a:ln/>
-        </p:spPr>
-      </p:sp>
-      <p:sp>
-        <p:nvSpPr>
-          <p:cNvPr id="72707" name="Rectangle 3"/>
-          <p:cNvSpPr>
-            <a:spLocks noGrp="1" noChangeArrowheads="1"/>
+        <p:spPr/>
+      </p:sp>
+      <p:sp>
+        <p:nvSpPr>
+          <p:cNvPr id="3" name="Notes Placeholder 2"/>
+          <p:cNvSpPr>
+            <a:spLocks noGrp="1"/>
           </p:cNvSpPr>
           <p:nvPr>
             <p:ph type="body" idx="1"/>
           </p:nvPr>
         </p:nvSpPr>
-        <p:spPr>
-          <a:noFill/>
-          <a:ln/>
-        </p:spPr>
+        <p:spPr/>
+        <p:txBody>
+          <a:bodyPr>
+            <a:normAutofit/>
+          </a:bodyPr>
+          <a:lstStyle/>
+          <a:p>
+            <a:endParaRPr lang="en-US"/>
+          </a:p>
+        </p:txBody>
+      </p:sp>
+      <p:sp>
+        <p:nvSpPr>
+          <p:cNvPr id="4" name="Slide Number Placeholder 3"/>
+          <p:cNvSpPr>
+            <a:spLocks noGrp="1"/>
+          </p:cNvSpPr>
+          <p:nvPr>
+            <p:ph type="sldNum" sz="quarter" idx="10"/>
+          </p:nvPr>
+        </p:nvSpPr>
+        <p:spPr/>
         <p:txBody>
           <a:bodyPr/>
           <a:lstStyle/>
           <a:p>
-            <a:r>
+            <a:pPr>
+              <a:defRPr/>
+            </a:pPr>
+            <a:fld id="{AADD6CCA-78B7-498B-B599-3F471BD712C6}" type="slidenum">
               <a:rPr lang="en-US" smtClean="0"/>
-              <a:t>Entropy decoder – decodes each frame independently</a:t>
-            </a:r>
-          </a:p>
-          <a:p>
-            <a:r>
-              <a:rPr lang="en-US" smtClean="0"/>
-              <a:t>Motion estimation – varies algorithm, but there are often interdependencies</a:t>
-            </a:r>
+              <a:pPr>
+                <a:defRPr/>
+              </a:pPr>
+              <a:t>3</a:t>
+            </a:fld>
+            <a:endParaRPr lang="en-US" dirty="0"/>
           </a:p>
         </p:txBody>
       </p:sp>
@@ -1140,21 +2097,19 @@
       </p:grpSpPr>
       <p:sp>
         <p:nvSpPr>
-          <p:cNvPr id="48129" name="Slide Image Placeholder 1"/>
-          <p:cNvSpPr>
-            <a:spLocks noGrp="1" noRot="1" noChangeAspect="1" noTextEdit="1"/>
+          <p:cNvPr id="2" name="Slide Image Placeholder 1"/>
+          <p:cNvSpPr>
+            <a:spLocks noGrp="1" noRot="1" noChangeAspect="1"/>
           </p:cNvSpPr>
           <p:nvPr>
             <p:ph type="sldImg"/>
           </p:nvPr>
         </p:nvSpPr>
-        <p:spPr>
-          <a:ln/>
-        </p:spPr>
-      </p:sp>
-      <p:sp>
-        <p:nvSpPr>
-          <p:cNvPr id="48130" name="Notes Placeholder 2"/>
+        <p:spPr/>
+      </p:sp>
+      <p:sp>
+        <p:nvSpPr>
+          <p:cNvPr id="3" name="Notes Placeholder 2"/>
           <p:cNvSpPr>
             <a:spLocks noGrp="1"/>
           </p:cNvSpPr>
@@ -1162,41 +2117,478 @@
             <p:ph type="body" idx="1"/>
           </p:nvPr>
         </p:nvSpPr>
-        <p:spPr>
-          <a:noFill/>
-          <a:ln/>
-        </p:spPr>
+        <p:spPr/>
+        <p:txBody>
+          <a:bodyPr>
+            <a:normAutofit/>
+          </a:bodyPr>
+          <a:lstStyle/>
+          <a:p>
+            <a:endParaRPr lang="en-US"/>
+          </a:p>
+        </p:txBody>
+      </p:sp>
+      <p:sp>
+        <p:nvSpPr>
+          <p:cNvPr id="4" name="Slide Number Placeholder 3"/>
+          <p:cNvSpPr>
+            <a:spLocks noGrp="1"/>
+          </p:cNvSpPr>
+          <p:nvPr>
+            <p:ph type="sldNum" sz="quarter" idx="10"/>
+          </p:nvPr>
+        </p:nvSpPr>
+        <p:spPr/>
         <p:txBody>
           <a:bodyPr/>
           <a:lstStyle/>
           <a:p>
-            <a:endParaRPr lang="en-US" smtClean="0"/>
-          </a:p>
-        </p:txBody>
-      </p:sp>
-      <p:sp>
-        <p:nvSpPr>
-          <p:cNvPr id="48131" name="Slide Number Placeholder 3"/>
+            <a:pPr>
+              <a:defRPr/>
+            </a:pPr>
+            <a:fld id="{AADD6CCA-78B7-498B-B599-3F471BD712C6}" type="slidenum">
+              <a:rPr lang="en-US" smtClean="0"/>
+              <a:pPr>
+                <a:defRPr/>
+              </a:pPr>
+              <a:t>4</a:t>
+            </a:fld>
+            <a:endParaRPr lang="en-US" dirty="0"/>
+          </a:p>
+        </p:txBody>
+      </p:sp>
+    </p:spTree>
+  </p:cSld>
+  <p:clrMapOvr>
+    <a:masterClrMapping/>
+  </p:clrMapOvr>
+</p:notes>
+</file>
+
+<file path=ppt/notesSlides/notesSlide5.xml><?xml version="1.0" encoding="utf-8"?>
+<p:notes xmlns:a="http://schemas.openxmlformats.org/drawingml/2006/main" xmlns:r="http://schemas.openxmlformats.org/officeDocument/2006/relationships" xmlns:p="http://schemas.openxmlformats.org/presentationml/2006/main">
+  <p:cSld>
+    <p:spTree>
+      <p:nvGrpSpPr>
+        <p:cNvPr id="1" name=""/>
+        <p:cNvGrpSpPr/>
+        <p:nvPr/>
+      </p:nvGrpSpPr>
+      <p:grpSpPr>
+        <a:xfrm>
+          <a:off x="0" y="0"/>
+          <a:ext cx="0" cy="0"/>
+          <a:chOff x="0" y="0"/>
+          <a:chExt cx="0" cy="0"/>
+        </a:xfrm>
+      </p:grpSpPr>
+      <p:sp>
+        <p:nvSpPr>
+          <p:cNvPr id="2" name="Slide Image Placeholder 1"/>
+          <p:cNvSpPr>
+            <a:spLocks noGrp="1" noRot="1" noChangeAspect="1"/>
+          </p:cNvSpPr>
+          <p:nvPr>
+            <p:ph type="sldImg"/>
+          </p:nvPr>
+        </p:nvSpPr>
+        <p:spPr/>
+      </p:sp>
+      <p:sp>
+        <p:nvSpPr>
+          <p:cNvPr id="3" name="Notes Placeholder 2"/>
           <p:cNvSpPr>
             <a:spLocks noGrp="1"/>
           </p:cNvSpPr>
           <p:nvPr>
-            <p:ph type="sldNum" sz="quarter" idx="5"/>
-          </p:nvPr>
-        </p:nvSpPr>
-        <p:spPr>
-          <a:noFill/>
-        </p:spPr>
+            <p:ph type="body" idx="1"/>
+          </p:nvPr>
+        </p:nvSpPr>
+        <p:spPr/>
+        <p:txBody>
+          <a:bodyPr>
+            <a:normAutofit/>
+          </a:bodyPr>
+          <a:lstStyle/>
+          <a:p>
+            <a:endParaRPr lang="en-US"/>
+          </a:p>
+        </p:txBody>
+      </p:sp>
+      <p:sp>
+        <p:nvSpPr>
+          <p:cNvPr id="4" name="Slide Number Placeholder 3"/>
+          <p:cNvSpPr>
+            <a:spLocks noGrp="1"/>
+          </p:cNvSpPr>
+          <p:nvPr>
+            <p:ph type="sldNum" sz="quarter" idx="10"/>
+          </p:nvPr>
+        </p:nvSpPr>
+        <p:spPr/>
         <p:txBody>
           <a:bodyPr/>
           <a:lstStyle/>
           <a:p>
-            <a:fld id="{9B6394FC-F76B-41A9-9296-ECACBEE39ACC}" type="slidenum">
+            <a:pPr>
+              <a:defRPr/>
+            </a:pPr>
+            <a:fld id="{AADD6CCA-78B7-498B-B599-3F471BD712C6}" type="slidenum">
               <a:rPr lang="en-US" smtClean="0"/>
-              <a:pPr/>
-              <a:t>13</a:t>
+              <a:pPr>
+                <a:defRPr/>
+              </a:pPr>
+              <a:t>5</a:t>
             </a:fld>
-            <a:endParaRPr lang="en-US" smtClean="0"/>
+            <a:endParaRPr lang="en-US" dirty="0"/>
+          </a:p>
+        </p:txBody>
+      </p:sp>
+    </p:spTree>
+  </p:cSld>
+  <p:clrMapOvr>
+    <a:masterClrMapping/>
+  </p:clrMapOvr>
+</p:notes>
+</file>
+
+<file path=ppt/notesSlides/notesSlide6.xml><?xml version="1.0" encoding="utf-8"?>
+<p:notes xmlns:a="http://schemas.openxmlformats.org/drawingml/2006/main" xmlns:r="http://schemas.openxmlformats.org/officeDocument/2006/relationships" xmlns:p="http://schemas.openxmlformats.org/presentationml/2006/main">
+  <p:cSld>
+    <p:spTree>
+      <p:nvGrpSpPr>
+        <p:cNvPr id="1" name=""/>
+        <p:cNvGrpSpPr/>
+        <p:nvPr/>
+      </p:nvGrpSpPr>
+      <p:grpSpPr>
+        <a:xfrm>
+          <a:off x="0" y="0"/>
+          <a:ext cx="0" cy="0"/>
+          <a:chOff x="0" y="0"/>
+          <a:chExt cx="0" cy="0"/>
+        </a:xfrm>
+      </p:grpSpPr>
+      <p:sp>
+        <p:nvSpPr>
+          <p:cNvPr id="2" name="Slide Image Placeholder 1"/>
+          <p:cNvSpPr>
+            <a:spLocks noGrp="1" noRot="1" noChangeAspect="1"/>
+          </p:cNvSpPr>
+          <p:nvPr>
+            <p:ph type="sldImg"/>
+          </p:nvPr>
+        </p:nvSpPr>
+        <p:spPr/>
+      </p:sp>
+      <p:sp>
+        <p:nvSpPr>
+          <p:cNvPr id="3" name="Notes Placeholder 2"/>
+          <p:cNvSpPr>
+            <a:spLocks noGrp="1"/>
+          </p:cNvSpPr>
+          <p:nvPr>
+            <p:ph type="body" idx="1"/>
+          </p:nvPr>
+        </p:nvSpPr>
+        <p:spPr/>
+        <p:txBody>
+          <a:bodyPr>
+            <a:normAutofit/>
+          </a:bodyPr>
+          <a:lstStyle/>
+          <a:p>
+            <a:endParaRPr lang="en-US"/>
+          </a:p>
+        </p:txBody>
+      </p:sp>
+      <p:sp>
+        <p:nvSpPr>
+          <p:cNvPr id="4" name="Slide Number Placeholder 3"/>
+          <p:cNvSpPr>
+            <a:spLocks noGrp="1"/>
+          </p:cNvSpPr>
+          <p:nvPr>
+            <p:ph type="sldNum" sz="quarter" idx="10"/>
+          </p:nvPr>
+        </p:nvSpPr>
+        <p:spPr/>
+        <p:txBody>
+          <a:bodyPr/>
+          <a:lstStyle/>
+          <a:p>
+            <a:pPr>
+              <a:defRPr/>
+            </a:pPr>
+            <a:fld id="{AADD6CCA-78B7-498B-B599-3F471BD712C6}" type="slidenum">
+              <a:rPr lang="en-US" smtClean="0"/>
+              <a:pPr>
+                <a:defRPr/>
+              </a:pPr>
+              <a:t>6</a:t>
+            </a:fld>
+            <a:endParaRPr lang="en-US" dirty="0"/>
+          </a:p>
+        </p:txBody>
+      </p:sp>
+    </p:spTree>
+  </p:cSld>
+  <p:clrMapOvr>
+    <a:masterClrMapping/>
+  </p:clrMapOvr>
+</p:notes>
+</file>
+
+<file path=ppt/notesSlides/notesSlide7.xml><?xml version="1.0" encoding="utf-8"?>
+<p:notes xmlns:a="http://schemas.openxmlformats.org/drawingml/2006/main" xmlns:r="http://schemas.openxmlformats.org/officeDocument/2006/relationships" xmlns:p="http://schemas.openxmlformats.org/presentationml/2006/main">
+  <p:cSld>
+    <p:spTree>
+      <p:nvGrpSpPr>
+        <p:cNvPr id="1" name=""/>
+        <p:cNvGrpSpPr/>
+        <p:nvPr/>
+      </p:nvGrpSpPr>
+      <p:grpSpPr>
+        <a:xfrm>
+          <a:off x="0" y="0"/>
+          <a:ext cx="0" cy="0"/>
+          <a:chOff x="0" y="0"/>
+          <a:chExt cx="0" cy="0"/>
+        </a:xfrm>
+      </p:grpSpPr>
+      <p:sp>
+        <p:nvSpPr>
+          <p:cNvPr id="2" name="Slide Image Placeholder 1"/>
+          <p:cNvSpPr>
+            <a:spLocks noGrp="1" noRot="1" noChangeAspect="1"/>
+          </p:cNvSpPr>
+          <p:nvPr>
+            <p:ph type="sldImg"/>
+          </p:nvPr>
+        </p:nvSpPr>
+        <p:spPr/>
+      </p:sp>
+      <p:sp>
+        <p:nvSpPr>
+          <p:cNvPr id="3" name="Notes Placeholder 2"/>
+          <p:cNvSpPr>
+            <a:spLocks noGrp="1"/>
+          </p:cNvSpPr>
+          <p:nvPr>
+            <p:ph type="body" idx="1"/>
+          </p:nvPr>
+        </p:nvSpPr>
+        <p:spPr/>
+        <p:txBody>
+          <a:bodyPr>
+            <a:normAutofit/>
+          </a:bodyPr>
+          <a:lstStyle/>
+          <a:p>
+            <a:endParaRPr lang="en-US"/>
+          </a:p>
+        </p:txBody>
+      </p:sp>
+      <p:sp>
+        <p:nvSpPr>
+          <p:cNvPr id="4" name="Slide Number Placeholder 3"/>
+          <p:cNvSpPr>
+            <a:spLocks noGrp="1"/>
+          </p:cNvSpPr>
+          <p:nvPr>
+            <p:ph type="sldNum" sz="quarter" idx="10"/>
+          </p:nvPr>
+        </p:nvSpPr>
+        <p:spPr/>
+        <p:txBody>
+          <a:bodyPr/>
+          <a:lstStyle/>
+          <a:p>
+            <a:pPr>
+              <a:defRPr/>
+            </a:pPr>
+            <a:fld id="{AADD6CCA-78B7-498B-B599-3F471BD712C6}" type="slidenum">
+              <a:rPr lang="en-US" smtClean="0"/>
+              <a:pPr>
+                <a:defRPr/>
+              </a:pPr>
+              <a:t>7</a:t>
+            </a:fld>
+            <a:endParaRPr lang="en-US" dirty="0"/>
+          </a:p>
+        </p:txBody>
+      </p:sp>
+    </p:spTree>
+  </p:cSld>
+  <p:clrMapOvr>
+    <a:masterClrMapping/>
+  </p:clrMapOvr>
+</p:notes>
+</file>
+
+<file path=ppt/notesSlides/notesSlide8.xml><?xml version="1.0" encoding="utf-8"?>
+<p:notes xmlns:a="http://schemas.openxmlformats.org/drawingml/2006/main" xmlns:r="http://schemas.openxmlformats.org/officeDocument/2006/relationships" xmlns:p="http://schemas.openxmlformats.org/presentationml/2006/main">
+  <p:cSld>
+    <p:spTree>
+      <p:nvGrpSpPr>
+        <p:cNvPr id="1" name=""/>
+        <p:cNvGrpSpPr/>
+        <p:nvPr/>
+      </p:nvGrpSpPr>
+      <p:grpSpPr>
+        <a:xfrm>
+          <a:off x="0" y="0"/>
+          <a:ext cx="0" cy="0"/>
+          <a:chOff x="0" y="0"/>
+          <a:chExt cx="0" cy="0"/>
+        </a:xfrm>
+      </p:grpSpPr>
+      <p:sp>
+        <p:nvSpPr>
+          <p:cNvPr id="2" name="Slide Image Placeholder 1"/>
+          <p:cNvSpPr>
+            <a:spLocks noGrp="1" noRot="1" noChangeAspect="1"/>
+          </p:cNvSpPr>
+          <p:nvPr>
+            <p:ph type="sldImg"/>
+          </p:nvPr>
+        </p:nvSpPr>
+        <p:spPr/>
+      </p:sp>
+      <p:sp>
+        <p:nvSpPr>
+          <p:cNvPr id="3" name="Notes Placeholder 2"/>
+          <p:cNvSpPr>
+            <a:spLocks noGrp="1"/>
+          </p:cNvSpPr>
+          <p:nvPr>
+            <p:ph type="body" idx="1"/>
+          </p:nvPr>
+        </p:nvSpPr>
+        <p:spPr/>
+        <p:txBody>
+          <a:bodyPr>
+            <a:normAutofit/>
+          </a:bodyPr>
+          <a:lstStyle/>
+          <a:p>
+            <a:endParaRPr lang="en-US"/>
+          </a:p>
+        </p:txBody>
+      </p:sp>
+      <p:sp>
+        <p:nvSpPr>
+          <p:cNvPr id="4" name="Slide Number Placeholder 3"/>
+          <p:cNvSpPr>
+            <a:spLocks noGrp="1"/>
+          </p:cNvSpPr>
+          <p:nvPr>
+            <p:ph type="sldNum" sz="quarter" idx="10"/>
+          </p:nvPr>
+        </p:nvSpPr>
+        <p:spPr/>
+        <p:txBody>
+          <a:bodyPr/>
+          <a:lstStyle/>
+          <a:p>
+            <a:pPr>
+              <a:defRPr/>
+            </a:pPr>
+            <a:fld id="{AADD6CCA-78B7-498B-B599-3F471BD712C6}" type="slidenum">
+              <a:rPr lang="en-US" smtClean="0"/>
+              <a:pPr>
+                <a:defRPr/>
+              </a:pPr>
+              <a:t>8</a:t>
+            </a:fld>
+            <a:endParaRPr lang="en-US" dirty="0"/>
+          </a:p>
+        </p:txBody>
+      </p:sp>
+    </p:spTree>
+  </p:cSld>
+  <p:clrMapOvr>
+    <a:masterClrMapping/>
+  </p:clrMapOvr>
+</p:notes>
+</file>
+
+<file path=ppt/notesSlides/notesSlide9.xml><?xml version="1.0" encoding="utf-8"?>
+<p:notes xmlns:a="http://schemas.openxmlformats.org/drawingml/2006/main" xmlns:r="http://schemas.openxmlformats.org/officeDocument/2006/relationships" xmlns:p="http://schemas.openxmlformats.org/presentationml/2006/main">
+  <p:cSld>
+    <p:spTree>
+      <p:nvGrpSpPr>
+        <p:cNvPr id="1" name=""/>
+        <p:cNvGrpSpPr/>
+        <p:nvPr/>
+      </p:nvGrpSpPr>
+      <p:grpSpPr>
+        <a:xfrm>
+          <a:off x="0" y="0"/>
+          <a:ext cx="0" cy="0"/>
+          <a:chOff x="0" y="0"/>
+          <a:chExt cx="0" cy="0"/>
+        </a:xfrm>
+      </p:grpSpPr>
+      <p:sp>
+        <p:nvSpPr>
+          <p:cNvPr id="2" name="Slide Image Placeholder 1"/>
+          <p:cNvSpPr>
+            <a:spLocks noGrp="1" noRot="1" noChangeAspect="1"/>
+          </p:cNvSpPr>
+          <p:nvPr>
+            <p:ph type="sldImg"/>
+          </p:nvPr>
+        </p:nvSpPr>
+        <p:spPr/>
+      </p:sp>
+      <p:sp>
+        <p:nvSpPr>
+          <p:cNvPr id="3" name="Notes Placeholder 2"/>
+          <p:cNvSpPr>
+            <a:spLocks noGrp="1"/>
+          </p:cNvSpPr>
+          <p:nvPr>
+            <p:ph type="body" idx="1"/>
+          </p:nvPr>
+        </p:nvSpPr>
+        <p:spPr/>
+        <p:txBody>
+          <a:bodyPr>
+            <a:normAutofit/>
+          </a:bodyPr>
+          <a:lstStyle/>
+          <a:p>
+            <a:endParaRPr lang="en-US"/>
+          </a:p>
+        </p:txBody>
+      </p:sp>
+      <p:sp>
+        <p:nvSpPr>
+          <p:cNvPr id="4" name="Slide Number Placeholder 3"/>
+          <p:cNvSpPr>
+            <a:spLocks noGrp="1"/>
+          </p:cNvSpPr>
+          <p:nvPr>
+            <p:ph type="sldNum" sz="quarter" idx="10"/>
+          </p:nvPr>
+        </p:nvSpPr>
+        <p:spPr/>
+        <p:txBody>
+          <a:bodyPr/>
+          <a:lstStyle/>
+          <a:p>
+            <a:pPr>
+              <a:defRPr/>
+            </a:pPr>
+            <a:fld id="{AADD6CCA-78B7-498B-B599-3F471BD712C6}" type="slidenum">
+              <a:rPr lang="en-US" smtClean="0"/>
+              <a:pPr>
+                <a:defRPr/>
+              </a:pPr>
+              <a:t>9</a:t>
+            </a:fld>
+            <a:endParaRPr lang="en-US" dirty="0"/>
           </a:p>
         </p:txBody>
       </p:sp>
@@ -3094,7 +4486,7 @@
               <a:pPr>
                 <a:defRPr/>
               </a:pPr>
-              <a:t>2/28/2012</a:t>
+              <a:t>3/27/2012</a:t>
             </a:fld>
             <a:endParaRPr lang="en-US"/>
           </a:p>
@@ -3286,7 +4678,7 @@
               <a:pPr>
                 <a:defRPr/>
               </a:pPr>
-              <a:t>2/28/2012</a:t>
+              <a:t>3/27/2012</a:t>
             </a:fld>
             <a:endParaRPr lang="en-US"/>
           </a:p>
@@ -3554,7 +4946,7 @@
               <a:pPr>
                 <a:defRPr/>
               </a:pPr>
-              <a:t>2/28/2012</a:t>
+              <a:t>3/27/2012</a:t>
             </a:fld>
             <a:endParaRPr lang="en-US"/>
           </a:p>
@@ -3864,7 +5256,7 @@
               <a:pPr>
                 <a:defRPr/>
               </a:pPr>
-              <a:t>2/28/2012</a:t>
+              <a:t>3/27/2012</a:t>
             </a:fld>
             <a:endParaRPr lang="en-US"/>
           </a:p>
@@ -4523,7 +5915,7 @@
               <a:pPr>
                 <a:defRPr/>
               </a:pPr>
-              <a:t>2/28/2012</a:t>
+              <a:t>3/27/2012</a:t>
             </a:fld>
             <a:endParaRPr lang="en-US"/>
           </a:p>
@@ -4663,7 +6055,7 @@
               <a:pPr>
                 <a:defRPr/>
               </a:pPr>
-              <a:t>2/28/2012</a:t>
+              <a:t>3/27/2012</a:t>
             </a:fld>
             <a:endParaRPr lang="en-US"/>
           </a:p>
@@ -4780,7 +6172,7 @@
               <a:pPr>
                 <a:defRPr/>
               </a:pPr>
-              <a:t>2/28/2012</a:t>
+              <a:t>3/27/2012</a:t>
             </a:fld>
             <a:endParaRPr lang="en-US"/>
           </a:p>
@@ -5079,7 +6471,7 @@
               <a:pPr>
                 <a:defRPr/>
               </a:pPr>
-              <a:t>2/28/2012</a:t>
+              <a:t>3/27/2012</a:t>
             </a:fld>
             <a:endParaRPr lang="en-US"/>
           </a:p>
@@ -5357,7 +6749,7 @@
               <a:pPr>
                 <a:defRPr/>
               </a:pPr>
-              <a:t>2/28/2012</a:t>
+              <a:t>3/27/2012</a:t>
             </a:fld>
             <a:endParaRPr lang="en-US"/>
           </a:p>
@@ -5549,7 +6941,7 @@
               <a:pPr>
                 <a:defRPr/>
               </a:pPr>
-              <a:t>2/28/2012</a:t>
+              <a:t>3/27/2012</a:t>
             </a:fld>
             <a:endParaRPr lang="en-US"/>
           </a:p>
@@ -5751,7 +7143,7 @@
               <a:pPr>
                 <a:defRPr/>
               </a:pPr>
-              <a:t>2/28/2012</a:t>
+              <a:t>3/27/2012</a:t>
             </a:fld>
             <a:endParaRPr lang="en-US"/>
           </a:p>
@@ -8658,7 +10050,7 @@
               <a:pPr>
                 <a:defRPr/>
               </a:pPr>
-              <a:t>2/28/2012</a:t>
+              <a:t>3/27/2012</a:t>
             </a:fld>
             <a:endParaRPr lang="en-US"/>
           </a:p>
@@ -10307,57 +11699,115 @@
           <a:lstStyle/>
           <a:p>
             <a:r>
+              <a:rPr lang="en-US" sz="3200" dirty="0" err="1" smtClean="0"/>
+              <a:t>Macroblock</a:t>
+            </a:r>
+            <a:r>
+              <a:rPr lang="en-US" sz="3200" dirty="0" smtClean="0"/>
+              <a:t> and Pixel Data</a:t>
+            </a:r>
+          </a:p>
+        </p:txBody>
+      </p:sp>
+      <p:sp>
+        <p:nvSpPr>
+          <p:cNvPr id="45058" name="Rectangle 2339"/>
+          <p:cNvSpPr>
+            <a:spLocks noGrp="1" noChangeArrowheads="1"/>
+          </p:cNvSpPr>
+          <p:nvPr>
+            <p:ph type="body" idx="1"/>
+          </p:nvPr>
+        </p:nvSpPr>
+        <p:spPr>
+          <a:xfrm>
+            <a:off x="333375" y="887412"/>
+            <a:ext cx="6105525" cy="5094287"/>
+          </a:xfrm>
+        </p:spPr>
+        <p:txBody>
+          <a:bodyPr/>
+          <a:lstStyle/>
+          <a:p>
+            <a:pPr>
+              <a:buNone/>
+            </a:pPr>
+            <a:r>
+              <a:rPr lang="en-US" dirty="0" smtClean="0"/>
+              <a:t> RGB and YUV</a:t>
+            </a:r>
+          </a:p>
+          <a:p>
+            <a:pPr>
+              <a:buNone/>
+            </a:pPr>
+            <a:endParaRPr lang="en-US" dirty="0" smtClean="0"/>
+          </a:p>
+          <a:p>
+            <a:pPr>
+              <a:buNone/>
+            </a:pPr>
+            <a:endParaRPr lang="en-US" dirty="0" smtClean="0"/>
+          </a:p>
+          <a:p>
+            <a:pPr>
+              <a:buNone/>
+            </a:pPr>
+            <a:endParaRPr lang="en-US" dirty="0" smtClean="0"/>
+          </a:p>
+          <a:p>
+            <a:pPr>
+              <a:buNone/>
+            </a:pPr>
+            <a:r>
+              <a:rPr lang="en-US" dirty="0" smtClean="0"/>
+              <a:t>4:4:4 and 4:2:0 format</a:t>
+            </a:r>
+          </a:p>
+          <a:p>
+            <a:pPr>
+              <a:buNone/>
+            </a:pPr>
+            <a:endParaRPr lang="en-US" dirty="0" smtClean="0"/>
+          </a:p>
+          <a:p>
+            <a:pPr>
+              <a:buNone/>
+            </a:pPr>
+            <a:endParaRPr lang="en-US" dirty="0" smtClean="0"/>
+          </a:p>
+          <a:p>
+            <a:pPr>
+              <a:buNone/>
+            </a:pPr>
+            <a:endParaRPr lang="en-US" dirty="0" smtClean="0"/>
+          </a:p>
+          <a:p>
+            <a:r>
+              <a:rPr lang="en-US" dirty="0" smtClean="0"/>
+              <a:t>Typically 8-bit values (10, 12, 14)</a:t>
+            </a:r>
+          </a:p>
+          <a:p>
+            <a:r>
               <a:rPr lang="en-US" dirty="0" err="1" smtClean="0"/>
               <a:t>Macroblock</a:t>
             </a:r>
             <a:r>
               <a:rPr lang="en-US" dirty="0" smtClean="0"/>
-              <a:t> and Pixel Data</a:t>
-            </a:r>
-          </a:p>
-        </p:txBody>
-      </p:sp>
-      <p:sp>
-        <p:nvSpPr>
-          <p:cNvPr id="45058" name="Rectangle 2339"/>
-          <p:cNvSpPr>
-            <a:spLocks noGrp="1" noChangeArrowheads="1"/>
-          </p:cNvSpPr>
-          <p:nvPr>
-            <p:ph type="body" idx="1"/>
-          </p:nvPr>
-        </p:nvSpPr>
-        <p:spPr>
-          <a:xfrm>
-            <a:off x="333375" y="887413"/>
-            <a:ext cx="8467725" cy="5233987"/>
-          </a:xfrm>
-        </p:spPr>
-        <p:txBody>
-          <a:bodyPr/>
-          <a:lstStyle/>
-          <a:p>
-            <a:r>
-              <a:rPr lang="en-US" dirty="0" smtClean="0"/>
-              <a:t> RGB and YUV</a:t>
-            </a:r>
-          </a:p>
-          <a:p>
+              <a:t> = 16x16 pixels</a:t>
+            </a:r>
+          </a:p>
+          <a:p>
+            <a:pPr>
+              <a:buNone/>
+            </a:pPr>
             <a:endParaRPr lang="en-US" dirty="0" smtClean="0"/>
           </a:p>
           <a:p>
-            <a:endParaRPr lang="en-US" dirty="0" smtClean="0"/>
-          </a:p>
-          <a:p>
-            <a:endParaRPr lang="en-US" dirty="0" smtClean="0"/>
-          </a:p>
-          <a:p>
-            <a:r>
-              <a:rPr lang="en-US" dirty="0" smtClean="0"/>
-              <a:t>4:4:4 and 4:2:0 format</a:t>
-            </a:r>
-          </a:p>
-          <a:p>
+            <a:pPr>
+              <a:buNone/>
+            </a:pPr>
             <a:endParaRPr lang="en-US" dirty="0" smtClean="0"/>
           </a:p>
           <a:p>
@@ -10372,22 +11822,6 @@
               <a:rPr lang="en-US" dirty="0" smtClean="0"/>
             </a:br>
             <a:endParaRPr lang="en-US" dirty="0" smtClean="0"/>
-          </a:p>
-          <a:p>
-            <a:r>
-              <a:rPr lang="en-US" dirty="0" smtClean="0"/>
-              <a:t>Typically 8-bit values (10, 12, 14)</a:t>
-            </a:r>
-          </a:p>
-          <a:p>
-            <a:r>
-              <a:rPr lang="en-US" dirty="0" err="1" smtClean="0"/>
-              <a:t>Macroblock</a:t>
-            </a:r>
-            <a:r>
-              <a:rPr lang="en-US" dirty="0" smtClean="0"/>
-              <a:t> = 16x16 pixels</a:t>
-            </a:r>
           </a:p>
         </p:txBody>
       </p:sp>
@@ -10400,7 +11834,7 @@
           <p:nvPr/>
         </p:nvPicPr>
         <p:blipFill>
-          <a:blip r:embed="rId2" cstate="print"/>
+          <a:blip r:embed="rId3" cstate="print"/>
           <a:srcRect/>
           <a:stretch>
             <a:fillRect/>
@@ -10408,7 +11842,7 @@
         </p:blipFill>
         <p:spPr bwMode="auto">
           <a:xfrm>
-            <a:off x="533400" y="1387475"/>
+            <a:off x="723900" y="1377950"/>
             <a:ext cx="4400550" cy="1638300"/>
           </a:xfrm>
           <a:prstGeom prst="rect">
@@ -10425,219 +11859,1930 @@
       </p:pic>
       <p:grpSp>
         <p:nvGrpSpPr>
-          <p:cNvPr id="14" name="Group 13"/>
+          <p:cNvPr id="2" name="Group 29"/>
           <p:cNvGrpSpPr/>
           <p:nvPr/>
         </p:nvGrpSpPr>
         <p:grpSpPr>
           <a:xfrm>
-            <a:off x="6226634" y="4966617"/>
-            <a:ext cx="1404232" cy="1360690"/>
-            <a:chOff x="5255084" y="5048260"/>
-            <a:chExt cx="1404232" cy="1360690"/>
+            <a:off x="7017209" y="4871367"/>
+            <a:ext cx="1533722" cy="1472283"/>
+            <a:chOff x="6474284" y="4471317"/>
+            <a:chExt cx="1533722" cy="1472283"/>
           </a:xfrm>
         </p:grpSpPr>
-        <p:pic>
-          <p:nvPicPr>
-            <p:cNvPr id="45062" name="Picture 7"/>
-            <p:cNvPicPr>
-              <a:picLocks noChangeAspect="1" noChangeArrowheads="1"/>
-            </p:cNvPicPr>
+        <p:grpSp>
+          <p:nvGrpSpPr>
+            <p:cNvPr id="3" name="Group 13"/>
+            <p:cNvGrpSpPr/>
             <p:nvPr/>
-          </p:nvPicPr>
-          <p:blipFill>
-            <a:blip r:embed="rId3" cstate="print"/>
-            <a:srcRect/>
-            <a:stretch>
-              <a:fillRect/>
-            </a:stretch>
-          </p:blipFill>
+          </p:nvGrpSpPr>
+          <p:grpSpPr>
+            <a:xfrm>
+              <a:off x="6474284" y="4471317"/>
+              <a:ext cx="752672" cy="729333"/>
+              <a:chOff x="5255084" y="5048260"/>
+              <a:chExt cx="1404232" cy="1360690"/>
+            </a:xfrm>
+          </p:grpSpPr>
+          <p:pic>
+            <p:nvPicPr>
+              <p:cNvPr id="45062" name="Picture 7"/>
+              <p:cNvPicPr>
+                <a:picLocks noChangeAspect="1" noChangeArrowheads="1"/>
+              </p:cNvPicPr>
+              <p:nvPr/>
+            </p:nvPicPr>
+            <p:blipFill>
+              <a:blip r:embed="rId4" cstate="print"/>
+              <a:srcRect/>
+              <a:stretch>
+                <a:fillRect/>
+              </a:stretch>
+            </p:blipFill>
+            <p:spPr bwMode="auto">
+              <a:xfrm>
+                <a:off x="5257800" y="5050976"/>
+                <a:ext cx="685800" cy="666750"/>
+              </a:xfrm>
+              <a:prstGeom prst="rect">
+                <a:avLst/>
+              </a:prstGeom>
+              <a:noFill/>
+              <a:ln w="9525">
+                <a:noFill/>
+                <a:miter lim="800000"/>
+                <a:headEnd/>
+                <a:tailEnd/>
+              </a:ln>
+            </p:spPr>
+          </p:pic>
+          <p:pic>
+            <p:nvPicPr>
+              <p:cNvPr id="8" name="Picture 7"/>
+              <p:cNvPicPr>
+                <a:picLocks noChangeAspect="1" noChangeArrowheads="1"/>
+              </p:cNvPicPr>
+              <p:nvPr/>
+            </p:nvPicPr>
+            <p:blipFill>
+              <a:blip r:embed="rId4" cstate="print"/>
+              <a:srcRect/>
+              <a:stretch>
+                <a:fillRect/>
+              </a:stretch>
+            </p:blipFill>
+            <p:spPr bwMode="auto">
+              <a:xfrm>
+                <a:off x="5973516" y="5048260"/>
+                <a:ext cx="685800" cy="666750"/>
+              </a:xfrm>
+              <a:prstGeom prst="rect">
+                <a:avLst/>
+              </a:prstGeom>
+              <a:noFill/>
+              <a:ln w="9525">
+                <a:noFill/>
+                <a:miter lim="800000"/>
+                <a:headEnd/>
+                <a:tailEnd/>
+              </a:ln>
+            </p:spPr>
+          </p:pic>
+          <p:pic>
+            <p:nvPicPr>
+              <p:cNvPr id="9" name="Picture 7"/>
+              <p:cNvPicPr>
+                <a:picLocks noChangeAspect="1" noChangeArrowheads="1"/>
+              </p:cNvPicPr>
+              <p:nvPr/>
+            </p:nvPicPr>
+            <p:blipFill>
+              <a:blip r:embed="rId4" cstate="print"/>
+              <a:srcRect/>
+              <a:stretch>
+                <a:fillRect/>
+              </a:stretch>
+            </p:blipFill>
+            <p:spPr bwMode="auto">
+              <a:xfrm>
+                <a:off x="5255084" y="5742200"/>
+                <a:ext cx="685800" cy="666750"/>
+              </a:xfrm>
+              <a:prstGeom prst="rect">
+                <a:avLst/>
+              </a:prstGeom>
+              <a:noFill/>
+              <a:ln w="9525">
+                <a:noFill/>
+                <a:miter lim="800000"/>
+                <a:headEnd/>
+                <a:tailEnd/>
+              </a:ln>
+            </p:spPr>
+          </p:pic>
+          <p:pic>
+            <p:nvPicPr>
+              <p:cNvPr id="10" name="Picture 9"/>
+              <p:cNvPicPr>
+                <a:picLocks noChangeAspect="1" noChangeArrowheads="1"/>
+              </p:cNvPicPr>
+              <p:nvPr/>
+            </p:nvPicPr>
+            <p:blipFill>
+              <a:blip r:embed="rId4" cstate="print"/>
+              <a:srcRect/>
+              <a:stretch>
+                <a:fillRect/>
+              </a:stretch>
+            </p:blipFill>
+            <p:spPr bwMode="auto">
+              <a:xfrm>
+                <a:off x="5970800" y="5739484"/>
+                <a:ext cx="685800" cy="666750"/>
+              </a:xfrm>
+              <a:prstGeom prst="rect">
+                <a:avLst/>
+              </a:prstGeom>
+              <a:noFill/>
+              <a:ln w="9525">
+                <a:noFill/>
+                <a:miter lim="800000"/>
+                <a:headEnd/>
+                <a:tailEnd/>
+              </a:ln>
+            </p:spPr>
+          </p:pic>
+        </p:grpSp>
+        <p:grpSp>
+          <p:nvGrpSpPr>
+            <p:cNvPr id="4" name="Group 14"/>
+            <p:cNvGrpSpPr/>
+            <p:nvPr/>
+          </p:nvGrpSpPr>
+          <p:grpSpPr>
+            <a:xfrm>
+              <a:off x="7255334" y="4471317"/>
+              <a:ext cx="752672" cy="729333"/>
+              <a:chOff x="5255084" y="5048260"/>
+              <a:chExt cx="1404232" cy="1360690"/>
+            </a:xfrm>
+          </p:grpSpPr>
+          <p:pic>
+            <p:nvPicPr>
+              <p:cNvPr id="16" name="Picture 7"/>
+              <p:cNvPicPr>
+                <a:picLocks noChangeAspect="1" noChangeArrowheads="1"/>
+              </p:cNvPicPr>
+              <p:nvPr/>
+            </p:nvPicPr>
+            <p:blipFill>
+              <a:blip r:embed="rId4" cstate="print"/>
+              <a:srcRect/>
+              <a:stretch>
+                <a:fillRect/>
+              </a:stretch>
+            </p:blipFill>
+            <p:spPr bwMode="auto">
+              <a:xfrm>
+                <a:off x="5257800" y="5050976"/>
+                <a:ext cx="685800" cy="666750"/>
+              </a:xfrm>
+              <a:prstGeom prst="rect">
+                <a:avLst/>
+              </a:prstGeom>
+              <a:noFill/>
+              <a:ln w="9525">
+                <a:noFill/>
+                <a:miter lim="800000"/>
+                <a:headEnd/>
+                <a:tailEnd/>
+              </a:ln>
+            </p:spPr>
+          </p:pic>
+          <p:pic>
+            <p:nvPicPr>
+              <p:cNvPr id="17" name="Picture 16"/>
+              <p:cNvPicPr>
+                <a:picLocks noChangeAspect="1" noChangeArrowheads="1"/>
+              </p:cNvPicPr>
+              <p:nvPr/>
+            </p:nvPicPr>
+            <p:blipFill>
+              <a:blip r:embed="rId4" cstate="print"/>
+              <a:srcRect/>
+              <a:stretch>
+                <a:fillRect/>
+              </a:stretch>
+            </p:blipFill>
+            <p:spPr bwMode="auto">
+              <a:xfrm>
+                <a:off x="5973516" y="5048260"/>
+                <a:ext cx="685800" cy="666750"/>
+              </a:xfrm>
+              <a:prstGeom prst="rect">
+                <a:avLst/>
+              </a:prstGeom>
+              <a:noFill/>
+              <a:ln w="9525">
+                <a:noFill/>
+                <a:miter lim="800000"/>
+                <a:headEnd/>
+                <a:tailEnd/>
+              </a:ln>
+            </p:spPr>
+          </p:pic>
+          <p:pic>
+            <p:nvPicPr>
+              <p:cNvPr id="18" name="Picture 7"/>
+              <p:cNvPicPr>
+                <a:picLocks noChangeAspect="1" noChangeArrowheads="1"/>
+              </p:cNvPicPr>
+              <p:nvPr/>
+            </p:nvPicPr>
+            <p:blipFill>
+              <a:blip r:embed="rId4" cstate="print"/>
+              <a:srcRect/>
+              <a:stretch>
+                <a:fillRect/>
+              </a:stretch>
+            </p:blipFill>
+            <p:spPr bwMode="auto">
+              <a:xfrm>
+                <a:off x="5255084" y="5742200"/>
+                <a:ext cx="685800" cy="666750"/>
+              </a:xfrm>
+              <a:prstGeom prst="rect">
+                <a:avLst/>
+              </a:prstGeom>
+              <a:noFill/>
+              <a:ln w="9525">
+                <a:noFill/>
+                <a:miter lim="800000"/>
+                <a:headEnd/>
+                <a:tailEnd/>
+              </a:ln>
+            </p:spPr>
+          </p:pic>
+          <p:pic>
+            <p:nvPicPr>
+              <p:cNvPr id="19" name="Picture 18"/>
+              <p:cNvPicPr>
+                <a:picLocks noChangeAspect="1" noChangeArrowheads="1"/>
+              </p:cNvPicPr>
+              <p:nvPr/>
+            </p:nvPicPr>
+            <p:blipFill>
+              <a:blip r:embed="rId4" cstate="print"/>
+              <a:srcRect/>
+              <a:stretch>
+                <a:fillRect/>
+              </a:stretch>
+            </p:blipFill>
+            <p:spPr bwMode="auto">
+              <a:xfrm>
+                <a:off x="5970800" y="5739484"/>
+                <a:ext cx="685800" cy="666750"/>
+              </a:xfrm>
+              <a:prstGeom prst="rect">
+                <a:avLst/>
+              </a:prstGeom>
+              <a:noFill/>
+              <a:ln w="9525">
+                <a:noFill/>
+                <a:miter lim="800000"/>
+                <a:headEnd/>
+                <a:tailEnd/>
+              </a:ln>
+            </p:spPr>
+          </p:pic>
+        </p:grpSp>
+        <p:grpSp>
+          <p:nvGrpSpPr>
+            <p:cNvPr id="5" name="Group 19"/>
+            <p:cNvGrpSpPr/>
+            <p:nvPr/>
+          </p:nvGrpSpPr>
+          <p:grpSpPr>
+            <a:xfrm>
+              <a:off x="6474284" y="5214267"/>
+              <a:ext cx="752672" cy="729333"/>
+              <a:chOff x="5255084" y="5048260"/>
+              <a:chExt cx="1404232" cy="1360690"/>
+            </a:xfrm>
+          </p:grpSpPr>
+          <p:pic>
+            <p:nvPicPr>
+              <p:cNvPr id="21" name="Picture 7"/>
+              <p:cNvPicPr>
+                <a:picLocks noChangeAspect="1" noChangeArrowheads="1"/>
+              </p:cNvPicPr>
+              <p:nvPr/>
+            </p:nvPicPr>
+            <p:blipFill>
+              <a:blip r:embed="rId4" cstate="print"/>
+              <a:srcRect/>
+              <a:stretch>
+                <a:fillRect/>
+              </a:stretch>
+            </p:blipFill>
+            <p:spPr bwMode="auto">
+              <a:xfrm>
+                <a:off x="5257800" y="5050976"/>
+                <a:ext cx="685800" cy="666750"/>
+              </a:xfrm>
+              <a:prstGeom prst="rect">
+                <a:avLst/>
+              </a:prstGeom>
+              <a:noFill/>
+              <a:ln w="9525">
+                <a:noFill/>
+                <a:miter lim="800000"/>
+                <a:headEnd/>
+                <a:tailEnd/>
+              </a:ln>
+            </p:spPr>
+          </p:pic>
+          <p:pic>
+            <p:nvPicPr>
+              <p:cNvPr id="22" name="Picture 21"/>
+              <p:cNvPicPr>
+                <a:picLocks noChangeAspect="1" noChangeArrowheads="1"/>
+              </p:cNvPicPr>
+              <p:nvPr/>
+            </p:nvPicPr>
+            <p:blipFill>
+              <a:blip r:embed="rId4" cstate="print"/>
+              <a:srcRect/>
+              <a:stretch>
+                <a:fillRect/>
+              </a:stretch>
+            </p:blipFill>
+            <p:spPr bwMode="auto">
+              <a:xfrm>
+                <a:off x="5973516" y="5048260"/>
+                <a:ext cx="685800" cy="666750"/>
+              </a:xfrm>
+              <a:prstGeom prst="rect">
+                <a:avLst/>
+              </a:prstGeom>
+              <a:noFill/>
+              <a:ln w="9525">
+                <a:noFill/>
+                <a:miter lim="800000"/>
+                <a:headEnd/>
+                <a:tailEnd/>
+              </a:ln>
+            </p:spPr>
+          </p:pic>
+          <p:pic>
+            <p:nvPicPr>
+              <p:cNvPr id="23" name="Picture 7"/>
+              <p:cNvPicPr>
+                <a:picLocks noChangeAspect="1" noChangeArrowheads="1"/>
+              </p:cNvPicPr>
+              <p:nvPr/>
+            </p:nvPicPr>
+            <p:blipFill>
+              <a:blip r:embed="rId4" cstate="print"/>
+              <a:srcRect/>
+              <a:stretch>
+                <a:fillRect/>
+              </a:stretch>
+            </p:blipFill>
+            <p:spPr bwMode="auto">
+              <a:xfrm>
+                <a:off x="5255084" y="5742200"/>
+                <a:ext cx="685800" cy="666750"/>
+              </a:xfrm>
+              <a:prstGeom prst="rect">
+                <a:avLst/>
+              </a:prstGeom>
+              <a:noFill/>
+              <a:ln w="9525">
+                <a:noFill/>
+                <a:miter lim="800000"/>
+                <a:headEnd/>
+                <a:tailEnd/>
+              </a:ln>
+            </p:spPr>
+          </p:pic>
+          <p:pic>
+            <p:nvPicPr>
+              <p:cNvPr id="24" name="Picture 23"/>
+              <p:cNvPicPr>
+                <a:picLocks noChangeAspect="1" noChangeArrowheads="1"/>
+              </p:cNvPicPr>
+              <p:nvPr/>
+            </p:nvPicPr>
+            <p:blipFill>
+              <a:blip r:embed="rId4" cstate="print"/>
+              <a:srcRect/>
+              <a:stretch>
+                <a:fillRect/>
+              </a:stretch>
+            </p:blipFill>
+            <p:spPr bwMode="auto">
+              <a:xfrm>
+                <a:off x="5970800" y="5739484"/>
+                <a:ext cx="685800" cy="666750"/>
+              </a:xfrm>
+              <a:prstGeom prst="rect">
+                <a:avLst/>
+              </a:prstGeom>
+              <a:noFill/>
+              <a:ln w="9525">
+                <a:noFill/>
+                <a:miter lim="800000"/>
+                <a:headEnd/>
+                <a:tailEnd/>
+              </a:ln>
+            </p:spPr>
+          </p:pic>
+        </p:grpSp>
+        <p:grpSp>
+          <p:nvGrpSpPr>
+            <p:cNvPr id="6" name="Group 24"/>
+            <p:cNvGrpSpPr/>
+            <p:nvPr/>
+          </p:nvGrpSpPr>
+          <p:grpSpPr>
+            <a:xfrm>
+              <a:off x="7255334" y="5214267"/>
+              <a:ext cx="752672" cy="729333"/>
+              <a:chOff x="5255084" y="5048260"/>
+              <a:chExt cx="1404232" cy="1360690"/>
+            </a:xfrm>
+          </p:grpSpPr>
+          <p:pic>
+            <p:nvPicPr>
+              <p:cNvPr id="26" name="Picture 7"/>
+              <p:cNvPicPr>
+                <a:picLocks noChangeAspect="1" noChangeArrowheads="1"/>
+              </p:cNvPicPr>
+              <p:nvPr/>
+            </p:nvPicPr>
+            <p:blipFill>
+              <a:blip r:embed="rId4" cstate="print"/>
+              <a:srcRect/>
+              <a:stretch>
+                <a:fillRect/>
+              </a:stretch>
+            </p:blipFill>
+            <p:spPr bwMode="auto">
+              <a:xfrm>
+                <a:off x="5257800" y="5050976"/>
+                <a:ext cx="685800" cy="666750"/>
+              </a:xfrm>
+              <a:prstGeom prst="rect">
+                <a:avLst/>
+              </a:prstGeom>
+              <a:noFill/>
+              <a:ln w="9525">
+                <a:noFill/>
+                <a:miter lim="800000"/>
+                <a:headEnd/>
+                <a:tailEnd/>
+              </a:ln>
+            </p:spPr>
+          </p:pic>
+          <p:pic>
+            <p:nvPicPr>
+              <p:cNvPr id="27" name="Picture 26"/>
+              <p:cNvPicPr>
+                <a:picLocks noChangeAspect="1" noChangeArrowheads="1"/>
+              </p:cNvPicPr>
+              <p:nvPr/>
+            </p:nvPicPr>
+            <p:blipFill>
+              <a:blip r:embed="rId4" cstate="print"/>
+              <a:srcRect/>
+              <a:stretch>
+                <a:fillRect/>
+              </a:stretch>
+            </p:blipFill>
+            <p:spPr bwMode="auto">
+              <a:xfrm>
+                <a:off x="5973516" y="5048260"/>
+                <a:ext cx="685800" cy="666750"/>
+              </a:xfrm>
+              <a:prstGeom prst="rect">
+                <a:avLst/>
+              </a:prstGeom>
+              <a:noFill/>
+              <a:ln w="9525">
+                <a:noFill/>
+                <a:miter lim="800000"/>
+                <a:headEnd/>
+                <a:tailEnd/>
+              </a:ln>
+            </p:spPr>
+          </p:pic>
+          <p:pic>
+            <p:nvPicPr>
+              <p:cNvPr id="28" name="Picture 7"/>
+              <p:cNvPicPr>
+                <a:picLocks noChangeAspect="1" noChangeArrowheads="1"/>
+              </p:cNvPicPr>
+              <p:nvPr/>
+            </p:nvPicPr>
+            <p:blipFill>
+              <a:blip r:embed="rId4" cstate="print"/>
+              <a:srcRect/>
+              <a:stretch>
+                <a:fillRect/>
+              </a:stretch>
+            </p:blipFill>
+            <p:spPr bwMode="auto">
+              <a:xfrm>
+                <a:off x="5255084" y="5742200"/>
+                <a:ext cx="685800" cy="666750"/>
+              </a:xfrm>
+              <a:prstGeom prst="rect">
+                <a:avLst/>
+              </a:prstGeom>
+              <a:noFill/>
+              <a:ln w="9525">
+                <a:noFill/>
+                <a:miter lim="800000"/>
+                <a:headEnd/>
+                <a:tailEnd/>
+              </a:ln>
+            </p:spPr>
+          </p:pic>
+          <p:pic>
+            <p:nvPicPr>
+              <p:cNvPr id="29" name="Picture 28"/>
+              <p:cNvPicPr>
+                <a:picLocks noChangeAspect="1" noChangeArrowheads="1"/>
+              </p:cNvPicPr>
+              <p:nvPr/>
+            </p:nvPicPr>
+            <p:blipFill>
+              <a:blip r:embed="rId4" cstate="print"/>
+              <a:srcRect/>
+              <a:stretch>
+                <a:fillRect/>
+              </a:stretch>
+            </p:blipFill>
+            <p:spPr bwMode="auto">
+              <a:xfrm>
+                <a:off x="5970800" y="5739484"/>
+                <a:ext cx="685800" cy="666750"/>
+              </a:xfrm>
+              <a:prstGeom prst="rect">
+                <a:avLst/>
+              </a:prstGeom>
+              <a:noFill/>
+              <a:ln w="9525">
+                <a:noFill/>
+                <a:miter lim="800000"/>
+                <a:headEnd/>
+                <a:tailEnd/>
+              </a:ln>
+            </p:spPr>
+          </p:pic>
+        </p:grpSp>
+      </p:grpSp>
+      <p:grpSp>
+        <p:nvGrpSpPr>
+          <p:cNvPr id="7" name="Group 50"/>
+          <p:cNvGrpSpPr/>
+          <p:nvPr/>
+        </p:nvGrpSpPr>
+        <p:grpSpPr>
+          <a:xfrm>
+            <a:off x="2238375" y="3526635"/>
+            <a:ext cx="723275" cy="1021787"/>
+            <a:chOff x="6362700" y="2509845"/>
+            <a:chExt cx="723275" cy="1021787"/>
+          </a:xfrm>
+        </p:grpSpPr>
+        <p:sp>
+          <p:nvSpPr>
+            <p:cNvPr id="31" name="Oval 30"/>
+            <p:cNvSpPr/>
+            <p:nvPr/>
+          </p:nvSpPr>
           <p:spPr bwMode="auto">
             <a:xfrm>
-              <a:off x="5257800" y="5050976"/>
-              <a:ext cx="685800" cy="666750"/>
+              <a:off x="6400798" y="2514599"/>
+              <a:ext cx="238125" cy="238125"/>
+            </a:xfrm>
+            <a:prstGeom prst="ellipse">
+              <a:avLst/>
+            </a:prstGeom>
+            <a:noFill/>
+            <a:ln w="25400" cap="flat" cmpd="sng" algn="ctr">
+              <a:solidFill>
+                <a:schemeClr val="tx1"/>
+              </a:solidFill>
+              <a:prstDash val="solid"/>
+              <a:round/>
+              <a:headEnd type="none" w="med" len="med"/>
+              <a:tailEnd type="none" w="med" len="med"/>
+            </a:ln>
+            <a:effectLst/>
+          </p:spPr>
+          <p:txBody>
+            <a:bodyPr vert="horz" wrap="square" lIns="91440" tIns="45720" rIns="91440" bIns="45720" numCol="1" rtlCol="0" anchor="t" anchorCtr="0" compatLnSpc="1">
+              <a:prstTxWarp prst="textNoShape">
+                <a:avLst/>
+              </a:prstTxWarp>
+            </a:bodyPr>
+            <a:lstStyle/>
+            <a:p>
+              <a:pPr marL="0" marR="0" indent="0" algn="l" defTabSz="914400" rtl="0" eaLnBrk="1" fontAlgn="base" latinLnBrk="0" hangingPunct="1">
+                <a:lnSpc>
+                  <a:spcPct val="100000"/>
+                </a:lnSpc>
+                <a:spcBef>
+                  <a:spcPct val="0"/>
+                </a:spcBef>
+                <a:spcAft>
+                  <a:spcPct val="0"/>
+                </a:spcAft>
+                <a:buClrTx/>
+                <a:buSzTx/>
+                <a:buFontTx/>
+                <a:buNone/>
+                <a:tabLst/>
+              </a:pPr>
+              <a:endParaRPr kumimoji="0" lang="en-US" sz="1800" b="1" i="0" u="none" strike="noStrike" cap="none" normalizeH="0" baseline="0" smtClean="0">
+                <a:ln>
+                  <a:noFill/>
+                </a:ln>
+                <a:solidFill>
+                  <a:schemeClr val="tx1"/>
+                </a:solidFill>
+                <a:effectLst/>
+                <a:latin typeface="Arial" charset="0"/>
+              </a:endParaRPr>
+            </a:p>
+          </p:txBody>
+        </p:sp>
+        <p:sp>
+          <p:nvSpPr>
+            <p:cNvPr id="33" name="Oval 32"/>
+            <p:cNvSpPr/>
+            <p:nvPr/>
+          </p:nvSpPr>
+          <p:spPr bwMode="auto">
+            <a:xfrm>
+              <a:off x="6777038" y="2895599"/>
+              <a:ext cx="238125" cy="238125"/>
+            </a:xfrm>
+            <a:prstGeom prst="ellipse">
+              <a:avLst/>
+            </a:prstGeom>
+            <a:noFill/>
+            <a:ln w="25400" cap="flat" cmpd="sng" algn="ctr">
+              <a:solidFill>
+                <a:schemeClr val="tx1"/>
+              </a:solidFill>
+              <a:prstDash val="solid"/>
+              <a:round/>
+              <a:headEnd type="none" w="med" len="med"/>
+              <a:tailEnd type="none" w="med" len="med"/>
+            </a:ln>
+            <a:effectLst/>
+          </p:spPr>
+          <p:txBody>
+            <a:bodyPr vert="horz" wrap="square" lIns="91440" tIns="45720" rIns="91440" bIns="45720" numCol="1" rtlCol="0" anchor="t" anchorCtr="0" compatLnSpc="1">
+              <a:prstTxWarp prst="textNoShape">
+                <a:avLst/>
+              </a:prstTxWarp>
+            </a:bodyPr>
+            <a:lstStyle/>
+            <a:p>
+              <a:pPr marL="0" marR="0" indent="0" algn="l" defTabSz="914400" rtl="0" eaLnBrk="1" fontAlgn="base" latinLnBrk="0" hangingPunct="1">
+                <a:lnSpc>
+                  <a:spcPct val="100000"/>
+                </a:lnSpc>
+                <a:spcBef>
+                  <a:spcPct val="0"/>
+                </a:spcBef>
+                <a:spcAft>
+                  <a:spcPct val="0"/>
+                </a:spcAft>
+                <a:buClrTx/>
+                <a:buSzTx/>
+                <a:buFontTx/>
+                <a:buNone/>
+                <a:tabLst/>
+              </a:pPr>
+              <a:endParaRPr kumimoji="0" lang="en-US" sz="1800" b="1" i="0" u="none" strike="noStrike" cap="none" normalizeH="0" baseline="0" smtClean="0">
+                <a:ln>
+                  <a:noFill/>
+                </a:ln>
+                <a:solidFill>
+                  <a:schemeClr val="tx1"/>
+                </a:solidFill>
+                <a:effectLst/>
+                <a:latin typeface="Arial" charset="0"/>
+              </a:endParaRPr>
+            </a:p>
+          </p:txBody>
+        </p:sp>
+        <p:sp>
+          <p:nvSpPr>
+            <p:cNvPr id="34" name="Oval 33"/>
+            <p:cNvSpPr/>
+            <p:nvPr/>
+          </p:nvSpPr>
+          <p:spPr bwMode="auto">
+            <a:xfrm>
+              <a:off x="6781800" y="2509845"/>
+              <a:ext cx="238125" cy="238125"/>
+            </a:xfrm>
+            <a:prstGeom prst="ellipse">
+              <a:avLst/>
+            </a:prstGeom>
+            <a:noFill/>
+            <a:ln w="25400" cap="flat" cmpd="sng" algn="ctr">
+              <a:solidFill>
+                <a:schemeClr val="tx1"/>
+              </a:solidFill>
+              <a:prstDash val="solid"/>
+              <a:round/>
+              <a:headEnd type="none" w="med" len="med"/>
+              <a:tailEnd type="none" w="med" len="med"/>
+            </a:ln>
+            <a:effectLst/>
+          </p:spPr>
+          <p:txBody>
+            <a:bodyPr vert="horz" wrap="square" lIns="91440" tIns="45720" rIns="91440" bIns="45720" numCol="1" rtlCol="0" anchor="t" anchorCtr="0" compatLnSpc="1">
+              <a:prstTxWarp prst="textNoShape">
+                <a:avLst/>
+              </a:prstTxWarp>
+            </a:bodyPr>
+            <a:lstStyle/>
+            <a:p>
+              <a:pPr marL="0" marR="0" indent="0" algn="l" defTabSz="914400" rtl="0" eaLnBrk="1" fontAlgn="base" latinLnBrk="0" hangingPunct="1">
+                <a:lnSpc>
+                  <a:spcPct val="100000"/>
+                </a:lnSpc>
+                <a:spcBef>
+                  <a:spcPct val="0"/>
+                </a:spcBef>
+                <a:spcAft>
+                  <a:spcPct val="0"/>
+                </a:spcAft>
+                <a:buClrTx/>
+                <a:buSzTx/>
+                <a:buFontTx/>
+                <a:buNone/>
+                <a:tabLst/>
+              </a:pPr>
+              <a:endParaRPr kumimoji="0" lang="en-US" sz="1800" b="1" i="0" u="none" strike="noStrike" cap="none" normalizeH="0" baseline="0" smtClean="0">
+                <a:ln>
+                  <a:noFill/>
+                </a:ln>
+                <a:solidFill>
+                  <a:schemeClr val="tx1"/>
+                </a:solidFill>
+                <a:effectLst/>
+                <a:latin typeface="Arial" charset="0"/>
+              </a:endParaRPr>
+            </a:p>
+          </p:txBody>
+        </p:sp>
+        <p:sp>
+          <p:nvSpPr>
+            <p:cNvPr id="35" name="Oval 34"/>
+            <p:cNvSpPr/>
+            <p:nvPr/>
+          </p:nvSpPr>
+          <p:spPr bwMode="auto">
+            <a:xfrm>
+              <a:off x="6400789" y="2890860"/>
+              <a:ext cx="238125" cy="238125"/>
+            </a:xfrm>
+            <a:prstGeom prst="ellipse">
+              <a:avLst/>
+            </a:prstGeom>
+            <a:noFill/>
+            <a:ln w="25400" cap="flat" cmpd="sng" algn="ctr">
+              <a:solidFill>
+                <a:schemeClr val="tx1"/>
+              </a:solidFill>
+              <a:prstDash val="solid"/>
+              <a:round/>
+              <a:headEnd type="none" w="med" len="med"/>
+              <a:tailEnd type="none" w="med" len="med"/>
+            </a:ln>
+            <a:effectLst/>
+          </p:spPr>
+          <p:txBody>
+            <a:bodyPr vert="horz" wrap="square" lIns="91440" tIns="45720" rIns="91440" bIns="45720" numCol="1" rtlCol="0" anchor="t" anchorCtr="0" compatLnSpc="1">
+              <a:prstTxWarp prst="textNoShape">
+                <a:avLst/>
+              </a:prstTxWarp>
+            </a:bodyPr>
+            <a:lstStyle/>
+            <a:p>
+              <a:pPr marL="0" marR="0" indent="0" algn="l" defTabSz="914400" rtl="0" eaLnBrk="1" fontAlgn="base" latinLnBrk="0" hangingPunct="1">
+                <a:lnSpc>
+                  <a:spcPct val="100000"/>
+                </a:lnSpc>
+                <a:spcBef>
+                  <a:spcPct val="0"/>
+                </a:spcBef>
+                <a:spcAft>
+                  <a:spcPct val="0"/>
+                </a:spcAft>
+                <a:buClrTx/>
+                <a:buSzTx/>
+                <a:buFontTx/>
+                <a:buNone/>
+                <a:tabLst/>
+              </a:pPr>
+              <a:endParaRPr kumimoji="0" lang="en-US" sz="1800" b="1" i="0" u="none" strike="noStrike" cap="none" normalizeH="0" baseline="0" smtClean="0">
+                <a:ln>
+                  <a:noFill/>
+                </a:ln>
+                <a:solidFill>
+                  <a:schemeClr val="tx1"/>
+                </a:solidFill>
+                <a:effectLst/>
+                <a:latin typeface="Arial" charset="0"/>
+              </a:endParaRPr>
+            </a:p>
+          </p:txBody>
+        </p:sp>
+        <p:sp>
+          <p:nvSpPr>
+            <p:cNvPr id="36" name="Oval 35"/>
+            <p:cNvSpPr/>
+            <p:nvPr/>
+          </p:nvSpPr>
+          <p:spPr bwMode="auto">
+            <a:xfrm>
+              <a:off x="6638925" y="2752725"/>
+              <a:ext cx="142875" cy="142875"/>
+            </a:xfrm>
+            <a:prstGeom prst="ellipse">
+              <a:avLst/>
+            </a:prstGeom>
+            <a:solidFill>
+              <a:schemeClr val="accent1"/>
+            </a:solidFill>
+            <a:ln w="9525" cap="flat" cmpd="sng" algn="ctr">
+              <a:solidFill>
+                <a:schemeClr val="tx1"/>
+              </a:solidFill>
+              <a:prstDash val="solid"/>
+              <a:round/>
+              <a:headEnd type="none" w="med" len="med"/>
+              <a:tailEnd type="none" w="med" len="med"/>
+            </a:ln>
+            <a:effectLst/>
+          </p:spPr>
+          <p:txBody>
+            <a:bodyPr vert="horz" wrap="square" lIns="91440" tIns="45720" rIns="91440" bIns="45720" numCol="1" rtlCol="0" anchor="t" anchorCtr="0" compatLnSpc="1">
+              <a:prstTxWarp prst="textNoShape">
+                <a:avLst/>
+              </a:prstTxWarp>
+            </a:bodyPr>
+            <a:lstStyle/>
+            <a:p>
+              <a:pPr marL="0" marR="0" indent="0" algn="l" defTabSz="914400" rtl="0" eaLnBrk="1" fontAlgn="base" latinLnBrk="0" hangingPunct="1">
+                <a:lnSpc>
+                  <a:spcPct val="100000"/>
+                </a:lnSpc>
+                <a:spcBef>
+                  <a:spcPct val="0"/>
+                </a:spcBef>
+                <a:spcAft>
+                  <a:spcPct val="0"/>
+                </a:spcAft>
+                <a:buClrTx/>
+                <a:buSzTx/>
+                <a:buFontTx/>
+                <a:buNone/>
+                <a:tabLst/>
+              </a:pPr>
+              <a:endParaRPr kumimoji="0" lang="en-US" sz="1800" b="1" i="0" u="none" strike="noStrike" cap="none" normalizeH="0" baseline="0" smtClean="0">
+                <a:ln>
+                  <a:noFill/>
+                </a:ln>
+                <a:solidFill>
+                  <a:schemeClr val="tx1"/>
+                </a:solidFill>
+                <a:effectLst/>
+                <a:latin typeface="Arial" charset="0"/>
+              </a:endParaRPr>
+            </a:p>
+          </p:txBody>
+        </p:sp>
+        <p:sp>
+          <p:nvSpPr>
+            <p:cNvPr id="39" name="TextBox 38"/>
+            <p:cNvSpPr txBox="1"/>
+            <p:nvPr/>
+          </p:nvSpPr>
+          <p:spPr>
+            <a:xfrm>
+              <a:off x="6362700" y="3162300"/>
+              <a:ext cx="723275" cy="369332"/>
             </a:xfrm>
             <a:prstGeom prst="rect">
               <a:avLst/>
             </a:prstGeom>
             <a:noFill/>
-            <a:ln w="9525">
-              <a:noFill/>
-              <a:miter lim="800000"/>
-              <a:headEnd/>
-              <a:tailEnd/>
-            </a:ln>
           </p:spPr>
-        </p:pic>
-        <p:pic>
-          <p:nvPicPr>
-            <p:cNvPr id="8" name="Picture 7"/>
-            <p:cNvPicPr>
-              <a:picLocks noChangeAspect="1" noChangeArrowheads="1"/>
-            </p:cNvPicPr>
+          <p:txBody>
+            <a:bodyPr wrap="square" rtlCol="0">
+              <a:spAutoFit/>
+            </a:bodyPr>
+            <a:lstStyle/>
+            <a:p>
+              <a:r>
+                <a:rPr lang="en-US" dirty="0" smtClean="0"/>
+                <a:t>4:2:0</a:t>
+              </a:r>
+              <a:endParaRPr lang="en-US" dirty="0"/>
+            </a:p>
+          </p:txBody>
+        </p:sp>
+      </p:grpSp>
+      <p:grpSp>
+        <p:nvGrpSpPr>
+          <p:cNvPr id="11" name="Group 40"/>
+          <p:cNvGrpSpPr/>
+          <p:nvPr/>
+        </p:nvGrpSpPr>
+        <p:grpSpPr>
+          <a:xfrm>
+            <a:off x="600075" y="3526635"/>
+            <a:ext cx="723275" cy="1021787"/>
+            <a:chOff x="6362700" y="2509845"/>
+            <a:chExt cx="723275" cy="1021787"/>
+          </a:xfrm>
+        </p:grpSpPr>
+        <p:sp>
+          <p:nvSpPr>
+            <p:cNvPr id="42" name="Oval 41"/>
+            <p:cNvSpPr/>
             <p:nvPr/>
-          </p:nvPicPr>
-          <p:blipFill>
-            <a:blip r:embed="rId3" cstate="print"/>
-            <a:srcRect/>
-            <a:stretch>
-              <a:fillRect/>
-            </a:stretch>
-          </p:blipFill>
+          </p:nvSpPr>
           <p:spPr bwMode="auto">
             <a:xfrm>
-              <a:off x="5973516" y="5048260"/>
-              <a:ext cx="685800" cy="666750"/>
+              <a:off x="6400798" y="2514599"/>
+              <a:ext cx="238125" cy="238125"/>
+            </a:xfrm>
+            <a:prstGeom prst="ellipse">
+              <a:avLst/>
+            </a:prstGeom>
+            <a:noFill/>
+            <a:ln w="25400" cap="flat" cmpd="sng" algn="ctr">
+              <a:solidFill>
+                <a:schemeClr val="tx1"/>
+              </a:solidFill>
+              <a:prstDash val="solid"/>
+              <a:round/>
+              <a:headEnd type="none" w="med" len="med"/>
+              <a:tailEnd type="none" w="med" len="med"/>
+            </a:ln>
+            <a:effectLst/>
+          </p:spPr>
+          <p:txBody>
+            <a:bodyPr vert="horz" wrap="square" lIns="91440" tIns="45720" rIns="91440" bIns="45720" numCol="1" rtlCol="0" anchor="t" anchorCtr="0" compatLnSpc="1">
+              <a:prstTxWarp prst="textNoShape">
+                <a:avLst/>
+              </a:prstTxWarp>
+            </a:bodyPr>
+            <a:lstStyle/>
+            <a:p>
+              <a:pPr marL="0" marR="0" indent="0" algn="l" defTabSz="914400" rtl="0" eaLnBrk="1" fontAlgn="base" latinLnBrk="0" hangingPunct="1">
+                <a:lnSpc>
+                  <a:spcPct val="100000"/>
+                </a:lnSpc>
+                <a:spcBef>
+                  <a:spcPct val="0"/>
+                </a:spcBef>
+                <a:spcAft>
+                  <a:spcPct val="0"/>
+                </a:spcAft>
+                <a:buClrTx/>
+                <a:buSzTx/>
+                <a:buFontTx/>
+                <a:buNone/>
+                <a:tabLst/>
+              </a:pPr>
+              <a:endParaRPr kumimoji="0" lang="en-US" sz="1800" b="1" i="0" u="none" strike="noStrike" cap="none" normalizeH="0" baseline="0" smtClean="0">
+                <a:ln>
+                  <a:noFill/>
+                </a:ln>
+                <a:solidFill>
+                  <a:schemeClr val="tx1"/>
+                </a:solidFill>
+                <a:effectLst/>
+                <a:latin typeface="Arial" charset="0"/>
+              </a:endParaRPr>
+            </a:p>
+          </p:txBody>
+        </p:sp>
+        <p:sp>
+          <p:nvSpPr>
+            <p:cNvPr id="43" name="Oval 42"/>
+            <p:cNvSpPr/>
+            <p:nvPr/>
+          </p:nvSpPr>
+          <p:spPr bwMode="auto">
+            <a:xfrm>
+              <a:off x="6448425" y="2551074"/>
+              <a:ext cx="142875" cy="142875"/>
+            </a:xfrm>
+            <a:prstGeom prst="ellipse">
+              <a:avLst/>
+            </a:prstGeom>
+            <a:solidFill>
+              <a:schemeClr val="accent1"/>
+            </a:solidFill>
+            <a:ln w="9525" cap="flat" cmpd="sng" algn="ctr">
+              <a:solidFill>
+                <a:schemeClr val="tx1"/>
+              </a:solidFill>
+              <a:prstDash val="solid"/>
+              <a:round/>
+              <a:headEnd type="none" w="med" len="med"/>
+              <a:tailEnd type="none" w="med" len="med"/>
+            </a:ln>
+            <a:effectLst/>
+          </p:spPr>
+          <p:txBody>
+            <a:bodyPr vert="horz" wrap="square" lIns="91440" tIns="45720" rIns="91440" bIns="45720" numCol="1" rtlCol="0" anchor="t" anchorCtr="0" compatLnSpc="1">
+              <a:prstTxWarp prst="textNoShape">
+                <a:avLst/>
+              </a:prstTxWarp>
+            </a:bodyPr>
+            <a:lstStyle/>
+            <a:p>
+              <a:pPr marL="0" marR="0" indent="0" algn="l" defTabSz="914400" rtl="0" eaLnBrk="1" fontAlgn="base" latinLnBrk="0" hangingPunct="1">
+                <a:lnSpc>
+                  <a:spcPct val="100000"/>
+                </a:lnSpc>
+                <a:spcBef>
+                  <a:spcPct val="0"/>
+                </a:spcBef>
+                <a:spcAft>
+                  <a:spcPct val="0"/>
+                </a:spcAft>
+                <a:buClrTx/>
+                <a:buSzTx/>
+                <a:buFontTx/>
+                <a:buNone/>
+                <a:tabLst/>
+              </a:pPr>
+              <a:endParaRPr kumimoji="0" lang="en-US" sz="1800" b="1" i="0" u="none" strike="noStrike" cap="none" normalizeH="0" baseline="0" smtClean="0">
+                <a:ln>
+                  <a:noFill/>
+                </a:ln>
+                <a:solidFill>
+                  <a:schemeClr val="tx1"/>
+                </a:solidFill>
+                <a:effectLst/>
+                <a:latin typeface="Arial" charset="0"/>
+              </a:endParaRPr>
+            </a:p>
+          </p:txBody>
+        </p:sp>
+        <p:sp>
+          <p:nvSpPr>
+            <p:cNvPr id="44" name="Oval 43"/>
+            <p:cNvSpPr/>
+            <p:nvPr/>
+          </p:nvSpPr>
+          <p:spPr bwMode="auto">
+            <a:xfrm>
+              <a:off x="6777038" y="2895599"/>
+              <a:ext cx="238125" cy="238125"/>
+            </a:xfrm>
+            <a:prstGeom prst="ellipse">
+              <a:avLst/>
+            </a:prstGeom>
+            <a:noFill/>
+            <a:ln w="25400" cap="flat" cmpd="sng" algn="ctr">
+              <a:solidFill>
+                <a:schemeClr val="tx1"/>
+              </a:solidFill>
+              <a:prstDash val="solid"/>
+              <a:round/>
+              <a:headEnd type="none" w="med" len="med"/>
+              <a:tailEnd type="none" w="med" len="med"/>
+            </a:ln>
+            <a:effectLst/>
+          </p:spPr>
+          <p:txBody>
+            <a:bodyPr vert="horz" wrap="square" lIns="91440" tIns="45720" rIns="91440" bIns="45720" numCol="1" rtlCol="0" anchor="t" anchorCtr="0" compatLnSpc="1">
+              <a:prstTxWarp prst="textNoShape">
+                <a:avLst/>
+              </a:prstTxWarp>
+            </a:bodyPr>
+            <a:lstStyle/>
+            <a:p>
+              <a:pPr marL="0" marR="0" indent="0" algn="l" defTabSz="914400" rtl="0" eaLnBrk="1" fontAlgn="base" latinLnBrk="0" hangingPunct="1">
+                <a:lnSpc>
+                  <a:spcPct val="100000"/>
+                </a:lnSpc>
+                <a:spcBef>
+                  <a:spcPct val="0"/>
+                </a:spcBef>
+                <a:spcAft>
+                  <a:spcPct val="0"/>
+                </a:spcAft>
+                <a:buClrTx/>
+                <a:buSzTx/>
+                <a:buFontTx/>
+                <a:buNone/>
+                <a:tabLst/>
+              </a:pPr>
+              <a:endParaRPr kumimoji="0" lang="en-US" sz="1800" b="1" i="0" u="none" strike="noStrike" cap="none" normalizeH="0" baseline="0" smtClean="0">
+                <a:ln>
+                  <a:noFill/>
+                </a:ln>
+                <a:solidFill>
+                  <a:schemeClr val="tx1"/>
+                </a:solidFill>
+                <a:effectLst/>
+                <a:latin typeface="Arial" charset="0"/>
+              </a:endParaRPr>
+            </a:p>
+          </p:txBody>
+        </p:sp>
+        <p:sp>
+          <p:nvSpPr>
+            <p:cNvPr id="45" name="Oval 44"/>
+            <p:cNvSpPr/>
+            <p:nvPr/>
+          </p:nvSpPr>
+          <p:spPr bwMode="auto">
+            <a:xfrm>
+              <a:off x="6781800" y="2509845"/>
+              <a:ext cx="238125" cy="238125"/>
+            </a:xfrm>
+            <a:prstGeom prst="ellipse">
+              <a:avLst/>
+            </a:prstGeom>
+            <a:noFill/>
+            <a:ln w="25400" cap="flat" cmpd="sng" algn="ctr">
+              <a:solidFill>
+                <a:schemeClr val="tx1"/>
+              </a:solidFill>
+              <a:prstDash val="solid"/>
+              <a:round/>
+              <a:headEnd type="none" w="med" len="med"/>
+              <a:tailEnd type="none" w="med" len="med"/>
+            </a:ln>
+            <a:effectLst/>
+          </p:spPr>
+          <p:txBody>
+            <a:bodyPr vert="horz" wrap="square" lIns="91440" tIns="45720" rIns="91440" bIns="45720" numCol="1" rtlCol="0" anchor="t" anchorCtr="0" compatLnSpc="1">
+              <a:prstTxWarp prst="textNoShape">
+                <a:avLst/>
+              </a:prstTxWarp>
+            </a:bodyPr>
+            <a:lstStyle/>
+            <a:p>
+              <a:pPr marL="0" marR="0" indent="0" algn="l" defTabSz="914400" rtl="0" eaLnBrk="1" fontAlgn="base" latinLnBrk="0" hangingPunct="1">
+                <a:lnSpc>
+                  <a:spcPct val="100000"/>
+                </a:lnSpc>
+                <a:spcBef>
+                  <a:spcPct val="0"/>
+                </a:spcBef>
+                <a:spcAft>
+                  <a:spcPct val="0"/>
+                </a:spcAft>
+                <a:buClrTx/>
+                <a:buSzTx/>
+                <a:buFontTx/>
+                <a:buNone/>
+                <a:tabLst/>
+              </a:pPr>
+              <a:endParaRPr kumimoji="0" lang="en-US" sz="1800" b="1" i="0" u="none" strike="noStrike" cap="none" normalizeH="0" baseline="0" smtClean="0">
+                <a:ln>
+                  <a:noFill/>
+                </a:ln>
+                <a:solidFill>
+                  <a:schemeClr val="tx1"/>
+                </a:solidFill>
+                <a:effectLst/>
+                <a:latin typeface="Arial" charset="0"/>
+              </a:endParaRPr>
+            </a:p>
+          </p:txBody>
+        </p:sp>
+        <p:sp>
+          <p:nvSpPr>
+            <p:cNvPr id="46" name="Oval 45"/>
+            <p:cNvSpPr/>
+            <p:nvPr/>
+          </p:nvSpPr>
+          <p:spPr bwMode="auto">
+            <a:xfrm>
+              <a:off x="6400789" y="2890860"/>
+              <a:ext cx="238125" cy="238125"/>
+            </a:xfrm>
+            <a:prstGeom prst="ellipse">
+              <a:avLst/>
+            </a:prstGeom>
+            <a:noFill/>
+            <a:ln w="25400" cap="flat" cmpd="sng" algn="ctr">
+              <a:solidFill>
+                <a:schemeClr val="tx1"/>
+              </a:solidFill>
+              <a:prstDash val="solid"/>
+              <a:round/>
+              <a:headEnd type="none" w="med" len="med"/>
+              <a:tailEnd type="none" w="med" len="med"/>
+            </a:ln>
+            <a:effectLst/>
+          </p:spPr>
+          <p:txBody>
+            <a:bodyPr vert="horz" wrap="square" lIns="91440" tIns="45720" rIns="91440" bIns="45720" numCol="1" rtlCol="0" anchor="t" anchorCtr="0" compatLnSpc="1">
+              <a:prstTxWarp prst="textNoShape">
+                <a:avLst/>
+              </a:prstTxWarp>
+            </a:bodyPr>
+            <a:lstStyle/>
+            <a:p>
+              <a:pPr marL="0" marR="0" indent="0" algn="l" defTabSz="914400" rtl="0" eaLnBrk="1" fontAlgn="base" latinLnBrk="0" hangingPunct="1">
+                <a:lnSpc>
+                  <a:spcPct val="100000"/>
+                </a:lnSpc>
+                <a:spcBef>
+                  <a:spcPct val="0"/>
+                </a:spcBef>
+                <a:spcAft>
+                  <a:spcPct val="0"/>
+                </a:spcAft>
+                <a:buClrTx/>
+                <a:buSzTx/>
+                <a:buFontTx/>
+                <a:buNone/>
+                <a:tabLst/>
+              </a:pPr>
+              <a:endParaRPr kumimoji="0" lang="en-US" sz="1800" b="1" i="0" u="none" strike="noStrike" cap="none" normalizeH="0" baseline="0" smtClean="0">
+                <a:ln>
+                  <a:noFill/>
+                </a:ln>
+                <a:solidFill>
+                  <a:schemeClr val="tx1"/>
+                </a:solidFill>
+                <a:effectLst/>
+                <a:latin typeface="Arial" charset="0"/>
+              </a:endParaRPr>
+            </a:p>
+          </p:txBody>
+        </p:sp>
+        <p:sp>
+          <p:nvSpPr>
+            <p:cNvPr id="47" name="Oval 46"/>
+            <p:cNvSpPr/>
+            <p:nvPr/>
+          </p:nvSpPr>
+          <p:spPr bwMode="auto">
+            <a:xfrm>
+              <a:off x="6448425" y="2933700"/>
+              <a:ext cx="142875" cy="142875"/>
+            </a:xfrm>
+            <a:prstGeom prst="ellipse">
+              <a:avLst/>
+            </a:prstGeom>
+            <a:solidFill>
+              <a:schemeClr val="accent1"/>
+            </a:solidFill>
+            <a:ln w="9525" cap="flat" cmpd="sng" algn="ctr">
+              <a:solidFill>
+                <a:schemeClr val="tx1"/>
+              </a:solidFill>
+              <a:prstDash val="solid"/>
+              <a:round/>
+              <a:headEnd type="none" w="med" len="med"/>
+              <a:tailEnd type="none" w="med" len="med"/>
+            </a:ln>
+            <a:effectLst/>
+          </p:spPr>
+          <p:txBody>
+            <a:bodyPr vert="horz" wrap="square" lIns="91440" tIns="45720" rIns="91440" bIns="45720" numCol="1" rtlCol="0" anchor="t" anchorCtr="0" compatLnSpc="1">
+              <a:prstTxWarp prst="textNoShape">
+                <a:avLst/>
+              </a:prstTxWarp>
+            </a:bodyPr>
+            <a:lstStyle/>
+            <a:p>
+              <a:pPr marL="0" marR="0" indent="0" algn="l" defTabSz="914400" rtl="0" eaLnBrk="1" fontAlgn="base" latinLnBrk="0" hangingPunct="1">
+                <a:lnSpc>
+                  <a:spcPct val="100000"/>
+                </a:lnSpc>
+                <a:spcBef>
+                  <a:spcPct val="0"/>
+                </a:spcBef>
+                <a:spcAft>
+                  <a:spcPct val="0"/>
+                </a:spcAft>
+                <a:buClrTx/>
+                <a:buSzTx/>
+                <a:buFontTx/>
+                <a:buNone/>
+                <a:tabLst/>
+              </a:pPr>
+              <a:endParaRPr kumimoji="0" lang="en-US" sz="1800" b="1" i="0" u="none" strike="noStrike" cap="none" normalizeH="0" baseline="0" smtClean="0">
+                <a:ln>
+                  <a:noFill/>
+                </a:ln>
+                <a:solidFill>
+                  <a:schemeClr val="tx1"/>
+                </a:solidFill>
+                <a:effectLst/>
+                <a:latin typeface="Arial" charset="0"/>
+              </a:endParaRPr>
+            </a:p>
+          </p:txBody>
+        </p:sp>
+        <p:sp>
+          <p:nvSpPr>
+            <p:cNvPr id="48" name="Oval 47"/>
+            <p:cNvSpPr/>
+            <p:nvPr/>
+          </p:nvSpPr>
+          <p:spPr bwMode="auto">
+            <a:xfrm>
+              <a:off x="6818274" y="2932074"/>
+              <a:ext cx="142875" cy="142875"/>
+            </a:xfrm>
+            <a:prstGeom prst="ellipse">
+              <a:avLst/>
+            </a:prstGeom>
+            <a:solidFill>
+              <a:schemeClr val="accent1"/>
+            </a:solidFill>
+            <a:ln w="9525" cap="flat" cmpd="sng" algn="ctr">
+              <a:solidFill>
+                <a:schemeClr val="tx1"/>
+              </a:solidFill>
+              <a:prstDash val="solid"/>
+              <a:round/>
+              <a:headEnd type="none" w="med" len="med"/>
+              <a:tailEnd type="none" w="med" len="med"/>
+            </a:ln>
+            <a:effectLst/>
+          </p:spPr>
+          <p:txBody>
+            <a:bodyPr vert="horz" wrap="square" lIns="91440" tIns="45720" rIns="91440" bIns="45720" numCol="1" rtlCol="0" anchor="t" anchorCtr="0" compatLnSpc="1">
+              <a:prstTxWarp prst="textNoShape">
+                <a:avLst/>
+              </a:prstTxWarp>
+            </a:bodyPr>
+            <a:lstStyle/>
+            <a:p>
+              <a:pPr marL="0" marR="0" indent="0" algn="l" defTabSz="914400" rtl="0" eaLnBrk="1" fontAlgn="base" latinLnBrk="0" hangingPunct="1">
+                <a:lnSpc>
+                  <a:spcPct val="100000"/>
+                </a:lnSpc>
+                <a:spcBef>
+                  <a:spcPct val="0"/>
+                </a:spcBef>
+                <a:spcAft>
+                  <a:spcPct val="0"/>
+                </a:spcAft>
+                <a:buClrTx/>
+                <a:buSzTx/>
+                <a:buFontTx/>
+                <a:buNone/>
+                <a:tabLst/>
+              </a:pPr>
+              <a:endParaRPr kumimoji="0" lang="en-US" sz="1800" b="1" i="0" u="none" strike="noStrike" cap="none" normalizeH="0" baseline="0" smtClean="0">
+                <a:ln>
+                  <a:noFill/>
+                </a:ln>
+                <a:solidFill>
+                  <a:schemeClr val="tx1"/>
+                </a:solidFill>
+                <a:effectLst/>
+                <a:latin typeface="Arial" charset="0"/>
+              </a:endParaRPr>
+            </a:p>
+          </p:txBody>
+        </p:sp>
+        <p:sp>
+          <p:nvSpPr>
+            <p:cNvPr id="49" name="Oval 48"/>
+            <p:cNvSpPr/>
+            <p:nvPr/>
+          </p:nvSpPr>
+          <p:spPr bwMode="auto">
+            <a:xfrm>
+              <a:off x="6818274" y="2552700"/>
+              <a:ext cx="142875" cy="142875"/>
+            </a:xfrm>
+            <a:prstGeom prst="ellipse">
+              <a:avLst/>
+            </a:prstGeom>
+            <a:solidFill>
+              <a:schemeClr val="accent1"/>
+            </a:solidFill>
+            <a:ln w="9525" cap="flat" cmpd="sng" algn="ctr">
+              <a:solidFill>
+                <a:schemeClr val="tx1"/>
+              </a:solidFill>
+              <a:prstDash val="solid"/>
+              <a:round/>
+              <a:headEnd type="none" w="med" len="med"/>
+              <a:tailEnd type="none" w="med" len="med"/>
+            </a:ln>
+            <a:effectLst/>
+          </p:spPr>
+          <p:txBody>
+            <a:bodyPr vert="horz" wrap="square" lIns="91440" tIns="45720" rIns="91440" bIns="45720" numCol="1" rtlCol="0" anchor="t" anchorCtr="0" compatLnSpc="1">
+              <a:prstTxWarp prst="textNoShape">
+                <a:avLst/>
+              </a:prstTxWarp>
+            </a:bodyPr>
+            <a:lstStyle/>
+            <a:p>
+              <a:pPr marL="0" marR="0" indent="0" algn="l" defTabSz="914400" rtl="0" eaLnBrk="1" fontAlgn="base" latinLnBrk="0" hangingPunct="1">
+                <a:lnSpc>
+                  <a:spcPct val="100000"/>
+                </a:lnSpc>
+                <a:spcBef>
+                  <a:spcPct val="0"/>
+                </a:spcBef>
+                <a:spcAft>
+                  <a:spcPct val="0"/>
+                </a:spcAft>
+                <a:buClrTx/>
+                <a:buSzTx/>
+                <a:buFontTx/>
+                <a:buNone/>
+                <a:tabLst/>
+              </a:pPr>
+              <a:endParaRPr kumimoji="0" lang="en-US" sz="1800" b="1" i="0" u="none" strike="noStrike" cap="none" normalizeH="0" baseline="0" smtClean="0">
+                <a:ln>
+                  <a:noFill/>
+                </a:ln>
+                <a:solidFill>
+                  <a:schemeClr val="tx1"/>
+                </a:solidFill>
+                <a:effectLst/>
+                <a:latin typeface="Arial" charset="0"/>
+              </a:endParaRPr>
+            </a:p>
+          </p:txBody>
+        </p:sp>
+        <p:sp>
+          <p:nvSpPr>
+            <p:cNvPr id="50" name="TextBox 49"/>
+            <p:cNvSpPr txBox="1"/>
+            <p:nvPr/>
+          </p:nvSpPr>
+          <p:spPr>
+            <a:xfrm>
+              <a:off x="6362700" y="3162300"/>
+              <a:ext cx="723275" cy="369332"/>
             </a:xfrm>
             <a:prstGeom prst="rect">
               <a:avLst/>
             </a:prstGeom>
             <a:noFill/>
-            <a:ln w="9525">
-              <a:noFill/>
-              <a:miter lim="800000"/>
-              <a:headEnd/>
-              <a:tailEnd/>
-            </a:ln>
           </p:spPr>
-        </p:pic>
-        <p:pic>
-          <p:nvPicPr>
-            <p:cNvPr id="9" name="Picture 7"/>
-            <p:cNvPicPr>
-              <a:picLocks noChangeAspect="1" noChangeArrowheads="1"/>
-            </p:cNvPicPr>
+          <p:txBody>
+            <a:bodyPr wrap="square" rtlCol="0">
+              <a:spAutoFit/>
+            </a:bodyPr>
+            <a:lstStyle/>
+            <a:p>
+              <a:r>
+                <a:rPr lang="en-US" dirty="0" smtClean="0"/>
+                <a:t>4:4:4</a:t>
+              </a:r>
+              <a:endParaRPr lang="en-US" dirty="0"/>
+            </a:p>
+          </p:txBody>
+        </p:sp>
+      </p:grpSp>
+      <p:grpSp>
+        <p:nvGrpSpPr>
+          <p:cNvPr id="12" name="Group 65"/>
+          <p:cNvGrpSpPr/>
+          <p:nvPr/>
+        </p:nvGrpSpPr>
+        <p:grpSpPr>
+          <a:xfrm>
+            <a:off x="4324349" y="3525555"/>
+            <a:ext cx="238125" cy="871546"/>
+            <a:chOff x="7820024" y="2581274"/>
+            <a:chExt cx="238125" cy="871546"/>
+          </a:xfrm>
+        </p:grpSpPr>
+        <p:sp>
+          <p:nvSpPr>
+            <p:cNvPr id="53" name="Oval 52"/>
+            <p:cNvSpPr/>
             <p:nvPr/>
-          </p:nvPicPr>
-          <p:blipFill>
-            <a:blip r:embed="rId3" cstate="print"/>
-            <a:srcRect/>
-            <a:stretch>
-              <a:fillRect/>
-            </a:stretch>
-          </p:blipFill>
+          </p:nvSpPr>
           <p:spPr bwMode="auto">
             <a:xfrm>
-              <a:off x="5255084" y="5742200"/>
-              <a:ext cx="685800" cy="666750"/>
+              <a:off x="7820024" y="2581274"/>
+              <a:ext cx="238125" cy="238125"/>
             </a:xfrm>
-            <a:prstGeom prst="rect">
+            <a:prstGeom prst="ellipse">
               <a:avLst/>
             </a:prstGeom>
             <a:noFill/>
-            <a:ln w="9525">
-              <a:noFill/>
-              <a:miter lim="800000"/>
-              <a:headEnd/>
-              <a:tailEnd/>
+            <a:ln w="25400" cap="flat" cmpd="sng" algn="ctr">
+              <a:solidFill>
+                <a:schemeClr val="tx1"/>
+              </a:solidFill>
+              <a:prstDash val="solid"/>
+              <a:round/>
+              <a:headEnd type="none" w="med" len="med"/>
+              <a:tailEnd type="none" w="med" len="med"/>
             </a:ln>
+            <a:effectLst/>
           </p:spPr>
-        </p:pic>
-        <p:pic>
-          <p:nvPicPr>
-            <p:cNvPr id="10" name="Picture 9"/>
-            <p:cNvPicPr>
-              <a:picLocks noChangeAspect="1" noChangeArrowheads="1"/>
-            </p:cNvPicPr>
+          <p:txBody>
+            <a:bodyPr vert="horz" wrap="square" lIns="91440" tIns="45720" rIns="91440" bIns="45720" numCol="1" rtlCol="0" anchor="t" anchorCtr="0" compatLnSpc="1">
+              <a:prstTxWarp prst="textNoShape">
+                <a:avLst/>
+              </a:prstTxWarp>
+            </a:bodyPr>
+            <a:lstStyle/>
+            <a:p>
+              <a:pPr marL="0" marR="0" indent="0" algn="l" defTabSz="914400" rtl="0" eaLnBrk="1" fontAlgn="base" latinLnBrk="0" hangingPunct="1">
+                <a:lnSpc>
+                  <a:spcPct val="100000"/>
+                </a:lnSpc>
+                <a:spcBef>
+                  <a:spcPct val="0"/>
+                </a:spcBef>
+                <a:spcAft>
+                  <a:spcPct val="0"/>
+                </a:spcAft>
+                <a:buClrTx/>
+                <a:buSzTx/>
+                <a:buFontTx/>
+                <a:buNone/>
+                <a:tabLst/>
+              </a:pPr>
+              <a:endParaRPr kumimoji="0" lang="en-US" sz="1800" b="1" i="0" u="none" strike="noStrike" cap="none" normalizeH="0" baseline="0" smtClean="0">
+                <a:ln>
+                  <a:noFill/>
+                </a:ln>
+                <a:solidFill>
+                  <a:schemeClr val="tx1"/>
+                </a:solidFill>
+                <a:effectLst/>
+                <a:latin typeface="Arial" charset="0"/>
+              </a:endParaRPr>
+            </a:p>
+          </p:txBody>
+        </p:sp>
+        <p:sp>
+          <p:nvSpPr>
+            <p:cNvPr id="54" name="Oval 53"/>
+            <p:cNvSpPr/>
             <p:nvPr/>
-          </p:nvPicPr>
-          <p:blipFill>
-            <a:blip r:embed="rId3" cstate="print"/>
-            <a:srcRect/>
-            <a:stretch>
-              <a:fillRect/>
-            </a:stretch>
-          </p:blipFill>
+          </p:nvSpPr>
           <p:spPr bwMode="auto">
             <a:xfrm>
-              <a:off x="5970800" y="5739484"/>
-              <a:ext cx="685800" cy="666750"/>
+              <a:off x="7867649" y="2924175"/>
+              <a:ext cx="142875" cy="142875"/>
             </a:xfrm>
-            <a:prstGeom prst="rect">
+            <a:prstGeom prst="ellipse">
               <a:avLst/>
             </a:prstGeom>
-            <a:noFill/>
-            <a:ln w="9525">
+            <a:solidFill>
+              <a:schemeClr val="accent1"/>
+            </a:solidFill>
+            <a:ln w="9525" cap="flat" cmpd="sng" algn="ctr">
+              <a:solidFill>
+                <a:schemeClr val="tx1"/>
+              </a:solidFill>
+              <a:prstDash val="solid"/>
+              <a:round/>
+              <a:headEnd type="none" w="med" len="med"/>
+              <a:tailEnd type="none" w="med" len="med"/>
+            </a:ln>
+            <a:effectLst/>
+          </p:spPr>
+          <p:txBody>
+            <a:bodyPr vert="horz" wrap="square" lIns="91440" tIns="45720" rIns="91440" bIns="45720" numCol="1" rtlCol="0" anchor="t" anchorCtr="0" compatLnSpc="1">
+              <a:prstTxWarp prst="textNoShape">
+                <a:avLst/>
+              </a:prstTxWarp>
+            </a:bodyPr>
+            <a:lstStyle/>
+            <a:p>
+              <a:pPr marL="0" marR="0" indent="0" algn="l" defTabSz="914400" rtl="0" eaLnBrk="1" fontAlgn="base" latinLnBrk="0" hangingPunct="1">
+                <a:lnSpc>
+                  <a:spcPct val="100000"/>
+                </a:lnSpc>
+                <a:spcBef>
+                  <a:spcPct val="0"/>
+                </a:spcBef>
+                <a:spcAft>
+                  <a:spcPct val="0"/>
+                </a:spcAft>
+                <a:buClrTx/>
+                <a:buSzTx/>
+                <a:buFontTx/>
+                <a:buNone/>
+                <a:tabLst/>
+              </a:pPr>
+              <a:endParaRPr kumimoji="0" lang="en-US" sz="1800" b="1" i="0" u="none" strike="noStrike" cap="none" normalizeH="0" baseline="0" smtClean="0">
+                <a:ln>
+                  <a:noFill/>
+                </a:ln>
+                <a:solidFill>
+                  <a:schemeClr val="tx1"/>
+                </a:solidFill>
+                <a:effectLst/>
+                <a:latin typeface="Arial" charset="0"/>
+              </a:endParaRPr>
+            </a:p>
+          </p:txBody>
+        </p:sp>
+        <p:grpSp>
+          <p:nvGrpSpPr>
+            <p:cNvPr id="13" name="Group 61"/>
+            <p:cNvGrpSpPr/>
+            <p:nvPr/>
+          </p:nvGrpSpPr>
+          <p:grpSpPr>
+            <a:xfrm>
+              <a:off x="7820024" y="3214695"/>
+              <a:ext cx="238125" cy="238125"/>
+              <a:chOff x="6858000" y="2566995"/>
+              <a:chExt cx="238125" cy="238125"/>
+            </a:xfrm>
+          </p:grpSpPr>
+          <p:sp>
+            <p:nvSpPr>
+              <p:cNvPr id="56" name="Oval 55"/>
+              <p:cNvSpPr/>
+              <p:nvPr/>
+            </p:nvSpPr>
+            <p:spPr bwMode="auto">
+              <a:xfrm>
+                <a:off x="6858000" y="2566995"/>
+                <a:ext cx="238125" cy="238125"/>
+              </a:xfrm>
+              <a:prstGeom prst="ellipse">
+                <a:avLst/>
+              </a:prstGeom>
               <a:noFill/>
-              <a:miter lim="800000"/>
-              <a:headEnd/>
-              <a:tailEnd/>
-            </a:ln>
-          </p:spPr>
-        </p:pic>
+              <a:ln w="25400" cap="flat" cmpd="sng" algn="ctr">
+                <a:solidFill>
+                  <a:schemeClr val="tx1"/>
+                </a:solidFill>
+                <a:prstDash val="solid"/>
+                <a:round/>
+                <a:headEnd type="none" w="med" len="med"/>
+                <a:tailEnd type="none" w="med" len="med"/>
+              </a:ln>
+              <a:effectLst/>
+            </p:spPr>
+            <p:txBody>
+              <a:bodyPr vert="horz" wrap="square" lIns="91440" tIns="45720" rIns="91440" bIns="45720" numCol="1" rtlCol="0" anchor="t" anchorCtr="0" compatLnSpc="1">
+                <a:prstTxWarp prst="textNoShape">
+                  <a:avLst/>
+                </a:prstTxWarp>
+              </a:bodyPr>
+              <a:lstStyle/>
+              <a:p>
+                <a:pPr marL="0" marR="0" indent="0" algn="l" defTabSz="914400" rtl="0" eaLnBrk="1" fontAlgn="base" latinLnBrk="0" hangingPunct="1">
+                  <a:lnSpc>
+                    <a:spcPct val="100000"/>
+                  </a:lnSpc>
+                  <a:spcBef>
+                    <a:spcPct val="0"/>
+                  </a:spcBef>
+                  <a:spcAft>
+                    <a:spcPct val="0"/>
+                  </a:spcAft>
+                  <a:buClrTx/>
+                  <a:buSzTx/>
+                  <a:buFontTx/>
+                  <a:buNone/>
+                  <a:tabLst/>
+                </a:pPr>
+                <a:endParaRPr kumimoji="0" lang="en-US" sz="1800" b="1" i="0" u="none" strike="noStrike" cap="none" normalizeH="0" baseline="0" smtClean="0">
+                  <a:ln>
+                    <a:noFill/>
+                  </a:ln>
+                  <a:solidFill>
+                    <a:schemeClr val="tx1"/>
+                  </a:solidFill>
+                  <a:effectLst/>
+                  <a:latin typeface="Arial" charset="0"/>
+                </a:endParaRPr>
+              </a:p>
+            </p:txBody>
+          </p:sp>
+          <p:sp>
+            <p:nvSpPr>
+              <p:cNvPr id="60" name="Oval 59"/>
+              <p:cNvSpPr/>
+              <p:nvPr/>
+            </p:nvSpPr>
+            <p:spPr bwMode="auto">
+              <a:xfrm>
+                <a:off x="6905625" y="2608224"/>
+                <a:ext cx="142875" cy="142875"/>
+              </a:xfrm>
+              <a:prstGeom prst="ellipse">
+                <a:avLst/>
+              </a:prstGeom>
+              <a:solidFill>
+                <a:schemeClr val="accent1"/>
+              </a:solidFill>
+              <a:ln w="9525" cap="flat" cmpd="sng" algn="ctr">
+                <a:solidFill>
+                  <a:schemeClr val="tx1"/>
+                </a:solidFill>
+                <a:prstDash val="solid"/>
+                <a:round/>
+                <a:headEnd type="none" w="med" len="med"/>
+                <a:tailEnd type="none" w="med" len="med"/>
+              </a:ln>
+              <a:effectLst/>
+            </p:spPr>
+            <p:txBody>
+              <a:bodyPr vert="horz" wrap="square" lIns="91440" tIns="45720" rIns="91440" bIns="45720" numCol="1" rtlCol="0" anchor="t" anchorCtr="0" compatLnSpc="1">
+                <a:prstTxWarp prst="textNoShape">
+                  <a:avLst/>
+                </a:prstTxWarp>
+              </a:bodyPr>
+              <a:lstStyle/>
+              <a:p>
+                <a:pPr marL="0" marR="0" indent="0" algn="l" defTabSz="914400" rtl="0" eaLnBrk="1" fontAlgn="base" latinLnBrk="0" hangingPunct="1">
+                  <a:lnSpc>
+                    <a:spcPct val="100000"/>
+                  </a:lnSpc>
+                  <a:spcBef>
+                    <a:spcPct val="0"/>
+                  </a:spcBef>
+                  <a:spcAft>
+                    <a:spcPct val="0"/>
+                  </a:spcAft>
+                  <a:buClrTx/>
+                  <a:buSzTx/>
+                  <a:buFontTx/>
+                  <a:buNone/>
+                  <a:tabLst/>
+                </a:pPr>
+                <a:endParaRPr kumimoji="0" lang="en-US" sz="1800" b="1" i="0" u="none" strike="noStrike" cap="none" normalizeH="0" baseline="0" smtClean="0">
+                  <a:ln>
+                    <a:noFill/>
+                  </a:ln>
+                  <a:solidFill>
+                    <a:schemeClr val="tx1"/>
+                  </a:solidFill>
+                  <a:effectLst/>
+                  <a:latin typeface="Arial" charset="0"/>
+                </a:endParaRPr>
+              </a:p>
+            </p:txBody>
+          </p:sp>
+        </p:grpSp>
       </p:grpSp>
-      <p:pic>
-        <p:nvPicPr>
-          <p:cNvPr id="11" name="Picture 10" descr="444.jpg"/>
-          <p:cNvPicPr>
-            <a:picLocks noChangeAspect="1"/>
-          </p:cNvPicPr>
+      <p:sp>
+        <p:nvSpPr>
+          <p:cNvPr id="67" name="TextBox 66"/>
+          <p:cNvSpPr txBox="1"/>
           <p:nvPr/>
-        </p:nvPicPr>
-        <p:blipFill>
-          <a:blip r:embed="rId4" cstate="print"/>
-          <a:stretch>
-            <a:fillRect/>
-          </a:stretch>
-        </p:blipFill>
+        </p:nvSpPr>
         <p:spPr>
           <a:xfrm>
-            <a:off x="670833" y="3609295"/>
-            <a:ext cx="781050" cy="1190625"/>
+            <a:off x="4724400" y="3467100"/>
+            <a:ext cx="2867025" cy="307777"/>
+          </a:xfrm>
+          <a:prstGeom prst="rect">
+            <a:avLst/>
+          </a:prstGeom>
+          <a:noFill/>
+        </p:spPr>
+        <p:txBody>
+          <a:bodyPr wrap="square" rtlCol="0">
+            <a:spAutoFit/>
+          </a:bodyPr>
+          <a:lstStyle/>
+          <a:p>
+            <a:r>
+              <a:rPr lang="en-US" sz="1400" dirty="0" smtClean="0"/>
+              <a:t>-- Pixel with only Y value</a:t>
+            </a:r>
+            <a:endParaRPr lang="en-US" sz="1400" dirty="0"/>
+          </a:p>
+        </p:txBody>
+      </p:sp>
+      <p:sp>
+        <p:nvSpPr>
+          <p:cNvPr id="68" name="Rectangle 67"/>
+          <p:cNvSpPr/>
+          <p:nvPr/>
+        </p:nvSpPr>
+        <p:spPr>
+          <a:xfrm>
+            <a:off x="4724400" y="3765292"/>
+            <a:ext cx="3106941" cy="307777"/>
           </a:xfrm>
           <a:prstGeom prst="rect">
             <a:avLst/>
           </a:prstGeom>
         </p:spPr>
-      </p:pic>
-      <p:pic>
-        <p:nvPicPr>
-          <p:cNvPr id="12" name="Picture 11" descr="420.jpg"/>
-          <p:cNvPicPr>
-            <a:picLocks noChangeAspect="1"/>
-          </p:cNvPicPr>
+        <p:txBody>
+          <a:bodyPr wrap="none">
+            <a:spAutoFit/>
+          </a:bodyPr>
+          <a:lstStyle/>
+          <a:p>
+            <a:r>
+              <a:rPr lang="en-US" sz="1400" dirty="0" smtClean="0"/>
+              <a:t>-- Pixel with only Cr and </a:t>
+            </a:r>
+            <a:r>
+              <a:rPr lang="en-US" sz="1400" dirty="0" err="1" smtClean="0"/>
+              <a:t>Cb</a:t>
+            </a:r>
+            <a:r>
+              <a:rPr lang="en-US" sz="1400" dirty="0" smtClean="0"/>
+              <a:t> values</a:t>
+            </a:r>
+            <a:endParaRPr lang="en-US" sz="1400" dirty="0"/>
+          </a:p>
+        </p:txBody>
+      </p:sp>
+      <p:sp>
+        <p:nvSpPr>
+          <p:cNvPr id="69" name="Rectangle 68"/>
+          <p:cNvSpPr/>
           <p:nvPr/>
-        </p:nvPicPr>
-        <p:blipFill>
-          <a:blip r:embed="rId5" cstate="print"/>
-          <a:stretch>
-            <a:fillRect/>
-          </a:stretch>
-        </p:blipFill>
+        </p:nvSpPr>
         <p:spPr>
           <a:xfrm>
-            <a:off x="1921328" y="3543298"/>
-            <a:ext cx="762000" cy="1143002"/>
+            <a:off x="4724400" y="4111109"/>
+            <a:ext cx="2926442" cy="307777"/>
           </a:xfrm>
           <a:prstGeom prst="rect">
             <a:avLst/>
           </a:prstGeom>
         </p:spPr>
-      </p:pic>
-      <p:pic>
-        <p:nvPicPr>
-          <p:cNvPr id="13" name="Picture 12" descr="key.jpg"/>
-          <p:cNvPicPr>
-            <a:picLocks noChangeAspect="1"/>
-          </p:cNvPicPr>
+        <p:txBody>
+          <a:bodyPr wrap="none">
+            <a:spAutoFit/>
+          </a:bodyPr>
+          <a:lstStyle/>
+          <a:p>
+            <a:r>
+              <a:rPr lang="en-US" sz="1400" dirty="0" smtClean="0"/>
+              <a:t>-- Pixel with Y, Cr, and </a:t>
+            </a:r>
+            <a:r>
+              <a:rPr lang="en-US" sz="1400" dirty="0" err="1" smtClean="0"/>
+              <a:t>Cb</a:t>
+            </a:r>
+            <a:r>
+              <a:rPr lang="en-US" sz="1400" dirty="0" smtClean="0"/>
+              <a:t> values</a:t>
+            </a:r>
+            <a:endParaRPr lang="en-US" sz="1400" dirty="0"/>
+          </a:p>
+        </p:txBody>
+      </p:sp>
+      <p:sp>
+        <p:nvSpPr>
+          <p:cNvPr id="70" name="TextBox 69"/>
+          <p:cNvSpPr txBox="1"/>
           <p:nvPr/>
-        </p:nvPicPr>
-        <p:blipFill>
-          <a:blip r:embed="rId6" cstate="print"/>
-          <a:stretch>
-            <a:fillRect/>
-          </a:stretch>
-        </p:blipFill>
+        </p:nvSpPr>
         <p:spPr>
           <a:xfrm>
-            <a:off x="3853543" y="3602485"/>
-            <a:ext cx="2800350" cy="1171575"/>
+            <a:off x="7143750" y="4610100"/>
+            <a:ext cx="1189749" cy="307777"/>
           </a:xfrm>
           <a:prstGeom prst="rect">
             <a:avLst/>
           </a:prstGeom>
+          <a:noFill/>
         </p:spPr>
-      </p:pic>
+        <p:txBody>
+          <a:bodyPr wrap="none" rtlCol="0">
+            <a:spAutoFit/>
+          </a:bodyPr>
+          <a:lstStyle/>
+          <a:p>
+            <a:r>
+              <a:rPr lang="en-US" sz="1400" dirty="0" err="1" smtClean="0"/>
+              <a:t>macroblock</a:t>
+            </a:r>
+            <a:endParaRPr lang="en-US" sz="1400" dirty="0"/>
+          </a:p>
+        </p:txBody>
+      </p:sp>
     </p:spTree>
   </p:cSld>
   <p:clrMapOvr>
@@ -10715,7 +13860,7 @@
         </p:nvGraphicFramePr>
         <p:xfrm>
           <a:off x="223838" y="1644650"/>
-          <a:ext cx="5576887" cy="1177798"/>
+          <a:ext cx="5576887" cy="1174750"/>
         </p:xfrm>
         <a:graphic>
           <a:graphicData uri="http://schemas.openxmlformats.org/drawingml/2006/table">
@@ -12862,7 +16007,7 @@
         </p:nvGraphicFramePr>
         <p:xfrm>
           <a:off x="371475" y="4219575"/>
-          <a:ext cx="5256213" cy="1682496"/>
+          <a:ext cx="5256213" cy="1620901"/>
         </p:xfrm>
         <a:graphic>
           <a:graphicData uri="http://schemas.openxmlformats.org/drawingml/2006/table">
@@ -14852,15 +17997,7 @@
           <a:p>
             <a:r>
               <a:rPr lang="en-US" sz="3000" dirty="0" smtClean="0"/>
-              <a:t>How Many Channels Can One </a:t>
-            </a:r>
-            <a:r>
-              <a:rPr lang="en-US" sz="3000" dirty="0" smtClean="0"/>
-              <a:t>C6678 </a:t>
-            </a:r>
-            <a:r>
-              <a:rPr lang="en-US" sz="3000" dirty="0" smtClean="0"/>
-              <a:t>Process?</a:t>
+              <a:t>How Many Channels Can One C6678 Process?</a:t>
             </a:r>
           </a:p>
         </p:txBody>
@@ -15887,14 +19024,14 @@
             </a:r>
             <a:r>
               <a:rPr lang="en-US" sz="2000" b="0" i="1" dirty="0" smtClean="0">
-                <a:hlinkClick r:id="rId2"/>
+                <a:hlinkClick r:id="rId3"/>
               </a:rPr>
               <a:t>The </a:t>
             </a:r>
             <a:r>
               <a:rPr lang="en-US" altLang="zh-CN" sz="2000" b="0" i="1" dirty="0" smtClean="0">
                 <a:ea typeface="SimSun" charset="-122"/>
-                <a:hlinkClick r:id="rId2"/>
+                <a:hlinkClick r:id="rId3"/>
               </a:rPr>
               <a:t>Economist: Parallel Bars</a:t>
             </a:r>
@@ -16122,7 +19259,7 @@
         </p:xfrm>
         <a:graphic>
           <a:graphicData uri="http://schemas.openxmlformats.org/presentationml/2006/ole">
-            <p:oleObj spid="_x0000_s2050" name="Visio" r:id="rId3" imgW="9655632" imgH="4762230" progId="">
+            <p:oleObj spid="_x0000_s2050" name="Visio" r:id="rId4" imgW="9655632" imgH="4762230" progId="">
               <p:embed/>
             </p:oleObj>
           </a:graphicData>

--- a/trunk/slides/Multicore Design.pptx
+++ b/trunk/slides/Multicore Design.pptx
@@ -4486,7 +4486,7 @@
               <a:pPr>
                 <a:defRPr/>
               </a:pPr>
-              <a:t>3/27/2012</a:t>
+              <a:t>10/11/2012</a:t>
             </a:fld>
             <a:endParaRPr lang="en-US"/>
           </a:p>
@@ -4678,7 +4678,7 @@
               <a:pPr>
                 <a:defRPr/>
               </a:pPr>
-              <a:t>3/27/2012</a:t>
+              <a:t>10/11/2012</a:t>
             </a:fld>
             <a:endParaRPr lang="en-US"/>
           </a:p>
@@ -4946,7 +4946,7 @@
               <a:pPr>
                 <a:defRPr/>
               </a:pPr>
-              <a:t>3/27/2012</a:t>
+              <a:t>10/11/2012</a:t>
             </a:fld>
             <a:endParaRPr lang="en-US"/>
           </a:p>
@@ -5256,7 +5256,7 @@
               <a:pPr>
                 <a:defRPr/>
               </a:pPr>
-              <a:t>3/27/2012</a:t>
+              <a:t>10/11/2012</a:t>
             </a:fld>
             <a:endParaRPr lang="en-US"/>
           </a:p>
@@ -5915,7 +5915,7 @@
               <a:pPr>
                 <a:defRPr/>
               </a:pPr>
-              <a:t>3/27/2012</a:t>
+              <a:t>10/11/2012</a:t>
             </a:fld>
             <a:endParaRPr lang="en-US"/>
           </a:p>
@@ -6055,7 +6055,7 @@
               <a:pPr>
                 <a:defRPr/>
               </a:pPr>
-              <a:t>3/27/2012</a:t>
+              <a:t>10/11/2012</a:t>
             </a:fld>
             <a:endParaRPr lang="en-US"/>
           </a:p>
@@ -6172,7 +6172,7 @@
               <a:pPr>
                 <a:defRPr/>
               </a:pPr>
-              <a:t>3/27/2012</a:t>
+              <a:t>10/11/2012</a:t>
             </a:fld>
             <a:endParaRPr lang="en-US"/>
           </a:p>
@@ -6471,7 +6471,7 @@
               <a:pPr>
                 <a:defRPr/>
               </a:pPr>
-              <a:t>3/27/2012</a:t>
+              <a:t>10/11/2012</a:t>
             </a:fld>
             <a:endParaRPr lang="en-US"/>
           </a:p>
@@ -6749,7 +6749,7 @@
               <a:pPr>
                 <a:defRPr/>
               </a:pPr>
-              <a:t>3/27/2012</a:t>
+              <a:t>10/11/2012</a:t>
             </a:fld>
             <a:endParaRPr lang="en-US"/>
           </a:p>
@@ -6941,7 +6941,7 @@
               <a:pPr>
                 <a:defRPr/>
               </a:pPr>
-              <a:t>3/27/2012</a:t>
+              <a:t>10/11/2012</a:t>
             </a:fld>
             <a:endParaRPr lang="en-US"/>
           </a:p>
@@ -7143,7 +7143,7 @@
               <a:pPr>
                 <a:defRPr/>
               </a:pPr>
-              <a:t>3/27/2012</a:t>
+              <a:t>10/11/2012</a:t>
             </a:fld>
             <a:endParaRPr lang="en-US"/>
           </a:p>
@@ -10050,7 +10050,7 @@
               <a:pPr>
                 <a:defRPr/>
               </a:pPr>
-              <a:t>3/27/2012</a:t>
+              <a:t>10/11/2012</a:t>
             </a:fld>
             <a:endParaRPr lang="en-US"/>
           </a:p>
@@ -13860,7 +13860,7 @@
         </p:nvGraphicFramePr>
         <p:xfrm>
           <a:off x="223838" y="1644650"/>
-          <a:ext cx="5576887" cy="1174750"/>
+          <a:ext cx="5576887" cy="1177798"/>
         </p:xfrm>
         <a:graphic>
           <a:graphicData uri="http://schemas.openxmlformats.org/drawingml/2006/table">
@@ -16007,7 +16007,7 @@
         </p:nvGraphicFramePr>
         <p:xfrm>
           <a:off x="371475" y="4219575"/>
-          <a:ext cx="5256213" cy="1620901"/>
+          <a:ext cx="5256213" cy="1682496"/>
         </p:xfrm>
         <a:graphic>
           <a:graphicData uri="http://schemas.openxmlformats.org/drawingml/2006/table">
@@ -17770,7 +17770,7 @@
         </p:xfrm>
         <a:graphic>
           <a:graphicData uri="http://schemas.openxmlformats.org/presentationml/2006/ole">
-            <p:oleObj spid="_x0000_s1026" name="Visio" r:id="rId4" imgW="3786183" imgH="6541581" progId="">
+            <p:oleObj spid="_x0000_s1026" name="Visio" r:id="rId4" imgW="3786183" imgH="6541581" progId="Visio.Drawing.11">
               <p:embed/>
             </p:oleObj>
           </a:graphicData>
@@ -19259,7 +19259,7 @@
         </p:xfrm>
         <a:graphic>
           <a:graphicData uri="http://schemas.openxmlformats.org/presentationml/2006/ole">
-            <p:oleObj spid="_x0000_s2050" name="Visio" r:id="rId4" imgW="9655632" imgH="4762230" progId="">
+            <p:oleObj spid="_x0000_s2050" name="Visio" r:id="rId4" imgW="9655632" imgH="4762230" progId="Visio.Drawing.11">
               <p:embed/>
             </p:oleObj>
           </a:graphicData>

--- a/trunk/slides/Multicore Design.pptx
+++ b/trunk/slides/Multicore Design.pptx
@@ -35,7 +35,7 @@
     <p:sldId id="692" r:id="rId23"/>
   </p:sldIdLst>
   <p:sldSz cx="9144000" cy="6858000" type="screen4x3"/>
-  <p:notesSz cx="7010400" cy="9296400"/>
+  <p:notesSz cx="7315200" cy="9601200"/>
   <p:custDataLst>
     <p:tags r:id="rId26"/>
   </p:custDataLst>
@@ -205,7 +205,7 @@
         <p:spPr bwMode="auto">
           <a:xfrm>
             <a:off x="0" y="0"/>
-            <a:ext cx="3038475" cy="465138"/>
+            <a:ext cx="3170583" cy="480388"/>
           </a:xfrm>
           <a:prstGeom prst="rect">
             <a:avLst/>
@@ -220,7 +220,7 @@
           <a:effectLst/>
         </p:spPr>
         <p:txBody>
-          <a:bodyPr vert="horz" wrap="square" lIns="93552" tIns="46776" rIns="93552" bIns="46776" numCol="1" anchor="t" anchorCtr="0" compatLnSpc="1">
+          <a:bodyPr vert="horz" wrap="square" lIns="97041" tIns="48521" rIns="97041" bIns="48521" numCol="1" anchor="t" anchorCtr="0" compatLnSpc="1">
             <a:prstTxWarp prst="textNoShape">
               <a:avLst/>
             </a:prstTxWarp>
@@ -252,8 +252,8 @@
         </p:nvSpPr>
         <p:spPr bwMode="auto">
           <a:xfrm>
-            <a:off x="3970338" y="0"/>
-            <a:ext cx="3038475" cy="465138"/>
+            <a:off x="4142962" y="0"/>
+            <a:ext cx="3170583" cy="480388"/>
           </a:xfrm>
           <a:prstGeom prst="rect">
             <a:avLst/>
@@ -268,7 +268,7 @@
           <a:effectLst/>
         </p:spPr>
         <p:txBody>
-          <a:bodyPr vert="horz" wrap="square" lIns="93552" tIns="46776" rIns="93552" bIns="46776" numCol="1" anchor="t" anchorCtr="0" compatLnSpc="1">
+          <a:bodyPr vert="horz" wrap="square" lIns="97041" tIns="48521" rIns="97041" bIns="48521" numCol="1" anchor="t" anchorCtr="0" compatLnSpc="1">
             <a:prstTxWarp prst="textNoShape">
               <a:avLst/>
             </a:prstTxWarp>
@@ -300,8 +300,8 @@
         </p:nvSpPr>
         <p:spPr bwMode="auto">
           <a:xfrm>
-            <a:off x="0" y="8829675"/>
-            <a:ext cx="3038475" cy="465138"/>
+            <a:off x="0" y="9119173"/>
+            <a:ext cx="3170583" cy="480388"/>
           </a:xfrm>
           <a:prstGeom prst="rect">
             <a:avLst/>
@@ -316,7 +316,7 @@
           <a:effectLst/>
         </p:spPr>
         <p:txBody>
-          <a:bodyPr vert="horz" wrap="square" lIns="93552" tIns="46776" rIns="93552" bIns="46776" numCol="1" anchor="b" anchorCtr="0" compatLnSpc="1">
+          <a:bodyPr vert="horz" wrap="square" lIns="97041" tIns="48521" rIns="97041" bIns="48521" numCol="1" anchor="b" anchorCtr="0" compatLnSpc="1">
             <a:prstTxWarp prst="textNoShape">
               <a:avLst/>
             </a:prstTxWarp>
@@ -348,8 +348,8 @@
         </p:nvSpPr>
         <p:spPr bwMode="auto">
           <a:xfrm>
-            <a:off x="3970338" y="8829675"/>
-            <a:ext cx="3038475" cy="465138"/>
+            <a:off x="4142962" y="9119173"/>
+            <a:ext cx="3170583" cy="480388"/>
           </a:xfrm>
           <a:prstGeom prst="rect">
             <a:avLst/>
@@ -364,7 +364,7 @@
           <a:effectLst/>
         </p:spPr>
         <p:txBody>
-          <a:bodyPr vert="horz" wrap="square" lIns="93552" tIns="46776" rIns="93552" bIns="46776" numCol="1" anchor="b" anchorCtr="0" compatLnSpc="1">
+          <a:bodyPr vert="horz" wrap="square" lIns="97041" tIns="48521" rIns="97041" bIns="48521" numCol="1" anchor="b" anchorCtr="0" compatLnSpc="1">
             <a:prstTxWarp prst="textNoShape">
               <a:avLst/>
             </a:prstTxWarp>
@@ -435,7 +435,7 @@
         <p:spPr bwMode="auto">
           <a:xfrm>
             <a:off x="0" y="0"/>
-            <a:ext cx="3038475" cy="465138"/>
+            <a:ext cx="3170583" cy="480388"/>
           </a:xfrm>
           <a:prstGeom prst="rect">
             <a:avLst/>
@@ -450,7 +450,7 @@
           <a:effectLst/>
         </p:spPr>
         <p:txBody>
-          <a:bodyPr vert="horz" wrap="square" lIns="93552" tIns="46776" rIns="93552" bIns="46776" numCol="1" anchor="t" anchorCtr="0" compatLnSpc="1">
+          <a:bodyPr vert="horz" wrap="square" lIns="97041" tIns="48521" rIns="97041" bIns="48521" numCol="1" anchor="t" anchorCtr="0" compatLnSpc="1">
             <a:prstTxWarp prst="textNoShape">
               <a:avLst/>
             </a:prstTxWarp>
@@ -482,8 +482,8 @@
         </p:nvSpPr>
         <p:spPr bwMode="auto">
           <a:xfrm>
-            <a:off x="3970338" y="0"/>
-            <a:ext cx="3038475" cy="465138"/>
+            <a:off x="4142962" y="0"/>
+            <a:ext cx="3170583" cy="480388"/>
           </a:xfrm>
           <a:prstGeom prst="rect">
             <a:avLst/>
@@ -498,7 +498,7 @@
           <a:effectLst/>
         </p:spPr>
         <p:txBody>
-          <a:bodyPr vert="horz" wrap="square" lIns="93552" tIns="46776" rIns="93552" bIns="46776" numCol="1" anchor="t" anchorCtr="0" compatLnSpc="1">
+          <a:bodyPr vert="horz" wrap="square" lIns="97041" tIns="48521" rIns="97041" bIns="48521" numCol="1" anchor="t" anchorCtr="0" compatLnSpc="1">
             <a:prstTxWarp prst="textNoShape">
               <a:avLst/>
             </a:prstTxWarp>
@@ -530,8 +530,8 @@
         </p:nvSpPr>
         <p:spPr bwMode="auto">
           <a:xfrm>
-            <a:off x="1181100" y="696913"/>
-            <a:ext cx="4648200" cy="3486150"/>
+            <a:off x="1257300" y="719138"/>
+            <a:ext cx="4800600" cy="3600450"/>
           </a:xfrm>
           <a:prstGeom prst="rect">
             <a:avLst/>
@@ -559,8 +559,8 @@
         </p:nvSpPr>
         <p:spPr bwMode="auto">
           <a:xfrm>
-            <a:off x="701675" y="4416425"/>
-            <a:ext cx="5607050" cy="4183063"/>
+            <a:off x="732183" y="4561226"/>
+            <a:ext cx="5850835" cy="4320213"/>
           </a:xfrm>
           <a:prstGeom prst="rect">
             <a:avLst/>
@@ -575,7 +575,7 @@
           <a:effectLst/>
         </p:spPr>
         <p:txBody>
-          <a:bodyPr vert="horz" wrap="square" lIns="93552" tIns="46776" rIns="93552" bIns="46776" numCol="1" anchor="t" anchorCtr="0" compatLnSpc="1">
+          <a:bodyPr vert="horz" wrap="square" lIns="97041" tIns="48521" rIns="97041" bIns="48521" numCol="1" anchor="t" anchorCtr="0" compatLnSpc="1">
             <a:prstTxWarp prst="textNoShape">
               <a:avLst/>
             </a:prstTxWarp>
@@ -630,8 +630,8 @@
         </p:nvSpPr>
         <p:spPr bwMode="auto">
           <a:xfrm>
-            <a:off x="0" y="8829675"/>
-            <a:ext cx="3038475" cy="465138"/>
+            <a:off x="0" y="9119173"/>
+            <a:ext cx="3170583" cy="480388"/>
           </a:xfrm>
           <a:prstGeom prst="rect">
             <a:avLst/>
@@ -646,7 +646,7 @@
           <a:effectLst/>
         </p:spPr>
         <p:txBody>
-          <a:bodyPr vert="horz" wrap="square" lIns="93552" tIns="46776" rIns="93552" bIns="46776" numCol="1" anchor="b" anchorCtr="0" compatLnSpc="1">
+          <a:bodyPr vert="horz" wrap="square" lIns="97041" tIns="48521" rIns="97041" bIns="48521" numCol="1" anchor="b" anchorCtr="0" compatLnSpc="1">
             <a:prstTxWarp prst="textNoShape">
               <a:avLst/>
             </a:prstTxWarp>
@@ -678,8 +678,8 @@
         </p:nvSpPr>
         <p:spPr bwMode="auto">
           <a:xfrm>
-            <a:off x="3970338" y="8829675"/>
-            <a:ext cx="3038475" cy="465138"/>
+            <a:off x="4142962" y="9119173"/>
+            <a:ext cx="3170583" cy="480388"/>
           </a:xfrm>
           <a:prstGeom prst="rect">
             <a:avLst/>
@@ -694,7 +694,7 @@
           <a:effectLst/>
         </p:spPr>
         <p:txBody>
-          <a:bodyPr vert="horz" wrap="square" lIns="93552" tIns="46776" rIns="93552" bIns="46776" numCol="1" anchor="b" anchorCtr="0" compatLnSpc="1">
+          <a:bodyPr vert="horz" wrap="square" lIns="97041" tIns="48521" rIns="97041" bIns="48521" numCol="1" anchor="b" anchorCtr="0" compatLnSpc="1">
             <a:prstTxWarp prst="textNoShape">
               <a:avLst/>
             </a:prstTxWarp>
@@ -876,8 +876,8 @@
         </p:nvSpPr>
         <p:spPr bwMode="auto">
           <a:xfrm>
-            <a:off x="3970338" y="8829675"/>
-            <a:ext cx="3038475" cy="465138"/>
+            <a:off x="4142962" y="9119173"/>
+            <a:ext cx="3170583" cy="480388"/>
           </a:xfrm>
           <a:prstGeom prst="rect">
             <a:avLst/>
@@ -891,20 +891,20 @@
           </a:ln>
         </p:spPr>
         <p:txBody>
-          <a:bodyPr lIns="92269" tIns="46134" rIns="92269" bIns="46134" anchor="b"/>
+          <a:bodyPr lIns="95711" tIns="47855" rIns="95711" bIns="47855" anchor="b"/>
           <a:lstStyle/>
           <a:p>
-            <a:pPr defTabSz="920750"/>
+            <a:pPr defTabSz="955094"/>
             <a:fld id="{50C91538-4AF2-4BF4-8DC0-8E3599FFE6A2}" type="slidenum">
               <a:rPr lang="en-US" sz="1200">
                 <a:solidFill>
                   <a:srgbClr val="000000"/>
                 </a:solidFill>
               </a:rPr>
-              <a:pPr defTabSz="920750"/>
+              <a:pPr defTabSz="955094"/>
               <a:t>1</a:t>
             </a:fld>
-            <a:endParaRPr lang="en-US" sz="1200">
+            <a:endParaRPr lang="en-US" sz="1200" dirty="0">
               <a:solidFill>
                 <a:srgbClr val="000000"/>
               </a:solidFill>
@@ -941,7 +941,7 @@
           <a:ln/>
         </p:spPr>
         <p:txBody>
-          <a:bodyPr lIns="92269" tIns="46134" rIns="92269" bIns="46134"/>
+          <a:bodyPr lIns="95711" tIns="47855" rIns="95711" bIns="47855"/>
           <a:lstStyle/>
           <a:p>
             <a:pPr eaLnBrk="1" hangingPunct="1"/>
@@ -4486,7 +4486,7 @@
               <a:pPr>
                 <a:defRPr/>
               </a:pPr>
-              <a:t>10/11/2012</a:t>
+              <a:t>10/25/2012</a:t>
             </a:fld>
             <a:endParaRPr lang="en-US"/>
           </a:p>
@@ -4678,7 +4678,7 @@
               <a:pPr>
                 <a:defRPr/>
               </a:pPr>
-              <a:t>10/11/2012</a:t>
+              <a:t>10/25/2012</a:t>
             </a:fld>
             <a:endParaRPr lang="en-US"/>
           </a:p>
@@ -4946,7 +4946,7 @@
               <a:pPr>
                 <a:defRPr/>
               </a:pPr>
-              <a:t>10/11/2012</a:t>
+              <a:t>10/25/2012</a:t>
             </a:fld>
             <a:endParaRPr lang="en-US"/>
           </a:p>
@@ -5256,7 +5256,7 @@
               <a:pPr>
                 <a:defRPr/>
               </a:pPr>
-              <a:t>10/11/2012</a:t>
+              <a:t>10/25/2012</a:t>
             </a:fld>
             <a:endParaRPr lang="en-US"/>
           </a:p>
@@ -5915,7 +5915,7 @@
               <a:pPr>
                 <a:defRPr/>
               </a:pPr>
-              <a:t>10/11/2012</a:t>
+              <a:t>10/25/2012</a:t>
             </a:fld>
             <a:endParaRPr lang="en-US"/>
           </a:p>
@@ -6055,7 +6055,7 @@
               <a:pPr>
                 <a:defRPr/>
               </a:pPr>
-              <a:t>10/11/2012</a:t>
+              <a:t>10/25/2012</a:t>
             </a:fld>
             <a:endParaRPr lang="en-US"/>
           </a:p>
@@ -6172,7 +6172,7 @@
               <a:pPr>
                 <a:defRPr/>
               </a:pPr>
-              <a:t>10/11/2012</a:t>
+              <a:t>10/25/2012</a:t>
             </a:fld>
             <a:endParaRPr lang="en-US"/>
           </a:p>
@@ -6471,7 +6471,7 @@
               <a:pPr>
                 <a:defRPr/>
               </a:pPr>
-              <a:t>10/11/2012</a:t>
+              <a:t>10/25/2012</a:t>
             </a:fld>
             <a:endParaRPr lang="en-US"/>
           </a:p>
@@ -6749,7 +6749,7 @@
               <a:pPr>
                 <a:defRPr/>
               </a:pPr>
-              <a:t>10/11/2012</a:t>
+              <a:t>10/25/2012</a:t>
             </a:fld>
             <a:endParaRPr lang="en-US"/>
           </a:p>
@@ -6941,7 +6941,7 @@
               <a:pPr>
                 <a:defRPr/>
               </a:pPr>
-              <a:t>10/11/2012</a:t>
+              <a:t>10/25/2012</a:t>
             </a:fld>
             <a:endParaRPr lang="en-US"/>
           </a:p>
@@ -7143,7 +7143,7 @@
               <a:pPr>
                 <a:defRPr/>
               </a:pPr>
-              <a:t>10/11/2012</a:t>
+              <a:t>10/25/2012</a:t>
             </a:fld>
             <a:endParaRPr lang="en-US"/>
           </a:p>
@@ -10050,7 +10050,7 @@
               <a:pPr>
                 <a:defRPr/>
               </a:pPr>
-              <a:t>10/11/2012</a:t>
+              <a:t>10/25/2012</a:t>
             </a:fld>
             <a:endParaRPr lang="en-US"/>
           </a:p>
@@ -19785,7 +19785,7 @@
               <a:buChar char="•"/>
             </a:pPr>
             <a:r>
-              <a:rPr lang="en-US" altLang="zh-CN" sz="2000" b="0">
+              <a:rPr lang="en-US" altLang="zh-CN" sz="2000" b="0" dirty="0">
                 <a:ea typeface="SimSun" charset="-122"/>
               </a:rPr>
               <a:t>Medical imaging</a:t>
@@ -19800,7 +19800,7 @@
               <a:buChar char="•"/>
             </a:pPr>
             <a:r>
-              <a:rPr lang="en-US" altLang="zh-CN" sz="2000" b="0">
+              <a:rPr lang="en-US" altLang="zh-CN" sz="2000" b="0" dirty="0">
                 <a:ea typeface="SimSun" charset="-122"/>
               </a:rPr>
               <a:t>Filtering &gt; reconstruction &gt; post filtering</a:t>
@@ -19815,17 +19815,17 @@
               <a:buChar char="•"/>
             </a:pPr>
             <a:r>
-              <a:rPr lang="en-US" altLang="zh-CN" sz="2000" b="0">
+              <a:rPr lang="en-US" altLang="zh-CN" sz="2000" b="0" dirty="0">
                 <a:ea typeface="SimSun" charset="-122"/>
               </a:rPr>
               <a:t>Edge detection</a:t>
             </a:r>
             <a:br>
-              <a:rPr lang="en-US" altLang="zh-CN" sz="2000" b="0">
+              <a:rPr lang="en-US" altLang="zh-CN" sz="2000" b="0" dirty="0">
                 <a:ea typeface="SimSun" charset="-122"/>
               </a:rPr>
             </a:br>
-            <a:endParaRPr lang="en-US" altLang="zh-CN" sz="2000" b="0">
+            <a:endParaRPr lang="en-US" altLang="zh-CN" sz="2000" b="0" dirty="0">
               <a:ea typeface="SimSun" charset="-122"/>
             </a:endParaRPr>
           </a:p>
@@ -19838,10 +19838,28 @@
               <a:buChar char="•"/>
             </a:pPr>
             <a:r>
-              <a:rPr lang="en-US" altLang="zh-CN" sz="2000" b="0">
+              <a:rPr lang="en-US" altLang="zh-CN" sz="2000" b="0" dirty="0">
                 <a:ea typeface="SimSun" charset="-122"/>
               </a:rPr>
-              <a:t>LTE channel excluding turbo decoder/encoder</a:t>
+              <a:t>LTE channel </a:t>
+            </a:r>
+            <a:r>
+              <a:rPr lang="en-US" altLang="zh-CN" sz="2000" b="0" dirty="0" smtClean="0">
+                <a:ea typeface="SimSun" charset="-122"/>
+              </a:rPr>
+              <a:t>in</a:t>
+            </a:r>
+            <a:r>
+              <a:rPr lang="en-US" altLang="zh-CN" sz="2000" b="0" dirty="0" smtClean="0">
+                <a:ea typeface="SimSun" charset="-122"/>
+              </a:rPr>
+              <a:t>cluding </a:t>
+            </a:r>
+            <a:r>
+              <a:rPr lang="en-US" altLang="zh-CN" sz="2000" b="0" dirty="0">
+                <a:ea typeface="SimSun" charset="-122"/>
+              </a:rPr>
+              <a:t>turbo decoder/encoder</a:t>
             </a:r>
           </a:p>
           <a:p>
@@ -19853,7 +19871,7 @@
               <a:buChar char="•"/>
             </a:pPr>
             <a:r>
-              <a:rPr lang="en-US" altLang="zh-CN" sz="2000" b="0">
+              <a:rPr lang="en-US" altLang="zh-CN" sz="2000" b="0" dirty="0">
                 <a:ea typeface="SimSun" charset="-122"/>
               </a:rPr>
               <a:t>Two cores uplink</a:t>
@@ -19868,17 +19886,17 @@
               <a:buChar char="•"/>
             </a:pPr>
             <a:r>
-              <a:rPr lang="en-US" altLang="zh-CN" sz="2000" b="0">
+              <a:rPr lang="en-US" altLang="zh-CN" sz="2000" b="0" dirty="0">
                 <a:ea typeface="SimSun" charset="-122"/>
               </a:rPr>
               <a:t>Two cores downlink</a:t>
             </a:r>
             <a:br>
-              <a:rPr lang="en-US" altLang="zh-CN" sz="2000" b="0">
+              <a:rPr lang="en-US" altLang="zh-CN" sz="2000" b="0" dirty="0">
                 <a:ea typeface="SimSun" charset="-122"/>
               </a:rPr>
             </a:br>
-            <a:endParaRPr lang="en-US" altLang="zh-CN" sz="2000" b="0">
+            <a:endParaRPr lang="en-US" altLang="zh-CN" sz="2000" b="0" dirty="0">
               <a:ea typeface="SimSun" charset="-122"/>
             </a:endParaRPr>
           </a:p>
@@ -19891,10 +19909,34 @@
               <a:buChar char="•"/>
             </a:pPr>
             <a:r>
+              <a:rPr lang="en-US" altLang="zh-CN" sz="2000" b="0" dirty="0">
+                <a:ea typeface="SimSun" charset="-122"/>
+              </a:rPr>
+              <a:t>LTE </a:t>
+            </a:r>
+            <a:r>
               <a:rPr lang="en-US" altLang="zh-CN" sz="2000" b="0">
                 <a:ea typeface="SimSun" charset="-122"/>
               </a:rPr>
-              <a:t>LTE channel including turbo decoder</a:t>
+              <a:t>channel </a:t>
+            </a:r>
+            <a:r>
+              <a:rPr lang="en-US" altLang="zh-CN" sz="2000" b="0" smtClean="0">
+                <a:ea typeface="SimSun" charset="-122"/>
+              </a:rPr>
+              <a:t>ex</a:t>
+            </a:r>
+            <a:r>
+              <a:rPr lang="en-US" altLang="zh-CN" sz="2000" b="0" smtClean="0">
+                <a:ea typeface="SimSun" charset="-122"/>
+              </a:rPr>
+              <a:t>cluding </a:t>
+            </a:r>
+            <a:r>
+              <a:rPr lang="en-US" altLang="zh-CN" sz="2000" b="0" dirty="0">
+                <a:ea typeface="SimSun" charset="-122"/>
+              </a:rPr>
+              <a:t>turbo decoder</a:t>
             </a:r>
           </a:p>
           <a:p>
@@ -19906,7 +19948,7 @@
               <a:buChar char="•"/>
             </a:pPr>
             <a:r>
-              <a:rPr lang="en-US" altLang="zh-CN" sz="2000" b="0">
+              <a:rPr lang="en-US" altLang="zh-CN" sz="2000" b="0" dirty="0">
                 <a:ea typeface="SimSun" charset="-122"/>
               </a:rPr>
               <a:t>Equal to the performance of 30 cores</a:t>
@@ -19921,17 +19963,17 @@
               <a:buChar char="•"/>
             </a:pPr>
             <a:r>
-              <a:rPr lang="en-US" altLang="zh-CN" sz="2000" b="0">
+              <a:rPr lang="en-US" altLang="zh-CN" sz="2000" b="0" dirty="0">
                 <a:ea typeface="SimSun" charset="-122"/>
               </a:rPr>
               <a:t>Each core works on a package of bits</a:t>
             </a:r>
             <a:br>
-              <a:rPr lang="en-US" altLang="zh-CN" sz="2000" b="0">
+              <a:rPr lang="en-US" altLang="zh-CN" sz="2000" b="0" dirty="0">
                 <a:ea typeface="SimSun" charset="-122"/>
               </a:rPr>
             </a:br>
-            <a:endParaRPr lang="en-US" altLang="zh-CN" sz="2000" b="0">
+            <a:endParaRPr lang="en-US" altLang="zh-CN" sz="2000" b="0" dirty="0">
               <a:ea typeface="SimSun" charset="-122"/>
             </a:endParaRPr>
           </a:p>
@@ -19944,7 +19986,7 @@
               <a:buChar char="•"/>
             </a:pPr>
             <a:r>
-              <a:rPr lang="en-US" altLang="zh-CN" sz="2000" b="0">
+              <a:rPr lang="en-US" altLang="zh-CN" sz="2000" b="0" dirty="0">
                 <a:ea typeface="SimSun" charset="-122"/>
               </a:rPr>
               <a:t>Scientific processing </a:t>
@@ -19959,7 +20001,7 @@
               <a:buChar char="•"/>
             </a:pPr>
             <a:r>
-              <a:rPr lang="en-US" altLang="zh-CN" sz="2000" b="0">
+              <a:rPr lang="en-US" altLang="zh-CN" sz="2000" b="0" dirty="0">
                 <a:ea typeface="SimSun" charset="-122"/>
               </a:rPr>
               <a:t>Large complex matrix manipulations</a:t>
@@ -19974,12 +20016,12 @@
               <a:buChar char="•"/>
             </a:pPr>
             <a:r>
-              <a:rPr lang="en-US" altLang="zh-CN" sz="2000" b="0">
+              <a:rPr lang="en-US" altLang="zh-CN" sz="2000" b="0" dirty="0">
                 <a:ea typeface="SimSun" charset="-122"/>
               </a:rPr>
               <a:t>Use Case: Oil exploration</a:t>
             </a:r>
-            <a:endParaRPr lang="en-US" altLang="zh-CN" sz="2400" b="0">
+            <a:endParaRPr lang="en-US" altLang="zh-CN" sz="2400" b="0" dirty="0">
               <a:ea typeface="SimSun" charset="-122"/>
             </a:endParaRPr>
           </a:p>

--- a/trunk/slides/Multicore Design.pptx
+++ b/trunk/slides/Multicore Design.pptx
@@ -18,28 +18,28 @@
     <p:sldId id="696" r:id="rId6"/>
     <p:sldId id="476" r:id="rId7"/>
     <p:sldId id="667" r:id="rId8"/>
-    <p:sldId id="697" r:id="rId9"/>
-    <p:sldId id="658" r:id="rId10"/>
-    <p:sldId id="641" r:id="rId11"/>
-    <p:sldId id="700" r:id="rId12"/>
-    <p:sldId id="698" r:id="rId13"/>
-    <p:sldId id="701" r:id="rId14"/>
-    <p:sldId id="666" r:id="rId15"/>
-    <p:sldId id="702" r:id="rId16"/>
-    <p:sldId id="736" r:id="rId17"/>
-    <p:sldId id="740" r:id="rId18"/>
-    <p:sldId id="739" r:id="rId19"/>
-    <p:sldId id="704" r:id="rId20"/>
-    <p:sldId id="705" r:id="rId21"/>
-    <p:sldId id="707" r:id="rId22"/>
-    <p:sldId id="706" r:id="rId23"/>
-    <p:sldId id="703" r:id="rId24"/>
-    <p:sldId id="662" r:id="rId25"/>
-    <p:sldId id="694" r:id="rId26"/>
-    <p:sldId id="684" r:id="rId27"/>
-    <p:sldId id="708" r:id="rId28"/>
-    <p:sldId id="685" r:id="rId29"/>
-    <p:sldId id="686" r:id="rId30"/>
+    <p:sldId id="658" r:id="rId9"/>
+    <p:sldId id="641" r:id="rId10"/>
+    <p:sldId id="700" r:id="rId11"/>
+    <p:sldId id="698" r:id="rId12"/>
+    <p:sldId id="701" r:id="rId13"/>
+    <p:sldId id="666" r:id="rId14"/>
+    <p:sldId id="702" r:id="rId15"/>
+    <p:sldId id="746" r:id="rId16"/>
+    <p:sldId id="748" r:id="rId17"/>
+    <p:sldId id="749" r:id="rId18"/>
+    <p:sldId id="750" r:id="rId19"/>
+    <p:sldId id="751" r:id="rId20"/>
+    <p:sldId id="707" r:id="rId21"/>
+    <p:sldId id="743" r:id="rId22"/>
+    <p:sldId id="744" r:id="rId23"/>
+    <p:sldId id="745" r:id="rId24"/>
+    <p:sldId id="703" r:id="rId25"/>
+    <p:sldId id="662" r:id="rId26"/>
+    <p:sldId id="694" r:id="rId27"/>
+    <p:sldId id="686" r:id="rId28"/>
+    <p:sldId id="742" r:id="rId29"/>
+    <p:sldId id="741" r:id="rId30"/>
     <p:sldId id="687" r:id="rId31"/>
     <p:sldId id="688" r:id="rId32"/>
     <p:sldId id="689" r:id="rId33"/>
@@ -66,7 +66,7 @@
     <p:sldId id="719" r:id="rId54"/>
   </p:sldIdLst>
   <p:sldSz cx="9144000" cy="6858000" type="screen4x3"/>
-  <p:notesSz cx="7315200" cy="9601200"/>
+  <p:notesSz cx="7010400" cy="9296400"/>
   <p:custDataLst>
     <p:tags r:id="rId57"/>
   </p:custDataLst>
@@ -235,8 +235,8 @@
         </p:nvSpPr>
         <p:spPr bwMode="auto">
           <a:xfrm>
-            <a:off x="0" y="0"/>
-            <a:ext cx="3170583" cy="480388"/>
+            <a:off x="1" y="0"/>
+            <a:ext cx="3038475" cy="465138"/>
           </a:xfrm>
           <a:prstGeom prst="rect">
             <a:avLst/>
@@ -251,7 +251,7 @@
           <a:effectLst/>
         </p:spPr>
         <p:txBody>
-          <a:bodyPr vert="horz" wrap="square" lIns="97041" tIns="48521" rIns="97041" bIns="48521" numCol="1" anchor="t" anchorCtr="0" compatLnSpc="1">
+          <a:bodyPr vert="horz" wrap="square" lIns="93538" tIns="46769" rIns="93538" bIns="46769" numCol="1" anchor="t" anchorCtr="0" compatLnSpc="1">
             <a:prstTxWarp prst="textNoShape">
               <a:avLst/>
             </a:prstTxWarp>
@@ -283,8 +283,8 @@
         </p:nvSpPr>
         <p:spPr bwMode="auto">
           <a:xfrm>
-            <a:off x="4142962" y="0"/>
-            <a:ext cx="3170583" cy="480388"/>
+            <a:off x="3970339" y="0"/>
+            <a:ext cx="3038475" cy="465138"/>
           </a:xfrm>
           <a:prstGeom prst="rect">
             <a:avLst/>
@@ -299,7 +299,7 @@
           <a:effectLst/>
         </p:spPr>
         <p:txBody>
-          <a:bodyPr vert="horz" wrap="square" lIns="97041" tIns="48521" rIns="97041" bIns="48521" numCol="1" anchor="t" anchorCtr="0" compatLnSpc="1">
+          <a:bodyPr vert="horz" wrap="square" lIns="93538" tIns="46769" rIns="93538" bIns="46769" numCol="1" anchor="t" anchorCtr="0" compatLnSpc="1">
             <a:prstTxWarp prst="textNoShape">
               <a:avLst/>
             </a:prstTxWarp>
@@ -331,8 +331,8 @@
         </p:nvSpPr>
         <p:spPr bwMode="auto">
           <a:xfrm>
-            <a:off x="0" y="9119173"/>
-            <a:ext cx="3170583" cy="480388"/>
+            <a:off x="1" y="8829675"/>
+            <a:ext cx="3038475" cy="465138"/>
           </a:xfrm>
           <a:prstGeom prst="rect">
             <a:avLst/>
@@ -347,7 +347,7 @@
           <a:effectLst/>
         </p:spPr>
         <p:txBody>
-          <a:bodyPr vert="horz" wrap="square" lIns="97041" tIns="48521" rIns="97041" bIns="48521" numCol="1" anchor="b" anchorCtr="0" compatLnSpc="1">
+          <a:bodyPr vert="horz" wrap="square" lIns="93538" tIns="46769" rIns="93538" bIns="46769" numCol="1" anchor="b" anchorCtr="0" compatLnSpc="1">
             <a:prstTxWarp prst="textNoShape">
               <a:avLst/>
             </a:prstTxWarp>
@@ -379,8 +379,8 @@
         </p:nvSpPr>
         <p:spPr bwMode="auto">
           <a:xfrm>
-            <a:off x="4142962" y="9119173"/>
-            <a:ext cx="3170583" cy="480388"/>
+            <a:off x="3970339" y="8829675"/>
+            <a:ext cx="3038475" cy="465138"/>
           </a:xfrm>
           <a:prstGeom prst="rect">
             <a:avLst/>
@@ -395,7 +395,7 @@
           <a:effectLst/>
         </p:spPr>
         <p:txBody>
-          <a:bodyPr vert="horz" wrap="square" lIns="97041" tIns="48521" rIns="97041" bIns="48521" numCol="1" anchor="b" anchorCtr="0" compatLnSpc="1">
+          <a:bodyPr vert="horz" wrap="square" lIns="93538" tIns="46769" rIns="93538" bIns="46769" numCol="1" anchor="b" anchorCtr="0" compatLnSpc="1">
             <a:prstTxWarp prst="textNoShape">
               <a:avLst/>
             </a:prstTxWarp>
@@ -465,8 +465,8 @@
         </p:nvSpPr>
         <p:spPr bwMode="auto">
           <a:xfrm>
-            <a:off x="0" y="0"/>
-            <a:ext cx="3170583" cy="480388"/>
+            <a:off x="1" y="0"/>
+            <a:ext cx="3038475" cy="465138"/>
           </a:xfrm>
           <a:prstGeom prst="rect">
             <a:avLst/>
@@ -481,7 +481,7 @@
           <a:effectLst/>
         </p:spPr>
         <p:txBody>
-          <a:bodyPr vert="horz" wrap="square" lIns="97041" tIns="48521" rIns="97041" bIns="48521" numCol="1" anchor="t" anchorCtr="0" compatLnSpc="1">
+          <a:bodyPr vert="horz" wrap="square" lIns="93538" tIns="46769" rIns="93538" bIns="46769" numCol="1" anchor="t" anchorCtr="0" compatLnSpc="1">
             <a:prstTxWarp prst="textNoShape">
               <a:avLst/>
             </a:prstTxWarp>
@@ -513,8 +513,8 @@
         </p:nvSpPr>
         <p:spPr bwMode="auto">
           <a:xfrm>
-            <a:off x="4142962" y="0"/>
-            <a:ext cx="3170583" cy="480388"/>
+            <a:off x="3970339" y="0"/>
+            <a:ext cx="3038475" cy="465138"/>
           </a:xfrm>
           <a:prstGeom prst="rect">
             <a:avLst/>
@@ -529,7 +529,7 @@
           <a:effectLst/>
         </p:spPr>
         <p:txBody>
-          <a:bodyPr vert="horz" wrap="square" lIns="97041" tIns="48521" rIns="97041" bIns="48521" numCol="1" anchor="t" anchorCtr="0" compatLnSpc="1">
+          <a:bodyPr vert="horz" wrap="square" lIns="93538" tIns="46769" rIns="93538" bIns="46769" numCol="1" anchor="t" anchorCtr="0" compatLnSpc="1">
             <a:prstTxWarp prst="textNoShape">
               <a:avLst/>
             </a:prstTxWarp>
@@ -561,8 +561,8 @@
         </p:nvSpPr>
         <p:spPr bwMode="auto">
           <a:xfrm>
-            <a:off x="1257300" y="719138"/>
-            <a:ext cx="4800600" cy="3600450"/>
+            <a:off x="1181100" y="696913"/>
+            <a:ext cx="4648200" cy="3486150"/>
           </a:xfrm>
           <a:prstGeom prst="rect">
             <a:avLst/>
@@ -590,8 +590,8 @@
         </p:nvSpPr>
         <p:spPr bwMode="auto">
           <a:xfrm>
-            <a:off x="732183" y="4561226"/>
-            <a:ext cx="5850835" cy="4320213"/>
+            <a:off x="701676" y="4416426"/>
+            <a:ext cx="5607050" cy="4183063"/>
           </a:xfrm>
           <a:prstGeom prst="rect">
             <a:avLst/>
@@ -606,7 +606,7 @@
           <a:effectLst/>
         </p:spPr>
         <p:txBody>
-          <a:bodyPr vert="horz" wrap="square" lIns="97041" tIns="48521" rIns="97041" bIns="48521" numCol="1" anchor="t" anchorCtr="0" compatLnSpc="1">
+          <a:bodyPr vert="horz" wrap="square" lIns="93538" tIns="46769" rIns="93538" bIns="46769" numCol="1" anchor="t" anchorCtr="0" compatLnSpc="1">
             <a:prstTxWarp prst="textNoShape">
               <a:avLst/>
             </a:prstTxWarp>
@@ -661,8 +661,8 @@
         </p:nvSpPr>
         <p:spPr bwMode="auto">
           <a:xfrm>
-            <a:off x="0" y="9119173"/>
-            <a:ext cx="3170583" cy="480388"/>
+            <a:off x="1" y="8829675"/>
+            <a:ext cx="3038475" cy="465138"/>
           </a:xfrm>
           <a:prstGeom prst="rect">
             <a:avLst/>
@@ -677,7 +677,7 @@
           <a:effectLst/>
         </p:spPr>
         <p:txBody>
-          <a:bodyPr vert="horz" wrap="square" lIns="97041" tIns="48521" rIns="97041" bIns="48521" numCol="1" anchor="b" anchorCtr="0" compatLnSpc="1">
+          <a:bodyPr vert="horz" wrap="square" lIns="93538" tIns="46769" rIns="93538" bIns="46769" numCol="1" anchor="b" anchorCtr="0" compatLnSpc="1">
             <a:prstTxWarp prst="textNoShape">
               <a:avLst/>
             </a:prstTxWarp>
@@ -709,8 +709,8 @@
         </p:nvSpPr>
         <p:spPr bwMode="auto">
           <a:xfrm>
-            <a:off x="4142962" y="9119173"/>
-            <a:ext cx="3170583" cy="480388"/>
+            <a:off x="3970339" y="8829675"/>
+            <a:ext cx="3038475" cy="465138"/>
           </a:xfrm>
           <a:prstGeom prst="rect">
             <a:avLst/>
@@ -725,7 +725,7 @@
           <a:effectLst/>
         </p:spPr>
         <p:txBody>
-          <a:bodyPr vert="horz" wrap="square" lIns="97041" tIns="48521" rIns="97041" bIns="48521" numCol="1" anchor="b" anchorCtr="0" compatLnSpc="1">
+          <a:bodyPr vert="horz" wrap="square" lIns="93538" tIns="46769" rIns="93538" bIns="46769" numCol="1" anchor="b" anchorCtr="0" compatLnSpc="1">
             <a:prstTxWarp prst="textNoShape">
               <a:avLst/>
             </a:prstTxWarp>
@@ -907,8 +907,8 @@
         </p:nvSpPr>
         <p:spPr bwMode="auto">
           <a:xfrm>
-            <a:off x="4142962" y="9119173"/>
-            <a:ext cx="3170583" cy="480388"/>
+            <a:off x="3970339" y="8829675"/>
+            <a:ext cx="3038475" cy="465138"/>
           </a:xfrm>
           <a:prstGeom prst="rect">
             <a:avLst/>
@@ -922,17 +922,17 @@
           </a:ln>
         </p:spPr>
         <p:txBody>
-          <a:bodyPr lIns="95711" tIns="47855" rIns="95711" bIns="47855" anchor="b"/>
+          <a:bodyPr lIns="92256" tIns="46127" rIns="92256" bIns="46127" anchor="b"/>
           <a:lstStyle/>
           <a:p>
-            <a:pPr defTabSz="955094"/>
+            <a:pPr defTabSz="920615"/>
             <a:fld id="{50C91538-4AF2-4BF4-8DC0-8E3599FFE6A2}" type="slidenum">
               <a:rPr lang="en-US" sz="1200">
                 <a:solidFill>
                   <a:srgbClr val="000000"/>
                 </a:solidFill>
               </a:rPr>
-              <a:pPr defTabSz="955094"/>
+              <a:pPr defTabSz="920615"/>
               <a:t>1</a:t>
             </a:fld>
             <a:endParaRPr lang="en-US" sz="1200" dirty="0">
@@ -972,7 +972,7 @@
           <a:ln/>
         </p:spPr>
         <p:txBody>
-          <a:bodyPr lIns="95711" tIns="47855" rIns="95711" bIns="47855"/>
+          <a:bodyPr lIns="92256" tIns="46127" rIns="92256" bIns="46127"/>
           <a:lstStyle/>
           <a:p>
             <a:pPr eaLnBrk="1" hangingPunct="1"/>
@@ -2145,21 +2145,19 @@
       </p:grpSpPr>
       <p:sp>
         <p:nvSpPr>
-          <p:cNvPr id="44033" name="Slide Image Placeholder 1"/>
-          <p:cNvSpPr>
-            <a:spLocks noGrp="1" noRot="1" noChangeAspect="1" noTextEdit="1"/>
+          <p:cNvPr id="2" name="Slide Image Placeholder 1"/>
+          <p:cNvSpPr>
+            <a:spLocks noGrp="1" noRot="1" noChangeAspect="1"/>
           </p:cNvSpPr>
           <p:nvPr>
             <p:ph type="sldImg"/>
           </p:nvPr>
         </p:nvSpPr>
-        <p:spPr>
-          <a:ln/>
-        </p:spPr>
-      </p:sp>
-      <p:sp>
-        <p:nvSpPr>
-          <p:cNvPr id="44034" name="Notes Placeholder 2"/>
+        <p:spPr/>
+      </p:sp>
+      <p:sp>
+        <p:nvSpPr>
+          <p:cNvPr id="3" name="Notes Placeholder 2"/>
           <p:cNvSpPr>
             <a:spLocks noGrp="1"/>
           </p:cNvSpPr>
@@ -2167,41 +2165,43 @@
             <p:ph type="body" idx="1"/>
           </p:nvPr>
         </p:nvSpPr>
-        <p:spPr>
-          <a:noFill/>
-          <a:ln/>
-        </p:spPr>
+        <p:spPr/>
+        <p:txBody>
+          <a:bodyPr>
+            <a:normAutofit/>
+          </a:bodyPr>
+          <a:lstStyle/>
+          <a:p>
+            <a:endParaRPr lang="en-US" dirty="0"/>
+          </a:p>
+        </p:txBody>
+      </p:sp>
+      <p:sp>
+        <p:nvSpPr>
+          <p:cNvPr id="4" name="Slide Number Placeholder 3"/>
+          <p:cNvSpPr>
+            <a:spLocks noGrp="1"/>
+          </p:cNvSpPr>
+          <p:nvPr>
+            <p:ph type="sldNum" sz="quarter" idx="10"/>
+          </p:nvPr>
+        </p:nvSpPr>
+        <p:spPr/>
         <p:txBody>
           <a:bodyPr/>
           <a:lstStyle/>
           <a:p>
-            <a:endParaRPr lang="en-US" dirty="0" smtClean="0"/>
-          </a:p>
-        </p:txBody>
-      </p:sp>
-      <p:sp>
-        <p:nvSpPr>
-          <p:cNvPr id="44035" name="Slide Number Placeholder 3"/>
-          <p:cNvSpPr>
-            <a:spLocks noGrp="1"/>
-          </p:cNvSpPr>
-          <p:nvPr>
-            <p:ph type="sldNum" sz="quarter" idx="5"/>
-          </p:nvPr>
-        </p:nvSpPr>
-        <p:spPr>
-          <a:noFill/>
-        </p:spPr>
-        <p:txBody>
-          <a:bodyPr/>
-          <a:lstStyle/>
-          <a:p>
-            <a:fld id="{2168E797-3F41-4703-84AD-791D675ECE2B}" type="slidenum">
+            <a:pPr>
+              <a:defRPr/>
+            </a:pPr>
+            <a:fld id="{AADD6CCA-78B7-498B-B599-3F471BD712C6}" type="slidenum">
               <a:rPr lang="en-US" smtClean="0"/>
-              <a:pPr/>
+              <a:pPr>
+                <a:defRPr/>
+              </a:pPr>
               <a:t>22</a:t>
             </a:fld>
-            <a:endParaRPr lang="en-US" dirty="0" smtClean="0"/>
+            <a:endParaRPr lang="en-US" dirty="0"/>
           </a:p>
         </p:txBody>
       </p:sp>
@@ -2232,19 +2232,21 @@
       </p:grpSpPr>
       <p:sp>
         <p:nvSpPr>
-          <p:cNvPr id="2" name="Slide Image Placeholder 1"/>
-          <p:cNvSpPr>
-            <a:spLocks noGrp="1" noRot="1" noChangeAspect="1"/>
+          <p:cNvPr id="44033" name="Slide Image Placeholder 1"/>
+          <p:cNvSpPr>
+            <a:spLocks noGrp="1" noRot="1" noChangeAspect="1" noTextEdit="1"/>
           </p:cNvSpPr>
           <p:nvPr>
             <p:ph type="sldImg"/>
           </p:nvPr>
         </p:nvSpPr>
-        <p:spPr/>
-      </p:sp>
-      <p:sp>
-        <p:nvSpPr>
-          <p:cNvPr id="3" name="Notes Placeholder 2"/>
+        <p:spPr>
+          <a:ln/>
+        </p:spPr>
+      </p:sp>
+      <p:sp>
+        <p:nvSpPr>
+          <p:cNvPr id="44034" name="Notes Placeholder 2"/>
           <p:cNvSpPr>
             <a:spLocks noGrp="1"/>
           </p:cNvSpPr>
@@ -2252,43 +2254,41 @@
             <p:ph type="body" idx="1"/>
           </p:nvPr>
         </p:nvSpPr>
-        <p:spPr/>
-        <p:txBody>
-          <a:bodyPr>
-            <a:normAutofit/>
-          </a:bodyPr>
-          <a:lstStyle/>
-          <a:p>
-            <a:endParaRPr lang="en-US" dirty="0"/>
-          </a:p>
-        </p:txBody>
-      </p:sp>
-      <p:sp>
-        <p:nvSpPr>
-          <p:cNvPr id="4" name="Slide Number Placeholder 3"/>
-          <p:cNvSpPr>
-            <a:spLocks noGrp="1"/>
-          </p:cNvSpPr>
-          <p:nvPr>
-            <p:ph type="sldNum" sz="quarter" idx="10"/>
-          </p:nvPr>
-        </p:nvSpPr>
-        <p:spPr/>
+        <p:spPr>
+          <a:noFill/>
+          <a:ln/>
+        </p:spPr>
         <p:txBody>
           <a:bodyPr/>
           <a:lstStyle/>
           <a:p>
-            <a:pPr>
-              <a:defRPr/>
-            </a:pPr>
-            <a:fld id="{AADD6CCA-78B7-498B-B599-3F471BD712C6}" type="slidenum">
+            <a:endParaRPr lang="en-US" dirty="0" smtClean="0"/>
+          </a:p>
+        </p:txBody>
+      </p:sp>
+      <p:sp>
+        <p:nvSpPr>
+          <p:cNvPr id="44035" name="Slide Number Placeholder 3"/>
+          <p:cNvSpPr>
+            <a:spLocks noGrp="1"/>
+          </p:cNvSpPr>
+          <p:nvPr>
+            <p:ph type="sldNum" sz="quarter" idx="5"/>
+          </p:nvPr>
+        </p:nvSpPr>
+        <p:spPr>
+          <a:noFill/>
+        </p:spPr>
+        <p:txBody>
+          <a:bodyPr/>
+          <a:lstStyle/>
+          <a:p>
+            <a:fld id="{2168E797-3F41-4703-84AD-791D675ECE2B}" type="slidenum">
               <a:rPr lang="en-US" smtClean="0"/>
-              <a:pPr>
-                <a:defRPr/>
-              </a:pPr>
+              <a:pPr/>
               <a:t>23</a:t>
             </a:fld>
-            <a:endParaRPr lang="en-US" dirty="0"/>
+            <a:endParaRPr lang="en-US" dirty="0" smtClean="0"/>
           </a:p>
         </p:txBody>
       </p:sp>
@@ -2319,46 +2319,63 @@
       </p:grpSpPr>
       <p:sp>
         <p:nvSpPr>
-          <p:cNvPr id="72706" name="Rectangle 2"/>
-          <p:cNvSpPr>
-            <a:spLocks noGrp="1" noRot="1" noChangeAspect="1" noChangeArrowheads="1" noTextEdit="1"/>
+          <p:cNvPr id="2" name="Slide Image Placeholder 1"/>
+          <p:cNvSpPr>
+            <a:spLocks noGrp="1" noRot="1" noChangeAspect="1"/>
           </p:cNvSpPr>
           <p:nvPr>
             <p:ph type="sldImg"/>
           </p:nvPr>
         </p:nvSpPr>
-        <p:spPr>
-          <a:ln/>
-        </p:spPr>
-      </p:sp>
-      <p:sp>
-        <p:nvSpPr>
-          <p:cNvPr id="72707" name="Rectangle 3"/>
-          <p:cNvSpPr>
-            <a:spLocks noGrp="1" noChangeArrowheads="1"/>
+        <p:spPr/>
+      </p:sp>
+      <p:sp>
+        <p:nvSpPr>
+          <p:cNvPr id="3" name="Notes Placeholder 2"/>
+          <p:cNvSpPr>
+            <a:spLocks noGrp="1"/>
           </p:cNvSpPr>
           <p:nvPr>
             <p:ph type="body" idx="1"/>
           </p:nvPr>
         </p:nvSpPr>
-        <p:spPr>
-          <a:noFill/>
-          <a:ln/>
-        </p:spPr>
+        <p:spPr/>
+        <p:txBody>
+          <a:bodyPr>
+            <a:normAutofit/>
+          </a:bodyPr>
+          <a:lstStyle/>
+          <a:p>
+            <a:endParaRPr lang="en-US" dirty="0"/>
+          </a:p>
+        </p:txBody>
+      </p:sp>
+      <p:sp>
+        <p:nvSpPr>
+          <p:cNvPr id="4" name="Slide Number Placeholder 3"/>
+          <p:cNvSpPr>
+            <a:spLocks noGrp="1"/>
+          </p:cNvSpPr>
+          <p:nvPr>
+            <p:ph type="sldNum" sz="quarter" idx="10"/>
+          </p:nvPr>
+        </p:nvSpPr>
+        <p:spPr/>
         <p:txBody>
           <a:bodyPr/>
           <a:lstStyle/>
           <a:p>
-            <a:r>
-              <a:rPr lang="en-US" dirty="0" smtClean="0"/>
-              <a:t>Entropy decoder – decodes each frame independently</a:t>
-            </a:r>
-          </a:p>
-          <a:p>
-            <a:r>
-              <a:rPr lang="en-US" dirty="0" smtClean="0"/>
-              <a:t>Motion estimation – varies algorithm, but there are often interdependencies</a:t>
-            </a:r>
+            <a:pPr>
+              <a:defRPr/>
+            </a:pPr>
+            <a:fld id="{AADD6CCA-78B7-498B-B599-3F471BD712C6}" type="slidenum">
+              <a:rPr lang="en-US" smtClean="0"/>
+              <a:pPr>
+                <a:defRPr/>
+              </a:pPr>
+              <a:t>24</a:t>
+            </a:fld>
+            <a:endParaRPr lang="en-US" dirty="0"/>
           </a:p>
         </p:txBody>
       </p:sp>
@@ -2389,46 +2406,63 @@
       </p:grpSpPr>
       <p:sp>
         <p:nvSpPr>
-          <p:cNvPr id="72706" name="Rectangle 2"/>
-          <p:cNvSpPr>
-            <a:spLocks noGrp="1" noRot="1" noChangeAspect="1" noChangeArrowheads="1" noTextEdit="1"/>
+          <p:cNvPr id="2" name="Slide Image Placeholder 1"/>
+          <p:cNvSpPr>
+            <a:spLocks noGrp="1" noRot="1" noChangeAspect="1"/>
           </p:cNvSpPr>
           <p:nvPr>
             <p:ph type="sldImg"/>
           </p:nvPr>
         </p:nvSpPr>
-        <p:spPr>
-          <a:ln/>
-        </p:spPr>
-      </p:sp>
-      <p:sp>
-        <p:nvSpPr>
-          <p:cNvPr id="72707" name="Rectangle 3"/>
-          <p:cNvSpPr>
-            <a:spLocks noGrp="1" noChangeArrowheads="1"/>
+        <p:spPr/>
+      </p:sp>
+      <p:sp>
+        <p:nvSpPr>
+          <p:cNvPr id="3" name="Notes Placeholder 2"/>
+          <p:cNvSpPr>
+            <a:spLocks noGrp="1"/>
           </p:cNvSpPr>
           <p:nvPr>
             <p:ph type="body" idx="1"/>
           </p:nvPr>
         </p:nvSpPr>
-        <p:spPr>
-          <a:noFill/>
-          <a:ln/>
-        </p:spPr>
+        <p:spPr/>
+        <p:txBody>
+          <a:bodyPr>
+            <a:normAutofit/>
+          </a:bodyPr>
+          <a:lstStyle/>
+          <a:p>
+            <a:endParaRPr lang="en-US" dirty="0"/>
+          </a:p>
+        </p:txBody>
+      </p:sp>
+      <p:sp>
+        <p:nvSpPr>
+          <p:cNvPr id="4" name="Slide Number Placeholder 3"/>
+          <p:cNvSpPr>
+            <a:spLocks noGrp="1"/>
+          </p:cNvSpPr>
+          <p:nvPr>
+            <p:ph type="sldNum" sz="quarter" idx="10"/>
+          </p:nvPr>
+        </p:nvSpPr>
+        <p:spPr/>
         <p:txBody>
           <a:bodyPr/>
           <a:lstStyle/>
           <a:p>
-            <a:r>
-              <a:rPr lang="en-US" dirty="0" smtClean="0"/>
-              <a:t>Entropy decoder – decodes each frame independently</a:t>
-            </a:r>
-          </a:p>
-          <a:p>
-            <a:r>
-              <a:rPr lang="en-US" dirty="0" smtClean="0"/>
-              <a:t>Motion estimation – varies algorithm, but there are often interdependencies</a:t>
-            </a:r>
+            <a:pPr>
+              <a:defRPr/>
+            </a:pPr>
+            <a:fld id="{AADD6CCA-78B7-498B-B599-3F471BD712C6}" type="slidenum">
+              <a:rPr lang="en-US" smtClean="0"/>
+              <a:pPr>
+                <a:defRPr/>
+              </a:pPr>
+              <a:t>25</a:t>
+            </a:fld>
+            <a:endParaRPr lang="en-US" dirty="0"/>
           </a:p>
         </p:txBody>
       </p:sp>
@@ -2459,9 +2493,9 @@
       </p:grpSpPr>
       <p:sp>
         <p:nvSpPr>
-          <p:cNvPr id="48129" name="Slide Image Placeholder 1"/>
-          <p:cNvSpPr>
-            <a:spLocks noGrp="1" noRot="1" noChangeAspect="1" noTextEdit="1"/>
+          <p:cNvPr id="72706" name="Rectangle 2"/>
+          <p:cNvSpPr>
+            <a:spLocks noGrp="1" noRot="1" noChangeAspect="1" noChangeArrowheads="1" noTextEdit="1"/>
           </p:cNvSpPr>
           <p:nvPr>
             <p:ph type="sldImg"/>
@@ -2473,9 +2507,9 @@
       </p:sp>
       <p:sp>
         <p:nvSpPr>
-          <p:cNvPr id="48130" name="Notes Placeholder 2"/>
-          <p:cNvSpPr>
-            <a:spLocks noGrp="1"/>
+          <p:cNvPr id="72707" name="Rectangle 3"/>
+          <p:cNvSpPr>
+            <a:spLocks noGrp="1" noChangeArrowheads="1"/>
           </p:cNvSpPr>
           <p:nvPr>
             <p:ph type="body" idx="1"/>
@@ -2489,33 +2523,16 @@
           <a:bodyPr/>
           <a:lstStyle/>
           <a:p>
-            <a:endParaRPr lang="en-US" dirty="0" smtClean="0"/>
-          </a:p>
-        </p:txBody>
-      </p:sp>
-      <p:sp>
-        <p:nvSpPr>
-          <p:cNvPr id="48131" name="Slide Number Placeholder 3"/>
-          <p:cNvSpPr>
-            <a:spLocks noGrp="1"/>
-          </p:cNvSpPr>
-          <p:nvPr>
-            <p:ph type="sldNum" sz="quarter" idx="5"/>
-          </p:nvPr>
-        </p:nvSpPr>
-        <p:spPr>
-          <a:noFill/>
-        </p:spPr>
-        <p:txBody>
-          <a:bodyPr/>
-          <a:lstStyle/>
-          <a:p>
-            <a:fld id="{9B6394FC-F76B-41A9-9296-ECACBEE39ACC}" type="slidenum">
-              <a:rPr lang="en-US" smtClean="0"/>
-              <a:pPr/>
-              <a:t>26</a:t>
-            </a:fld>
-            <a:endParaRPr lang="en-US" dirty="0" smtClean="0"/>
+            <a:r>
+              <a:rPr lang="en-US" dirty="0" smtClean="0"/>
+              <a:t>Entropy decoder – decodes each frame independently</a:t>
+            </a:r>
+          </a:p>
+          <a:p>
+            <a:r>
+              <a:rPr lang="en-US" dirty="0" smtClean="0"/>
+              <a:t>Motion estimation – varies algorithm, but there are often interdependencies</a:t>
+            </a:r>
           </a:p>
         </p:txBody>
       </p:sp>
@@ -7112,7 +7129,7 @@
               <a:pPr>
                 <a:defRPr/>
               </a:pPr>
-              <a:t>1/9/2013</a:t>
+              <a:t>1/10/2013</a:t>
             </a:fld>
             <a:endParaRPr lang="en-US" dirty="0"/>
           </a:p>
@@ -7304,7 +7321,7 @@
               <a:pPr>
                 <a:defRPr/>
               </a:pPr>
-              <a:t>1/9/2013</a:t>
+              <a:t>1/10/2013</a:t>
             </a:fld>
             <a:endParaRPr lang="en-US" dirty="0"/>
           </a:p>
@@ -7572,7 +7589,7 @@
               <a:pPr>
                 <a:defRPr/>
               </a:pPr>
-              <a:t>1/9/2013</a:t>
+              <a:t>1/10/2013</a:t>
             </a:fld>
             <a:endParaRPr lang="en-US" dirty="0"/>
           </a:p>
@@ -7882,7 +7899,7 @@
               <a:pPr>
                 <a:defRPr/>
               </a:pPr>
-              <a:t>1/9/2013</a:t>
+              <a:t>1/10/2013</a:t>
             </a:fld>
             <a:endParaRPr lang="en-US" dirty="0"/>
           </a:p>
@@ -8541,7 +8558,7 @@
               <a:pPr>
                 <a:defRPr/>
               </a:pPr>
-              <a:t>1/9/2013</a:t>
+              <a:t>1/10/2013</a:t>
             </a:fld>
             <a:endParaRPr lang="en-US" dirty="0"/>
           </a:p>
@@ -8681,7 +8698,7 @@
               <a:pPr>
                 <a:defRPr/>
               </a:pPr>
-              <a:t>1/9/2013</a:t>
+              <a:t>1/10/2013</a:t>
             </a:fld>
             <a:endParaRPr lang="en-US" dirty="0"/>
           </a:p>
@@ -8798,7 +8815,7 @@
               <a:pPr>
                 <a:defRPr/>
               </a:pPr>
-              <a:t>1/9/2013</a:t>
+              <a:t>1/10/2013</a:t>
             </a:fld>
             <a:endParaRPr lang="en-US" dirty="0"/>
           </a:p>
@@ -9097,7 +9114,7 @@
               <a:pPr>
                 <a:defRPr/>
               </a:pPr>
-              <a:t>1/9/2013</a:t>
+              <a:t>1/10/2013</a:t>
             </a:fld>
             <a:endParaRPr lang="en-US" dirty="0"/>
           </a:p>
@@ -9375,7 +9392,7 @@
               <a:pPr>
                 <a:defRPr/>
               </a:pPr>
-              <a:t>1/9/2013</a:t>
+              <a:t>1/10/2013</a:t>
             </a:fld>
             <a:endParaRPr lang="en-US" dirty="0"/>
           </a:p>
@@ -9567,7 +9584,7 @@
               <a:pPr>
                 <a:defRPr/>
               </a:pPr>
-              <a:t>1/9/2013</a:t>
+              <a:t>1/10/2013</a:t>
             </a:fld>
             <a:endParaRPr lang="en-US" dirty="0"/>
           </a:p>
@@ -9769,7 +9786,7 @@
               <a:pPr>
                 <a:defRPr/>
               </a:pPr>
-              <a:t>1/9/2013</a:t>
+              <a:t>1/10/2013</a:t>
             </a:fld>
             <a:endParaRPr lang="en-US" dirty="0"/>
           </a:p>
@@ -12676,7 +12693,7 @@
               <a:pPr>
                 <a:defRPr/>
               </a:pPr>
-              <a:t>1/9/2013</a:t>
+              <a:t>1/10/2013</a:t>
             </a:fld>
             <a:endParaRPr lang="en-US" dirty="0"/>
           </a:p>
@@ -14009,130 +14026,6 @@
                   <a:schemeClr val="tx2"/>
                 </a:solidFill>
               </a:rPr>
-              <a:t> Data Flow Model</a:t>
-            </a:r>
-            <a:endParaRPr lang="en-US" dirty="0" smtClean="0"/>
-          </a:p>
-        </p:txBody>
-      </p:sp>
-      <p:sp>
-        <p:nvSpPr>
-          <p:cNvPr id="38914" name="Rectangle 3"/>
-          <p:cNvSpPr>
-            <a:spLocks noGrp="1" noChangeArrowheads="1"/>
-          </p:cNvSpPr>
-          <p:nvPr>
-            <p:ph type="body" idx="1"/>
-          </p:nvPr>
-        </p:nvSpPr>
-        <p:spPr>
-          <a:xfrm>
-            <a:off x="333375" y="1808018"/>
-            <a:ext cx="8467725" cy="4070495"/>
-          </a:xfrm>
-        </p:spPr>
-        <p:txBody>
-          <a:bodyPr/>
-          <a:lstStyle/>
-          <a:p>
-            <a:r>
-              <a:rPr lang="en-US" dirty="0" smtClean="0"/>
-              <a:t>Distributed Control and execution</a:t>
-            </a:r>
-          </a:p>
-          <a:p>
-            <a:r>
-              <a:rPr lang="en-US" dirty="0" smtClean="0"/>
-              <a:t>The algorithm is partitioned into multiple block, each block is processed by a core, and the output of one core is the input to the next core</a:t>
-            </a:r>
-          </a:p>
-          <a:p>
-            <a:pPr lvl="1"/>
-            <a:r>
-              <a:rPr lang="en-US" dirty="0" smtClean="0"/>
-              <a:t>Exchange data and messages between any cores</a:t>
-            </a:r>
-          </a:p>
-          <a:p>
-            <a:r>
-              <a:rPr lang="en-US" dirty="0" smtClean="0"/>
-              <a:t>Big challenge – partition blocks to optimize performances</a:t>
-            </a:r>
-          </a:p>
-          <a:p>
-            <a:pPr lvl="1"/>
-            <a:r>
-              <a:rPr lang="en-US" dirty="0" smtClean="0"/>
-              <a:t>Required loose link between cores (queue system)</a:t>
-            </a:r>
-          </a:p>
-          <a:p>
-            <a:pPr lvl="1"/>
-            <a:endParaRPr lang="en-US" dirty="0" smtClean="0"/>
-          </a:p>
-          <a:p>
-            <a:endParaRPr lang="en-US" dirty="0" smtClean="0"/>
-          </a:p>
-        </p:txBody>
-      </p:sp>
-    </p:spTree>
-  </p:cSld>
-  <p:clrMapOvr>
-    <a:masterClrMapping/>
-  </p:clrMapOvr>
-</p:sld>
-</file>
-
-<file path=ppt/slides/slide11.xml><?xml version="1.0" encoding="utf-8"?>
-<p:sld xmlns:a="http://schemas.openxmlformats.org/drawingml/2006/main" xmlns:r="http://schemas.openxmlformats.org/officeDocument/2006/relationships" xmlns:p="http://schemas.openxmlformats.org/presentationml/2006/main">
-  <p:cSld>
-    <p:spTree>
-      <p:nvGrpSpPr>
-        <p:cNvPr id="1" name=""/>
-        <p:cNvGrpSpPr/>
-        <p:nvPr/>
-      </p:nvGrpSpPr>
-      <p:grpSpPr>
-        <a:xfrm>
-          <a:off x="0" y="0"/>
-          <a:ext cx="0" cy="0"/>
-          <a:chOff x="0" y="0"/>
-          <a:chExt cx="0" cy="0"/>
-        </a:xfrm>
-      </p:grpSpPr>
-      <p:sp>
-        <p:nvSpPr>
-          <p:cNvPr id="38913" name="Rectangle 2"/>
-          <p:cNvSpPr>
-            <a:spLocks noGrp="1" noChangeArrowheads="1"/>
-          </p:cNvSpPr>
-          <p:nvPr>
-            <p:ph type="title"/>
-          </p:nvPr>
-        </p:nvSpPr>
-        <p:spPr>
-          <a:xfrm>
-            <a:off x="332509" y="290946"/>
-            <a:ext cx="8458200" cy="1433945"/>
-          </a:xfrm>
-        </p:spPr>
-        <p:txBody>
-          <a:bodyPr/>
-          <a:lstStyle/>
-          <a:p>
-            <a:r>
-              <a:rPr lang="en-US" dirty="0" smtClean="0"/>
-              <a:t>Parallel Processing Models</a:t>
-            </a:r>
-            <a:br>
-              <a:rPr lang="en-US" dirty="0" smtClean="0"/>
-            </a:br>
-            <a:r>
-              <a:rPr lang="en-US" dirty="0" smtClean="0">
-                <a:solidFill>
-                  <a:schemeClr val="tx2"/>
-                </a:solidFill>
-              </a:rPr>
               <a:t> Data Flow Model(2)</a:t>
             </a:r>
             <a:endParaRPr lang="en-US" dirty="0" smtClean="0"/>
@@ -14450,6 +14343,173 @@
   <p:clrMapOvr>
     <a:masterClrMapping/>
   </p:clrMapOvr>
+  <p:timing>
+    <p:tnLst>
+      <p:par>
+        <p:cTn id="1" dur="indefinite" restart="never" nodeType="tmRoot"/>
+      </p:par>
+    </p:tnLst>
+  </p:timing>
+</p:sld>
+</file>
+
+<file path=ppt/slides/slide11.xml><?xml version="1.0" encoding="utf-8"?>
+<p:sld xmlns:a="http://schemas.openxmlformats.org/drawingml/2006/main" xmlns:r="http://schemas.openxmlformats.org/officeDocument/2006/relationships" xmlns:p="http://schemas.openxmlformats.org/presentationml/2006/main">
+  <p:cSld>
+    <p:spTree>
+      <p:nvGrpSpPr>
+        <p:cNvPr id="1" name=""/>
+        <p:cNvGrpSpPr/>
+        <p:nvPr/>
+      </p:nvGrpSpPr>
+      <p:grpSpPr>
+        <a:xfrm>
+          <a:off x="0" y="0"/>
+          <a:ext cx="0" cy="0"/>
+          <a:chOff x="0" y="0"/>
+          <a:chExt cx="0" cy="0"/>
+        </a:xfrm>
+      </p:grpSpPr>
+      <p:sp>
+        <p:nvSpPr>
+          <p:cNvPr id="39937" name="Rectangle 2"/>
+          <p:cNvSpPr>
+            <a:spLocks noGrp="1" noChangeArrowheads="1"/>
+          </p:cNvSpPr>
+          <p:nvPr>
+            <p:ph type="title"/>
+          </p:nvPr>
+        </p:nvSpPr>
+        <p:spPr>
+          <a:xfrm>
+            <a:off x="259772" y="218210"/>
+            <a:ext cx="8458200" cy="802698"/>
+          </a:xfrm>
+        </p:spPr>
+        <p:txBody>
+          <a:bodyPr/>
+          <a:lstStyle/>
+          <a:p>
+            <a:r>
+              <a:rPr lang="en-US" sz="3200" dirty="0" smtClean="0"/>
+              <a:t>Partitioning Considerations</a:t>
+            </a:r>
+          </a:p>
+        </p:txBody>
+      </p:sp>
+      <p:sp>
+        <p:nvSpPr>
+          <p:cNvPr id="23554" name="Rectangle 3"/>
+          <p:cNvSpPr>
+            <a:spLocks noGrp="1" noChangeArrowheads="1"/>
+          </p:cNvSpPr>
+          <p:nvPr>
+            <p:ph type="body" idx="1"/>
+          </p:nvPr>
+        </p:nvSpPr>
+        <p:spPr/>
+        <p:txBody>
+          <a:bodyPr/>
+          <a:lstStyle/>
+          <a:p>
+            <a:pPr>
+              <a:lnSpc>
+                <a:spcPct val="80000"/>
+              </a:lnSpc>
+            </a:pPr>
+            <a:r>
+              <a:rPr lang="en-US" sz="2400" dirty="0" smtClean="0"/>
+              <a:t>Application is a set of algorithms. In order to partition an application into multiple cores, the system architect should understand-</a:t>
+            </a:r>
+          </a:p>
+          <a:p>
+            <a:pPr lvl="1">
+              <a:lnSpc>
+                <a:spcPct val="80000"/>
+              </a:lnSpc>
+            </a:pPr>
+            <a:r>
+              <a:rPr lang="en-US" dirty="0" smtClean="0"/>
+              <a:t>Can a certain algorithm be executed on multiple cores in parallel?</a:t>
+            </a:r>
+          </a:p>
+          <a:p>
+            <a:pPr lvl="2">
+              <a:lnSpc>
+                <a:spcPct val="80000"/>
+              </a:lnSpc>
+            </a:pPr>
+            <a:r>
+              <a:rPr lang="en-US" sz="1600" dirty="0" smtClean="0"/>
+              <a:t>Can the data be divided between two cores? FIR filter can be, IIR filter cannot</a:t>
+            </a:r>
+          </a:p>
+          <a:p>
+            <a:pPr lvl="1">
+              <a:lnSpc>
+                <a:spcPct val="80000"/>
+              </a:lnSpc>
+            </a:pPr>
+            <a:r>
+              <a:rPr lang="en-US" dirty="0" smtClean="0"/>
+              <a:t>What are the dependencies between two (or more) algorithms. Can they be processed in parallel, can one algorithm must wait for the next? </a:t>
+            </a:r>
+          </a:p>
+          <a:p>
+            <a:pPr lvl="2">
+              <a:lnSpc>
+                <a:spcPct val="80000"/>
+              </a:lnSpc>
+            </a:pPr>
+            <a:r>
+              <a:rPr lang="en-US" dirty="0" smtClean="0"/>
+              <a:t>Example – identification based on finger print and face recognition can be done in parallel. Pre filter and then image reconstruction in CT must be done in order</a:t>
+            </a:r>
+          </a:p>
+          <a:p>
+            <a:pPr lvl="1">
+              <a:lnSpc>
+                <a:spcPct val="80000"/>
+              </a:lnSpc>
+            </a:pPr>
+            <a:r>
+              <a:rPr lang="en-US" dirty="0" smtClean="0"/>
+              <a:t> Can the application can run concurrently on two sets of data?</a:t>
+            </a:r>
+          </a:p>
+          <a:p>
+            <a:pPr lvl="2">
+              <a:lnSpc>
+                <a:spcPct val="80000"/>
+              </a:lnSpc>
+            </a:pPr>
+            <a:r>
+              <a:rPr lang="en-US" dirty="0" smtClean="0"/>
+              <a:t>JPEG2000 Video encoder yes, H264 Video encoder no</a:t>
+            </a:r>
+          </a:p>
+          <a:p>
+            <a:pPr>
+              <a:lnSpc>
+                <a:spcPct val="80000"/>
+              </a:lnSpc>
+            </a:pPr>
+            <a:endParaRPr lang="en-US" sz="2400" dirty="0" smtClean="0"/>
+          </a:p>
+        </p:txBody>
+      </p:sp>
+    </p:spTree>
+  </p:cSld>
+  <p:clrMapOvr>
+    <a:masterClrMapping/>
+  </p:clrMapOvr>
+  <p:timing>
+    <p:tnLst>
+      <p:par>
+        <p:cTn id="1" dur="indefinite" restart="never" nodeType="tmRoot"/>
+      </p:par>
+    </p:tnLst>
+  </p:timing>
 </p:sld>
 </file>
 
@@ -14482,8 +14542,8 @@
         </p:nvSpPr>
         <p:spPr>
           <a:xfrm>
-            <a:off x="259772" y="218210"/>
-            <a:ext cx="8458200" cy="802698"/>
+            <a:off x="342900" y="322118"/>
+            <a:ext cx="8458200" cy="657225"/>
           </a:xfrm>
         </p:spPr>
         <p:txBody>
@@ -14491,8 +14551,12 @@
           <a:lstStyle/>
           <a:p>
             <a:r>
-              <a:rPr lang="en-US" sz="3200" dirty="0" smtClean="0"/>
-              <a:t>Partitioning Considerations</a:t>
+              <a:rPr lang="en-US" sz="2800" dirty="0" smtClean="0">
+                <a:solidFill>
+                  <a:schemeClr val="tx2"/>
+                </a:solidFill>
+              </a:rPr>
+              <a:t>Common Partitions Methods</a:t>
             </a:r>
           </a:p>
         </p:txBody>
@@ -14507,7 +14571,12 @@
             <p:ph type="body" idx="1"/>
           </p:nvPr>
         </p:nvSpPr>
-        <p:spPr/>
+        <p:spPr>
+          <a:xfrm>
+            <a:off x="333375" y="1537855"/>
+            <a:ext cx="8467725" cy="4340658"/>
+          </a:xfrm>
+        </p:spPr>
         <p:txBody>
           <a:bodyPr/>
           <a:lstStyle/>
@@ -14518,74 +14587,56 @@
               </a:lnSpc>
             </a:pPr>
             <a:r>
-              <a:rPr lang="en-US" sz="2400" dirty="0" smtClean="0"/>
-              <a:t>Application is a set of algorithms. In order to partition an application into multiple cores, the system architect should understand-</a:t>
-            </a:r>
-          </a:p>
-          <a:p>
-            <a:pPr lvl="1">
+              <a:rPr lang="en-US" sz="2400" b="1" dirty="0" smtClean="0">
+                <a:solidFill>
+                  <a:schemeClr val="tx2"/>
+                </a:solidFill>
+              </a:rPr>
+              <a:t>Function driven</a:t>
+            </a:r>
+          </a:p>
+          <a:p>
+            <a:pPr marL="690563" lvl="1" indent="-288925">
               <a:lnSpc>
                 <a:spcPct val="80000"/>
               </a:lnSpc>
             </a:pPr>
             <a:r>
-              <a:rPr lang="en-US" dirty="0" smtClean="0"/>
-              <a:t>Can a certain algorithm be executed on multiple cores in parallel?</a:t>
-            </a:r>
-          </a:p>
-          <a:p>
-            <a:pPr lvl="2">
+              <a:rPr lang="en-US" sz="2000" dirty="0" smtClean="0"/>
+              <a:t>Large tasks are divided into function blocks</a:t>
+            </a:r>
+          </a:p>
+          <a:p>
+            <a:pPr marL="690563" lvl="1" indent="-288925">
               <a:lnSpc>
                 <a:spcPct val="80000"/>
               </a:lnSpc>
             </a:pPr>
             <a:r>
-              <a:rPr lang="en-US" sz="1600" dirty="0" smtClean="0"/>
-              <a:t>Can the data be divided between two cores? FIR filter can be, IIR filter cannot</a:t>
-            </a:r>
-          </a:p>
-          <a:p>
-            <a:pPr lvl="1">
+              <a:rPr lang="en-US" sz="2000" dirty="0" smtClean="0"/>
+              <a:t>Function blocks are assigned to each core</a:t>
+            </a:r>
+          </a:p>
+          <a:p>
+            <a:pPr marL="690563" lvl="1" indent="-288925">
               <a:lnSpc>
                 <a:spcPct val="80000"/>
               </a:lnSpc>
             </a:pPr>
             <a:r>
-              <a:rPr lang="en-US" dirty="0" smtClean="0"/>
-              <a:t>What are the dependencies between two (or more) algorithms. Can they be processed in parallel, can one algorithm must wait for the next? </a:t>
-            </a:r>
-          </a:p>
-          <a:p>
-            <a:pPr lvl="2">
+              <a:rPr lang="en-US" sz="2000" dirty="0" smtClean="0"/>
+              <a:t>The output of one core is the input of the next core</a:t>
+            </a:r>
+          </a:p>
+          <a:p>
+            <a:pPr marL="690563" lvl="1" indent="-288925">
               <a:lnSpc>
                 <a:spcPct val="80000"/>
               </a:lnSpc>
             </a:pPr>
             <a:r>
-              <a:rPr lang="en-US" dirty="0" smtClean="0"/>
-              <a:t>Example – identification based on finger print and face recognition can be done in parallel. Pre filter and then image reconstruction in CT must be done in order</a:t>
-            </a:r>
-          </a:p>
-          <a:p>
-            <a:pPr lvl="1">
-              <a:lnSpc>
-                <a:spcPct val="80000"/>
-              </a:lnSpc>
-            </a:pPr>
-            <a:r>
-              <a:rPr lang="en-US" dirty="0" smtClean="0"/>
-              <a:t> Can the application can run concurrently on two sets of data?</a:t>
-            </a:r>
-          </a:p>
-          <a:p>
-            <a:pPr lvl="2">
-              <a:lnSpc>
-                <a:spcPct val="80000"/>
-              </a:lnSpc>
-            </a:pPr>
-            <a:r>
-              <a:rPr lang="en-US" dirty="0" smtClean="0"/>
-              <a:t>LPEG2000 Video encoder yes, H264 Video encoder no</a:t>
+              <a:rPr lang="en-US" sz="2000" dirty="0" smtClean="0"/>
+              <a:t>Use cases: H.264 high quality encoding and decoding, LTE</a:t>
             </a:r>
           </a:p>
           <a:p>
@@ -14594,7 +14645,73 @@
                 <a:spcPct val="80000"/>
               </a:lnSpc>
             </a:pPr>
-            <a:endParaRPr lang="en-US" sz="2400" dirty="0" smtClean="0"/>
+            <a:r>
+              <a:rPr lang="en-US" sz="2400" b="1" dirty="0" smtClean="0">
+                <a:solidFill>
+                  <a:schemeClr val="tx2"/>
+                </a:solidFill>
+              </a:rPr>
+              <a:t>Data driven</a:t>
+            </a:r>
+          </a:p>
+          <a:p>
+            <a:pPr marL="690563" lvl="1" indent="-288925">
+              <a:lnSpc>
+                <a:spcPct val="80000"/>
+              </a:lnSpc>
+            </a:pPr>
+            <a:r>
+              <a:rPr lang="en-US" sz="2000" dirty="0" smtClean="0"/>
+              <a:t>Large data sets are divided into smaller data sets</a:t>
+            </a:r>
+          </a:p>
+          <a:p>
+            <a:pPr marL="690563" lvl="1" indent="-288925">
+              <a:lnSpc>
+                <a:spcPct val="80000"/>
+              </a:lnSpc>
+            </a:pPr>
+            <a:r>
+              <a:rPr lang="en-US" sz="2000" dirty="0" smtClean="0"/>
+              <a:t>All cores perform the same process on different blocks of data</a:t>
+            </a:r>
+          </a:p>
+          <a:p>
+            <a:pPr marL="690563" lvl="1" indent="-288925">
+              <a:lnSpc>
+                <a:spcPct val="80000"/>
+              </a:lnSpc>
+            </a:pPr>
+            <a:r>
+              <a:rPr lang="en-US" sz="2000" dirty="0" smtClean="0"/>
+              <a:t>Use cases: image processing, multi-channel speech processing, sliced-based encoder </a:t>
+            </a:r>
+          </a:p>
+          <a:p>
+            <a:pPr>
+              <a:lnSpc>
+                <a:spcPct val="80000"/>
+              </a:lnSpc>
+            </a:pPr>
+            <a:r>
+              <a:rPr lang="en-US" sz="2400" b="1" dirty="0" smtClean="0">
+                <a:solidFill>
+                  <a:schemeClr val="tx2"/>
+                </a:solidFill>
+              </a:rPr>
+              <a:t>Mixed Partition </a:t>
+            </a:r>
+          </a:p>
+          <a:p>
+            <a:pPr marL="690563" lvl="1" indent="-288925">
+              <a:lnSpc>
+                <a:spcPct val="80000"/>
+              </a:lnSpc>
+            </a:pPr>
+            <a:r>
+              <a:rPr lang="en-US" sz="2000" dirty="0" smtClean="0"/>
+              <a:t>Both functional driven and data driven exists</a:t>
+            </a:r>
           </a:p>
         </p:txBody>
       </p:sp>
@@ -14603,6 +14720,13 @@
   <p:clrMapOvr>
     <a:masterClrMapping/>
   </p:clrMapOvr>
+  <p:timing>
+    <p:tnLst>
+      <p:par>
+        <p:cTn id="1" dur="indefinite" restart="never" nodeType="tmRoot"/>
+      </p:par>
+    </p:tnLst>
+  </p:timing>
 </p:sld>
 </file>
 
@@ -14625,7 +14749,7 @@
       </p:grpSpPr>
       <p:sp>
         <p:nvSpPr>
-          <p:cNvPr id="39937" name="Rectangle 2"/>
+          <p:cNvPr id="37889" name="Rectangle 2"/>
           <p:cNvSpPr>
             <a:spLocks noGrp="1" noChangeArrowheads="1"/>
           </p:cNvSpPr>
@@ -14635,8 +14759,8 @@
         </p:nvSpPr>
         <p:spPr>
           <a:xfrm>
-            <a:off x="342900" y="322118"/>
-            <a:ext cx="8458200" cy="657225"/>
+            <a:off x="342900" y="176644"/>
+            <a:ext cx="8458200" cy="987137"/>
           </a:xfrm>
         </p:spPr>
         <p:txBody>
@@ -14644,13 +14768,10 @@
           <a:lstStyle/>
           <a:p>
             <a:r>
-              <a:rPr lang="en-US" sz="2800" dirty="0" smtClean="0">
-                <a:solidFill>
-                  <a:schemeClr val="tx2"/>
-                </a:solidFill>
-              </a:rPr>
-              <a:t>Common Partitions Methods</a:t>
-            </a:r>
+              <a:rPr lang="en-US" dirty="0" smtClean="0"/>
+              <a:t>Multicore SOC Design Challenges</a:t>
+            </a:r>
+            <a:endParaRPr lang="en-US" dirty="0" smtClean="0"/>
           </a:p>
         </p:txBody>
       </p:sp>
@@ -14666,8 +14787,8 @@
         </p:nvSpPr>
         <p:spPr>
           <a:xfrm>
-            <a:off x="333375" y="1537855"/>
-            <a:ext cx="8467725" cy="4340658"/>
+            <a:off x="333375" y="1068388"/>
+            <a:ext cx="8467725" cy="5075237"/>
           </a:xfrm>
         </p:spPr>
         <p:txBody>
@@ -14675,136 +14796,46 @@
           <a:lstStyle/>
           <a:p>
             <a:pPr>
-              <a:lnSpc>
-                <a:spcPct val="80000"/>
-              </a:lnSpc>
-            </a:pPr>
-            <a:r>
-              <a:rPr lang="en-US" sz="2400" b="1" dirty="0" smtClean="0">
-                <a:solidFill>
-                  <a:schemeClr val="tx2"/>
-                </a:solidFill>
-              </a:rPr>
-              <a:t>Function driven</a:t>
-            </a:r>
-          </a:p>
-          <a:p>
-            <a:pPr marL="690563" lvl="1" indent="-288925">
-              <a:lnSpc>
-                <a:spcPct val="80000"/>
-              </a:lnSpc>
-            </a:pPr>
+              <a:buNone/>
+            </a:pPr>
+            <a:endParaRPr lang="en-US" sz="2400" dirty="0" smtClean="0"/>
+          </a:p>
+          <a:p>
+            <a:r>
+              <a:rPr lang="en-US" sz="2400" dirty="0" smtClean="0"/>
+              <a:t>Getting large amount of data into the device and out of the device</a:t>
+            </a:r>
+          </a:p>
+          <a:p>
+            <a:r>
+              <a:rPr lang="en-US" sz="2400" dirty="0" smtClean="0"/>
+              <a:t>Ability to perform high performance computing – lots of operations on multiple cores</a:t>
+            </a:r>
+          </a:p>
+          <a:p>
+            <a:pPr lvl="1"/>
             <a:r>
               <a:rPr lang="en-US" sz="2000" dirty="0" smtClean="0"/>
-              <a:t>Large tasks are divided into function blocks</a:t>
-            </a:r>
-          </a:p>
-          <a:p>
-            <a:pPr marL="690563" lvl="1" indent="-288925">
-              <a:lnSpc>
-                <a:spcPct val="80000"/>
-              </a:lnSpc>
-            </a:pPr>
+              <a:t>Powerful fixed point and floating point core</a:t>
+            </a:r>
+            <a:endParaRPr lang="en-US" sz="2000" dirty="0" smtClean="0"/>
+          </a:p>
+          <a:p>
+            <a:pPr lvl="1"/>
             <a:r>
               <a:rPr lang="en-US" sz="2000" dirty="0" smtClean="0"/>
-              <a:t>Function blocks are assigned to each core</a:t>
-            </a:r>
-          </a:p>
-          <a:p>
-            <a:pPr marL="690563" lvl="1" indent="-288925">
-              <a:lnSpc>
-                <a:spcPct val="80000"/>
-              </a:lnSpc>
-            </a:pPr>
+              <a:t>Efficient data sharing between cores and sending signals between cores without staling execution </a:t>
+            </a:r>
+          </a:p>
+          <a:p>
+            <a:pPr lvl="1"/>
             <a:r>
               <a:rPr lang="en-US" sz="2000" dirty="0" smtClean="0"/>
-              <a:t>The output of one core is the input of the next core</a:t>
-            </a:r>
-          </a:p>
-          <a:p>
-            <a:pPr marL="690563" lvl="1" indent="-288925">
-              <a:lnSpc>
-                <a:spcPct val="80000"/>
-              </a:lnSpc>
-            </a:pPr>
-            <a:r>
-              <a:rPr lang="en-US" sz="2000" dirty="0" smtClean="0"/>
-              <a:t>Use cases: H.264 high quality encoding and decoding, LTE</a:t>
-            </a:r>
-          </a:p>
-          <a:p>
-            <a:pPr>
-              <a:lnSpc>
-                <a:spcPct val="80000"/>
-              </a:lnSpc>
-            </a:pPr>
-            <a:r>
-              <a:rPr lang="en-US" sz="2400" b="1" dirty="0" smtClean="0">
-                <a:solidFill>
-                  <a:schemeClr val="tx2"/>
-                </a:solidFill>
-              </a:rPr>
-              <a:t>Data driven</a:t>
-            </a:r>
-          </a:p>
-          <a:p>
-            <a:pPr marL="690563" lvl="1" indent="-288925">
-              <a:lnSpc>
-                <a:spcPct val="80000"/>
-              </a:lnSpc>
-            </a:pPr>
-            <a:r>
-              <a:rPr lang="en-US" sz="2000" dirty="0" smtClean="0"/>
-              <a:t>Large data sets are divided into smaller data sets</a:t>
-            </a:r>
-          </a:p>
-          <a:p>
-            <a:pPr marL="690563" lvl="1" indent="-288925">
-              <a:lnSpc>
-                <a:spcPct val="80000"/>
-              </a:lnSpc>
-            </a:pPr>
-            <a:r>
-              <a:rPr lang="en-US" sz="2000" dirty="0" smtClean="0"/>
-              <a:t>All cores perform the same process on different blocks of data</a:t>
-            </a:r>
-          </a:p>
-          <a:p>
-            <a:pPr marL="690563" lvl="1" indent="-288925">
-              <a:lnSpc>
-                <a:spcPct val="80000"/>
-              </a:lnSpc>
-            </a:pPr>
-            <a:r>
-              <a:rPr lang="en-US" sz="2000" dirty="0" smtClean="0"/>
-              <a:t>Use cases: image processing, multi-channel speech processing, sliced-based encoder </a:t>
-            </a:r>
-          </a:p>
-          <a:p>
-            <a:pPr>
-              <a:lnSpc>
-                <a:spcPct val="80000"/>
-              </a:lnSpc>
-            </a:pPr>
-            <a:r>
-              <a:rPr lang="en-US" sz="2400" b="1" dirty="0" smtClean="0">
-                <a:solidFill>
-                  <a:schemeClr val="tx2"/>
-                </a:solidFill>
-              </a:rPr>
-              <a:t>Mixed Partition </a:t>
-            </a:r>
-          </a:p>
-          <a:p>
-            <a:pPr marL="690563" lvl="1" indent="-288925">
-              <a:lnSpc>
-                <a:spcPct val="80000"/>
-              </a:lnSpc>
-            </a:pPr>
-            <a:r>
-              <a:rPr lang="en-US" sz="2000" dirty="0" smtClean="0"/>
-              <a:t>Both functional driven and data driven exists</a:t>
-            </a:r>
+              <a:t>Minimize multiple cores contentions of the shared resources</a:t>
+            </a:r>
+          </a:p>
+          <a:p>
+            <a:endParaRPr lang="en-US" sz="2000" dirty="0" smtClean="0"/>
           </a:p>
         </p:txBody>
       </p:sp>
@@ -14813,6 +14844,13 @@
   <p:clrMapOvr>
     <a:masterClrMapping/>
   </p:clrMapOvr>
+  <p:timing>
+    <p:tnLst>
+      <p:par>
+        <p:cTn id="1" dur="indefinite" restart="never" nodeType="tmRoot"/>
+      </p:par>
+    </p:tnLst>
+  </p:timing>
 </p:sld>
 </file>
 
@@ -14845,8 +14883,8 @@
         </p:nvSpPr>
         <p:spPr>
           <a:xfrm>
-            <a:off x="342900" y="322118"/>
-            <a:ext cx="8458200" cy="1309255"/>
+            <a:off x="259772" y="218210"/>
+            <a:ext cx="8458200" cy="1101435"/>
           </a:xfrm>
         </p:spPr>
         <p:txBody>
@@ -14854,26 +14892,28 @@
           <a:lstStyle/>
           <a:p>
             <a:r>
-              <a:rPr lang="en-US" sz="2800" dirty="0" smtClean="0">
+              <a:rPr lang="en-US" sz="3200" dirty="0" smtClean="0"/>
+              <a:t/>
+            </a:r>
+            <a:br>
+              <a:rPr lang="en-US" sz="3200" dirty="0" smtClean="0"/>
+            </a:br>
+            <a:r>
+              <a:rPr lang="en-US" sz="3200" dirty="0" smtClean="0">
                 <a:solidFill>
                   <a:schemeClr val="tx2"/>
                 </a:solidFill>
               </a:rPr>
-              <a:t>Common Software Support for parallel </a:t>
-            </a:r>
-            <a:r>
-              <a:rPr lang="en-US" sz="2800" dirty="0" err="1" smtClean="0">
-                <a:solidFill>
-                  <a:schemeClr val="tx2"/>
-                </a:solidFill>
-              </a:rPr>
-              <a:t>Programing</a:t>
-            </a:r>
-            <a:endParaRPr lang="en-US" sz="2800" dirty="0" smtClean="0">
-              <a:solidFill>
-                <a:schemeClr val="tx2"/>
-              </a:solidFill>
-            </a:endParaRPr>
+              <a:t>Input and output data</a:t>
+            </a:r>
+            <a:r>
+              <a:rPr lang="en-US" sz="3200" dirty="0" smtClean="0"/>
+              <a:t/>
+            </a:r>
+            <a:br>
+              <a:rPr lang="en-US" sz="3200" dirty="0" smtClean="0"/>
+            </a:br>
+            <a:endParaRPr lang="en-US" sz="3200" dirty="0" smtClean="0"/>
           </a:p>
         </p:txBody>
       </p:sp>
@@ -14889,119 +14929,100 @@
         </p:nvSpPr>
         <p:spPr>
           <a:xfrm>
-            <a:off x="322984" y="2576945"/>
-            <a:ext cx="8467725" cy="3301568"/>
+            <a:off x="271029" y="1392382"/>
+            <a:ext cx="8467725" cy="3792682"/>
           </a:xfrm>
         </p:spPr>
         <p:txBody>
           <a:bodyPr/>
           <a:lstStyle/>
-          <a:p>
-            <a:pPr eaLnBrk="1" hangingPunct="1">
-              <a:lnSpc>
-                <a:spcPct val="80000"/>
-              </a:lnSpc>
-              <a:buFont typeface="Arial" pitchFamily="34" charset="0"/>
-              <a:buChar char="•"/>
-              <a:defRPr/>
-            </a:pPr>
-            <a:r>
-              <a:rPr lang="en-US" dirty="0" smtClean="0"/>
-              <a:t>OpenMP</a:t>
-            </a:r>
-          </a:p>
-          <a:p>
-            <a:pPr eaLnBrk="1" hangingPunct="1">
-              <a:lnSpc>
-                <a:spcPct val="80000"/>
-              </a:lnSpc>
-              <a:buFont typeface="Arial" pitchFamily="34" charset="0"/>
-              <a:buChar char="•"/>
-              <a:defRPr/>
-            </a:pPr>
-            <a:endParaRPr lang="en-US" sz="2000" dirty="0" smtClean="0">
-              <a:solidFill>
-                <a:schemeClr val="tx2"/>
-              </a:solidFill>
-            </a:endParaRPr>
-          </a:p>
-          <a:p>
-            <a:pPr eaLnBrk="1" hangingPunct="1">
-              <a:lnSpc>
-                <a:spcPct val="80000"/>
-              </a:lnSpc>
-              <a:buFont typeface="Arial" pitchFamily="34" charset="0"/>
-              <a:buChar char="•"/>
-              <a:defRPr/>
-            </a:pPr>
-            <a:endParaRPr lang="en-US" sz="2000" dirty="0" smtClean="0">
-              <a:solidFill>
-                <a:schemeClr val="tx2"/>
-              </a:solidFill>
-            </a:endParaRPr>
-          </a:p>
-          <a:p>
-            <a:pPr eaLnBrk="1" hangingPunct="1">
-              <a:lnSpc>
-                <a:spcPct val="80000"/>
-              </a:lnSpc>
-              <a:buFont typeface="Arial" pitchFamily="34" charset="0"/>
-              <a:buChar char="•"/>
-              <a:defRPr/>
-            </a:pPr>
-            <a:r>
-              <a:rPr lang="en-US" dirty="0" smtClean="0"/>
-              <a:t>OpenCL</a:t>
-            </a:r>
-          </a:p>
-          <a:p>
-            <a:pPr eaLnBrk="1" hangingPunct="1">
-              <a:lnSpc>
-                <a:spcPct val="80000"/>
-              </a:lnSpc>
-              <a:buFont typeface="Arial" pitchFamily="34" charset="0"/>
-              <a:buChar char="•"/>
-              <a:defRPr/>
-            </a:pPr>
-            <a:endParaRPr lang="en-US" dirty="0" smtClean="0"/>
-          </a:p>
-          <a:p>
-            <a:pPr eaLnBrk="1" hangingPunct="1">
-              <a:lnSpc>
-                <a:spcPct val="80000"/>
-              </a:lnSpc>
-              <a:buFont typeface="Arial" pitchFamily="34" charset="0"/>
-              <a:buChar char="•"/>
-              <a:defRPr/>
-            </a:pPr>
-            <a:r>
-              <a:rPr lang="en-US" dirty="0" smtClean="0"/>
-              <a:t>CUDA</a:t>
-            </a:r>
-          </a:p>
-          <a:p>
-            <a:pPr defTabSz="914400" eaLnBrk="1" hangingPunct="1">
-              <a:lnSpc>
-                <a:spcPct val="80000"/>
-              </a:lnSpc>
-              <a:buClrTx/>
-              <a:buFont typeface="Arial" pitchFamily="34" charset="0"/>
-              <a:buChar char="•"/>
-              <a:defRPr/>
-            </a:pPr>
-            <a:endParaRPr lang="en-US" sz="2000" dirty="0" smtClean="0">
-              <a:solidFill>
-                <a:srgbClr val="747474"/>
-              </a:solidFill>
-            </a:endParaRPr>
-          </a:p>
           <a:p>
             <a:pPr>
               <a:lnSpc>
                 <a:spcPct val="80000"/>
               </a:lnSpc>
             </a:pPr>
-            <a:endParaRPr lang="en-US" sz="2000" dirty="0" smtClean="0"/>
+            <a:r>
+              <a:rPr lang="en-US" dirty="0" smtClean="0"/>
+              <a:t>Fast peripherals are needed to feed high bit rate data into the device and get high bit rate out</a:t>
+            </a:r>
+          </a:p>
+          <a:p>
+            <a:pPr>
+              <a:lnSpc>
+                <a:spcPct val="80000"/>
+              </a:lnSpc>
+            </a:pPr>
+            <a:r>
+              <a:rPr lang="en-US" dirty="0" smtClean="0"/>
+              <a:t>KeyStone devices have variety of high bit rate peripherals such as</a:t>
+            </a:r>
+          </a:p>
+          <a:p>
+            <a:pPr lvl="1">
+              <a:lnSpc>
+                <a:spcPct val="80000"/>
+              </a:lnSpc>
+            </a:pPr>
+            <a:r>
+              <a:rPr lang="en-US" dirty="0" smtClean="0"/>
+              <a:t>100/1000G Ethernet</a:t>
+            </a:r>
+          </a:p>
+          <a:p>
+            <a:pPr lvl="1">
+              <a:lnSpc>
+                <a:spcPct val="80000"/>
+              </a:lnSpc>
+            </a:pPr>
+            <a:r>
+              <a:rPr lang="en-US" dirty="0" smtClean="0"/>
+              <a:t>10G Ethernet</a:t>
+            </a:r>
+          </a:p>
+          <a:p>
+            <a:pPr lvl="1">
+              <a:lnSpc>
+                <a:spcPct val="80000"/>
+              </a:lnSpc>
+            </a:pPr>
+            <a:r>
+              <a:rPr lang="en-US" dirty="0" smtClean="0"/>
+              <a:t>SRIO</a:t>
+            </a:r>
+          </a:p>
+          <a:p>
+            <a:pPr lvl="1">
+              <a:lnSpc>
+                <a:spcPct val="80000"/>
+              </a:lnSpc>
+            </a:pPr>
+            <a:r>
+              <a:rPr lang="en-US" dirty="0" smtClean="0"/>
+              <a:t>PCIe</a:t>
+            </a:r>
+          </a:p>
+          <a:p>
+            <a:pPr lvl="1">
+              <a:lnSpc>
+                <a:spcPct val="80000"/>
+              </a:lnSpc>
+            </a:pPr>
+            <a:r>
+              <a:rPr lang="en-US" dirty="0" smtClean="0"/>
+              <a:t>AIF2 </a:t>
+            </a:r>
+          </a:p>
+          <a:p>
+            <a:pPr lvl="1">
+              <a:lnSpc>
+                <a:spcPct val="80000"/>
+              </a:lnSpc>
+            </a:pPr>
+            <a:r>
+              <a:rPr lang="en-US" dirty="0" smtClean="0"/>
+              <a:t>TSIP</a:t>
+            </a:r>
           </a:p>
         </p:txBody>
       </p:sp>
@@ -15049,8 +15070,8 @@
         </p:nvSpPr>
         <p:spPr>
           <a:xfrm>
-            <a:off x="342900" y="322118"/>
-            <a:ext cx="8458200" cy="657225"/>
+            <a:off x="259772" y="218210"/>
+            <a:ext cx="8458200" cy="1226126"/>
           </a:xfrm>
         </p:spPr>
         <p:txBody>
@@ -15058,18 +15079,28 @@
           <a:lstStyle/>
           <a:p>
             <a:r>
-              <a:rPr lang="en-US" sz="2800" dirty="0" smtClean="0">
+              <a:rPr lang="en-US" sz="3200" dirty="0" smtClean="0"/>
+              <a:t/>
+            </a:r>
+            <a:br>
+              <a:rPr lang="en-US" sz="3200" dirty="0" smtClean="0"/>
+            </a:br>
+            <a:r>
+              <a:rPr lang="en-US" sz="3200" dirty="0" smtClean="0">
                 <a:solidFill>
                   <a:schemeClr val="tx2"/>
                 </a:solidFill>
               </a:rPr>
-              <a:t>Software Support - OpenMP</a:t>
-            </a:r>
-            <a:endParaRPr lang="en-US" sz="2800" dirty="0" smtClean="0">
-              <a:solidFill>
-                <a:schemeClr val="tx2"/>
-              </a:solidFill>
-            </a:endParaRPr>
+              <a:t>C66 - Powerful Core</a:t>
+            </a:r>
+            <a:r>
+              <a:rPr lang="en-US" sz="3200" dirty="0" smtClean="0"/>
+              <a:t/>
+            </a:r>
+            <a:br>
+              <a:rPr lang="en-US" sz="3200" dirty="0" smtClean="0"/>
+            </a:br>
+            <a:endParaRPr lang="en-US" sz="3200" dirty="0" smtClean="0"/>
           </a:p>
         </p:txBody>
       </p:sp>
@@ -15085,192 +15116,72 @@
         </p:nvSpPr>
         <p:spPr>
           <a:xfrm>
-            <a:off x="322984" y="1101436"/>
-            <a:ext cx="8467725" cy="4777077"/>
+            <a:off x="302202" y="1693718"/>
+            <a:ext cx="8467725" cy="2753591"/>
           </a:xfrm>
         </p:spPr>
         <p:txBody>
           <a:bodyPr/>
           <a:lstStyle/>
-          <a:p>
-            <a:pPr eaLnBrk="1" hangingPunct="1">
-              <a:lnSpc>
-                <a:spcPct val="80000"/>
-              </a:lnSpc>
-              <a:buNone/>
-              <a:defRPr/>
-            </a:pPr>
-            <a:r>
-              <a:rPr lang="en-US" dirty="0" smtClean="0"/>
-              <a:t>OpenMP</a:t>
-            </a:r>
-            <a:r>
-              <a:rPr lang="en-US" sz="2000" dirty="0" smtClean="0">
-                <a:solidFill>
-                  <a:schemeClr val="tx2"/>
-                </a:solidFill>
-              </a:rPr>
-              <a:t> </a:t>
-            </a:r>
-            <a:r>
-              <a:rPr lang="en-US" sz="2000" dirty="0" smtClean="0">
-                <a:solidFill>
-                  <a:schemeClr val="tx2"/>
-                </a:solidFill>
-              </a:rPr>
-              <a:t> </a:t>
-            </a:r>
-            <a:r>
-              <a:rPr lang="en-US" sz="2000" dirty="0" smtClean="0"/>
-              <a:t>(Supported by TI compiler tools)</a:t>
-            </a:r>
-          </a:p>
-          <a:p>
-            <a:pPr eaLnBrk="1" hangingPunct="1">
-              <a:lnSpc>
-                <a:spcPct val="80000"/>
-              </a:lnSpc>
-              <a:buNone/>
-              <a:defRPr/>
-            </a:pPr>
-            <a:endParaRPr lang="en-US" sz="2000" dirty="0" smtClean="0">
-              <a:solidFill>
-                <a:schemeClr val="tx2"/>
-              </a:solidFill>
-            </a:endParaRPr>
-          </a:p>
-          <a:p>
-            <a:pPr lvl="1" eaLnBrk="1" hangingPunct="1">
-              <a:lnSpc>
-                <a:spcPct val="80000"/>
-              </a:lnSpc>
-              <a:buFont typeface="Arial" pitchFamily="34" charset="0"/>
-              <a:buChar char="•"/>
-              <a:defRPr/>
-            </a:pPr>
-            <a:r>
-              <a:rPr lang="en-US" dirty="0" smtClean="0"/>
-              <a:t>An </a:t>
-            </a:r>
-            <a:r>
-              <a:rPr lang="en-US" dirty="0" smtClean="0"/>
-              <a:t>API for writing multi-threaded </a:t>
-            </a:r>
-            <a:r>
-              <a:rPr lang="en-US" dirty="0" smtClean="0"/>
-              <a:t>applications</a:t>
-            </a:r>
-          </a:p>
-          <a:p>
-            <a:pPr lvl="1" eaLnBrk="1" hangingPunct="1">
-              <a:lnSpc>
-                <a:spcPct val="80000"/>
-              </a:lnSpc>
-              <a:buFont typeface="Arial" pitchFamily="34" charset="0"/>
-              <a:buChar char="•"/>
-              <a:defRPr/>
-            </a:pPr>
-            <a:endParaRPr lang="en-US" dirty="0" smtClean="0"/>
-          </a:p>
-          <a:p>
-            <a:pPr lvl="1" eaLnBrk="1" hangingPunct="1">
-              <a:lnSpc>
-                <a:spcPct val="80000"/>
-              </a:lnSpc>
-              <a:buFont typeface="Arial" pitchFamily="34" charset="0"/>
-              <a:buChar char="•"/>
-              <a:defRPr/>
-            </a:pPr>
-            <a:r>
-              <a:rPr lang="en-US" dirty="0" smtClean="0"/>
-              <a:t>API includes compiler directives and library </a:t>
-            </a:r>
-            <a:r>
-              <a:rPr lang="en-US" dirty="0" smtClean="0"/>
-              <a:t>routines</a:t>
-            </a:r>
-          </a:p>
-          <a:p>
-            <a:pPr lvl="1" eaLnBrk="1" hangingPunct="1">
-              <a:lnSpc>
-                <a:spcPct val="80000"/>
-              </a:lnSpc>
-              <a:buFont typeface="Arial" pitchFamily="34" charset="0"/>
-              <a:buChar char="•"/>
-              <a:defRPr/>
-            </a:pPr>
-            <a:endParaRPr lang="en-US" dirty="0" smtClean="0"/>
-          </a:p>
-          <a:p>
-            <a:pPr lvl="1" eaLnBrk="1" hangingPunct="1">
-              <a:lnSpc>
-                <a:spcPct val="80000"/>
-              </a:lnSpc>
-              <a:buFont typeface="Arial" pitchFamily="34" charset="0"/>
-              <a:buChar char="•"/>
-              <a:defRPr/>
-            </a:pPr>
-            <a:r>
-              <a:rPr lang="en-US" dirty="0" smtClean="0"/>
-              <a:t>C, C++, and Fortran </a:t>
-            </a:r>
-            <a:r>
-              <a:rPr lang="en-US" dirty="0" smtClean="0"/>
-              <a:t>support</a:t>
-            </a:r>
-          </a:p>
-          <a:p>
-            <a:pPr lvl="1" eaLnBrk="1" hangingPunct="1">
-              <a:lnSpc>
-                <a:spcPct val="80000"/>
-              </a:lnSpc>
-              <a:buFont typeface="Arial" pitchFamily="34" charset="0"/>
-              <a:buChar char="•"/>
-              <a:defRPr/>
-            </a:pPr>
-            <a:endParaRPr lang="en-US" dirty="0" smtClean="0"/>
-          </a:p>
-          <a:p>
-            <a:pPr lvl="1" eaLnBrk="1" hangingPunct="1">
-              <a:lnSpc>
-                <a:spcPct val="80000"/>
-              </a:lnSpc>
-              <a:buFont typeface="Arial" pitchFamily="34" charset="0"/>
-              <a:buChar char="•"/>
-              <a:defRPr/>
-            </a:pPr>
-            <a:r>
-              <a:rPr lang="en-US" dirty="0" smtClean="0"/>
-              <a:t>Standardizes last 20 years of Shared-Memory Programming (SMP) </a:t>
-            </a:r>
-            <a:r>
-              <a:rPr lang="en-US" dirty="0" smtClean="0"/>
-              <a:t>practice</a:t>
-            </a:r>
-          </a:p>
-          <a:p>
-            <a:pPr defTabSz="914400" eaLnBrk="1" hangingPunct="1">
-              <a:lnSpc>
-                <a:spcPct val="80000"/>
-              </a:lnSpc>
-              <a:buClrTx/>
-              <a:buFont typeface="Arial" pitchFamily="34" charset="0"/>
-              <a:buChar char="•"/>
-              <a:defRPr/>
-            </a:pPr>
-            <a:endParaRPr lang="en-US" sz="2000" dirty="0" smtClean="0">
-              <a:solidFill>
-                <a:srgbClr val="747474"/>
-              </a:solidFill>
-            </a:endParaRPr>
-          </a:p>
           <a:p>
             <a:pPr>
               <a:lnSpc>
                 <a:spcPct val="80000"/>
               </a:lnSpc>
             </a:pPr>
-            <a:endParaRPr lang="en-US" sz="2000" dirty="0" smtClean="0"/>
+            <a:r>
+              <a:rPr lang="en-US" dirty="0" smtClean="0"/>
+              <a:t>8</a:t>
+            </a:r>
+            <a:r>
+              <a:rPr lang="en-US" dirty="0" smtClean="0"/>
+              <a:t> functional units of the C66 provide:</a:t>
+            </a:r>
+          </a:p>
+          <a:p>
+            <a:pPr lvl="1">
+              <a:lnSpc>
+                <a:spcPct val="80000"/>
+              </a:lnSpc>
+            </a:pPr>
+            <a:r>
+              <a:rPr lang="en-US" dirty="0" smtClean="0"/>
+              <a:t> fixed point and floating point native instructions</a:t>
+            </a:r>
+          </a:p>
+          <a:p>
+            <a:pPr lvl="1">
+              <a:lnSpc>
+                <a:spcPct val="80000"/>
+              </a:lnSpc>
+            </a:pPr>
+            <a:r>
+              <a:rPr lang="en-US" dirty="0" smtClean="0"/>
+              <a:t>Many SIMD instructions </a:t>
+            </a:r>
+          </a:p>
+          <a:p>
+            <a:pPr lvl="1">
+              <a:lnSpc>
+                <a:spcPct val="80000"/>
+              </a:lnSpc>
+            </a:pPr>
+            <a:r>
+              <a:rPr lang="en-US" dirty="0" smtClean="0"/>
+              <a:t>Many Special purpose powerful instructions</a:t>
+            </a:r>
+          </a:p>
+          <a:p>
+            <a:pPr lvl="1">
+              <a:lnSpc>
+                <a:spcPct val="80000"/>
+              </a:lnSpc>
+            </a:pPr>
+            <a:r>
+              <a:rPr lang="en-US" dirty="0" smtClean="0"/>
+              <a:t>Fast (0 wait state) L1 memory, fast L2 memory </a:t>
+            </a:r>
+            <a:endParaRPr lang="en-US" dirty="0" smtClean="0"/>
           </a:p>
         </p:txBody>
       </p:sp>
@@ -15318,8 +15229,624 @@
         </p:nvSpPr>
         <p:spPr>
           <a:xfrm>
-            <a:off x="342900" y="322118"/>
-            <a:ext cx="8458200" cy="657225"/>
+            <a:off x="259772" y="218210"/>
+            <a:ext cx="8458200" cy="924790"/>
+          </a:xfrm>
+        </p:spPr>
+        <p:txBody>
+          <a:bodyPr/>
+          <a:lstStyle/>
+          <a:p>
+            <a:r>
+              <a:rPr lang="en-US" sz="3200" dirty="0" smtClean="0"/>
+              <a:t/>
+            </a:r>
+            <a:br>
+              <a:rPr lang="en-US" sz="3200" dirty="0" smtClean="0"/>
+            </a:br>
+            <a:r>
+              <a:rPr lang="en-US" sz="3200" dirty="0" smtClean="0">
+                <a:solidFill>
+                  <a:schemeClr val="tx2"/>
+                </a:solidFill>
+              </a:rPr>
+              <a:t>Data Sharing Between Cores</a:t>
+            </a:r>
+            <a:r>
+              <a:rPr lang="en-US" sz="3200" dirty="0" smtClean="0"/>
+              <a:t/>
+            </a:r>
+            <a:br>
+              <a:rPr lang="en-US" sz="3200" dirty="0" smtClean="0"/>
+            </a:br>
+            <a:r>
+              <a:rPr lang="en-US" sz="3200" dirty="0" smtClean="0"/>
+              <a:t/>
+            </a:r>
+            <a:br>
+              <a:rPr lang="en-US" sz="3200" dirty="0" smtClean="0"/>
+            </a:br>
+            <a:endParaRPr lang="en-US" sz="3200" dirty="0" smtClean="0"/>
+          </a:p>
+        </p:txBody>
+      </p:sp>
+      <p:sp>
+        <p:nvSpPr>
+          <p:cNvPr id="23554" name="Rectangle 3"/>
+          <p:cNvSpPr>
+            <a:spLocks noGrp="1" noChangeArrowheads="1"/>
+          </p:cNvSpPr>
+          <p:nvPr>
+            <p:ph type="body" idx="1"/>
+          </p:nvPr>
+        </p:nvSpPr>
+        <p:spPr>
+          <a:xfrm>
+            <a:off x="333375" y="1070264"/>
+            <a:ext cx="8467725" cy="5049981"/>
+          </a:xfrm>
+        </p:spPr>
+        <p:txBody>
+          <a:bodyPr/>
+          <a:lstStyle/>
+          <a:p>
+            <a:pPr>
+              <a:lnSpc>
+                <a:spcPct val="80000"/>
+              </a:lnSpc>
+            </a:pPr>
+            <a:r>
+              <a:rPr lang="en-US" dirty="0" smtClean="0"/>
+              <a:t>Shared </a:t>
+            </a:r>
+            <a:r>
+              <a:rPr lang="en-US" dirty="0" smtClean="0"/>
+              <a:t>memory</a:t>
+            </a:r>
+            <a:endParaRPr lang="en-US" dirty="0" smtClean="0"/>
+          </a:p>
+          <a:p>
+            <a:pPr lvl="1">
+              <a:lnSpc>
+                <a:spcPct val="80000"/>
+              </a:lnSpc>
+            </a:pPr>
+            <a:r>
+              <a:rPr lang="en-US" dirty="0" smtClean="0"/>
+              <a:t>KeyStone family has a very fast large external DDR interface(s) </a:t>
+            </a:r>
+            <a:endParaRPr lang="en-US" dirty="0" smtClean="0"/>
+          </a:p>
+          <a:p>
+            <a:pPr lvl="1">
+              <a:lnSpc>
+                <a:spcPct val="80000"/>
+              </a:lnSpc>
+            </a:pPr>
+            <a:r>
+              <a:rPr lang="en-US" dirty="0" smtClean="0"/>
+              <a:t>32 to 36 bit address translation enables access of up to 10GB of DDR</a:t>
+            </a:r>
+            <a:endParaRPr lang="en-US" dirty="0" smtClean="0"/>
+          </a:p>
+          <a:p>
+            <a:pPr lvl="1">
+              <a:lnSpc>
+                <a:spcPct val="80000"/>
+              </a:lnSpc>
+            </a:pPr>
+            <a:r>
+              <a:rPr lang="en-US" dirty="0" smtClean="0"/>
+              <a:t>F</a:t>
+            </a:r>
+            <a:r>
+              <a:rPr lang="en-US" dirty="0" smtClean="0"/>
+              <a:t>ast </a:t>
+            </a:r>
+            <a:r>
+              <a:rPr lang="en-US" dirty="0" smtClean="0"/>
+              <a:t>shared L2 memory as part of the sophisticated and fast MSMC</a:t>
+            </a:r>
+          </a:p>
+          <a:p>
+            <a:pPr>
+              <a:lnSpc>
+                <a:spcPct val="80000"/>
+              </a:lnSpc>
+            </a:pPr>
+            <a:r>
+              <a:rPr lang="en-US" dirty="0" smtClean="0"/>
+              <a:t>Hardware provides ability to move data and signals between cores with minimal CPU resources</a:t>
+            </a:r>
+          </a:p>
+          <a:p>
+            <a:pPr lvl="1">
+              <a:lnSpc>
+                <a:spcPct val="80000"/>
+              </a:lnSpc>
+            </a:pPr>
+            <a:r>
+              <a:rPr lang="en-US" dirty="0" smtClean="0"/>
+              <a:t>Powerful Multicore Navigator</a:t>
+            </a:r>
+            <a:endParaRPr lang="en-US" dirty="0" smtClean="0"/>
+          </a:p>
+          <a:p>
+            <a:pPr lvl="1">
+              <a:lnSpc>
+                <a:spcPct val="80000"/>
+              </a:lnSpc>
+            </a:pPr>
+            <a:r>
+              <a:rPr lang="en-US" dirty="0" smtClean="0"/>
+              <a:t>Multiple instances of EDMA</a:t>
+            </a:r>
+          </a:p>
+          <a:p>
+            <a:pPr>
+              <a:lnSpc>
+                <a:spcPct val="80000"/>
+              </a:lnSpc>
+            </a:pPr>
+            <a:r>
+              <a:rPr lang="en-US" dirty="0" smtClean="0"/>
+              <a:t>Other hardware mechanism that help </a:t>
+            </a:r>
+            <a:r>
+              <a:rPr lang="en-US" dirty="0" smtClean="0"/>
+              <a:t>facilitate messages and communications between </a:t>
+            </a:r>
+            <a:r>
+              <a:rPr lang="en-US" dirty="0" smtClean="0"/>
+              <a:t>cores</a:t>
+            </a:r>
+            <a:endParaRPr lang="en-US" dirty="0" smtClean="0"/>
+          </a:p>
+          <a:p>
+            <a:pPr lvl="1">
+              <a:lnSpc>
+                <a:spcPct val="80000"/>
+              </a:lnSpc>
+            </a:pPr>
+            <a:r>
+              <a:rPr lang="en-US" dirty="0" smtClean="0"/>
+              <a:t>IPC registers</a:t>
+            </a:r>
+          </a:p>
+          <a:p>
+            <a:pPr lvl="1">
+              <a:lnSpc>
+                <a:spcPct val="80000"/>
+              </a:lnSpc>
+            </a:pPr>
+            <a:r>
+              <a:rPr lang="en-US" dirty="0" smtClean="0"/>
+              <a:t>Semaphore blocks</a:t>
+            </a:r>
+          </a:p>
+          <a:p>
+            <a:pPr>
+              <a:lnSpc>
+                <a:spcPct val="80000"/>
+              </a:lnSpc>
+              <a:buNone/>
+            </a:pPr>
+            <a:endParaRPr lang="en-US" dirty="0" smtClean="0"/>
+          </a:p>
+        </p:txBody>
+      </p:sp>
+    </p:spTree>
+  </p:cSld>
+  <p:clrMapOvr>
+    <a:masterClrMapping/>
+  </p:clrMapOvr>
+  <p:timing>
+    <p:tnLst>
+      <p:par>
+        <p:cTn id="1" dur="indefinite" restart="never" nodeType="tmRoot"/>
+      </p:par>
+    </p:tnLst>
+  </p:timing>
+</p:sld>
+</file>
+
+<file path=ppt/slides/slide17.xml><?xml version="1.0" encoding="utf-8"?>
+<p:sld xmlns:a="http://schemas.openxmlformats.org/drawingml/2006/main" xmlns:r="http://schemas.openxmlformats.org/officeDocument/2006/relationships" xmlns:p="http://schemas.openxmlformats.org/presentationml/2006/main">
+  <p:cSld>
+    <p:spTree>
+      <p:nvGrpSpPr>
+        <p:cNvPr id="1" name=""/>
+        <p:cNvGrpSpPr/>
+        <p:nvPr/>
+      </p:nvGrpSpPr>
+      <p:grpSpPr>
+        <a:xfrm>
+          <a:off x="0" y="0"/>
+          <a:ext cx="0" cy="0"/>
+          <a:chOff x="0" y="0"/>
+          <a:chExt cx="0" cy="0"/>
+        </a:xfrm>
+      </p:grpSpPr>
+      <p:sp>
+        <p:nvSpPr>
+          <p:cNvPr id="39937" name="Rectangle 2"/>
+          <p:cNvSpPr>
+            <a:spLocks noGrp="1" noChangeArrowheads="1"/>
+          </p:cNvSpPr>
+          <p:nvPr>
+            <p:ph type="title"/>
+          </p:nvPr>
+        </p:nvSpPr>
+        <p:spPr>
+          <a:xfrm>
+            <a:off x="259772" y="218210"/>
+            <a:ext cx="8458200" cy="924790"/>
+          </a:xfrm>
+        </p:spPr>
+        <p:txBody>
+          <a:bodyPr/>
+          <a:lstStyle/>
+          <a:p>
+            <a:r>
+              <a:rPr lang="en-US" sz="3200" dirty="0" smtClean="0"/>
+              <a:t/>
+            </a:r>
+            <a:br>
+              <a:rPr lang="en-US" sz="3200" dirty="0" smtClean="0"/>
+            </a:br>
+            <a:r>
+              <a:rPr lang="en-US" sz="3200" dirty="0" smtClean="0">
+                <a:solidFill>
+                  <a:schemeClr val="tx2"/>
+                </a:solidFill>
+              </a:rPr>
+              <a:t>Minimizing Resource Contention</a:t>
+            </a:r>
+            <a:r>
+              <a:rPr lang="en-US" sz="3200" dirty="0" smtClean="0"/>
+              <a:t/>
+            </a:r>
+            <a:br>
+              <a:rPr lang="en-US" sz="3200" dirty="0" smtClean="0"/>
+            </a:br>
+            <a:r>
+              <a:rPr lang="en-US" sz="3200" dirty="0" smtClean="0"/>
+              <a:t/>
+            </a:r>
+            <a:br>
+              <a:rPr lang="en-US" sz="3200" dirty="0" smtClean="0"/>
+            </a:br>
+            <a:endParaRPr lang="en-US" sz="3200" dirty="0" smtClean="0"/>
+          </a:p>
+        </p:txBody>
+      </p:sp>
+      <p:sp>
+        <p:nvSpPr>
+          <p:cNvPr id="23554" name="Rectangle 3"/>
+          <p:cNvSpPr>
+            <a:spLocks noGrp="1" noChangeArrowheads="1"/>
+          </p:cNvSpPr>
+          <p:nvPr>
+            <p:ph type="body" idx="1"/>
+          </p:nvPr>
+        </p:nvSpPr>
+        <p:spPr>
+          <a:xfrm>
+            <a:off x="333375" y="1371600"/>
+            <a:ext cx="8467725" cy="4748645"/>
+          </a:xfrm>
+        </p:spPr>
+        <p:txBody>
+          <a:bodyPr/>
+          <a:lstStyle/>
+          <a:p>
+            <a:pPr>
+              <a:lnSpc>
+                <a:spcPct val="80000"/>
+              </a:lnSpc>
+            </a:pPr>
+            <a:r>
+              <a:rPr lang="en-US" dirty="0" smtClean="0"/>
+              <a:t>Each core has a dedicated port into the MSMC</a:t>
+            </a:r>
+          </a:p>
+          <a:p>
+            <a:pPr>
+              <a:lnSpc>
+                <a:spcPct val="80000"/>
+              </a:lnSpc>
+            </a:pPr>
+            <a:r>
+              <a:rPr lang="en-US" dirty="0" smtClean="0"/>
+              <a:t>MSMC </a:t>
+            </a:r>
+            <a:r>
+              <a:rPr lang="en-US" dirty="0" smtClean="0"/>
+              <a:t>supports pre-fetching to speed up data </a:t>
+            </a:r>
+            <a:r>
+              <a:rPr lang="en-US" dirty="0" smtClean="0"/>
+              <a:t>load </a:t>
+            </a:r>
+            <a:endParaRPr lang="en-US" dirty="0" smtClean="0"/>
+          </a:p>
+          <a:p>
+            <a:pPr>
+              <a:lnSpc>
+                <a:spcPct val="80000"/>
+              </a:lnSpc>
+            </a:pPr>
+            <a:r>
+              <a:rPr lang="en-US" dirty="0" smtClean="0"/>
+              <a:t>Shared L2 has multiple bank of memory</a:t>
+            </a:r>
+          </a:p>
+          <a:p>
+            <a:pPr lvl="1">
+              <a:lnSpc>
+                <a:spcPct val="80000"/>
+              </a:lnSpc>
+            </a:pPr>
+            <a:r>
+              <a:rPr lang="en-US" dirty="0" smtClean="0"/>
+              <a:t>Support concurrent multiple access </a:t>
+            </a:r>
+          </a:p>
+          <a:p>
+            <a:pPr>
+              <a:lnSpc>
+                <a:spcPct val="80000"/>
+              </a:lnSpc>
+            </a:pPr>
+            <a:r>
+              <a:rPr lang="en-US" dirty="0" smtClean="0"/>
+              <a:t>Wide and fast parallel Teranet switch fabric provides priority based parallel access</a:t>
+            </a:r>
+          </a:p>
+          <a:p>
+            <a:pPr>
+              <a:lnSpc>
+                <a:spcPct val="80000"/>
+              </a:lnSpc>
+            </a:pPr>
+            <a:r>
+              <a:rPr lang="en-US" dirty="0" smtClean="0"/>
+              <a:t>Packet based HyperLink bus enables seamless connection of two KeyStone devices to increase performance while minimizing power and cost</a:t>
+            </a:r>
+            <a:r>
+              <a:rPr lang="en-US" dirty="0" smtClean="0"/>
+              <a:t>  </a:t>
+            </a:r>
+          </a:p>
+          <a:p>
+            <a:pPr>
+              <a:lnSpc>
+                <a:spcPct val="80000"/>
+              </a:lnSpc>
+            </a:pPr>
+            <a:endParaRPr lang="en-US" dirty="0" smtClean="0"/>
+          </a:p>
+        </p:txBody>
+      </p:sp>
+    </p:spTree>
+  </p:cSld>
+  <p:clrMapOvr>
+    <a:masterClrMapping/>
+  </p:clrMapOvr>
+  <p:timing>
+    <p:tnLst>
+      <p:par>
+        <p:cTn id="1" dur="indefinite" restart="never" nodeType="tmRoot"/>
+      </p:par>
+    </p:tnLst>
+  </p:timing>
+</p:sld>
+</file>
+
+<file path=ppt/slides/slide18.xml><?xml version="1.0" encoding="utf-8"?>
+<p:sld xmlns:a="http://schemas.openxmlformats.org/drawingml/2006/main" xmlns:r="http://schemas.openxmlformats.org/officeDocument/2006/relationships" xmlns:p="http://schemas.openxmlformats.org/presentationml/2006/main">
+  <p:cSld>
+    <p:spTree>
+      <p:nvGrpSpPr>
+        <p:cNvPr id="1" name=""/>
+        <p:cNvGrpSpPr/>
+        <p:nvPr/>
+      </p:nvGrpSpPr>
+      <p:grpSpPr>
+        <a:xfrm>
+          <a:off x="0" y="0"/>
+          <a:ext cx="0" cy="0"/>
+          <a:chOff x="0" y="0"/>
+          <a:chExt cx="0" cy="0"/>
+        </a:xfrm>
+      </p:grpSpPr>
+      <p:sp>
+        <p:nvSpPr>
+          <p:cNvPr id="39937" name="Rectangle 2"/>
+          <p:cNvSpPr>
+            <a:spLocks noGrp="1" noChangeArrowheads="1"/>
+          </p:cNvSpPr>
+          <p:nvPr>
+            <p:ph type="title"/>
+          </p:nvPr>
+        </p:nvSpPr>
+        <p:spPr>
+          <a:xfrm>
+            <a:off x="259772" y="218210"/>
+            <a:ext cx="8458200" cy="1111826"/>
+          </a:xfrm>
+        </p:spPr>
+        <p:txBody>
+          <a:bodyPr/>
+          <a:lstStyle/>
+          <a:p>
+            <a:r>
+              <a:rPr lang="en-US" sz="3200" dirty="0" smtClean="0">
+                <a:solidFill>
+                  <a:schemeClr val="tx2"/>
+                </a:solidFill>
+              </a:rPr>
+              <a:t>Software Offering -System</a:t>
+            </a:r>
+            <a:endParaRPr lang="en-US" sz="3200" dirty="0" smtClean="0">
+              <a:solidFill>
+                <a:schemeClr val="tx2"/>
+              </a:solidFill>
+            </a:endParaRPr>
+          </a:p>
+        </p:txBody>
+      </p:sp>
+      <p:sp>
+        <p:nvSpPr>
+          <p:cNvPr id="23554" name="Rectangle 3"/>
+          <p:cNvSpPr>
+            <a:spLocks noGrp="1" noChangeArrowheads="1"/>
+          </p:cNvSpPr>
+          <p:nvPr>
+            <p:ph type="body" idx="1"/>
+          </p:nvPr>
+        </p:nvSpPr>
+        <p:spPr>
+          <a:xfrm>
+            <a:off x="333375" y="1745673"/>
+            <a:ext cx="8467725" cy="4582391"/>
+          </a:xfrm>
+        </p:spPr>
+        <p:txBody>
+          <a:bodyPr/>
+          <a:lstStyle/>
+          <a:p>
+            <a:pPr>
+              <a:lnSpc>
+                <a:spcPct val="80000"/>
+              </a:lnSpc>
+            </a:pPr>
+            <a:r>
+              <a:rPr lang="en-US" dirty="0" smtClean="0"/>
+              <a:t>MCSDK is a complete set of software libraries </a:t>
+            </a:r>
+            <a:r>
+              <a:rPr lang="en-US" dirty="0" smtClean="0"/>
+              <a:t> </a:t>
+            </a:r>
+            <a:r>
+              <a:rPr lang="en-US" dirty="0" smtClean="0"/>
+              <a:t>and utilities developed for the KeyStone family</a:t>
+            </a:r>
+          </a:p>
+          <a:p>
+            <a:pPr>
+              <a:lnSpc>
+                <a:spcPct val="80000"/>
+              </a:lnSpc>
+            </a:pPr>
+            <a:r>
+              <a:rPr lang="en-US" dirty="0" smtClean="0"/>
+              <a:t>Set of LLD supplemented by CSL utilities provide software access to all peripherals and coprocessors </a:t>
+            </a:r>
+            <a:endParaRPr lang="en-US" dirty="0" smtClean="0"/>
+          </a:p>
+          <a:p>
+            <a:pPr>
+              <a:lnSpc>
+                <a:spcPct val="80000"/>
+              </a:lnSpc>
+            </a:pPr>
+            <a:r>
+              <a:rPr lang="en-US" dirty="0" smtClean="0"/>
+              <a:t>In particular, KeyStone has a set of software utilities to facilitate messages and communications between cores such as</a:t>
+            </a:r>
+            <a:endParaRPr lang="en-US" dirty="0" smtClean="0"/>
+          </a:p>
+          <a:p>
+            <a:pPr lvl="1">
+              <a:lnSpc>
+                <a:spcPct val="80000"/>
+              </a:lnSpc>
+            </a:pPr>
+            <a:r>
+              <a:rPr lang="en-US" dirty="0" smtClean="0"/>
+              <a:t>IPC</a:t>
+            </a:r>
+          </a:p>
+          <a:p>
+            <a:pPr lvl="1">
+              <a:lnSpc>
+                <a:spcPct val="80000"/>
+              </a:lnSpc>
+            </a:pPr>
+            <a:r>
+              <a:rPr lang="en-US" dirty="0" smtClean="0"/>
+              <a:t>LLD for the CPPI and QMSS</a:t>
+            </a:r>
+          </a:p>
+          <a:p>
+            <a:pPr lvl="1">
+              <a:lnSpc>
+                <a:spcPct val="80000"/>
+              </a:lnSpc>
+            </a:pPr>
+            <a:r>
+              <a:rPr lang="en-US" dirty="0" smtClean="0"/>
+              <a:t>LLD for EDMA</a:t>
+            </a:r>
+          </a:p>
+          <a:p>
+            <a:pPr>
+              <a:lnSpc>
+                <a:spcPct val="80000"/>
+              </a:lnSpc>
+            </a:pPr>
+            <a:endParaRPr lang="en-US" dirty="0" smtClean="0"/>
+          </a:p>
+        </p:txBody>
+      </p:sp>
+    </p:spTree>
+  </p:cSld>
+  <p:clrMapOvr>
+    <a:masterClrMapping/>
+  </p:clrMapOvr>
+  <p:timing>
+    <p:tnLst>
+      <p:par>
+        <p:cTn id="1" dur="indefinite" restart="never" nodeType="tmRoot"/>
+      </p:par>
+    </p:tnLst>
+  </p:timing>
+</p:sld>
+</file>
+
+<file path=ppt/slides/slide19.xml><?xml version="1.0" encoding="utf-8"?>
+<p:sld xmlns:a="http://schemas.openxmlformats.org/drawingml/2006/main" xmlns:r="http://schemas.openxmlformats.org/officeDocument/2006/relationships" xmlns:p="http://schemas.openxmlformats.org/presentationml/2006/main">
+  <p:cSld>
+    <p:spTree>
+      <p:nvGrpSpPr>
+        <p:cNvPr id="1" name=""/>
+        <p:cNvGrpSpPr/>
+        <p:nvPr/>
+      </p:nvGrpSpPr>
+      <p:grpSpPr>
+        <a:xfrm>
+          <a:off x="0" y="0"/>
+          <a:ext cx="0" cy="0"/>
+          <a:chOff x="0" y="0"/>
+          <a:chExt cx="0" cy="0"/>
+        </a:xfrm>
+      </p:grpSpPr>
+      <p:sp>
+        <p:nvSpPr>
+          <p:cNvPr id="39937" name="Rectangle 2"/>
+          <p:cNvSpPr>
+            <a:spLocks noGrp="1" noChangeArrowheads="1"/>
+          </p:cNvSpPr>
+          <p:nvPr>
+            <p:ph type="title"/>
+          </p:nvPr>
+        </p:nvSpPr>
+        <p:spPr>
+          <a:xfrm>
+            <a:off x="342900" y="322119"/>
+            <a:ext cx="8458200" cy="841664"/>
           </a:xfrm>
         </p:spPr>
         <p:txBody>
@@ -15332,7 +15859,7 @@
                   <a:schemeClr val="tx2"/>
                 </a:solidFill>
               </a:rPr>
-              <a:t>Software Support OpenMP (2) </a:t>
+              <a:t>Software Offering - Applications</a:t>
             </a:r>
             <a:endParaRPr lang="en-US" sz="2800" dirty="0" smtClean="0">
               <a:solidFill>
@@ -15354,105 +15881,108 @@
         </p:nvSpPr>
         <p:spPr>
           <a:xfrm>
-            <a:off x="322984" y="1101436"/>
-            <a:ext cx="8467725" cy="4777077"/>
+            <a:off x="322984" y="1340427"/>
+            <a:ext cx="8467725" cy="4538086"/>
           </a:xfrm>
         </p:spPr>
         <p:txBody>
           <a:bodyPr/>
           <a:lstStyle/>
           <a:p>
-            <a:pPr lvl="0" defTabSz="914400" eaLnBrk="1" hangingPunct="1">
+            <a:pPr eaLnBrk="1" hangingPunct="1">
               <a:lnSpc>
                 <a:spcPct val="80000"/>
               </a:lnSpc>
-              <a:buClrTx/>
-              <a:buFont typeface="Wingdings" charset="0"/>
-              <a:buChar char="§"/>
+              <a:buFont typeface="Arial" pitchFamily="34" charset="0"/>
+              <a:buChar char="•"/>
               <a:defRPr/>
             </a:pPr>
             <a:r>
-              <a:rPr lang="en-US" sz="2000" dirty="0" smtClean="0">
-                <a:solidFill>
-                  <a:srgbClr val="000000"/>
-                </a:solidFill>
-              </a:rPr>
-              <a:t>Create Teams of Threads</a:t>
-            </a:r>
-          </a:p>
-          <a:p>
-            <a:pPr lvl="1" indent="-342900" defTabSz="914400" eaLnBrk="1" hangingPunct="1">
-              <a:buClrTx/>
-              <a:buFont typeface="Wingdings" charset="0"/>
-              <a:buChar char="§"/>
+              <a:rPr lang="en-US" dirty="0" smtClean="0"/>
+              <a:t>TI supports common parallel programming languishes :</a:t>
+            </a:r>
+          </a:p>
+          <a:p>
+            <a:pPr eaLnBrk="1" hangingPunct="1">
+              <a:lnSpc>
+                <a:spcPct val="80000"/>
+              </a:lnSpc>
+              <a:buFont typeface="Arial" pitchFamily="34" charset="0"/>
+              <a:buChar char="•"/>
               <a:defRPr/>
             </a:pPr>
-            <a:r>
-              <a:rPr lang="en-US" sz="2000" dirty="0" smtClean="0">
-                <a:solidFill>
-                  <a:srgbClr val="000000"/>
-                </a:solidFill>
-              </a:rPr>
-              <a:t>Fork-Join Model</a:t>
-            </a:r>
-          </a:p>
-          <a:p>
-            <a:pPr lvl="1" indent="-342900" defTabSz="914400" eaLnBrk="1" hangingPunct="1">
-              <a:buClrTx/>
-              <a:buFont typeface="Wingdings" charset="0"/>
-              <a:buChar char="§"/>
+            <a:endParaRPr lang="en-US" dirty="0" smtClean="0"/>
+          </a:p>
+          <a:p>
+            <a:pPr lvl="1" eaLnBrk="1" hangingPunct="1">
+              <a:lnSpc>
+                <a:spcPct val="80000"/>
+              </a:lnSpc>
+              <a:buFont typeface="Arial" pitchFamily="34" charset="0"/>
+              <a:buChar char="•"/>
               <a:defRPr/>
             </a:pPr>
             <a:r>
-              <a:rPr lang="en-US" sz="2000" dirty="0" smtClean="0">
-                <a:solidFill>
-                  <a:srgbClr val="000000"/>
-                </a:solidFill>
-              </a:rPr>
-              <a:t>Execute code in a parallel region</a:t>
-            </a:r>
-          </a:p>
-          <a:p>
-            <a:pPr lvl="1" indent="-342900" defTabSz="914400" eaLnBrk="1" hangingPunct="1">
-              <a:buClrTx/>
-              <a:buFont typeface="Wingdings" charset="0"/>
-              <a:buChar char="§"/>
+              <a:rPr lang="en-US" dirty="0" smtClean="0"/>
+              <a:t>OpenMP   - part of the compiler release</a:t>
+            </a:r>
+            <a:endParaRPr lang="en-US" dirty="0" smtClean="0"/>
+          </a:p>
+          <a:p>
+            <a:pPr eaLnBrk="1" hangingPunct="1">
+              <a:lnSpc>
+                <a:spcPct val="80000"/>
+              </a:lnSpc>
+              <a:buFont typeface="Arial" pitchFamily="34" charset="0"/>
+              <a:buChar char="•"/>
               <a:defRPr/>
             </a:pPr>
-            <a:r>
-              <a:rPr lang="en-US" sz="2000" dirty="0" smtClean="0">
-                <a:solidFill>
-                  <a:srgbClr val="000000"/>
-                </a:solidFill>
-              </a:rPr>
-              <a:t>Implemented by using compiler directive </a:t>
-            </a:r>
-            <a:r>
-              <a:rPr lang="en-US" sz="2000" dirty="0" smtClean="0">
-                <a:solidFill>
-                  <a:srgbClr val="000000"/>
-                </a:solidFill>
-                <a:latin typeface="Courier New" pitchFamily="49" charset="0"/>
-                <a:cs typeface="Courier New" pitchFamily="49" charset="0"/>
-              </a:rPr>
-              <a:t>#pragma omp parallel</a:t>
-            </a:r>
-          </a:p>
-          <a:p>
-            <a:pPr lvl="1" indent="-342900" defTabSz="914400" eaLnBrk="1" hangingPunct="1">
-              <a:buClrTx/>
-              <a:buFont typeface="Wingdings" charset="0"/>
-              <a:buChar char="§"/>
+            <a:endParaRPr lang="en-US" sz="2000" dirty="0" smtClean="0">
+              <a:solidFill>
+                <a:schemeClr val="tx2"/>
+              </a:solidFill>
+            </a:endParaRPr>
+          </a:p>
+          <a:p>
+            <a:pPr eaLnBrk="1" hangingPunct="1">
+              <a:lnSpc>
+                <a:spcPct val="80000"/>
+              </a:lnSpc>
+              <a:buFont typeface="Arial" pitchFamily="34" charset="0"/>
+              <a:buChar char="•"/>
               <a:defRPr/>
             </a:pPr>
-            <a:r>
-              <a:rPr lang="en-US" sz="2000" dirty="0" smtClean="0">
-                <a:solidFill>
-                  <a:srgbClr val="000000"/>
-                </a:solidFill>
-              </a:rPr>
-              <a:t>Nesting ‘parallel’ directives is possible, allowing multilevel parallelism</a:t>
-            </a:r>
+            <a:endParaRPr lang="en-US" sz="2000" dirty="0" smtClean="0">
+              <a:solidFill>
+                <a:schemeClr val="tx2"/>
+              </a:solidFill>
+            </a:endParaRPr>
+          </a:p>
+          <a:p>
+            <a:pPr lvl="1" eaLnBrk="1" hangingPunct="1">
+              <a:lnSpc>
+                <a:spcPct val="80000"/>
+              </a:lnSpc>
+              <a:buFont typeface="Arial" pitchFamily="34" charset="0"/>
+              <a:buChar char="•"/>
+              <a:defRPr/>
+            </a:pPr>
+            <a:r>
+              <a:rPr lang="en-US" dirty="0" smtClean="0"/>
+              <a:t>OpenCL  - plan to support in the next release</a:t>
+            </a:r>
+            <a:endParaRPr lang="en-US" dirty="0" smtClean="0"/>
+          </a:p>
+          <a:p>
+            <a:pPr eaLnBrk="1" hangingPunct="1">
+              <a:lnSpc>
+                <a:spcPct val="80000"/>
+              </a:lnSpc>
+              <a:buFont typeface="Arial" pitchFamily="34" charset="0"/>
+              <a:buChar char="•"/>
+              <a:defRPr/>
+            </a:pPr>
+            <a:endParaRPr lang="en-US" dirty="0" smtClean="0"/>
           </a:p>
           <a:p>
             <a:pPr defTabSz="914400" eaLnBrk="1" hangingPunct="1">
@@ -15477,6 +16007,519 @@
               </a:lnSpc>
             </a:pPr>
             <a:endParaRPr lang="en-US" sz="2000" dirty="0" smtClean="0"/>
+          </a:p>
+        </p:txBody>
+      </p:sp>
+    </p:spTree>
+  </p:cSld>
+  <p:clrMapOvr>
+    <a:masterClrMapping/>
+  </p:clrMapOvr>
+  <p:timing>
+    <p:tnLst>
+      <p:par>
+        <p:cTn id="1" dur="indefinite" restart="never" nodeType="tmRoot"/>
+      </p:par>
+    </p:tnLst>
+  </p:timing>
+</p:sld>
+</file>
+
+<file path=ppt/slides/slide2.xml><?xml version="1.0" encoding="utf-8"?>
+<p:sld xmlns:a="http://schemas.openxmlformats.org/drawingml/2006/main" xmlns:r="http://schemas.openxmlformats.org/officeDocument/2006/relationships" xmlns:p="http://schemas.openxmlformats.org/presentationml/2006/main">
+  <p:cSld>
+    <p:spTree>
+      <p:nvGrpSpPr>
+        <p:cNvPr id="1" name=""/>
+        <p:cNvGrpSpPr/>
+        <p:nvPr/>
+      </p:nvGrpSpPr>
+      <p:grpSpPr>
+        <a:xfrm>
+          <a:off x="0" y="0"/>
+          <a:ext cx="0" cy="0"/>
+          <a:chOff x="0" y="0"/>
+          <a:chExt cx="0" cy="0"/>
+        </a:xfrm>
+      </p:grpSpPr>
+      <p:sp>
+        <p:nvSpPr>
+          <p:cNvPr id="37889" name="Rectangle 2"/>
+          <p:cNvSpPr>
+            <a:spLocks noGrp="1" noChangeArrowheads="1"/>
+          </p:cNvSpPr>
+          <p:nvPr>
+            <p:ph type="title"/>
+          </p:nvPr>
+        </p:nvSpPr>
+        <p:spPr>
+          <a:xfrm>
+            <a:off x="290946" y="748145"/>
+            <a:ext cx="8458200" cy="657225"/>
+          </a:xfrm>
+        </p:spPr>
+        <p:txBody>
+          <a:bodyPr/>
+          <a:lstStyle/>
+          <a:p>
+            <a:r>
+              <a:rPr lang="en-US" dirty="0" smtClean="0"/>
+              <a:t>Objectives</a:t>
+            </a:r>
+          </a:p>
+        </p:txBody>
+      </p:sp>
+      <p:sp>
+        <p:nvSpPr>
+          <p:cNvPr id="23554" name="Rectangle 3"/>
+          <p:cNvSpPr>
+            <a:spLocks noGrp="1" noChangeArrowheads="1"/>
+          </p:cNvSpPr>
+          <p:nvPr>
+            <p:ph type="body" idx="1"/>
+          </p:nvPr>
+        </p:nvSpPr>
+        <p:spPr>
+          <a:xfrm>
+            <a:off x="333375" y="1423555"/>
+            <a:ext cx="8467725" cy="4720070"/>
+          </a:xfrm>
+        </p:spPr>
+        <p:txBody>
+          <a:bodyPr/>
+          <a:lstStyle/>
+          <a:p>
+            <a:pPr algn="ctr">
+              <a:buNone/>
+            </a:pPr>
+            <a:r>
+              <a:rPr lang="en-US" sz="2400" dirty="0" smtClean="0"/>
+              <a:t>In this module, the student will be able to:</a:t>
+            </a:r>
+          </a:p>
+          <a:p>
+            <a:r>
+              <a:rPr lang="en-US" sz="1800" dirty="0" smtClean="0"/>
+              <a:t>Understand the importance of multi-core parallel processing in current and future applications</a:t>
+            </a:r>
+          </a:p>
+          <a:p>
+            <a:r>
+              <a:rPr lang="en-US" sz="1800" dirty="0" smtClean="0"/>
+              <a:t>Define different types of Parallel processing and understand the possible limitations and dependencies</a:t>
+            </a:r>
+          </a:p>
+          <a:p>
+            <a:r>
+              <a:rPr lang="en-US" sz="1800" dirty="0" smtClean="0"/>
+              <a:t>Understand the importance of memory features and architecture and data movement for efficient parallel processing</a:t>
+            </a:r>
+          </a:p>
+          <a:p>
+            <a:pPr lvl="1"/>
+            <a:r>
+              <a:rPr lang="en-US" sz="1400" dirty="0" smtClean="0"/>
+              <a:t>Be Familiar with KeyStone special features that facilitate parallel processing</a:t>
+            </a:r>
+          </a:p>
+          <a:p>
+            <a:r>
+              <a:rPr lang="en-US" sz="1800" dirty="0" smtClean="0"/>
+              <a:t>Build a functional driven parallel project</a:t>
+            </a:r>
+          </a:p>
+          <a:p>
+            <a:pPr lvl="1"/>
+            <a:r>
+              <a:rPr lang="en-US" sz="1400" dirty="0" smtClean="0"/>
+              <a:t>Build and Run MCSDK Video demo</a:t>
+            </a:r>
+          </a:p>
+          <a:p>
+            <a:pPr lvl="1"/>
+            <a:r>
+              <a:rPr lang="en-US" sz="1400" dirty="0" smtClean="0"/>
+              <a:t>Analyze TI’s H264 implementation</a:t>
+            </a:r>
+          </a:p>
+          <a:p>
+            <a:r>
+              <a:rPr lang="en-US" sz="1800" dirty="0" smtClean="0"/>
+              <a:t>Build a data driven parallel project </a:t>
+            </a:r>
+          </a:p>
+          <a:p>
+            <a:pPr lvl="1"/>
+            <a:r>
+              <a:rPr lang="en-US" sz="1400" dirty="0" smtClean="0"/>
+              <a:t>Build and run TI’s very large FFT implementation. Understand the implementation</a:t>
+            </a:r>
+          </a:p>
+          <a:p>
+            <a:pPr lvl="1"/>
+            <a:r>
+              <a:rPr lang="en-US" sz="1400" dirty="0" smtClean="0"/>
+              <a:t>Build and Run openMP solution to the VLFFT problem</a:t>
+            </a:r>
+          </a:p>
+          <a:p>
+            <a:pPr>
+              <a:buNone/>
+            </a:pPr>
+            <a:endParaRPr lang="en-US" sz="1800" dirty="0" smtClean="0"/>
+          </a:p>
+        </p:txBody>
+      </p:sp>
+    </p:spTree>
+  </p:cSld>
+  <p:clrMapOvr>
+    <a:masterClrMapping/>
+  </p:clrMapOvr>
+  <p:timing>
+    <p:tnLst>
+      <p:par>
+        <p:cTn id="1" dur="indefinite" restart="never" nodeType="tmRoot"/>
+      </p:par>
+    </p:tnLst>
+  </p:timing>
+</p:sld>
+</file>
+
+<file path=ppt/slides/slide20.xml><?xml version="1.0" encoding="utf-8"?>
+<p:sld xmlns:a="http://schemas.openxmlformats.org/drawingml/2006/main" xmlns:r="http://schemas.openxmlformats.org/officeDocument/2006/relationships" xmlns:p="http://schemas.openxmlformats.org/presentationml/2006/main">
+  <p:cSld>
+    <p:spTree>
+      <p:nvGrpSpPr>
+        <p:cNvPr id="1" name=""/>
+        <p:cNvGrpSpPr/>
+        <p:nvPr/>
+      </p:nvGrpSpPr>
+      <p:grpSpPr>
+        <a:xfrm>
+          <a:off x="0" y="0"/>
+          <a:ext cx="0" cy="0"/>
+          <a:chOff x="0" y="0"/>
+          <a:chExt cx="0" cy="0"/>
+        </a:xfrm>
+      </p:grpSpPr>
+      <p:sp>
+        <p:nvSpPr>
+          <p:cNvPr id="39937" name="Rectangle 2"/>
+          <p:cNvSpPr>
+            <a:spLocks noGrp="1" noChangeArrowheads="1"/>
+          </p:cNvSpPr>
+          <p:nvPr>
+            <p:ph type="title"/>
+          </p:nvPr>
+        </p:nvSpPr>
+        <p:spPr>
+          <a:xfrm>
+            <a:off x="342900" y="322118"/>
+            <a:ext cx="8458200" cy="657225"/>
+          </a:xfrm>
+        </p:spPr>
+        <p:txBody>
+          <a:bodyPr/>
+          <a:lstStyle/>
+          <a:p>
+            <a:r>
+              <a:rPr lang="en-US" sz="2800" dirty="0" smtClean="0">
+                <a:solidFill>
+                  <a:schemeClr val="tx2"/>
+                </a:solidFill>
+              </a:rPr>
+              <a:t>Software Support - OpenMP</a:t>
+            </a:r>
+          </a:p>
+        </p:txBody>
+      </p:sp>
+      <p:sp>
+        <p:nvSpPr>
+          <p:cNvPr id="23554" name="Rectangle 3"/>
+          <p:cNvSpPr>
+            <a:spLocks noGrp="1" noChangeArrowheads="1"/>
+          </p:cNvSpPr>
+          <p:nvPr>
+            <p:ph type="body" idx="1"/>
+          </p:nvPr>
+        </p:nvSpPr>
+        <p:spPr>
+          <a:xfrm>
+            <a:off x="322984" y="1101436"/>
+            <a:ext cx="8467725" cy="4777077"/>
+          </a:xfrm>
+        </p:spPr>
+        <p:txBody>
+          <a:bodyPr/>
+          <a:lstStyle/>
+          <a:p>
+            <a:pPr eaLnBrk="1" hangingPunct="1">
+              <a:lnSpc>
+                <a:spcPct val="80000"/>
+              </a:lnSpc>
+              <a:buNone/>
+              <a:defRPr/>
+            </a:pPr>
+            <a:r>
+              <a:rPr lang="en-US" dirty="0" smtClean="0"/>
+              <a:t>OpenMP</a:t>
+            </a:r>
+            <a:r>
+              <a:rPr lang="en-US" sz="2000" dirty="0" smtClean="0">
+                <a:solidFill>
+                  <a:schemeClr val="tx2"/>
+                </a:solidFill>
+              </a:rPr>
+              <a:t>  </a:t>
+            </a:r>
+            <a:r>
+              <a:rPr lang="en-US" sz="2000" dirty="0" smtClean="0"/>
+              <a:t>(Supported by TI compiler tools)</a:t>
+            </a:r>
+          </a:p>
+          <a:p>
+            <a:pPr eaLnBrk="1" hangingPunct="1">
+              <a:lnSpc>
+                <a:spcPct val="80000"/>
+              </a:lnSpc>
+              <a:buNone/>
+              <a:defRPr/>
+            </a:pPr>
+            <a:endParaRPr lang="en-US" sz="2000" dirty="0" smtClean="0">
+              <a:solidFill>
+                <a:schemeClr val="tx2"/>
+              </a:solidFill>
+            </a:endParaRPr>
+          </a:p>
+          <a:p>
+            <a:pPr lvl="1" eaLnBrk="1" hangingPunct="1">
+              <a:lnSpc>
+                <a:spcPct val="80000"/>
+              </a:lnSpc>
+              <a:buFont typeface="Arial" pitchFamily="34" charset="0"/>
+              <a:buChar char="•"/>
+              <a:defRPr/>
+            </a:pPr>
+            <a:r>
+              <a:rPr lang="en-US" dirty="0" smtClean="0"/>
+              <a:t>An API for writing multi-threaded applications</a:t>
+            </a:r>
+          </a:p>
+          <a:p>
+            <a:pPr lvl="1" eaLnBrk="1" hangingPunct="1">
+              <a:lnSpc>
+                <a:spcPct val="80000"/>
+              </a:lnSpc>
+              <a:buFont typeface="Arial" pitchFamily="34" charset="0"/>
+              <a:buChar char="•"/>
+              <a:defRPr/>
+            </a:pPr>
+            <a:endParaRPr lang="en-US" dirty="0" smtClean="0"/>
+          </a:p>
+          <a:p>
+            <a:pPr lvl="1" eaLnBrk="1" hangingPunct="1">
+              <a:lnSpc>
+                <a:spcPct val="80000"/>
+              </a:lnSpc>
+              <a:buFont typeface="Arial" pitchFamily="34" charset="0"/>
+              <a:buChar char="•"/>
+              <a:defRPr/>
+            </a:pPr>
+            <a:r>
+              <a:rPr lang="en-US" dirty="0" smtClean="0"/>
+              <a:t>API includes compiler directives and library routines</a:t>
+            </a:r>
+          </a:p>
+          <a:p>
+            <a:pPr lvl="1" eaLnBrk="1" hangingPunct="1">
+              <a:lnSpc>
+                <a:spcPct val="80000"/>
+              </a:lnSpc>
+              <a:buFont typeface="Arial" pitchFamily="34" charset="0"/>
+              <a:buChar char="•"/>
+              <a:defRPr/>
+            </a:pPr>
+            <a:endParaRPr lang="en-US" dirty="0" smtClean="0"/>
+          </a:p>
+          <a:p>
+            <a:pPr lvl="1" eaLnBrk="1" hangingPunct="1">
+              <a:lnSpc>
+                <a:spcPct val="80000"/>
+              </a:lnSpc>
+              <a:buFont typeface="Arial" pitchFamily="34" charset="0"/>
+              <a:buChar char="•"/>
+              <a:defRPr/>
+            </a:pPr>
+            <a:r>
+              <a:rPr lang="en-US" dirty="0" smtClean="0"/>
+              <a:t>C, C++, and Fortran support</a:t>
+            </a:r>
+          </a:p>
+          <a:p>
+            <a:pPr lvl="1" eaLnBrk="1" hangingPunct="1">
+              <a:lnSpc>
+                <a:spcPct val="80000"/>
+              </a:lnSpc>
+              <a:buFont typeface="Arial" pitchFamily="34" charset="0"/>
+              <a:buChar char="•"/>
+              <a:defRPr/>
+            </a:pPr>
+            <a:endParaRPr lang="en-US" dirty="0" smtClean="0"/>
+          </a:p>
+          <a:p>
+            <a:pPr lvl="1" eaLnBrk="1" hangingPunct="1">
+              <a:lnSpc>
+                <a:spcPct val="80000"/>
+              </a:lnSpc>
+              <a:buFont typeface="Arial" pitchFamily="34" charset="0"/>
+              <a:buChar char="•"/>
+              <a:defRPr/>
+            </a:pPr>
+            <a:r>
+              <a:rPr lang="en-US" dirty="0" smtClean="0"/>
+              <a:t>Standardizes last 20 years of Shared-Memory Programming (SMP) practice</a:t>
+            </a:r>
+          </a:p>
+          <a:p>
+            <a:pPr defTabSz="914400" eaLnBrk="1" hangingPunct="1">
+              <a:lnSpc>
+                <a:spcPct val="80000"/>
+              </a:lnSpc>
+              <a:buClrTx/>
+              <a:buFont typeface="Arial" pitchFamily="34" charset="0"/>
+              <a:buChar char="•"/>
+              <a:defRPr/>
+            </a:pPr>
+            <a:endParaRPr lang="en-US" sz="2000" dirty="0" smtClean="0">
+              <a:solidFill>
+                <a:srgbClr val="747474"/>
+              </a:solidFill>
+            </a:endParaRPr>
+          </a:p>
+          <a:p>
+            <a:pPr>
+              <a:lnSpc>
+                <a:spcPct val="80000"/>
+              </a:lnSpc>
+            </a:pPr>
+            <a:endParaRPr lang="en-US" sz="2000" dirty="0" smtClean="0"/>
+          </a:p>
+        </p:txBody>
+      </p:sp>
+    </p:spTree>
+  </p:cSld>
+  <p:clrMapOvr>
+    <a:masterClrMapping/>
+  </p:clrMapOvr>
+  <p:timing>
+    <p:tnLst>
+      <p:par>
+        <p:cTn id="1" dur="indefinite" restart="never" nodeType="tmRoot"/>
+      </p:par>
+    </p:tnLst>
+  </p:timing>
+</p:sld>
+</file>
+
+<file path=ppt/slides/slide21.xml><?xml version="1.0" encoding="utf-8"?>
+<p:sld xmlns:a="http://schemas.openxmlformats.org/drawingml/2006/main" xmlns:r="http://schemas.openxmlformats.org/officeDocument/2006/relationships" xmlns:p="http://schemas.openxmlformats.org/presentationml/2006/main">
+  <p:cSld>
+    <p:spTree>
+      <p:nvGrpSpPr>
+        <p:cNvPr id="1" name=""/>
+        <p:cNvGrpSpPr/>
+        <p:nvPr/>
+      </p:nvGrpSpPr>
+      <p:grpSpPr>
+        <a:xfrm>
+          <a:off x="0" y="0"/>
+          <a:ext cx="0" cy="0"/>
+          <a:chOff x="0" y="0"/>
+          <a:chExt cx="0" cy="0"/>
+        </a:xfrm>
+      </p:grpSpPr>
+      <p:sp>
+        <p:nvSpPr>
+          <p:cNvPr id="39937" name="Rectangle 2"/>
+          <p:cNvSpPr>
+            <a:spLocks noGrp="1" noChangeArrowheads="1"/>
+          </p:cNvSpPr>
+          <p:nvPr>
+            <p:ph type="title"/>
+          </p:nvPr>
+        </p:nvSpPr>
+        <p:spPr/>
+        <p:txBody>
+          <a:bodyPr/>
+          <a:lstStyle/>
+          <a:p>
+            <a:r>
+              <a:rPr lang="en-US" dirty="0" smtClean="0"/>
+              <a:t>Software Support OpenMP (2) </a:t>
+            </a:r>
+            <a:endParaRPr lang="en-US" dirty="0" smtClean="0"/>
+          </a:p>
+        </p:txBody>
+      </p:sp>
+      <p:sp>
+        <p:nvSpPr>
+          <p:cNvPr id="23554" name="Rectangle 3"/>
+          <p:cNvSpPr>
+            <a:spLocks noGrp="1" noChangeArrowheads="1"/>
+          </p:cNvSpPr>
+          <p:nvPr>
+            <p:ph type="body" idx="1"/>
+          </p:nvPr>
+        </p:nvSpPr>
+        <p:spPr>
+          <a:xfrm>
+            <a:off x="271030" y="614362"/>
+            <a:ext cx="8467725" cy="2928937"/>
+          </a:xfrm>
+        </p:spPr>
+        <p:txBody>
+          <a:bodyPr/>
+          <a:lstStyle/>
+          <a:p>
+            <a:pPr lvl="0"/>
+            <a:r>
+              <a:rPr lang="en-US" sz="2400" dirty="0" smtClean="0"/>
+              <a:t>Create Teams of Threads</a:t>
+            </a:r>
+          </a:p>
+          <a:p>
+            <a:pPr lvl="1"/>
+            <a:r>
+              <a:rPr lang="en-US" sz="2000" dirty="0" smtClean="0"/>
+              <a:t>Fork-Join Model</a:t>
+            </a:r>
+          </a:p>
+          <a:p>
+            <a:pPr lvl="1"/>
+            <a:r>
+              <a:rPr lang="en-US" sz="2000" dirty="0" smtClean="0"/>
+              <a:t>Execute code in a parallel region</a:t>
+            </a:r>
+          </a:p>
+          <a:p>
+            <a:pPr lvl="1"/>
+            <a:r>
+              <a:rPr lang="en-US" sz="2000" dirty="0" smtClean="0"/>
+              <a:t>Implemented by using compiler directive #pragma omp parallel</a:t>
+            </a:r>
+          </a:p>
+          <a:p>
+            <a:pPr lvl="1"/>
+            <a:r>
+              <a:rPr lang="en-US" sz="2000" dirty="0" smtClean="0"/>
+              <a:t>Nesting ‘parallel’ directives is possible, allowing multilevel parallelism</a:t>
+            </a:r>
+          </a:p>
+          <a:p>
+            <a:endParaRPr lang="en-US" dirty="0" smtClean="0"/>
+          </a:p>
+          <a:p>
+            <a:endParaRPr lang="en-US" dirty="0" smtClean="0"/>
           </a:p>
         </p:txBody>
       </p:sp>
@@ -16516,7 +17559,7 @@
                 <a:buNone/>
                 <a:tabLst/>
               </a:pPr>
-              <a:endParaRPr kumimoji="0" lang="en-US" sz="1800" b="0" i="0" u="none" strike="noStrike" cap="none" normalizeH="0" baseline="0">
+              <a:endParaRPr kumimoji="0" lang="en-US" sz="1800" b="0" i="0" u="none" strike="noStrike" cap="none" normalizeH="0" baseline="0" dirty="0">
                 <a:ln>
                   <a:noFill/>
                 </a:ln>
@@ -16536,757 +17579,7 @@
   <p:clrMapOvr>
     <a:masterClrMapping/>
   </p:clrMapOvr>
-  <p:timing>
-    <p:tnLst>
-      <p:par>
-        <p:cTn id="1" dur="indefinite" restart="never" nodeType="tmRoot">
-          <p:childTnLst>
-            <p:seq concurrent="1" nextAc="seek">
-              <p:cTn id="2" dur="indefinite" nodeType="mainSeq">
-                <p:childTnLst>
-                  <p:par>
-                    <p:cTn id="3" fill="hold">
-                      <p:stCondLst>
-                        <p:cond delay="indefinite"/>
-                      </p:stCondLst>
-                      <p:childTnLst>
-                        <p:par>
-                          <p:cTn id="4" fill="hold">
-                            <p:stCondLst>
-                              <p:cond delay="0"/>
-                            </p:stCondLst>
-                            <p:childTnLst>
-                              <p:par>
-                                <p:cTn id="5" presetID="1" presetClass="entr" presetSubtype="0" fill="hold" nodeType="clickEffect">
-                                  <p:stCondLst>
-                                    <p:cond delay="0"/>
-                                  </p:stCondLst>
-                                  <p:childTnLst>
-                                    <p:set>
-                                      <p:cBhvr>
-                                        <p:cTn id="6" dur="1" fill="hold">
-                                          <p:stCondLst>
-                                            <p:cond delay="0"/>
-                                          </p:stCondLst>
-                                        </p:cTn>
-                                        <p:tgtEl>
-                                          <p:spTgt spid="2"/>
-                                        </p:tgtEl>
-                                        <p:attrNameLst>
-                                          <p:attrName>style.visibility</p:attrName>
-                                        </p:attrNameLst>
-                                      </p:cBhvr>
-                                      <p:to>
-                                        <p:strVal val="visible"/>
-                                      </p:to>
-                                    </p:set>
-                                  </p:childTnLst>
-                                </p:cTn>
-                              </p:par>
-                            </p:childTnLst>
-                          </p:cTn>
-                        </p:par>
-                      </p:childTnLst>
-                    </p:cTn>
-                  </p:par>
-                </p:childTnLst>
-              </p:cTn>
-              <p:prevCondLst>
-                <p:cond evt="onPrev" delay="0">
-                  <p:tgtEl>
-                    <p:sldTgt/>
-                  </p:tgtEl>
-                </p:cond>
-              </p:prevCondLst>
-              <p:nextCondLst>
-                <p:cond evt="onNext" delay="0">
-                  <p:tgtEl>
-                    <p:sldTgt/>
-                  </p:tgtEl>
-                </p:cond>
-              </p:nextCondLst>
-            </p:seq>
-          </p:childTnLst>
-        </p:cTn>
-      </p:par>
-    </p:tnLst>
-  </p:timing>
-</p:sld>
-</file>
-
-<file path=ppt/slides/slide17.xml><?xml version="1.0" encoding="utf-8"?>
-<p:sld xmlns:a="http://schemas.openxmlformats.org/drawingml/2006/main" xmlns:r="http://schemas.openxmlformats.org/officeDocument/2006/relationships" xmlns:p="http://schemas.openxmlformats.org/presentationml/2006/main">
-  <p:cSld>
-    <p:spTree>
-      <p:nvGrpSpPr>
-        <p:cNvPr id="1" name=""/>
-        <p:cNvGrpSpPr/>
-        <p:nvPr/>
-      </p:nvGrpSpPr>
-      <p:grpSpPr>
-        <a:xfrm>
-          <a:off x="0" y="0"/>
-          <a:ext cx="0" cy="0"/>
-          <a:chOff x="0" y="0"/>
-          <a:chExt cx="0" cy="0"/>
-        </a:xfrm>
-      </p:grpSpPr>
-      <p:sp>
-        <p:nvSpPr>
-          <p:cNvPr id="39937" name="Rectangle 2"/>
-          <p:cNvSpPr>
-            <a:spLocks noGrp="1" noChangeArrowheads="1"/>
-          </p:cNvSpPr>
-          <p:nvPr>
-            <p:ph type="title"/>
-          </p:nvPr>
-        </p:nvSpPr>
-        <p:spPr>
-          <a:xfrm>
-            <a:off x="259772" y="218210"/>
-            <a:ext cx="8458200" cy="1932708"/>
-          </a:xfrm>
-        </p:spPr>
-        <p:txBody>
-          <a:bodyPr/>
-          <a:lstStyle/>
-          <a:p>
-            <a:r>
-              <a:rPr lang="en-US" sz="3200" dirty="0" smtClean="0"/>
-              <a:t>Bandwidth and Memory Considerations</a:t>
-            </a:r>
-            <a:br>
-              <a:rPr lang="en-US" sz="3200" dirty="0" smtClean="0"/>
-            </a:br>
-            <a:r>
-              <a:rPr lang="en-US" sz="3200" dirty="0" smtClean="0">
-                <a:solidFill>
-                  <a:schemeClr val="tx2"/>
-                </a:solidFill>
-              </a:rPr>
-              <a:t>Input and output data</a:t>
-            </a:r>
-            <a:r>
-              <a:rPr lang="en-US" sz="3200" dirty="0" smtClean="0"/>
-              <a:t/>
-            </a:r>
-            <a:br>
-              <a:rPr lang="en-US" sz="3200" dirty="0" smtClean="0"/>
-            </a:br>
-            <a:endParaRPr lang="en-US" sz="3200" dirty="0" smtClean="0"/>
-          </a:p>
-        </p:txBody>
-      </p:sp>
-      <p:sp>
-        <p:nvSpPr>
-          <p:cNvPr id="23554" name="Rectangle 3"/>
-          <p:cNvSpPr>
-            <a:spLocks noGrp="1" noChangeArrowheads="1"/>
-          </p:cNvSpPr>
-          <p:nvPr>
-            <p:ph type="body" idx="1"/>
-          </p:nvPr>
-        </p:nvSpPr>
-        <p:spPr>
-          <a:xfrm>
-            <a:off x="333375" y="2493818"/>
-            <a:ext cx="8467725" cy="3792682"/>
-          </a:xfrm>
-        </p:spPr>
-        <p:txBody>
-          <a:bodyPr/>
-          <a:lstStyle/>
-          <a:p>
-            <a:pPr>
-              <a:lnSpc>
-                <a:spcPct val="80000"/>
-              </a:lnSpc>
-            </a:pPr>
-            <a:r>
-              <a:rPr lang="en-US" dirty="0" smtClean="0"/>
-              <a:t>Fast peripherals are needed to feed high bit rate data into the device and get high bit rate out</a:t>
-            </a:r>
-          </a:p>
-          <a:p>
-            <a:pPr>
-              <a:lnSpc>
-                <a:spcPct val="80000"/>
-              </a:lnSpc>
-            </a:pPr>
-            <a:r>
-              <a:rPr lang="en-US" dirty="0" smtClean="0"/>
-              <a:t>KeyStone devices have variety of high bit rate peripherals such as</a:t>
-            </a:r>
-          </a:p>
-          <a:p>
-            <a:pPr lvl="1">
-              <a:lnSpc>
-                <a:spcPct val="80000"/>
-              </a:lnSpc>
-            </a:pPr>
-            <a:r>
-              <a:rPr lang="en-US" dirty="0" smtClean="0"/>
-              <a:t>100/1000G Ethernet</a:t>
-            </a:r>
-          </a:p>
-          <a:p>
-            <a:pPr lvl="1">
-              <a:lnSpc>
-                <a:spcPct val="80000"/>
-              </a:lnSpc>
-            </a:pPr>
-            <a:r>
-              <a:rPr lang="en-US" dirty="0" smtClean="0"/>
-              <a:t>10G Ethernet</a:t>
-            </a:r>
-          </a:p>
-          <a:p>
-            <a:pPr lvl="1">
-              <a:lnSpc>
-                <a:spcPct val="80000"/>
-              </a:lnSpc>
-            </a:pPr>
-            <a:r>
-              <a:rPr lang="en-US" dirty="0" smtClean="0"/>
-              <a:t>SRIO</a:t>
-            </a:r>
-          </a:p>
-          <a:p>
-            <a:pPr lvl="1">
-              <a:lnSpc>
-                <a:spcPct val="80000"/>
-              </a:lnSpc>
-            </a:pPr>
-            <a:r>
-              <a:rPr lang="en-US" dirty="0" smtClean="0"/>
-              <a:t>PCIe</a:t>
-            </a:r>
-          </a:p>
-          <a:p>
-            <a:pPr lvl="1">
-              <a:lnSpc>
-                <a:spcPct val="80000"/>
-              </a:lnSpc>
-            </a:pPr>
-            <a:r>
-              <a:rPr lang="en-US" dirty="0" smtClean="0"/>
-              <a:t>AIF2 </a:t>
-            </a:r>
-          </a:p>
-          <a:p>
-            <a:pPr lvl="1">
-              <a:lnSpc>
-                <a:spcPct val="80000"/>
-              </a:lnSpc>
-            </a:pPr>
-            <a:r>
-              <a:rPr lang="en-US" dirty="0" smtClean="0"/>
-              <a:t>TSIP</a:t>
-            </a:r>
-          </a:p>
-        </p:txBody>
-      </p:sp>
-    </p:spTree>
-  </p:cSld>
-  <p:clrMapOvr>
-    <a:masterClrMapping/>
-  </p:clrMapOvr>
-</p:sld>
-</file>
-
-<file path=ppt/slides/slide18.xml><?xml version="1.0" encoding="utf-8"?>
-<p:sld xmlns:a="http://schemas.openxmlformats.org/drawingml/2006/main" xmlns:r="http://schemas.openxmlformats.org/officeDocument/2006/relationships" xmlns:p="http://schemas.openxmlformats.org/presentationml/2006/main">
-  <p:cSld>
-    <p:spTree>
-      <p:nvGrpSpPr>
-        <p:cNvPr id="1" name=""/>
-        <p:cNvGrpSpPr/>
-        <p:nvPr/>
-      </p:nvGrpSpPr>
-      <p:grpSpPr>
-        <a:xfrm>
-          <a:off x="0" y="0"/>
-          <a:ext cx="0" cy="0"/>
-          <a:chOff x="0" y="0"/>
-          <a:chExt cx="0" cy="0"/>
-        </a:xfrm>
-      </p:grpSpPr>
-      <p:sp>
-        <p:nvSpPr>
-          <p:cNvPr id="39937" name="Rectangle 2"/>
-          <p:cNvSpPr>
-            <a:spLocks noGrp="1" noChangeArrowheads="1"/>
-          </p:cNvSpPr>
-          <p:nvPr>
-            <p:ph type="title"/>
-          </p:nvPr>
-        </p:nvSpPr>
-        <p:spPr>
-          <a:xfrm>
-            <a:off x="259772" y="218210"/>
-            <a:ext cx="8458200" cy="1932708"/>
-          </a:xfrm>
-        </p:spPr>
-        <p:txBody>
-          <a:bodyPr/>
-          <a:lstStyle/>
-          <a:p>
-            <a:r>
-              <a:rPr lang="en-US" sz="3200" dirty="0" smtClean="0"/>
-              <a:t>Bandwidth and Memory Considerations</a:t>
-            </a:r>
-            <a:br>
-              <a:rPr lang="en-US" sz="3200" dirty="0" smtClean="0"/>
-            </a:br>
-            <a:r>
-              <a:rPr lang="en-US" sz="3200" dirty="0" smtClean="0">
-                <a:solidFill>
-                  <a:schemeClr val="tx2"/>
-                </a:solidFill>
-              </a:rPr>
-              <a:t>Communication between cores</a:t>
-            </a:r>
-            <a:r>
-              <a:rPr lang="en-US" sz="3200" dirty="0" smtClean="0"/>
-              <a:t/>
-            </a:r>
-            <a:br>
-              <a:rPr lang="en-US" sz="3200" dirty="0" smtClean="0"/>
-            </a:br>
-            <a:endParaRPr lang="en-US" sz="3200" dirty="0" smtClean="0"/>
-          </a:p>
-        </p:txBody>
-      </p:sp>
-      <p:sp>
-        <p:nvSpPr>
-          <p:cNvPr id="23554" name="Rectangle 3"/>
-          <p:cNvSpPr>
-            <a:spLocks noGrp="1" noChangeArrowheads="1"/>
-          </p:cNvSpPr>
-          <p:nvPr>
-            <p:ph type="body" idx="1"/>
-          </p:nvPr>
-        </p:nvSpPr>
-        <p:spPr>
-          <a:xfrm>
-            <a:off x="333375" y="1745673"/>
-            <a:ext cx="8467725" cy="4582391"/>
-          </a:xfrm>
-        </p:spPr>
-        <p:txBody>
-          <a:bodyPr/>
-          <a:lstStyle/>
-          <a:p>
-            <a:pPr>
-              <a:lnSpc>
-                <a:spcPct val="80000"/>
-              </a:lnSpc>
-            </a:pPr>
-            <a:r>
-              <a:rPr lang="en-US" dirty="0" smtClean="0"/>
-              <a:t>Moving messages and data between cores to facilitate multicore processing  with minimal impact on the CPU</a:t>
-            </a:r>
-          </a:p>
-          <a:p>
-            <a:pPr>
-              <a:lnSpc>
-                <a:spcPct val="80000"/>
-              </a:lnSpc>
-            </a:pPr>
-            <a:r>
-              <a:rPr lang="en-US" dirty="0" smtClean="0"/>
-              <a:t>KeyStone has a set of hardware mechanism to facilitate messages and communications between cores such as</a:t>
-            </a:r>
-          </a:p>
-          <a:p>
-            <a:pPr lvl="1">
-              <a:lnSpc>
-                <a:spcPct val="80000"/>
-              </a:lnSpc>
-            </a:pPr>
-            <a:r>
-              <a:rPr lang="en-US" dirty="0" smtClean="0"/>
-              <a:t>IPC registers</a:t>
-            </a:r>
-          </a:p>
-          <a:p>
-            <a:pPr lvl="1">
-              <a:lnSpc>
-                <a:spcPct val="80000"/>
-              </a:lnSpc>
-            </a:pPr>
-            <a:r>
-              <a:rPr lang="en-US" dirty="0" smtClean="0"/>
-              <a:t>Semaphore blocks</a:t>
-            </a:r>
-          </a:p>
-          <a:p>
-            <a:pPr lvl="1">
-              <a:lnSpc>
-                <a:spcPct val="80000"/>
-              </a:lnSpc>
-            </a:pPr>
-            <a:r>
-              <a:rPr lang="en-US" dirty="0" smtClean="0"/>
-              <a:t>Shared memory (memories)</a:t>
-            </a:r>
-          </a:p>
-          <a:p>
-            <a:pPr lvl="1">
-              <a:lnSpc>
-                <a:spcPct val="80000"/>
-              </a:lnSpc>
-            </a:pPr>
-            <a:r>
-              <a:rPr lang="en-US" dirty="0" smtClean="0"/>
-              <a:t>Multicore Navigator</a:t>
-            </a:r>
-          </a:p>
-          <a:p>
-            <a:pPr>
-              <a:lnSpc>
-                <a:spcPct val="80000"/>
-              </a:lnSpc>
-            </a:pPr>
-            <a:endParaRPr lang="en-US" dirty="0" smtClean="0"/>
-          </a:p>
-        </p:txBody>
-      </p:sp>
-    </p:spTree>
-  </p:cSld>
-  <p:clrMapOvr>
-    <a:masterClrMapping/>
-  </p:clrMapOvr>
-</p:sld>
-</file>
-
-<file path=ppt/slides/slide19.xml><?xml version="1.0" encoding="utf-8"?>
-<p:sld xmlns:a="http://schemas.openxmlformats.org/drawingml/2006/main" xmlns:r="http://schemas.openxmlformats.org/officeDocument/2006/relationships" xmlns:p="http://schemas.openxmlformats.org/presentationml/2006/main">
-  <p:cSld>
-    <p:spTree>
-      <p:nvGrpSpPr>
-        <p:cNvPr id="1" name=""/>
-        <p:cNvGrpSpPr/>
-        <p:nvPr/>
-      </p:nvGrpSpPr>
-      <p:grpSpPr>
-        <a:xfrm>
-          <a:off x="0" y="0"/>
-          <a:ext cx="0" cy="0"/>
-          <a:chOff x="0" y="0"/>
-          <a:chExt cx="0" cy="0"/>
-        </a:xfrm>
-      </p:grpSpPr>
-      <p:sp>
-        <p:nvSpPr>
-          <p:cNvPr id="39937" name="Rectangle 2"/>
-          <p:cNvSpPr>
-            <a:spLocks noGrp="1" noChangeArrowheads="1"/>
-          </p:cNvSpPr>
-          <p:nvPr>
-            <p:ph type="title"/>
-          </p:nvPr>
-        </p:nvSpPr>
-        <p:spPr>
-          <a:xfrm>
-            <a:off x="259772" y="218210"/>
-            <a:ext cx="8458200" cy="1932708"/>
-          </a:xfrm>
-        </p:spPr>
-        <p:txBody>
-          <a:bodyPr/>
-          <a:lstStyle/>
-          <a:p>
-            <a:r>
-              <a:rPr lang="en-US" sz="3200" dirty="0" smtClean="0"/>
-              <a:t>Bandwidth and Memory Considerations</a:t>
-            </a:r>
-            <a:br>
-              <a:rPr lang="en-US" sz="3200" dirty="0" smtClean="0"/>
-            </a:br>
-            <a:r>
-              <a:rPr lang="en-US" sz="3200" dirty="0" smtClean="0">
-                <a:solidFill>
-                  <a:schemeClr val="tx2"/>
-                </a:solidFill>
-              </a:rPr>
-              <a:t>Communication between cores (2)</a:t>
-            </a:r>
-            <a:r>
-              <a:rPr lang="en-US" sz="3200" dirty="0" smtClean="0"/>
-              <a:t/>
-            </a:r>
-            <a:br>
-              <a:rPr lang="en-US" sz="3200" dirty="0" smtClean="0"/>
-            </a:br>
-            <a:endParaRPr lang="en-US" sz="3200" dirty="0" smtClean="0"/>
-          </a:p>
-        </p:txBody>
-      </p:sp>
-      <p:sp>
-        <p:nvSpPr>
-          <p:cNvPr id="23554" name="Rectangle 3"/>
-          <p:cNvSpPr>
-            <a:spLocks noGrp="1" noChangeArrowheads="1"/>
-          </p:cNvSpPr>
-          <p:nvPr>
-            <p:ph type="body" idx="1"/>
-          </p:nvPr>
-        </p:nvSpPr>
-        <p:spPr>
-          <a:xfrm>
-            <a:off x="333375" y="1745673"/>
-            <a:ext cx="8467725" cy="4582391"/>
-          </a:xfrm>
-        </p:spPr>
-        <p:txBody>
-          <a:bodyPr/>
-          <a:lstStyle/>
-          <a:p>
-            <a:pPr>
-              <a:lnSpc>
-                <a:spcPct val="80000"/>
-              </a:lnSpc>
-            </a:pPr>
-            <a:r>
-              <a:rPr lang="en-US" dirty="0" smtClean="0"/>
-              <a:t>KeyStone has a set of hardware IP to facilitate distribution of external data inside the chip such as</a:t>
-            </a:r>
-          </a:p>
-          <a:p>
-            <a:pPr lvl="1">
-              <a:lnSpc>
-                <a:spcPct val="80000"/>
-              </a:lnSpc>
-            </a:pPr>
-            <a:r>
-              <a:rPr lang="en-US" dirty="0" smtClean="0"/>
-              <a:t>NetCP</a:t>
-            </a:r>
-          </a:p>
-          <a:p>
-            <a:pPr lvl="1">
-              <a:lnSpc>
-                <a:spcPct val="80000"/>
-              </a:lnSpc>
-            </a:pPr>
-            <a:r>
-              <a:rPr lang="en-US" dirty="0" smtClean="0"/>
-              <a:t>Hyperlink</a:t>
-            </a:r>
-          </a:p>
-          <a:p>
-            <a:pPr>
-              <a:lnSpc>
-                <a:spcPct val="80000"/>
-              </a:lnSpc>
-            </a:pPr>
-            <a:r>
-              <a:rPr lang="en-US" dirty="0" smtClean="0"/>
-              <a:t>KeyStone has a set of software utilities to facilitate messages and communications between cores such as</a:t>
-            </a:r>
-          </a:p>
-          <a:p>
-            <a:pPr lvl="1">
-              <a:lnSpc>
-                <a:spcPct val="80000"/>
-              </a:lnSpc>
-            </a:pPr>
-            <a:r>
-              <a:rPr lang="en-US" dirty="0" smtClean="0"/>
-              <a:t>IPC</a:t>
-            </a:r>
-          </a:p>
-          <a:p>
-            <a:pPr lvl="1">
-              <a:lnSpc>
-                <a:spcPct val="80000"/>
-              </a:lnSpc>
-            </a:pPr>
-            <a:r>
-              <a:rPr lang="en-US" dirty="0" smtClean="0"/>
-              <a:t>LLD for the CPPI and QMSS</a:t>
-            </a:r>
-          </a:p>
-          <a:p>
-            <a:pPr lvl="1">
-              <a:lnSpc>
-                <a:spcPct val="80000"/>
-              </a:lnSpc>
-            </a:pPr>
-            <a:r>
-              <a:rPr lang="en-US" dirty="0" smtClean="0"/>
-              <a:t>LLD for EDMA</a:t>
-            </a:r>
-          </a:p>
-          <a:p>
-            <a:pPr>
-              <a:lnSpc>
-                <a:spcPct val="80000"/>
-              </a:lnSpc>
-            </a:pPr>
-            <a:endParaRPr lang="en-US" dirty="0" smtClean="0"/>
-          </a:p>
-        </p:txBody>
-      </p:sp>
-    </p:spTree>
-  </p:cSld>
-  <p:clrMapOvr>
-    <a:masterClrMapping/>
-  </p:clrMapOvr>
-</p:sld>
-</file>
-
-<file path=ppt/slides/slide2.xml><?xml version="1.0" encoding="utf-8"?>
-<p:sld xmlns:a="http://schemas.openxmlformats.org/drawingml/2006/main" xmlns:r="http://schemas.openxmlformats.org/officeDocument/2006/relationships" xmlns:p="http://schemas.openxmlformats.org/presentationml/2006/main">
-  <p:cSld>
-    <p:spTree>
-      <p:nvGrpSpPr>
-        <p:cNvPr id="1" name=""/>
-        <p:cNvGrpSpPr/>
-        <p:nvPr/>
-      </p:nvGrpSpPr>
-      <p:grpSpPr>
-        <a:xfrm>
-          <a:off x="0" y="0"/>
-          <a:ext cx="0" cy="0"/>
-          <a:chOff x="0" y="0"/>
-          <a:chExt cx="0" cy="0"/>
-        </a:xfrm>
-      </p:grpSpPr>
-      <p:sp>
-        <p:nvSpPr>
-          <p:cNvPr id="37889" name="Rectangle 2"/>
-          <p:cNvSpPr>
-            <a:spLocks noGrp="1" noChangeArrowheads="1"/>
-          </p:cNvSpPr>
-          <p:nvPr>
-            <p:ph type="title"/>
-          </p:nvPr>
-        </p:nvSpPr>
-        <p:spPr>
-          <a:xfrm>
-            <a:off x="290946" y="748145"/>
-            <a:ext cx="8458200" cy="657225"/>
-          </a:xfrm>
-        </p:spPr>
-        <p:txBody>
-          <a:bodyPr/>
-          <a:lstStyle/>
-          <a:p>
-            <a:r>
-              <a:rPr lang="en-US" dirty="0" smtClean="0"/>
-              <a:t>Objectives</a:t>
-            </a:r>
-          </a:p>
-        </p:txBody>
-      </p:sp>
-      <p:sp>
-        <p:nvSpPr>
-          <p:cNvPr id="23554" name="Rectangle 3"/>
-          <p:cNvSpPr>
-            <a:spLocks noGrp="1" noChangeArrowheads="1"/>
-          </p:cNvSpPr>
-          <p:nvPr>
-            <p:ph type="body" idx="1"/>
-          </p:nvPr>
-        </p:nvSpPr>
-        <p:spPr>
-          <a:xfrm>
-            <a:off x="333375" y="1423555"/>
-            <a:ext cx="8467725" cy="4720070"/>
-          </a:xfrm>
-        </p:spPr>
-        <p:txBody>
-          <a:bodyPr/>
-          <a:lstStyle/>
-          <a:p>
-            <a:pPr algn="ctr">
-              <a:buNone/>
-            </a:pPr>
-            <a:r>
-              <a:rPr lang="en-US" sz="2400" dirty="0" smtClean="0"/>
-              <a:t>In this module, the student will be able to:</a:t>
-            </a:r>
-          </a:p>
-          <a:p>
-            <a:r>
-              <a:rPr lang="en-US" sz="1800" dirty="0" smtClean="0"/>
-              <a:t>Understand the importance of multi-core parallel processing in current and future applications</a:t>
-            </a:r>
-          </a:p>
-          <a:p>
-            <a:r>
-              <a:rPr lang="en-US" sz="1800" dirty="0" smtClean="0"/>
-              <a:t>Define different types of Parallel processing and understand the possible limitations and dependencies</a:t>
-            </a:r>
-          </a:p>
-          <a:p>
-            <a:r>
-              <a:rPr lang="en-US" sz="1800" dirty="0" smtClean="0"/>
-              <a:t>Understand the importance of memory features and architecture and data movement for efficient parallel processing</a:t>
-            </a:r>
-          </a:p>
-          <a:p>
-            <a:pPr lvl="1"/>
-            <a:r>
-              <a:rPr lang="en-US" sz="1400" dirty="0" smtClean="0"/>
-              <a:t>Be Familiar with KeyStone special features that facilitate parallel processing</a:t>
-            </a:r>
-          </a:p>
-          <a:p>
-            <a:r>
-              <a:rPr lang="en-US" sz="1800" dirty="0" smtClean="0"/>
-              <a:t>Build a functional driven parallel project</a:t>
-            </a:r>
-          </a:p>
-          <a:p>
-            <a:pPr lvl="1"/>
-            <a:r>
-              <a:rPr lang="en-US" sz="1400" dirty="0" smtClean="0"/>
-              <a:t>Build and Run MCSDK Video demo</a:t>
-            </a:r>
-          </a:p>
-          <a:p>
-            <a:pPr lvl="1"/>
-            <a:r>
-              <a:rPr lang="en-US" sz="1400" dirty="0" smtClean="0"/>
-              <a:t>Analyze TI’s H264 implementation</a:t>
-            </a:r>
-          </a:p>
-          <a:p>
-            <a:r>
-              <a:rPr lang="en-US" sz="1800" dirty="0" smtClean="0"/>
-              <a:t>Build a data driven parallel project </a:t>
-            </a:r>
-          </a:p>
-          <a:p>
-            <a:pPr lvl="1"/>
-            <a:r>
-              <a:rPr lang="en-US" sz="1400" dirty="0" smtClean="0"/>
-              <a:t>Build and run TI’s very large FFT implementation. Understand the implementation</a:t>
-            </a:r>
-          </a:p>
-          <a:p>
-            <a:pPr lvl="1"/>
-            <a:r>
-              <a:rPr lang="en-US" sz="1400" dirty="0" smtClean="0"/>
-              <a:t>Build and Run openMP solution to the VLFFT problem</a:t>
-            </a:r>
-          </a:p>
-          <a:p>
-            <a:pPr>
-              <a:buNone/>
-            </a:pPr>
-            <a:endParaRPr lang="en-US" sz="1800" dirty="0" smtClean="0"/>
-          </a:p>
-        </p:txBody>
-      </p:sp>
-    </p:spTree>
-  </p:cSld>
-  <p:clrMapOvr>
-    <a:masterClrMapping/>
-  </p:clrMapOvr>
+  <p:transition advClick="0"/>
   <p:timing>
     <p:tnLst>
       <p:par>
@@ -17294,319 +17587,6 @@
       </p:par>
     </p:tnLst>
   </p:timing>
-</p:sld>
-</file>
-
-<file path=ppt/slides/slide20.xml><?xml version="1.0" encoding="utf-8"?>
-<p:sld xmlns:a="http://schemas.openxmlformats.org/drawingml/2006/main" xmlns:r="http://schemas.openxmlformats.org/officeDocument/2006/relationships" xmlns:p="http://schemas.openxmlformats.org/presentationml/2006/main">
-  <p:cSld>
-    <p:spTree>
-      <p:nvGrpSpPr>
-        <p:cNvPr id="1" name=""/>
-        <p:cNvGrpSpPr/>
-        <p:nvPr/>
-      </p:nvGrpSpPr>
-      <p:grpSpPr>
-        <a:xfrm>
-          <a:off x="0" y="0"/>
-          <a:ext cx="0" cy="0"/>
-          <a:chOff x="0" y="0"/>
-          <a:chExt cx="0" cy="0"/>
-        </a:xfrm>
-      </p:grpSpPr>
-      <p:sp>
-        <p:nvSpPr>
-          <p:cNvPr id="39937" name="Rectangle 2"/>
-          <p:cNvSpPr>
-            <a:spLocks noGrp="1" noChangeArrowheads="1"/>
-          </p:cNvSpPr>
-          <p:nvPr>
-            <p:ph type="title"/>
-          </p:nvPr>
-        </p:nvSpPr>
-        <p:spPr>
-          <a:xfrm>
-            <a:off x="259772" y="218210"/>
-            <a:ext cx="8458200" cy="1932708"/>
-          </a:xfrm>
-        </p:spPr>
-        <p:txBody>
-          <a:bodyPr/>
-          <a:lstStyle/>
-          <a:p>
-            <a:r>
-              <a:rPr lang="en-US" sz="3200" dirty="0" smtClean="0"/>
-              <a:t>Bandwidth and Memory Considerations</a:t>
-            </a:r>
-            <a:br>
-              <a:rPr lang="en-US" sz="3200" dirty="0" smtClean="0"/>
-            </a:br>
-            <a:r>
-              <a:rPr lang="en-US" sz="3200" dirty="0" smtClean="0">
-                <a:solidFill>
-                  <a:schemeClr val="tx2"/>
-                </a:solidFill>
-              </a:rPr>
-              <a:t>Memory and Transport system</a:t>
-            </a:r>
-            <a:r>
-              <a:rPr lang="en-US" sz="3200" dirty="0" smtClean="0"/>
-              <a:t/>
-            </a:r>
-            <a:br>
-              <a:rPr lang="en-US" sz="3200" dirty="0" smtClean="0"/>
-            </a:br>
-            <a:r>
-              <a:rPr lang="en-US" sz="3200" dirty="0" smtClean="0"/>
-              <a:t/>
-            </a:r>
-            <a:br>
-              <a:rPr lang="en-US" sz="3200" dirty="0" smtClean="0"/>
-            </a:br>
-            <a:endParaRPr lang="en-US" sz="3200" dirty="0" smtClean="0"/>
-          </a:p>
-        </p:txBody>
-      </p:sp>
-      <p:sp>
-        <p:nvSpPr>
-          <p:cNvPr id="23554" name="Rectangle 3"/>
-          <p:cNvSpPr>
-            <a:spLocks noGrp="1" noChangeArrowheads="1"/>
-          </p:cNvSpPr>
-          <p:nvPr>
-            <p:ph type="body" idx="1"/>
-          </p:nvPr>
-        </p:nvSpPr>
-        <p:spPr>
-          <a:xfrm>
-            <a:off x="333375" y="1371600"/>
-            <a:ext cx="8467725" cy="4748645"/>
-          </a:xfrm>
-        </p:spPr>
-        <p:txBody>
-          <a:bodyPr/>
-          <a:lstStyle/>
-          <a:p>
-            <a:pPr>
-              <a:lnSpc>
-                <a:spcPct val="80000"/>
-              </a:lnSpc>
-            </a:pPr>
-            <a:r>
-              <a:rPr lang="en-US" dirty="0" smtClean="0"/>
-              <a:t>Shared memory is needed to exchange data between cores and get data in and out of the device. Local memory speed up processing</a:t>
-            </a:r>
-          </a:p>
-          <a:p>
-            <a:pPr lvl="1">
-              <a:lnSpc>
-                <a:spcPct val="80000"/>
-              </a:lnSpc>
-            </a:pPr>
-            <a:r>
-              <a:rPr lang="en-US" dirty="0" smtClean="0"/>
-              <a:t>KeyStone family has a very fast large external DDR interface(s) and a fast shared L2 memory as part of the sophisticated and fast MSMC</a:t>
-            </a:r>
-          </a:p>
-          <a:p>
-            <a:pPr lvl="1">
-              <a:lnSpc>
-                <a:spcPct val="80000"/>
-              </a:lnSpc>
-            </a:pPr>
-            <a:r>
-              <a:rPr lang="en-US" dirty="0" smtClean="0"/>
-              <a:t>MSMC supports pre-fetching to speed up data load and address translation to access very large external memory</a:t>
-            </a:r>
-          </a:p>
-          <a:p>
-            <a:pPr lvl="1">
-              <a:lnSpc>
-                <a:spcPct val="80000"/>
-              </a:lnSpc>
-            </a:pPr>
-            <a:r>
-              <a:rPr lang="en-US" dirty="0" smtClean="0"/>
-              <a:t>Multiple ports into the MSMC and buffering increase the actual total bandwidth of the memory</a:t>
-            </a:r>
-          </a:p>
-          <a:p>
-            <a:pPr>
-              <a:lnSpc>
-                <a:spcPct val="80000"/>
-              </a:lnSpc>
-            </a:pPr>
-            <a:r>
-              <a:rPr lang="en-US" dirty="0" smtClean="0"/>
-              <a:t>Data movement takes very little CPU resources</a:t>
-            </a:r>
-          </a:p>
-          <a:p>
-            <a:pPr lvl="1">
-              <a:lnSpc>
-                <a:spcPct val="80000"/>
-              </a:lnSpc>
-            </a:pPr>
-            <a:r>
-              <a:rPr lang="en-US" dirty="0" smtClean="0"/>
-              <a:t>Lots of other bus masters (EDMA, Multicore Navigator)</a:t>
-            </a:r>
-          </a:p>
-          <a:p>
-            <a:pPr lvl="1">
-              <a:lnSpc>
-                <a:spcPct val="80000"/>
-              </a:lnSpc>
-            </a:pPr>
-            <a:r>
-              <a:rPr lang="en-US" dirty="0" smtClean="0"/>
-              <a:t>Wide and fast parallel Teranet switch fabric</a:t>
-            </a:r>
-          </a:p>
-          <a:p>
-            <a:pPr>
-              <a:lnSpc>
-                <a:spcPct val="80000"/>
-              </a:lnSpc>
-            </a:pPr>
-            <a:endParaRPr lang="en-US" dirty="0" smtClean="0"/>
-          </a:p>
-        </p:txBody>
-      </p:sp>
-    </p:spTree>
-  </p:cSld>
-  <p:clrMapOvr>
-    <a:masterClrMapping/>
-  </p:clrMapOvr>
-</p:sld>
-</file>
-
-<file path=ppt/slides/slide21.xml><?xml version="1.0" encoding="utf-8"?>
-<p:sld xmlns:a="http://schemas.openxmlformats.org/drawingml/2006/main" xmlns:r="http://schemas.openxmlformats.org/officeDocument/2006/relationships" xmlns:p="http://schemas.openxmlformats.org/presentationml/2006/main">
-  <p:cSld>
-    <p:spTree>
-      <p:nvGrpSpPr>
-        <p:cNvPr id="1" name=""/>
-        <p:cNvGrpSpPr/>
-        <p:nvPr/>
-      </p:nvGrpSpPr>
-      <p:grpSpPr>
-        <a:xfrm>
-          <a:off x="0" y="0"/>
-          <a:ext cx="0" cy="0"/>
-          <a:chOff x="0" y="0"/>
-          <a:chExt cx="0" cy="0"/>
-        </a:xfrm>
-      </p:grpSpPr>
-      <p:sp>
-        <p:nvSpPr>
-          <p:cNvPr id="39937" name="Rectangle 2"/>
-          <p:cNvSpPr>
-            <a:spLocks noGrp="1" noChangeArrowheads="1"/>
-          </p:cNvSpPr>
-          <p:nvPr>
-            <p:ph type="title"/>
-          </p:nvPr>
-        </p:nvSpPr>
-        <p:spPr>
-          <a:xfrm>
-            <a:off x="342900" y="322118"/>
-            <a:ext cx="8458200" cy="657225"/>
-          </a:xfrm>
-        </p:spPr>
-        <p:txBody>
-          <a:bodyPr/>
-          <a:lstStyle/>
-          <a:p>
-            <a:r>
-              <a:rPr lang="en-US" sz="3200" dirty="0" smtClean="0">
-                <a:solidFill>
-                  <a:schemeClr val="tx2"/>
-                </a:solidFill>
-              </a:rPr>
-              <a:t>Examples of Partitions Methods</a:t>
-            </a:r>
-          </a:p>
-        </p:txBody>
-      </p:sp>
-      <p:sp>
-        <p:nvSpPr>
-          <p:cNvPr id="23554" name="Rectangle 3"/>
-          <p:cNvSpPr>
-            <a:spLocks noGrp="1" noChangeArrowheads="1"/>
-          </p:cNvSpPr>
-          <p:nvPr>
-            <p:ph type="body" idx="1"/>
-          </p:nvPr>
-        </p:nvSpPr>
-        <p:spPr>
-          <a:xfrm>
-            <a:off x="333375" y="2369127"/>
-            <a:ext cx="8467725" cy="3013364"/>
-          </a:xfrm>
-        </p:spPr>
-        <p:txBody>
-          <a:bodyPr/>
-          <a:lstStyle/>
-          <a:p>
-            <a:pPr>
-              <a:lnSpc>
-                <a:spcPct val="80000"/>
-              </a:lnSpc>
-            </a:pPr>
-            <a:r>
-              <a:rPr lang="en-US" b="1" dirty="0" smtClean="0">
-                <a:solidFill>
-                  <a:schemeClr val="tx2"/>
-                </a:solidFill>
-              </a:rPr>
-              <a:t>Function driven</a:t>
-            </a:r>
-          </a:p>
-          <a:p>
-            <a:pPr lvl="1">
-              <a:lnSpc>
-                <a:spcPct val="80000"/>
-              </a:lnSpc>
-            </a:pPr>
-            <a:r>
-              <a:rPr lang="en-US" sz="2000" dirty="0" smtClean="0"/>
-              <a:t>H264 encoder – Example 1 </a:t>
-            </a:r>
-          </a:p>
-          <a:p>
-            <a:pPr>
-              <a:lnSpc>
-                <a:spcPct val="80000"/>
-              </a:lnSpc>
-            </a:pPr>
-            <a:r>
-              <a:rPr lang="en-US" b="1" dirty="0" smtClean="0">
-                <a:solidFill>
-                  <a:schemeClr val="tx2"/>
-                </a:solidFill>
-              </a:rPr>
-              <a:t>Data driven</a:t>
-            </a:r>
-          </a:p>
-          <a:p>
-            <a:pPr marL="690563" lvl="1" indent="-288925">
-              <a:lnSpc>
-                <a:spcPct val="80000"/>
-              </a:lnSpc>
-            </a:pPr>
-            <a:r>
-              <a:rPr lang="en-US" sz="2000" dirty="0" smtClean="0"/>
-              <a:t>Very Large FFT   - Example 2 </a:t>
-            </a:r>
-          </a:p>
-        </p:txBody>
-      </p:sp>
-    </p:spTree>
-  </p:cSld>
-  <p:clrMapOvr>
-    <a:masterClrMapping/>
-  </p:clrMapOvr>
 </p:sld>
 </file>
 
@@ -17629,9 +17609,9 @@
       </p:grpSpPr>
       <p:sp>
         <p:nvSpPr>
-          <p:cNvPr id="43009" name="Title 1"/>
-          <p:cNvSpPr>
-            <a:spLocks noGrp="1"/>
+          <p:cNvPr id="39937" name="Rectangle 2"/>
+          <p:cNvSpPr>
+            <a:spLocks noGrp="1" noChangeArrowheads="1"/>
           </p:cNvSpPr>
           <p:nvPr>
             <p:ph type="title"/>
@@ -17639,8 +17619,8 @@
         </p:nvSpPr>
         <p:spPr>
           <a:xfrm>
-            <a:off x="530082" y="623455"/>
-            <a:ext cx="8115155" cy="4125190"/>
+            <a:off x="342900" y="322118"/>
+            <a:ext cx="8458200" cy="657225"/>
           </a:xfrm>
         </p:spPr>
         <p:txBody>
@@ -17653,169 +17633,81 @@
                   <a:schemeClr val="tx2"/>
                 </a:solidFill>
               </a:rPr>
-              <a:t>Example1: </a:t>
-            </a:r>
-            <a:r>
-              <a:rPr lang="en-US" sz="2800" dirty="0" smtClean="0">
+              <a:t>Examples of Partitions Methods</a:t>
+            </a:r>
+          </a:p>
+        </p:txBody>
+      </p:sp>
+      <p:sp>
+        <p:nvSpPr>
+          <p:cNvPr id="23554" name="Rectangle 3"/>
+          <p:cNvSpPr>
+            <a:spLocks noGrp="1" noChangeArrowheads="1"/>
+          </p:cNvSpPr>
+          <p:nvPr>
+            <p:ph type="body" idx="1"/>
+          </p:nvPr>
+        </p:nvSpPr>
+        <p:spPr>
+          <a:xfrm>
+            <a:off x="333375" y="2369127"/>
+            <a:ext cx="8467725" cy="3013364"/>
+          </a:xfrm>
+        </p:spPr>
+        <p:txBody>
+          <a:bodyPr/>
+          <a:lstStyle/>
+          <a:p>
+            <a:pPr>
+              <a:lnSpc>
+                <a:spcPct val="80000"/>
+              </a:lnSpc>
+            </a:pPr>
+            <a:r>
+              <a:rPr lang="en-US" b="1" dirty="0" smtClean="0">
                 <a:solidFill>
                   <a:schemeClr val="tx2"/>
                 </a:solidFill>
               </a:rPr>
-              <a:t/>
-            </a:r>
-            <a:br>
-              <a:rPr lang="en-US" sz="2800" dirty="0" smtClean="0">
+              <a:t>Function driven</a:t>
+            </a:r>
+          </a:p>
+          <a:p>
+            <a:pPr lvl="1">
+              <a:lnSpc>
+                <a:spcPct val="80000"/>
+              </a:lnSpc>
+            </a:pPr>
+            <a:r>
+              <a:rPr lang="en-US" sz="2000" dirty="0" smtClean="0"/>
+              <a:t>H264 encoder – Example 1 </a:t>
+            </a:r>
+          </a:p>
+          <a:p>
+            <a:pPr>
+              <a:lnSpc>
+                <a:spcPct val="80000"/>
+              </a:lnSpc>
+            </a:pPr>
+            <a:r>
+              <a:rPr lang="en-US" b="1" dirty="0" smtClean="0">
                 <a:solidFill>
                   <a:schemeClr val="tx2"/>
                 </a:solidFill>
               </a:rPr>
-            </a:br>
-            <a:r>
-              <a:rPr lang="en-US" sz="2800" dirty="0" smtClean="0">
-                <a:solidFill>
-                  <a:schemeClr val="tx2"/>
-                </a:solidFill>
-              </a:rPr>
-              <a:t/>
-            </a:r>
-            <a:br>
-              <a:rPr lang="en-US" sz="2800" dirty="0" smtClean="0">
-                <a:solidFill>
-                  <a:schemeClr val="tx2"/>
-                </a:solidFill>
-              </a:rPr>
-            </a:br>
-            <a:r>
-              <a:rPr lang="en-US" altLang="zh-CN" sz="2800" dirty="0" smtClean="0">
-                <a:solidFill>
-                  <a:schemeClr val="tx2"/>
-                </a:solidFill>
-                <a:ea typeface="SimSun" charset="-122"/>
-              </a:rPr>
-              <a:t>High Def 1080i60 Video H264 Encoder</a:t>
-            </a:r>
-            <a:br>
-              <a:rPr lang="en-US" altLang="zh-CN" sz="2800" dirty="0" smtClean="0">
-                <a:solidFill>
-                  <a:schemeClr val="tx2"/>
-                </a:solidFill>
-                <a:ea typeface="SimSun" charset="-122"/>
-              </a:rPr>
-            </a:br>
-            <a:r>
-              <a:rPr lang="en-US" altLang="zh-CN" sz="2800" dirty="0" smtClean="0">
-                <a:solidFill>
-                  <a:schemeClr val="tx2"/>
-                </a:solidFill>
-                <a:ea typeface="SimSun" charset="-122"/>
-              </a:rPr>
-              <a:t/>
-            </a:r>
-            <a:br>
-              <a:rPr lang="en-US" altLang="zh-CN" sz="2800" dirty="0" smtClean="0">
-                <a:solidFill>
-                  <a:schemeClr val="tx2"/>
-                </a:solidFill>
-                <a:ea typeface="SimSun" charset="-122"/>
-              </a:rPr>
-            </a:br>
-            <a:r>
-              <a:rPr lang="en-US" altLang="zh-CN" sz="2800" dirty="0" smtClean="0">
-                <a:solidFill>
-                  <a:schemeClr val="tx2"/>
-                </a:solidFill>
-                <a:ea typeface="SimSun" charset="-122"/>
-              </a:rPr>
-              <a:t/>
-            </a:r>
-            <a:br>
-              <a:rPr lang="en-US" altLang="zh-CN" sz="2800" dirty="0" smtClean="0">
-                <a:solidFill>
-                  <a:schemeClr val="tx2"/>
-                </a:solidFill>
-                <a:ea typeface="SimSun" charset="-122"/>
-              </a:rPr>
-            </a:br>
-            <a:r>
-              <a:rPr lang="en-US" altLang="zh-CN" sz="2800" dirty="0" smtClean="0">
-                <a:ea typeface="SimSun" charset="-122"/>
-              </a:rPr>
-              <a:t>Data Flow Model</a:t>
-            </a:r>
-            <a:br>
-              <a:rPr lang="en-US" altLang="zh-CN" sz="2800" dirty="0" smtClean="0">
-                <a:ea typeface="SimSun" charset="-122"/>
-              </a:rPr>
-            </a:br>
-            <a:r>
-              <a:rPr lang="en-US" altLang="zh-CN" sz="2800" dirty="0" smtClean="0">
-                <a:ea typeface="SimSun" charset="-122"/>
-              </a:rPr>
-              <a:t>Function driven partition </a:t>
-            </a:r>
-            <a:r>
-              <a:rPr lang="en-US" altLang="zh-CN" sz="2800" dirty="0" smtClean="0">
-                <a:solidFill>
-                  <a:schemeClr val="tx2"/>
-                </a:solidFill>
-                <a:ea typeface="SimSun" charset="-122"/>
-              </a:rPr>
-              <a:t/>
-            </a:r>
-            <a:br>
-              <a:rPr lang="en-US" altLang="zh-CN" sz="2800" dirty="0" smtClean="0">
-                <a:solidFill>
-                  <a:schemeClr val="tx2"/>
-                </a:solidFill>
-                <a:ea typeface="SimSun" charset="-122"/>
-              </a:rPr>
-            </a:br>
-            <a:endParaRPr lang="en-US" sz="2800" dirty="0" smtClean="0">
-              <a:solidFill>
-                <a:schemeClr val="tx2"/>
-              </a:solidFill>
-            </a:endParaRPr>
-          </a:p>
-        </p:txBody>
-      </p:sp>
-      <p:sp>
-        <p:nvSpPr>
-          <p:cNvPr id="43010" name="Content Placeholder 2"/>
-          <p:cNvSpPr>
-            <a:spLocks/>
-          </p:cNvSpPr>
-          <p:nvPr/>
-        </p:nvSpPr>
-        <p:spPr bwMode="auto">
-          <a:xfrm>
-            <a:off x="276225" y="811213"/>
-            <a:ext cx="8523288" cy="4887912"/>
-          </a:xfrm>
-          <a:prstGeom prst="rect">
-            <a:avLst/>
-          </a:prstGeom>
-          <a:noFill/>
-          <a:ln w="9525">
-            <a:noFill/>
-            <a:miter lim="800000"/>
-            <a:headEnd/>
-            <a:tailEnd/>
-          </a:ln>
-        </p:spPr>
-        <p:txBody>
-          <a:bodyPr/>
-          <a:lstStyle/>
-          <a:p>
-            <a:pPr marL="342900" indent="-342900" eaLnBrk="0" hangingPunct="0">
-              <a:spcBef>
-                <a:spcPct val="20000"/>
-              </a:spcBef>
-              <a:buFontTx/>
-              <a:buChar char="•"/>
-            </a:pPr>
-            <a:endParaRPr lang="en-US" altLang="zh-CN" sz="2400" b="0" dirty="0">
-              <a:ea typeface="SimSun" charset="-122"/>
-            </a:endParaRPr>
+              <a:t>Data driven</a:t>
+            </a:r>
+          </a:p>
+          <a:p>
+            <a:pPr marL="690563" lvl="1" indent="-288925">
+              <a:lnSpc>
+                <a:spcPct val="80000"/>
+              </a:lnSpc>
+            </a:pPr>
+            <a:r>
+              <a:rPr lang="en-US" sz="2000" dirty="0" smtClean="0"/>
+              <a:t>Very Large FFT   - Example 2 </a:t>
+            </a:r>
           </a:p>
         </p:txBody>
       </p:sp>
@@ -17853,157 +17745,167 @@
       </p:grpSpPr>
       <p:sp>
         <p:nvSpPr>
-          <p:cNvPr id="45057" name="Rectangle 2"/>
-          <p:cNvSpPr>
-            <a:spLocks noGrp="1" noChangeArrowheads="1"/>
+          <p:cNvPr id="43009" name="Title 1"/>
+          <p:cNvSpPr>
+            <a:spLocks noGrp="1"/>
           </p:cNvSpPr>
           <p:nvPr>
             <p:ph type="title"/>
           </p:nvPr>
         </p:nvSpPr>
-        <p:spPr/>
+        <p:spPr>
+          <a:xfrm>
+            <a:off x="530082" y="623455"/>
+            <a:ext cx="8115155" cy="4125190"/>
+          </a:xfrm>
+        </p:spPr>
         <p:txBody>
           <a:bodyPr/>
           <a:lstStyle/>
           <a:p>
             <a:r>
-              <a:rPr lang="en-US" sz="3200" dirty="0" smtClean="0"/>
-              <a:t>Macroblock and Pixel Data</a:t>
-            </a:r>
-          </a:p>
-        </p:txBody>
-      </p:sp>
-      <p:sp>
-        <p:nvSpPr>
-          <p:cNvPr id="45058" name="Rectangle 2339"/>
-          <p:cNvSpPr>
-            <a:spLocks noGrp="1" noChangeArrowheads="1"/>
-          </p:cNvSpPr>
-          <p:nvPr>
-            <p:ph type="body" idx="1"/>
-          </p:nvPr>
-        </p:nvSpPr>
-        <p:spPr>
-          <a:xfrm>
-            <a:off x="333375" y="887412"/>
-            <a:ext cx="6105525" cy="5094287"/>
-          </a:xfrm>
-        </p:spPr>
-        <p:txBody>
-          <a:bodyPr/>
-          <a:lstStyle/>
-          <a:p>
-            <a:pPr>
-              <a:buNone/>
-            </a:pPr>
-            <a:r>
-              <a:rPr lang="en-US" dirty="0" smtClean="0"/>
-              <a:t> RGB and YUV</a:t>
-            </a:r>
-          </a:p>
-          <a:p>
-            <a:pPr>
-              <a:buNone/>
-            </a:pPr>
-            <a:endParaRPr lang="en-US" dirty="0" smtClean="0"/>
-          </a:p>
-          <a:p>
-            <a:pPr>
-              <a:buNone/>
-            </a:pPr>
-            <a:endParaRPr lang="en-US" dirty="0" smtClean="0"/>
-          </a:p>
-          <a:p>
-            <a:pPr>
-              <a:buNone/>
-            </a:pPr>
-            <a:endParaRPr lang="en-US" dirty="0" smtClean="0"/>
-          </a:p>
-          <a:p>
-            <a:pPr>
-              <a:buNone/>
-            </a:pPr>
-            <a:r>
-              <a:rPr lang="en-US" dirty="0" smtClean="0"/>
-              <a:t>4:4:4 and 4:2:0 format</a:t>
-            </a:r>
-          </a:p>
-          <a:p>
-            <a:pPr>
-              <a:buNone/>
-            </a:pPr>
-            <a:endParaRPr lang="en-US" dirty="0" smtClean="0"/>
-          </a:p>
-          <a:p>
-            <a:pPr>
-              <a:buNone/>
-            </a:pPr>
-            <a:endParaRPr lang="en-US" dirty="0" smtClean="0"/>
-          </a:p>
-          <a:p>
-            <a:pPr>
-              <a:buNone/>
-            </a:pPr>
-            <a:endParaRPr lang="en-US" dirty="0" smtClean="0"/>
-          </a:p>
-          <a:p>
-            <a:r>
-              <a:rPr lang="en-US" dirty="0" smtClean="0"/>
-              <a:t>Typically 8-bit values (10, 12, 14)</a:t>
-            </a:r>
-          </a:p>
-          <a:p>
-            <a:r>
-              <a:rPr lang="en-US" dirty="0" smtClean="0"/>
-              <a:t>Macroblock = 16x16 pixels</a:t>
-            </a:r>
-          </a:p>
-          <a:p>
-            <a:pPr>
-              <a:buNone/>
-            </a:pPr>
-            <a:endParaRPr lang="en-US" dirty="0" smtClean="0"/>
-          </a:p>
-          <a:p>
-            <a:pPr>
-              <a:buNone/>
-            </a:pPr>
-            <a:endParaRPr lang="en-US" dirty="0" smtClean="0"/>
-          </a:p>
-          <a:p>
-            <a:pPr>
-              <a:buNone/>
-            </a:pPr>
-            <a:r>
-              <a:rPr lang="en-US" dirty="0" smtClean="0"/>
+              <a:rPr lang="en-US" sz="3200" dirty="0" smtClean="0">
+                <a:solidFill>
+                  <a:schemeClr val="tx2"/>
+                </a:solidFill>
+              </a:rPr>
+              <a:t>Example1: </a:t>
+            </a:r>
+            <a:r>
+              <a:rPr lang="en-US" sz="2800" dirty="0" smtClean="0">
+                <a:solidFill>
+                  <a:schemeClr val="tx2"/>
+                </a:solidFill>
+              </a:rPr>
               <a:t/>
             </a:r>
             <a:br>
-              <a:rPr lang="en-US" dirty="0" smtClean="0"/>
+              <a:rPr lang="en-US" sz="2800" dirty="0" smtClean="0">
+                <a:solidFill>
+                  <a:schemeClr val="tx2"/>
+                </a:solidFill>
+              </a:rPr>
             </a:br>
-            <a:endParaRPr lang="en-US" dirty="0" smtClean="0"/>
-          </a:p>
-        </p:txBody>
-      </p:sp>
-      <p:pic>
-        <p:nvPicPr>
-          <p:cNvPr id="45059" name="Picture 4"/>
-          <p:cNvPicPr>
-            <a:picLocks noChangeAspect="1" noChangeArrowheads="1"/>
-          </p:cNvPicPr>
+            <a:r>
+              <a:rPr lang="en-US" sz="2800" dirty="0" smtClean="0">
+                <a:solidFill>
+                  <a:schemeClr val="tx2"/>
+                </a:solidFill>
+              </a:rPr>
+              <a:t/>
+            </a:r>
+            <a:br>
+              <a:rPr lang="en-US" sz="2800" dirty="0" smtClean="0">
+                <a:solidFill>
+                  <a:schemeClr val="tx2"/>
+                </a:solidFill>
+              </a:rPr>
+            </a:br>
+            <a:r>
+              <a:rPr lang="en-US" altLang="zh-CN" sz="2800" dirty="0" smtClean="0">
+                <a:solidFill>
+                  <a:schemeClr val="tx2"/>
+                </a:solidFill>
+                <a:ea typeface="SimSun" charset="-122"/>
+              </a:rPr>
+              <a:t>High Def 1080i60 Video H264 Encoder</a:t>
+            </a:r>
+            <a:br>
+              <a:rPr lang="en-US" altLang="zh-CN" sz="2800" dirty="0" smtClean="0">
+                <a:solidFill>
+                  <a:schemeClr val="tx2"/>
+                </a:solidFill>
+                <a:ea typeface="SimSun" charset="-122"/>
+              </a:rPr>
+            </a:br>
+            <a:r>
+              <a:rPr lang="en-US" altLang="zh-CN" sz="2800" dirty="0" smtClean="0">
+                <a:solidFill>
+                  <a:schemeClr val="tx2"/>
+                </a:solidFill>
+                <a:ea typeface="SimSun" charset="-122"/>
+              </a:rPr>
+              <a:t/>
+            </a:r>
+            <a:br>
+              <a:rPr lang="en-US" altLang="zh-CN" sz="2800" dirty="0" smtClean="0">
+                <a:solidFill>
+                  <a:schemeClr val="tx2"/>
+                </a:solidFill>
+                <a:ea typeface="SimSun" charset="-122"/>
+              </a:rPr>
+            </a:br>
+            <a:r>
+              <a:rPr lang="en-US" altLang="zh-CN" sz="2800" dirty="0" smtClean="0">
+                <a:solidFill>
+                  <a:schemeClr val="tx2"/>
+                </a:solidFill>
+                <a:ea typeface="SimSun" charset="-122"/>
+              </a:rPr>
+              <a:t/>
+            </a:r>
+            <a:br>
+              <a:rPr lang="en-US" altLang="zh-CN" sz="2800" dirty="0" smtClean="0">
+                <a:solidFill>
+                  <a:schemeClr val="tx2"/>
+                </a:solidFill>
+                <a:ea typeface="SimSun" charset="-122"/>
+              </a:rPr>
+            </a:br>
+            <a:r>
+              <a:rPr lang="en-US" altLang="zh-CN" sz="2800" dirty="0" smtClean="0">
+                <a:ea typeface="SimSun" charset="-122"/>
+              </a:rPr>
+              <a:t>Data Flow Model</a:t>
+            </a:r>
+            <a:br>
+              <a:rPr lang="en-US" altLang="zh-CN" sz="2800" dirty="0" smtClean="0">
+                <a:ea typeface="SimSun" charset="-122"/>
+              </a:rPr>
+            </a:br>
+            <a:r>
+              <a:rPr lang="en-US" altLang="zh-CN" sz="2800" dirty="0" smtClean="0">
+                <a:ea typeface="SimSun" charset="-122"/>
+              </a:rPr>
+              <a:t>Function driven partition </a:t>
+            </a:r>
+            <a:r>
+              <a:rPr lang="en-US" altLang="zh-CN" sz="2800" dirty="0" smtClean="0">
+                <a:solidFill>
+                  <a:schemeClr val="tx2"/>
+                </a:solidFill>
+                <a:ea typeface="SimSun" charset="-122"/>
+              </a:rPr>
+              <a:t/>
+            </a:r>
+            <a:br>
+              <a:rPr lang="en-US" altLang="zh-CN" sz="2800" dirty="0" smtClean="0">
+                <a:solidFill>
+                  <a:schemeClr val="tx2"/>
+                </a:solidFill>
+                <a:ea typeface="SimSun" charset="-122"/>
+              </a:rPr>
+            </a:br>
+            <a:endParaRPr lang="en-US" sz="2800" dirty="0" smtClean="0">
+              <a:solidFill>
+                <a:schemeClr val="tx2"/>
+              </a:solidFill>
+            </a:endParaRPr>
+          </a:p>
+        </p:txBody>
+      </p:sp>
+      <p:sp>
+        <p:nvSpPr>
+          <p:cNvPr id="43010" name="Content Placeholder 2"/>
+          <p:cNvSpPr>
+            <a:spLocks/>
+          </p:cNvSpPr>
           <p:nvPr/>
-        </p:nvPicPr>
-        <p:blipFill>
-          <a:blip r:embed="rId3" cstate="print"/>
-          <a:srcRect/>
-          <a:stretch>
-            <a:fillRect/>
-          </a:stretch>
-        </p:blipFill>
+        </p:nvSpPr>
         <p:spPr bwMode="auto">
           <a:xfrm>
-            <a:off x="723900" y="1377950"/>
-            <a:ext cx="4400550" cy="1638300"/>
+            <a:off x="276225" y="811213"/>
+            <a:ext cx="8523288" cy="4887912"/>
           </a:xfrm>
           <a:prstGeom prst="rect">
             <a:avLst/>
@@ -18016,1914 +17918,20 @@
             <a:tailEnd/>
           </a:ln>
         </p:spPr>
-      </p:pic>
-      <p:grpSp>
-        <p:nvGrpSpPr>
-          <p:cNvPr id="2" name="Group 29"/>
-          <p:cNvGrpSpPr/>
-          <p:nvPr/>
-        </p:nvGrpSpPr>
-        <p:grpSpPr>
-          <a:xfrm>
-            <a:off x="7017209" y="4871367"/>
-            <a:ext cx="1533722" cy="1472283"/>
-            <a:chOff x="6474284" y="4471317"/>
-            <a:chExt cx="1533722" cy="1472283"/>
-          </a:xfrm>
-        </p:grpSpPr>
-        <p:grpSp>
-          <p:nvGrpSpPr>
-            <p:cNvPr id="3" name="Group 13"/>
-            <p:cNvGrpSpPr/>
-            <p:nvPr/>
-          </p:nvGrpSpPr>
-          <p:grpSpPr>
-            <a:xfrm>
-              <a:off x="6474284" y="4471317"/>
-              <a:ext cx="752672" cy="729333"/>
-              <a:chOff x="5255084" y="5048260"/>
-              <a:chExt cx="1404232" cy="1360690"/>
-            </a:xfrm>
-          </p:grpSpPr>
-          <p:pic>
-            <p:nvPicPr>
-              <p:cNvPr id="45062" name="Picture 7"/>
-              <p:cNvPicPr>
-                <a:picLocks noChangeAspect="1" noChangeArrowheads="1"/>
-              </p:cNvPicPr>
-              <p:nvPr/>
-            </p:nvPicPr>
-            <p:blipFill>
-              <a:blip r:embed="rId4" cstate="print"/>
-              <a:srcRect/>
-              <a:stretch>
-                <a:fillRect/>
-              </a:stretch>
-            </p:blipFill>
-            <p:spPr bwMode="auto">
-              <a:xfrm>
-                <a:off x="5257800" y="5050976"/>
-                <a:ext cx="685800" cy="666750"/>
-              </a:xfrm>
-              <a:prstGeom prst="rect">
-                <a:avLst/>
-              </a:prstGeom>
-              <a:noFill/>
-              <a:ln w="9525">
-                <a:noFill/>
-                <a:miter lim="800000"/>
-                <a:headEnd/>
-                <a:tailEnd/>
-              </a:ln>
-            </p:spPr>
-          </p:pic>
-          <p:pic>
-            <p:nvPicPr>
-              <p:cNvPr id="8" name="Picture 7"/>
-              <p:cNvPicPr>
-                <a:picLocks noChangeAspect="1" noChangeArrowheads="1"/>
-              </p:cNvPicPr>
-              <p:nvPr/>
-            </p:nvPicPr>
-            <p:blipFill>
-              <a:blip r:embed="rId4" cstate="print"/>
-              <a:srcRect/>
-              <a:stretch>
-                <a:fillRect/>
-              </a:stretch>
-            </p:blipFill>
-            <p:spPr bwMode="auto">
-              <a:xfrm>
-                <a:off x="5973516" y="5048260"/>
-                <a:ext cx="685800" cy="666750"/>
-              </a:xfrm>
-              <a:prstGeom prst="rect">
-                <a:avLst/>
-              </a:prstGeom>
-              <a:noFill/>
-              <a:ln w="9525">
-                <a:noFill/>
-                <a:miter lim="800000"/>
-                <a:headEnd/>
-                <a:tailEnd/>
-              </a:ln>
-            </p:spPr>
-          </p:pic>
-          <p:pic>
-            <p:nvPicPr>
-              <p:cNvPr id="9" name="Picture 7"/>
-              <p:cNvPicPr>
-                <a:picLocks noChangeAspect="1" noChangeArrowheads="1"/>
-              </p:cNvPicPr>
-              <p:nvPr/>
-            </p:nvPicPr>
-            <p:blipFill>
-              <a:blip r:embed="rId4" cstate="print"/>
-              <a:srcRect/>
-              <a:stretch>
-                <a:fillRect/>
-              </a:stretch>
-            </p:blipFill>
-            <p:spPr bwMode="auto">
-              <a:xfrm>
-                <a:off x="5255084" y="5742200"/>
-                <a:ext cx="685800" cy="666750"/>
-              </a:xfrm>
-              <a:prstGeom prst="rect">
-                <a:avLst/>
-              </a:prstGeom>
-              <a:noFill/>
-              <a:ln w="9525">
-                <a:noFill/>
-                <a:miter lim="800000"/>
-                <a:headEnd/>
-                <a:tailEnd/>
-              </a:ln>
-            </p:spPr>
-          </p:pic>
-          <p:pic>
-            <p:nvPicPr>
-              <p:cNvPr id="10" name="Picture 9"/>
-              <p:cNvPicPr>
-                <a:picLocks noChangeAspect="1" noChangeArrowheads="1"/>
-              </p:cNvPicPr>
-              <p:nvPr/>
-            </p:nvPicPr>
-            <p:blipFill>
-              <a:blip r:embed="rId4" cstate="print"/>
-              <a:srcRect/>
-              <a:stretch>
-                <a:fillRect/>
-              </a:stretch>
-            </p:blipFill>
-            <p:spPr bwMode="auto">
-              <a:xfrm>
-                <a:off x="5970800" y="5739484"/>
-                <a:ext cx="685800" cy="666750"/>
-              </a:xfrm>
-              <a:prstGeom prst="rect">
-                <a:avLst/>
-              </a:prstGeom>
-              <a:noFill/>
-              <a:ln w="9525">
-                <a:noFill/>
-                <a:miter lim="800000"/>
-                <a:headEnd/>
-                <a:tailEnd/>
-              </a:ln>
-            </p:spPr>
-          </p:pic>
-        </p:grpSp>
-        <p:grpSp>
-          <p:nvGrpSpPr>
-            <p:cNvPr id="4" name="Group 14"/>
-            <p:cNvGrpSpPr/>
-            <p:nvPr/>
-          </p:nvGrpSpPr>
-          <p:grpSpPr>
-            <a:xfrm>
-              <a:off x="7255334" y="4471317"/>
-              <a:ext cx="752672" cy="729333"/>
-              <a:chOff x="5255084" y="5048260"/>
-              <a:chExt cx="1404232" cy="1360690"/>
-            </a:xfrm>
-          </p:grpSpPr>
-          <p:pic>
-            <p:nvPicPr>
-              <p:cNvPr id="16" name="Picture 7"/>
-              <p:cNvPicPr>
-                <a:picLocks noChangeAspect="1" noChangeArrowheads="1"/>
-              </p:cNvPicPr>
-              <p:nvPr/>
-            </p:nvPicPr>
-            <p:blipFill>
-              <a:blip r:embed="rId4" cstate="print"/>
-              <a:srcRect/>
-              <a:stretch>
-                <a:fillRect/>
-              </a:stretch>
-            </p:blipFill>
-            <p:spPr bwMode="auto">
-              <a:xfrm>
-                <a:off x="5257800" y="5050976"/>
-                <a:ext cx="685800" cy="666750"/>
-              </a:xfrm>
-              <a:prstGeom prst="rect">
-                <a:avLst/>
-              </a:prstGeom>
-              <a:noFill/>
-              <a:ln w="9525">
-                <a:noFill/>
-                <a:miter lim="800000"/>
-                <a:headEnd/>
-                <a:tailEnd/>
-              </a:ln>
-            </p:spPr>
-          </p:pic>
-          <p:pic>
-            <p:nvPicPr>
-              <p:cNvPr id="17" name="Picture 16"/>
-              <p:cNvPicPr>
-                <a:picLocks noChangeAspect="1" noChangeArrowheads="1"/>
-              </p:cNvPicPr>
-              <p:nvPr/>
-            </p:nvPicPr>
-            <p:blipFill>
-              <a:blip r:embed="rId4" cstate="print"/>
-              <a:srcRect/>
-              <a:stretch>
-                <a:fillRect/>
-              </a:stretch>
-            </p:blipFill>
-            <p:spPr bwMode="auto">
-              <a:xfrm>
-                <a:off x="5973516" y="5048260"/>
-                <a:ext cx="685800" cy="666750"/>
-              </a:xfrm>
-              <a:prstGeom prst="rect">
-                <a:avLst/>
-              </a:prstGeom>
-              <a:noFill/>
-              <a:ln w="9525">
-                <a:noFill/>
-                <a:miter lim="800000"/>
-                <a:headEnd/>
-                <a:tailEnd/>
-              </a:ln>
-            </p:spPr>
-          </p:pic>
-          <p:pic>
-            <p:nvPicPr>
-              <p:cNvPr id="18" name="Picture 7"/>
-              <p:cNvPicPr>
-                <a:picLocks noChangeAspect="1" noChangeArrowheads="1"/>
-              </p:cNvPicPr>
-              <p:nvPr/>
-            </p:nvPicPr>
-            <p:blipFill>
-              <a:blip r:embed="rId4" cstate="print"/>
-              <a:srcRect/>
-              <a:stretch>
-                <a:fillRect/>
-              </a:stretch>
-            </p:blipFill>
-            <p:spPr bwMode="auto">
-              <a:xfrm>
-                <a:off x="5255084" y="5742200"/>
-                <a:ext cx="685800" cy="666750"/>
-              </a:xfrm>
-              <a:prstGeom prst="rect">
-                <a:avLst/>
-              </a:prstGeom>
-              <a:noFill/>
-              <a:ln w="9525">
-                <a:noFill/>
-                <a:miter lim="800000"/>
-                <a:headEnd/>
-                <a:tailEnd/>
-              </a:ln>
-            </p:spPr>
-          </p:pic>
-          <p:pic>
-            <p:nvPicPr>
-              <p:cNvPr id="19" name="Picture 18"/>
-              <p:cNvPicPr>
-                <a:picLocks noChangeAspect="1" noChangeArrowheads="1"/>
-              </p:cNvPicPr>
-              <p:nvPr/>
-            </p:nvPicPr>
-            <p:blipFill>
-              <a:blip r:embed="rId4" cstate="print"/>
-              <a:srcRect/>
-              <a:stretch>
-                <a:fillRect/>
-              </a:stretch>
-            </p:blipFill>
-            <p:spPr bwMode="auto">
-              <a:xfrm>
-                <a:off x="5970800" y="5739484"/>
-                <a:ext cx="685800" cy="666750"/>
-              </a:xfrm>
-              <a:prstGeom prst="rect">
-                <a:avLst/>
-              </a:prstGeom>
-              <a:noFill/>
-              <a:ln w="9525">
-                <a:noFill/>
-                <a:miter lim="800000"/>
-                <a:headEnd/>
-                <a:tailEnd/>
-              </a:ln>
-            </p:spPr>
-          </p:pic>
-        </p:grpSp>
-        <p:grpSp>
-          <p:nvGrpSpPr>
-            <p:cNvPr id="5" name="Group 19"/>
-            <p:cNvGrpSpPr/>
-            <p:nvPr/>
-          </p:nvGrpSpPr>
-          <p:grpSpPr>
-            <a:xfrm>
-              <a:off x="6474284" y="5214267"/>
-              <a:ext cx="752672" cy="729333"/>
-              <a:chOff x="5255084" y="5048260"/>
-              <a:chExt cx="1404232" cy="1360690"/>
-            </a:xfrm>
-          </p:grpSpPr>
-          <p:pic>
-            <p:nvPicPr>
-              <p:cNvPr id="21" name="Picture 7"/>
-              <p:cNvPicPr>
-                <a:picLocks noChangeAspect="1" noChangeArrowheads="1"/>
-              </p:cNvPicPr>
-              <p:nvPr/>
-            </p:nvPicPr>
-            <p:blipFill>
-              <a:blip r:embed="rId4" cstate="print"/>
-              <a:srcRect/>
-              <a:stretch>
-                <a:fillRect/>
-              </a:stretch>
-            </p:blipFill>
-            <p:spPr bwMode="auto">
-              <a:xfrm>
-                <a:off x="5257800" y="5050976"/>
-                <a:ext cx="685800" cy="666750"/>
-              </a:xfrm>
-              <a:prstGeom prst="rect">
-                <a:avLst/>
-              </a:prstGeom>
-              <a:noFill/>
-              <a:ln w="9525">
-                <a:noFill/>
-                <a:miter lim="800000"/>
-                <a:headEnd/>
-                <a:tailEnd/>
-              </a:ln>
-            </p:spPr>
-          </p:pic>
-          <p:pic>
-            <p:nvPicPr>
-              <p:cNvPr id="22" name="Picture 21"/>
-              <p:cNvPicPr>
-                <a:picLocks noChangeAspect="1" noChangeArrowheads="1"/>
-              </p:cNvPicPr>
-              <p:nvPr/>
-            </p:nvPicPr>
-            <p:blipFill>
-              <a:blip r:embed="rId4" cstate="print"/>
-              <a:srcRect/>
-              <a:stretch>
-                <a:fillRect/>
-              </a:stretch>
-            </p:blipFill>
-            <p:spPr bwMode="auto">
-              <a:xfrm>
-                <a:off x="5973516" y="5048260"/>
-                <a:ext cx="685800" cy="666750"/>
-              </a:xfrm>
-              <a:prstGeom prst="rect">
-                <a:avLst/>
-              </a:prstGeom>
-              <a:noFill/>
-              <a:ln w="9525">
-                <a:noFill/>
-                <a:miter lim="800000"/>
-                <a:headEnd/>
-                <a:tailEnd/>
-              </a:ln>
-            </p:spPr>
-          </p:pic>
-          <p:pic>
-            <p:nvPicPr>
-              <p:cNvPr id="23" name="Picture 7"/>
-              <p:cNvPicPr>
-                <a:picLocks noChangeAspect="1" noChangeArrowheads="1"/>
-              </p:cNvPicPr>
-              <p:nvPr/>
-            </p:nvPicPr>
-            <p:blipFill>
-              <a:blip r:embed="rId4" cstate="print"/>
-              <a:srcRect/>
-              <a:stretch>
-                <a:fillRect/>
-              </a:stretch>
-            </p:blipFill>
-            <p:spPr bwMode="auto">
-              <a:xfrm>
-                <a:off x="5255084" y="5742200"/>
-                <a:ext cx="685800" cy="666750"/>
-              </a:xfrm>
-              <a:prstGeom prst="rect">
-                <a:avLst/>
-              </a:prstGeom>
-              <a:noFill/>
-              <a:ln w="9525">
-                <a:noFill/>
-                <a:miter lim="800000"/>
-                <a:headEnd/>
-                <a:tailEnd/>
-              </a:ln>
-            </p:spPr>
-          </p:pic>
-          <p:pic>
-            <p:nvPicPr>
-              <p:cNvPr id="24" name="Picture 23"/>
-              <p:cNvPicPr>
-                <a:picLocks noChangeAspect="1" noChangeArrowheads="1"/>
-              </p:cNvPicPr>
-              <p:nvPr/>
-            </p:nvPicPr>
-            <p:blipFill>
-              <a:blip r:embed="rId4" cstate="print"/>
-              <a:srcRect/>
-              <a:stretch>
-                <a:fillRect/>
-              </a:stretch>
-            </p:blipFill>
-            <p:spPr bwMode="auto">
-              <a:xfrm>
-                <a:off x="5970800" y="5739484"/>
-                <a:ext cx="685800" cy="666750"/>
-              </a:xfrm>
-              <a:prstGeom prst="rect">
-                <a:avLst/>
-              </a:prstGeom>
-              <a:noFill/>
-              <a:ln w="9525">
-                <a:noFill/>
-                <a:miter lim="800000"/>
-                <a:headEnd/>
-                <a:tailEnd/>
-              </a:ln>
-            </p:spPr>
-          </p:pic>
-        </p:grpSp>
-        <p:grpSp>
-          <p:nvGrpSpPr>
-            <p:cNvPr id="6" name="Group 24"/>
-            <p:cNvGrpSpPr/>
-            <p:nvPr/>
-          </p:nvGrpSpPr>
-          <p:grpSpPr>
-            <a:xfrm>
-              <a:off x="7255334" y="5214267"/>
-              <a:ext cx="752672" cy="729333"/>
-              <a:chOff x="5255084" y="5048260"/>
-              <a:chExt cx="1404232" cy="1360690"/>
-            </a:xfrm>
-          </p:grpSpPr>
-          <p:pic>
-            <p:nvPicPr>
-              <p:cNvPr id="26" name="Picture 7"/>
-              <p:cNvPicPr>
-                <a:picLocks noChangeAspect="1" noChangeArrowheads="1"/>
-              </p:cNvPicPr>
-              <p:nvPr/>
-            </p:nvPicPr>
-            <p:blipFill>
-              <a:blip r:embed="rId4" cstate="print"/>
-              <a:srcRect/>
-              <a:stretch>
-                <a:fillRect/>
-              </a:stretch>
-            </p:blipFill>
-            <p:spPr bwMode="auto">
-              <a:xfrm>
-                <a:off x="5257800" y="5050976"/>
-                <a:ext cx="685800" cy="666750"/>
-              </a:xfrm>
-              <a:prstGeom prst="rect">
-                <a:avLst/>
-              </a:prstGeom>
-              <a:noFill/>
-              <a:ln w="9525">
-                <a:noFill/>
-                <a:miter lim="800000"/>
-                <a:headEnd/>
-                <a:tailEnd/>
-              </a:ln>
-            </p:spPr>
-          </p:pic>
-          <p:pic>
-            <p:nvPicPr>
-              <p:cNvPr id="27" name="Picture 26"/>
-              <p:cNvPicPr>
-                <a:picLocks noChangeAspect="1" noChangeArrowheads="1"/>
-              </p:cNvPicPr>
-              <p:nvPr/>
-            </p:nvPicPr>
-            <p:blipFill>
-              <a:blip r:embed="rId4" cstate="print"/>
-              <a:srcRect/>
-              <a:stretch>
-                <a:fillRect/>
-              </a:stretch>
-            </p:blipFill>
-            <p:spPr bwMode="auto">
-              <a:xfrm>
-                <a:off x="5973516" y="5048260"/>
-                <a:ext cx="685800" cy="666750"/>
-              </a:xfrm>
-              <a:prstGeom prst="rect">
-                <a:avLst/>
-              </a:prstGeom>
-              <a:noFill/>
-              <a:ln w="9525">
-                <a:noFill/>
-                <a:miter lim="800000"/>
-                <a:headEnd/>
-                <a:tailEnd/>
-              </a:ln>
-            </p:spPr>
-          </p:pic>
-          <p:pic>
-            <p:nvPicPr>
-              <p:cNvPr id="28" name="Picture 7"/>
-              <p:cNvPicPr>
-                <a:picLocks noChangeAspect="1" noChangeArrowheads="1"/>
-              </p:cNvPicPr>
-              <p:nvPr/>
-            </p:nvPicPr>
-            <p:blipFill>
-              <a:blip r:embed="rId4" cstate="print"/>
-              <a:srcRect/>
-              <a:stretch>
-                <a:fillRect/>
-              </a:stretch>
-            </p:blipFill>
-            <p:spPr bwMode="auto">
-              <a:xfrm>
-                <a:off x="5255084" y="5742200"/>
-                <a:ext cx="685800" cy="666750"/>
-              </a:xfrm>
-              <a:prstGeom prst="rect">
-                <a:avLst/>
-              </a:prstGeom>
-              <a:noFill/>
-              <a:ln w="9525">
-                <a:noFill/>
-                <a:miter lim="800000"/>
-                <a:headEnd/>
-                <a:tailEnd/>
-              </a:ln>
-            </p:spPr>
-          </p:pic>
-          <p:pic>
-            <p:nvPicPr>
-              <p:cNvPr id="29" name="Picture 28"/>
-              <p:cNvPicPr>
-                <a:picLocks noChangeAspect="1" noChangeArrowheads="1"/>
-              </p:cNvPicPr>
-              <p:nvPr/>
-            </p:nvPicPr>
-            <p:blipFill>
-              <a:blip r:embed="rId4" cstate="print"/>
-              <a:srcRect/>
-              <a:stretch>
-                <a:fillRect/>
-              </a:stretch>
-            </p:blipFill>
-            <p:spPr bwMode="auto">
-              <a:xfrm>
-                <a:off x="5970800" y="5739484"/>
-                <a:ext cx="685800" cy="666750"/>
-              </a:xfrm>
-              <a:prstGeom prst="rect">
-                <a:avLst/>
-              </a:prstGeom>
-              <a:noFill/>
-              <a:ln w="9525">
-                <a:noFill/>
-                <a:miter lim="800000"/>
-                <a:headEnd/>
-                <a:tailEnd/>
-              </a:ln>
-            </p:spPr>
-          </p:pic>
-        </p:grpSp>
-      </p:grpSp>
-      <p:grpSp>
-        <p:nvGrpSpPr>
-          <p:cNvPr id="7" name="Group 50"/>
-          <p:cNvGrpSpPr/>
-          <p:nvPr/>
-        </p:nvGrpSpPr>
-        <p:grpSpPr>
-          <a:xfrm>
-            <a:off x="2238375" y="3526635"/>
-            <a:ext cx="723275" cy="1021787"/>
-            <a:chOff x="6362700" y="2509845"/>
-            <a:chExt cx="723275" cy="1021787"/>
-          </a:xfrm>
-        </p:grpSpPr>
-        <p:sp>
-          <p:nvSpPr>
-            <p:cNvPr id="31" name="Oval 30"/>
-            <p:cNvSpPr/>
-            <p:nvPr/>
-          </p:nvSpPr>
-          <p:spPr bwMode="auto">
-            <a:xfrm>
-              <a:off x="6400798" y="2514599"/>
-              <a:ext cx="238125" cy="238125"/>
-            </a:xfrm>
-            <a:prstGeom prst="ellipse">
-              <a:avLst/>
-            </a:prstGeom>
-            <a:noFill/>
-            <a:ln w="25400" cap="flat" cmpd="sng" algn="ctr">
-              <a:solidFill>
-                <a:schemeClr val="tx1"/>
-              </a:solidFill>
-              <a:prstDash val="solid"/>
-              <a:round/>
-              <a:headEnd type="none" w="med" len="med"/>
-              <a:tailEnd type="none" w="med" len="med"/>
-            </a:ln>
-            <a:effectLst/>
-          </p:spPr>
-          <p:txBody>
-            <a:bodyPr vert="horz" wrap="square" lIns="91440" tIns="45720" rIns="91440" bIns="45720" numCol="1" rtlCol="0" anchor="t" anchorCtr="0" compatLnSpc="1">
-              <a:prstTxWarp prst="textNoShape">
-                <a:avLst/>
-              </a:prstTxWarp>
-            </a:bodyPr>
-            <a:lstStyle/>
-            <a:p>
-              <a:pPr marL="0" marR="0" indent="0" algn="l" defTabSz="914400" rtl="0" eaLnBrk="1" fontAlgn="base" latinLnBrk="0" hangingPunct="1">
-                <a:lnSpc>
-                  <a:spcPct val="100000"/>
-                </a:lnSpc>
-                <a:spcBef>
-                  <a:spcPct val="0"/>
-                </a:spcBef>
-                <a:spcAft>
-                  <a:spcPct val="0"/>
-                </a:spcAft>
-                <a:buClrTx/>
-                <a:buSzTx/>
-                <a:buFontTx/>
-                <a:buNone/>
-                <a:tabLst/>
-              </a:pPr>
-              <a:endParaRPr kumimoji="0" lang="en-US" sz="1800" b="1" i="0" u="none" strike="noStrike" cap="none" normalizeH="0" baseline="0" dirty="0" smtClean="0">
-                <a:ln>
-                  <a:noFill/>
-                </a:ln>
-                <a:solidFill>
-                  <a:schemeClr val="tx1"/>
-                </a:solidFill>
-                <a:effectLst/>
-                <a:latin typeface="Arial" charset="0"/>
-              </a:endParaRPr>
-            </a:p>
-          </p:txBody>
-        </p:sp>
-        <p:sp>
-          <p:nvSpPr>
-            <p:cNvPr id="33" name="Oval 32"/>
-            <p:cNvSpPr/>
-            <p:nvPr/>
-          </p:nvSpPr>
-          <p:spPr bwMode="auto">
-            <a:xfrm>
-              <a:off x="6777038" y="2895599"/>
-              <a:ext cx="238125" cy="238125"/>
-            </a:xfrm>
-            <a:prstGeom prst="ellipse">
-              <a:avLst/>
-            </a:prstGeom>
-            <a:noFill/>
-            <a:ln w="25400" cap="flat" cmpd="sng" algn="ctr">
-              <a:solidFill>
-                <a:schemeClr val="tx1"/>
-              </a:solidFill>
-              <a:prstDash val="solid"/>
-              <a:round/>
-              <a:headEnd type="none" w="med" len="med"/>
-              <a:tailEnd type="none" w="med" len="med"/>
-            </a:ln>
-            <a:effectLst/>
-          </p:spPr>
-          <p:txBody>
-            <a:bodyPr vert="horz" wrap="square" lIns="91440" tIns="45720" rIns="91440" bIns="45720" numCol="1" rtlCol="0" anchor="t" anchorCtr="0" compatLnSpc="1">
-              <a:prstTxWarp prst="textNoShape">
-                <a:avLst/>
-              </a:prstTxWarp>
-            </a:bodyPr>
-            <a:lstStyle/>
-            <a:p>
-              <a:pPr marL="0" marR="0" indent="0" algn="l" defTabSz="914400" rtl="0" eaLnBrk="1" fontAlgn="base" latinLnBrk="0" hangingPunct="1">
-                <a:lnSpc>
-                  <a:spcPct val="100000"/>
-                </a:lnSpc>
-                <a:spcBef>
-                  <a:spcPct val="0"/>
-                </a:spcBef>
-                <a:spcAft>
-                  <a:spcPct val="0"/>
-                </a:spcAft>
-                <a:buClrTx/>
-                <a:buSzTx/>
-                <a:buFontTx/>
-                <a:buNone/>
-                <a:tabLst/>
-              </a:pPr>
-              <a:endParaRPr kumimoji="0" lang="en-US" sz="1800" b="1" i="0" u="none" strike="noStrike" cap="none" normalizeH="0" baseline="0" dirty="0" smtClean="0">
-                <a:ln>
-                  <a:noFill/>
-                </a:ln>
-                <a:solidFill>
-                  <a:schemeClr val="tx1"/>
-                </a:solidFill>
-                <a:effectLst/>
-                <a:latin typeface="Arial" charset="0"/>
-              </a:endParaRPr>
-            </a:p>
-          </p:txBody>
-        </p:sp>
-        <p:sp>
-          <p:nvSpPr>
-            <p:cNvPr id="34" name="Oval 33"/>
-            <p:cNvSpPr/>
-            <p:nvPr/>
-          </p:nvSpPr>
-          <p:spPr bwMode="auto">
-            <a:xfrm>
-              <a:off x="6781800" y="2509845"/>
-              <a:ext cx="238125" cy="238125"/>
-            </a:xfrm>
-            <a:prstGeom prst="ellipse">
-              <a:avLst/>
-            </a:prstGeom>
-            <a:noFill/>
-            <a:ln w="25400" cap="flat" cmpd="sng" algn="ctr">
-              <a:solidFill>
-                <a:schemeClr val="tx1"/>
-              </a:solidFill>
-              <a:prstDash val="solid"/>
-              <a:round/>
-              <a:headEnd type="none" w="med" len="med"/>
-              <a:tailEnd type="none" w="med" len="med"/>
-            </a:ln>
-            <a:effectLst/>
-          </p:spPr>
-          <p:txBody>
-            <a:bodyPr vert="horz" wrap="square" lIns="91440" tIns="45720" rIns="91440" bIns="45720" numCol="1" rtlCol="0" anchor="t" anchorCtr="0" compatLnSpc="1">
-              <a:prstTxWarp prst="textNoShape">
-                <a:avLst/>
-              </a:prstTxWarp>
-            </a:bodyPr>
-            <a:lstStyle/>
-            <a:p>
-              <a:pPr marL="0" marR="0" indent="0" algn="l" defTabSz="914400" rtl="0" eaLnBrk="1" fontAlgn="base" latinLnBrk="0" hangingPunct="1">
-                <a:lnSpc>
-                  <a:spcPct val="100000"/>
-                </a:lnSpc>
-                <a:spcBef>
-                  <a:spcPct val="0"/>
-                </a:spcBef>
-                <a:spcAft>
-                  <a:spcPct val="0"/>
-                </a:spcAft>
-                <a:buClrTx/>
-                <a:buSzTx/>
-                <a:buFontTx/>
-                <a:buNone/>
-                <a:tabLst/>
-              </a:pPr>
-              <a:endParaRPr kumimoji="0" lang="en-US" sz="1800" b="1" i="0" u="none" strike="noStrike" cap="none" normalizeH="0" baseline="0" dirty="0" smtClean="0">
-                <a:ln>
-                  <a:noFill/>
-                </a:ln>
-                <a:solidFill>
-                  <a:schemeClr val="tx1"/>
-                </a:solidFill>
-                <a:effectLst/>
-                <a:latin typeface="Arial" charset="0"/>
-              </a:endParaRPr>
-            </a:p>
-          </p:txBody>
-        </p:sp>
-        <p:sp>
-          <p:nvSpPr>
-            <p:cNvPr id="35" name="Oval 34"/>
-            <p:cNvSpPr/>
-            <p:nvPr/>
-          </p:nvSpPr>
-          <p:spPr bwMode="auto">
-            <a:xfrm>
-              <a:off x="6400789" y="2890860"/>
-              <a:ext cx="238125" cy="238125"/>
-            </a:xfrm>
-            <a:prstGeom prst="ellipse">
-              <a:avLst/>
-            </a:prstGeom>
-            <a:noFill/>
-            <a:ln w="25400" cap="flat" cmpd="sng" algn="ctr">
-              <a:solidFill>
-                <a:schemeClr val="tx1"/>
-              </a:solidFill>
-              <a:prstDash val="solid"/>
-              <a:round/>
-              <a:headEnd type="none" w="med" len="med"/>
-              <a:tailEnd type="none" w="med" len="med"/>
-            </a:ln>
-            <a:effectLst/>
-          </p:spPr>
-          <p:txBody>
-            <a:bodyPr vert="horz" wrap="square" lIns="91440" tIns="45720" rIns="91440" bIns="45720" numCol="1" rtlCol="0" anchor="t" anchorCtr="0" compatLnSpc="1">
-              <a:prstTxWarp prst="textNoShape">
-                <a:avLst/>
-              </a:prstTxWarp>
-            </a:bodyPr>
-            <a:lstStyle/>
-            <a:p>
-              <a:pPr marL="0" marR="0" indent="0" algn="l" defTabSz="914400" rtl="0" eaLnBrk="1" fontAlgn="base" latinLnBrk="0" hangingPunct="1">
-                <a:lnSpc>
-                  <a:spcPct val="100000"/>
-                </a:lnSpc>
-                <a:spcBef>
-                  <a:spcPct val="0"/>
-                </a:spcBef>
-                <a:spcAft>
-                  <a:spcPct val="0"/>
-                </a:spcAft>
-                <a:buClrTx/>
-                <a:buSzTx/>
-                <a:buFontTx/>
-                <a:buNone/>
-                <a:tabLst/>
-              </a:pPr>
-              <a:endParaRPr kumimoji="0" lang="en-US" sz="1800" b="1" i="0" u="none" strike="noStrike" cap="none" normalizeH="0" baseline="0" dirty="0" smtClean="0">
-                <a:ln>
-                  <a:noFill/>
-                </a:ln>
-                <a:solidFill>
-                  <a:schemeClr val="tx1"/>
-                </a:solidFill>
-                <a:effectLst/>
-                <a:latin typeface="Arial" charset="0"/>
-              </a:endParaRPr>
-            </a:p>
-          </p:txBody>
-        </p:sp>
-        <p:sp>
-          <p:nvSpPr>
-            <p:cNvPr id="36" name="Oval 35"/>
-            <p:cNvSpPr/>
-            <p:nvPr/>
-          </p:nvSpPr>
-          <p:spPr bwMode="auto">
-            <a:xfrm>
-              <a:off x="6638925" y="2752725"/>
-              <a:ext cx="142875" cy="142875"/>
-            </a:xfrm>
-            <a:prstGeom prst="ellipse">
-              <a:avLst/>
-            </a:prstGeom>
-            <a:solidFill>
-              <a:schemeClr val="accent1"/>
-            </a:solidFill>
-            <a:ln w="9525" cap="flat" cmpd="sng" algn="ctr">
-              <a:solidFill>
-                <a:schemeClr val="tx1"/>
-              </a:solidFill>
-              <a:prstDash val="solid"/>
-              <a:round/>
-              <a:headEnd type="none" w="med" len="med"/>
-              <a:tailEnd type="none" w="med" len="med"/>
-            </a:ln>
-            <a:effectLst/>
-          </p:spPr>
-          <p:txBody>
-            <a:bodyPr vert="horz" wrap="square" lIns="91440" tIns="45720" rIns="91440" bIns="45720" numCol="1" rtlCol="0" anchor="t" anchorCtr="0" compatLnSpc="1">
-              <a:prstTxWarp prst="textNoShape">
-                <a:avLst/>
-              </a:prstTxWarp>
-            </a:bodyPr>
-            <a:lstStyle/>
-            <a:p>
-              <a:pPr marL="0" marR="0" indent="0" algn="l" defTabSz="914400" rtl="0" eaLnBrk="1" fontAlgn="base" latinLnBrk="0" hangingPunct="1">
-                <a:lnSpc>
-                  <a:spcPct val="100000"/>
-                </a:lnSpc>
-                <a:spcBef>
-                  <a:spcPct val="0"/>
-                </a:spcBef>
-                <a:spcAft>
-                  <a:spcPct val="0"/>
-                </a:spcAft>
-                <a:buClrTx/>
-                <a:buSzTx/>
-                <a:buFontTx/>
-                <a:buNone/>
-                <a:tabLst/>
-              </a:pPr>
-              <a:endParaRPr kumimoji="0" lang="en-US" sz="1800" b="1" i="0" u="none" strike="noStrike" cap="none" normalizeH="0" baseline="0" dirty="0" smtClean="0">
-                <a:ln>
-                  <a:noFill/>
-                </a:ln>
-                <a:solidFill>
-                  <a:schemeClr val="tx1"/>
-                </a:solidFill>
-                <a:effectLst/>
-                <a:latin typeface="Arial" charset="0"/>
-              </a:endParaRPr>
-            </a:p>
-          </p:txBody>
-        </p:sp>
-        <p:sp>
-          <p:nvSpPr>
-            <p:cNvPr id="39" name="TextBox 38"/>
-            <p:cNvSpPr txBox="1"/>
-            <p:nvPr/>
-          </p:nvSpPr>
-          <p:spPr>
-            <a:xfrm>
-              <a:off x="6362700" y="3162300"/>
-              <a:ext cx="723275" cy="369332"/>
-            </a:xfrm>
-            <a:prstGeom prst="rect">
-              <a:avLst/>
-            </a:prstGeom>
-            <a:noFill/>
-          </p:spPr>
-          <p:txBody>
-            <a:bodyPr wrap="square" rtlCol="0">
-              <a:spAutoFit/>
-            </a:bodyPr>
-            <a:lstStyle/>
-            <a:p>
-              <a:r>
-                <a:rPr lang="en-US" dirty="0" smtClean="0"/>
-                <a:t>4:2:0</a:t>
-              </a:r>
-              <a:endParaRPr lang="en-US" dirty="0"/>
-            </a:p>
-          </p:txBody>
-        </p:sp>
-      </p:grpSp>
-      <p:grpSp>
-        <p:nvGrpSpPr>
-          <p:cNvPr id="11" name="Group 40"/>
-          <p:cNvGrpSpPr/>
-          <p:nvPr/>
-        </p:nvGrpSpPr>
-        <p:grpSpPr>
-          <a:xfrm>
-            <a:off x="600075" y="3526635"/>
-            <a:ext cx="723275" cy="1021787"/>
-            <a:chOff x="6362700" y="2509845"/>
-            <a:chExt cx="723275" cy="1021787"/>
-          </a:xfrm>
-        </p:grpSpPr>
-        <p:sp>
-          <p:nvSpPr>
-            <p:cNvPr id="42" name="Oval 41"/>
-            <p:cNvSpPr/>
-            <p:nvPr/>
-          </p:nvSpPr>
-          <p:spPr bwMode="auto">
-            <a:xfrm>
-              <a:off x="6400798" y="2514599"/>
-              <a:ext cx="238125" cy="238125"/>
-            </a:xfrm>
-            <a:prstGeom prst="ellipse">
-              <a:avLst/>
-            </a:prstGeom>
-            <a:noFill/>
-            <a:ln w="25400" cap="flat" cmpd="sng" algn="ctr">
-              <a:solidFill>
-                <a:schemeClr val="tx1"/>
-              </a:solidFill>
-              <a:prstDash val="solid"/>
-              <a:round/>
-              <a:headEnd type="none" w="med" len="med"/>
-              <a:tailEnd type="none" w="med" len="med"/>
-            </a:ln>
-            <a:effectLst/>
-          </p:spPr>
-          <p:txBody>
-            <a:bodyPr vert="horz" wrap="square" lIns="91440" tIns="45720" rIns="91440" bIns="45720" numCol="1" rtlCol="0" anchor="t" anchorCtr="0" compatLnSpc="1">
-              <a:prstTxWarp prst="textNoShape">
-                <a:avLst/>
-              </a:prstTxWarp>
-            </a:bodyPr>
-            <a:lstStyle/>
-            <a:p>
-              <a:pPr marL="0" marR="0" indent="0" algn="l" defTabSz="914400" rtl="0" eaLnBrk="1" fontAlgn="base" latinLnBrk="0" hangingPunct="1">
-                <a:lnSpc>
-                  <a:spcPct val="100000"/>
-                </a:lnSpc>
-                <a:spcBef>
-                  <a:spcPct val="0"/>
-                </a:spcBef>
-                <a:spcAft>
-                  <a:spcPct val="0"/>
-                </a:spcAft>
-                <a:buClrTx/>
-                <a:buSzTx/>
-                <a:buFontTx/>
-                <a:buNone/>
-                <a:tabLst/>
-              </a:pPr>
-              <a:endParaRPr kumimoji="0" lang="en-US" sz="1800" b="1" i="0" u="none" strike="noStrike" cap="none" normalizeH="0" baseline="0" dirty="0" smtClean="0">
-                <a:ln>
-                  <a:noFill/>
-                </a:ln>
-                <a:solidFill>
-                  <a:schemeClr val="tx1"/>
-                </a:solidFill>
-                <a:effectLst/>
-                <a:latin typeface="Arial" charset="0"/>
-              </a:endParaRPr>
-            </a:p>
-          </p:txBody>
-        </p:sp>
-        <p:sp>
-          <p:nvSpPr>
-            <p:cNvPr id="43" name="Oval 42"/>
-            <p:cNvSpPr/>
-            <p:nvPr/>
-          </p:nvSpPr>
-          <p:spPr bwMode="auto">
-            <a:xfrm>
-              <a:off x="6448425" y="2551074"/>
-              <a:ext cx="142875" cy="142875"/>
-            </a:xfrm>
-            <a:prstGeom prst="ellipse">
-              <a:avLst/>
-            </a:prstGeom>
-            <a:solidFill>
-              <a:schemeClr val="accent1"/>
-            </a:solidFill>
-            <a:ln w="9525" cap="flat" cmpd="sng" algn="ctr">
-              <a:solidFill>
-                <a:schemeClr val="tx1"/>
-              </a:solidFill>
-              <a:prstDash val="solid"/>
-              <a:round/>
-              <a:headEnd type="none" w="med" len="med"/>
-              <a:tailEnd type="none" w="med" len="med"/>
-            </a:ln>
-            <a:effectLst/>
-          </p:spPr>
-          <p:txBody>
-            <a:bodyPr vert="horz" wrap="square" lIns="91440" tIns="45720" rIns="91440" bIns="45720" numCol="1" rtlCol="0" anchor="t" anchorCtr="0" compatLnSpc="1">
-              <a:prstTxWarp prst="textNoShape">
-                <a:avLst/>
-              </a:prstTxWarp>
-            </a:bodyPr>
-            <a:lstStyle/>
-            <a:p>
-              <a:pPr marL="0" marR="0" indent="0" algn="l" defTabSz="914400" rtl="0" eaLnBrk="1" fontAlgn="base" latinLnBrk="0" hangingPunct="1">
-                <a:lnSpc>
-                  <a:spcPct val="100000"/>
-                </a:lnSpc>
-                <a:spcBef>
-                  <a:spcPct val="0"/>
-                </a:spcBef>
-                <a:spcAft>
-                  <a:spcPct val="0"/>
-                </a:spcAft>
-                <a:buClrTx/>
-                <a:buSzTx/>
-                <a:buFontTx/>
-                <a:buNone/>
-                <a:tabLst/>
-              </a:pPr>
-              <a:endParaRPr kumimoji="0" lang="en-US" sz="1800" b="1" i="0" u="none" strike="noStrike" cap="none" normalizeH="0" baseline="0" dirty="0" smtClean="0">
-                <a:ln>
-                  <a:noFill/>
-                </a:ln>
-                <a:solidFill>
-                  <a:schemeClr val="tx1"/>
-                </a:solidFill>
-                <a:effectLst/>
-                <a:latin typeface="Arial" charset="0"/>
-              </a:endParaRPr>
-            </a:p>
-          </p:txBody>
-        </p:sp>
-        <p:sp>
-          <p:nvSpPr>
-            <p:cNvPr id="44" name="Oval 43"/>
-            <p:cNvSpPr/>
-            <p:nvPr/>
-          </p:nvSpPr>
-          <p:spPr bwMode="auto">
-            <a:xfrm>
-              <a:off x="6777038" y="2895599"/>
-              <a:ext cx="238125" cy="238125"/>
-            </a:xfrm>
-            <a:prstGeom prst="ellipse">
-              <a:avLst/>
-            </a:prstGeom>
-            <a:noFill/>
-            <a:ln w="25400" cap="flat" cmpd="sng" algn="ctr">
-              <a:solidFill>
-                <a:schemeClr val="tx1"/>
-              </a:solidFill>
-              <a:prstDash val="solid"/>
-              <a:round/>
-              <a:headEnd type="none" w="med" len="med"/>
-              <a:tailEnd type="none" w="med" len="med"/>
-            </a:ln>
-            <a:effectLst/>
-          </p:spPr>
-          <p:txBody>
-            <a:bodyPr vert="horz" wrap="square" lIns="91440" tIns="45720" rIns="91440" bIns="45720" numCol="1" rtlCol="0" anchor="t" anchorCtr="0" compatLnSpc="1">
-              <a:prstTxWarp prst="textNoShape">
-                <a:avLst/>
-              </a:prstTxWarp>
-            </a:bodyPr>
-            <a:lstStyle/>
-            <a:p>
-              <a:pPr marL="0" marR="0" indent="0" algn="l" defTabSz="914400" rtl="0" eaLnBrk="1" fontAlgn="base" latinLnBrk="0" hangingPunct="1">
-                <a:lnSpc>
-                  <a:spcPct val="100000"/>
-                </a:lnSpc>
-                <a:spcBef>
-                  <a:spcPct val="0"/>
-                </a:spcBef>
-                <a:spcAft>
-                  <a:spcPct val="0"/>
-                </a:spcAft>
-                <a:buClrTx/>
-                <a:buSzTx/>
-                <a:buFontTx/>
-                <a:buNone/>
-                <a:tabLst/>
-              </a:pPr>
-              <a:endParaRPr kumimoji="0" lang="en-US" sz="1800" b="1" i="0" u="none" strike="noStrike" cap="none" normalizeH="0" baseline="0" dirty="0" smtClean="0">
-                <a:ln>
-                  <a:noFill/>
-                </a:ln>
-                <a:solidFill>
-                  <a:schemeClr val="tx1"/>
-                </a:solidFill>
-                <a:effectLst/>
-                <a:latin typeface="Arial" charset="0"/>
-              </a:endParaRPr>
-            </a:p>
-          </p:txBody>
-        </p:sp>
-        <p:sp>
-          <p:nvSpPr>
-            <p:cNvPr id="45" name="Oval 44"/>
-            <p:cNvSpPr/>
-            <p:nvPr/>
-          </p:nvSpPr>
-          <p:spPr bwMode="auto">
-            <a:xfrm>
-              <a:off x="6781800" y="2509845"/>
-              <a:ext cx="238125" cy="238125"/>
-            </a:xfrm>
-            <a:prstGeom prst="ellipse">
-              <a:avLst/>
-            </a:prstGeom>
-            <a:noFill/>
-            <a:ln w="25400" cap="flat" cmpd="sng" algn="ctr">
-              <a:solidFill>
-                <a:schemeClr val="tx1"/>
-              </a:solidFill>
-              <a:prstDash val="solid"/>
-              <a:round/>
-              <a:headEnd type="none" w="med" len="med"/>
-              <a:tailEnd type="none" w="med" len="med"/>
-            </a:ln>
-            <a:effectLst/>
-          </p:spPr>
-          <p:txBody>
-            <a:bodyPr vert="horz" wrap="square" lIns="91440" tIns="45720" rIns="91440" bIns="45720" numCol="1" rtlCol="0" anchor="t" anchorCtr="0" compatLnSpc="1">
-              <a:prstTxWarp prst="textNoShape">
-                <a:avLst/>
-              </a:prstTxWarp>
-            </a:bodyPr>
-            <a:lstStyle/>
-            <a:p>
-              <a:pPr marL="0" marR="0" indent="0" algn="l" defTabSz="914400" rtl="0" eaLnBrk="1" fontAlgn="base" latinLnBrk="0" hangingPunct="1">
-                <a:lnSpc>
-                  <a:spcPct val="100000"/>
-                </a:lnSpc>
-                <a:spcBef>
-                  <a:spcPct val="0"/>
-                </a:spcBef>
-                <a:spcAft>
-                  <a:spcPct val="0"/>
-                </a:spcAft>
-                <a:buClrTx/>
-                <a:buSzTx/>
-                <a:buFontTx/>
-                <a:buNone/>
-                <a:tabLst/>
-              </a:pPr>
-              <a:endParaRPr kumimoji="0" lang="en-US" sz="1800" b="1" i="0" u="none" strike="noStrike" cap="none" normalizeH="0" baseline="0" dirty="0" smtClean="0">
-                <a:ln>
-                  <a:noFill/>
-                </a:ln>
-                <a:solidFill>
-                  <a:schemeClr val="tx1"/>
-                </a:solidFill>
-                <a:effectLst/>
-                <a:latin typeface="Arial" charset="0"/>
-              </a:endParaRPr>
-            </a:p>
-          </p:txBody>
-        </p:sp>
-        <p:sp>
-          <p:nvSpPr>
-            <p:cNvPr id="46" name="Oval 45"/>
-            <p:cNvSpPr/>
-            <p:nvPr/>
-          </p:nvSpPr>
-          <p:spPr bwMode="auto">
-            <a:xfrm>
-              <a:off x="6400789" y="2890860"/>
-              <a:ext cx="238125" cy="238125"/>
-            </a:xfrm>
-            <a:prstGeom prst="ellipse">
-              <a:avLst/>
-            </a:prstGeom>
-            <a:noFill/>
-            <a:ln w="25400" cap="flat" cmpd="sng" algn="ctr">
-              <a:solidFill>
-                <a:schemeClr val="tx1"/>
-              </a:solidFill>
-              <a:prstDash val="solid"/>
-              <a:round/>
-              <a:headEnd type="none" w="med" len="med"/>
-              <a:tailEnd type="none" w="med" len="med"/>
-            </a:ln>
-            <a:effectLst/>
-          </p:spPr>
-          <p:txBody>
-            <a:bodyPr vert="horz" wrap="square" lIns="91440" tIns="45720" rIns="91440" bIns="45720" numCol="1" rtlCol="0" anchor="t" anchorCtr="0" compatLnSpc="1">
-              <a:prstTxWarp prst="textNoShape">
-                <a:avLst/>
-              </a:prstTxWarp>
-            </a:bodyPr>
-            <a:lstStyle/>
-            <a:p>
-              <a:pPr marL="0" marR="0" indent="0" algn="l" defTabSz="914400" rtl="0" eaLnBrk="1" fontAlgn="base" latinLnBrk="0" hangingPunct="1">
-                <a:lnSpc>
-                  <a:spcPct val="100000"/>
-                </a:lnSpc>
-                <a:spcBef>
-                  <a:spcPct val="0"/>
-                </a:spcBef>
-                <a:spcAft>
-                  <a:spcPct val="0"/>
-                </a:spcAft>
-                <a:buClrTx/>
-                <a:buSzTx/>
-                <a:buFontTx/>
-                <a:buNone/>
-                <a:tabLst/>
-              </a:pPr>
-              <a:endParaRPr kumimoji="0" lang="en-US" sz="1800" b="1" i="0" u="none" strike="noStrike" cap="none" normalizeH="0" baseline="0" dirty="0" smtClean="0">
-                <a:ln>
-                  <a:noFill/>
-                </a:ln>
-                <a:solidFill>
-                  <a:schemeClr val="tx1"/>
-                </a:solidFill>
-                <a:effectLst/>
-                <a:latin typeface="Arial" charset="0"/>
-              </a:endParaRPr>
-            </a:p>
-          </p:txBody>
-        </p:sp>
-        <p:sp>
-          <p:nvSpPr>
-            <p:cNvPr id="47" name="Oval 46"/>
-            <p:cNvSpPr/>
-            <p:nvPr/>
-          </p:nvSpPr>
-          <p:spPr bwMode="auto">
-            <a:xfrm>
-              <a:off x="6448425" y="2933700"/>
-              <a:ext cx="142875" cy="142875"/>
-            </a:xfrm>
-            <a:prstGeom prst="ellipse">
-              <a:avLst/>
-            </a:prstGeom>
-            <a:solidFill>
-              <a:schemeClr val="accent1"/>
-            </a:solidFill>
-            <a:ln w="9525" cap="flat" cmpd="sng" algn="ctr">
-              <a:solidFill>
-                <a:schemeClr val="tx1"/>
-              </a:solidFill>
-              <a:prstDash val="solid"/>
-              <a:round/>
-              <a:headEnd type="none" w="med" len="med"/>
-              <a:tailEnd type="none" w="med" len="med"/>
-            </a:ln>
-            <a:effectLst/>
-          </p:spPr>
-          <p:txBody>
-            <a:bodyPr vert="horz" wrap="square" lIns="91440" tIns="45720" rIns="91440" bIns="45720" numCol="1" rtlCol="0" anchor="t" anchorCtr="0" compatLnSpc="1">
-              <a:prstTxWarp prst="textNoShape">
-                <a:avLst/>
-              </a:prstTxWarp>
-            </a:bodyPr>
-            <a:lstStyle/>
-            <a:p>
-              <a:pPr marL="0" marR="0" indent="0" algn="l" defTabSz="914400" rtl="0" eaLnBrk="1" fontAlgn="base" latinLnBrk="0" hangingPunct="1">
-                <a:lnSpc>
-                  <a:spcPct val="100000"/>
-                </a:lnSpc>
-                <a:spcBef>
-                  <a:spcPct val="0"/>
-                </a:spcBef>
-                <a:spcAft>
-                  <a:spcPct val="0"/>
-                </a:spcAft>
-                <a:buClrTx/>
-                <a:buSzTx/>
-                <a:buFontTx/>
-                <a:buNone/>
-                <a:tabLst/>
-              </a:pPr>
-              <a:endParaRPr kumimoji="0" lang="en-US" sz="1800" b="1" i="0" u="none" strike="noStrike" cap="none" normalizeH="0" baseline="0" dirty="0" smtClean="0">
-                <a:ln>
-                  <a:noFill/>
-                </a:ln>
-                <a:solidFill>
-                  <a:schemeClr val="tx1"/>
-                </a:solidFill>
-                <a:effectLst/>
-                <a:latin typeface="Arial" charset="0"/>
-              </a:endParaRPr>
-            </a:p>
-          </p:txBody>
-        </p:sp>
-        <p:sp>
-          <p:nvSpPr>
-            <p:cNvPr id="48" name="Oval 47"/>
-            <p:cNvSpPr/>
-            <p:nvPr/>
-          </p:nvSpPr>
-          <p:spPr bwMode="auto">
-            <a:xfrm>
-              <a:off x="6818274" y="2932074"/>
-              <a:ext cx="142875" cy="142875"/>
-            </a:xfrm>
-            <a:prstGeom prst="ellipse">
-              <a:avLst/>
-            </a:prstGeom>
-            <a:solidFill>
-              <a:schemeClr val="accent1"/>
-            </a:solidFill>
-            <a:ln w="9525" cap="flat" cmpd="sng" algn="ctr">
-              <a:solidFill>
-                <a:schemeClr val="tx1"/>
-              </a:solidFill>
-              <a:prstDash val="solid"/>
-              <a:round/>
-              <a:headEnd type="none" w="med" len="med"/>
-              <a:tailEnd type="none" w="med" len="med"/>
-            </a:ln>
-            <a:effectLst/>
-          </p:spPr>
-          <p:txBody>
-            <a:bodyPr vert="horz" wrap="square" lIns="91440" tIns="45720" rIns="91440" bIns="45720" numCol="1" rtlCol="0" anchor="t" anchorCtr="0" compatLnSpc="1">
-              <a:prstTxWarp prst="textNoShape">
-                <a:avLst/>
-              </a:prstTxWarp>
-            </a:bodyPr>
-            <a:lstStyle/>
-            <a:p>
-              <a:pPr marL="0" marR="0" indent="0" algn="l" defTabSz="914400" rtl="0" eaLnBrk="1" fontAlgn="base" latinLnBrk="0" hangingPunct="1">
-                <a:lnSpc>
-                  <a:spcPct val="100000"/>
-                </a:lnSpc>
-                <a:spcBef>
-                  <a:spcPct val="0"/>
-                </a:spcBef>
-                <a:spcAft>
-                  <a:spcPct val="0"/>
-                </a:spcAft>
-                <a:buClrTx/>
-                <a:buSzTx/>
-                <a:buFontTx/>
-                <a:buNone/>
-                <a:tabLst/>
-              </a:pPr>
-              <a:endParaRPr kumimoji="0" lang="en-US" sz="1800" b="1" i="0" u="none" strike="noStrike" cap="none" normalizeH="0" baseline="0" dirty="0" smtClean="0">
-                <a:ln>
-                  <a:noFill/>
-                </a:ln>
-                <a:solidFill>
-                  <a:schemeClr val="tx1"/>
-                </a:solidFill>
-                <a:effectLst/>
-                <a:latin typeface="Arial" charset="0"/>
-              </a:endParaRPr>
-            </a:p>
-          </p:txBody>
-        </p:sp>
-        <p:sp>
-          <p:nvSpPr>
-            <p:cNvPr id="49" name="Oval 48"/>
-            <p:cNvSpPr/>
-            <p:nvPr/>
-          </p:nvSpPr>
-          <p:spPr bwMode="auto">
-            <a:xfrm>
-              <a:off x="6818274" y="2552700"/>
-              <a:ext cx="142875" cy="142875"/>
-            </a:xfrm>
-            <a:prstGeom prst="ellipse">
-              <a:avLst/>
-            </a:prstGeom>
-            <a:solidFill>
-              <a:schemeClr val="accent1"/>
-            </a:solidFill>
-            <a:ln w="9525" cap="flat" cmpd="sng" algn="ctr">
-              <a:solidFill>
-                <a:schemeClr val="tx1"/>
-              </a:solidFill>
-              <a:prstDash val="solid"/>
-              <a:round/>
-              <a:headEnd type="none" w="med" len="med"/>
-              <a:tailEnd type="none" w="med" len="med"/>
-            </a:ln>
-            <a:effectLst/>
-          </p:spPr>
-          <p:txBody>
-            <a:bodyPr vert="horz" wrap="square" lIns="91440" tIns="45720" rIns="91440" bIns="45720" numCol="1" rtlCol="0" anchor="t" anchorCtr="0" compatLnSpc="1">
-              <a:prstTxWarp prst="textNoShape">
-                <a:avLst/>
-              </a:prstTxWarp>
-            </a:bodyPr>
-            <a:lstStyle/>
-            <a:p>
-              <a:pPr marL="0" marR="0" indent="0" algn="l" defTabSz="914400" rtl="0" eaLnBrk="1" fontAlgn="base" latinLnBrk="0" hangingPunct="1">
-                <a:lnSpc>
-                  <a:spcPct val="100000"/>
-                </a:lnSpc>
-                <a:spcBef>
-                  <a:spcPct val="0"/>
-                </a:spcBef>
-                <a:spcAft>
-                  <a:spcPct val="0"/>
-                </a:spcAft>
-                <a:buClrTx/>
-                <a:buSzTx/>
-                <a:buFontTx/>
-                <a:buNone/>
-                <a:tabLst/>
-              </a:pPr>
-              <a:endParaRPr kumimoji="0" lang="en-US" sz="1800" b="1" i="0" u="none" strike="noStrike" cap="none" normalizeH="0" baseline="0" dirty="0" smtClean="0">
-                <a:ln>
-                  <a:noFill/>
-                </a:ln>
-                <a:solidFill>
-                  <a:schemeClr val="tx1"/>
-                </a:solidFill>
-                <a:effectLst/>
-                <a:latin typeface="Arial" charset="0"/>
-              </a:endParaRPr>
-            </a:p>
-          </p:txBody>
-        </p:sp>
-        <p:sp>
-          <p:nvSpPr>
-            <p:cNvPr id="50" name="TextBox 49"/>
-            <p:cNvSpPr txBox="1"/>
-            <p:nvPr/>
-          </p:nvSpPr>
-          <p:spPr>
-            <a:xfrm>
-              <a:off x="6362700" y="3162300"/>
-              <a:ext cx="723275" cy="369332"/>
-            </a:xfrm>
-            <a:prstGeom prst="rect">
-              <a:avLst/>
-            </a:prstGeom>
-            <a:noFill/>
-          </p:spPr>
-          <p:txBody>
-            <a:bodyPr wrap="square" rtlCol="0">
-              <a:spAutoFit/>
-            </a:bodyPr>
-            <a:lstStyle/>
-            <a:p>
-              <a:r>
-                <a:rPr lang="en-US" dirty="0" smtClean="0"/>
-                <a:t>4:4:4</a:t>
-              </a:r>
-              <a:endParaRPr lang="en-US" dirty="0"/>
-            </a:p>
-          </p:txBody>
-        </p:sp>
-      </p:grpSp>
-      <p:grpSp>
-        <p:nvGrpSpPr>
-          <p:cNvPr id="12" name="Group 65"/>
-          <p:cNvGrpSpPr/>
-          <p:nvPr/>
-        </p:nvGrpSpPr>
-        <p:grpSpPr>
-          <a:xfrm>
-            <a:off x="4324349" y="3525555"/>
-            <a:ext cx="238125" cy="871546"/>
-            <a:chOff x="7820024" y="2581274"/>
-            <a:chExt cx="238125" cy="871546"/>
-          </a:xfrm>
-        </p:grpSpPr>
-        <p:sp>
-          <p:nvSpPr>
-            <p:cNvPr id="53" name="Oval 52"/>
-            <p:cNvSpPr/>
-            <p:nvPr/>
-          </p:nvSpPr>
-          <p:spPr bwMode="auto">
-            <a:xfrm>
-              <a:off x="7820024" y="2581274"/>
-              <a:ext cx="238125" cy="238125"/>
-            </a:xfrm>
-            <a:prstGeom prst="ellipse">
-              <a:avLst/>
-            </a:prstGeom>
-            <a:noFill/>
-            <a:ln w="25400" cap="flat" cmpd="sng" algn="ctr">
-              <a:solidFill>
-                <a:schemeClr val="tx1"/>
-              </a:solidFill>
-              <a:prstDash val="solid"/>
-              <a:round/>
-              <a:headEnd type="none" w="med" len="med"/>
-              <a:tailEnd type="none" w="med" len="med"/>
-            </a:ln>
-            <a:effectLst/>
-          </p:spPr>
-          <p:txBody>
-            <a:bodyPr vert="horz" wrap="square" lIns="91440" tIns="45720" rIns="91440" bIns="45720" numCol="1" rtlCol="0" anchor="t" anchorCtr="0" compatLnSpc="1">
-              <a:prstTxWarp prst="textNoShape">
-                <a:avLst/>
-              </a:prstTxWarp>
-            </a:bodyPr>
-            <a:lstStyle/>
-            <a:p>
-              <a:pPr marL="0" marR="0" indent="0" algn="l" defTabSz="914400" rtl="0" eaLnBrk="1" fontAlgn="base" latinLnBrk="0" hangingPunct="1">
-                <a:lnSpc>
-                  <a:spcPct val="100000"/>
-                </a:lnSpc>
-                <a:spcBef>
-                  <a:spcPct val="0"/>
-                </a:spcBef>
-                <a:spcAft>
-                  <a:spcPct val="0"/>
-                </a:spcAft>
-                <a:buClrTx/>
-                <a:buSzTx/>
-                <a:buFontTx/>
-                <a:buNone/>
-                <a:tabLst/>
-              </a:pPr>
-              <a:endParaRPr kumimoji="0" lang="en-US" sz="1800" b="1" i="0" u="none" strike="noStrike" cap="none" normalizeH="0" baseline="0" dirty="0" smtClean="0">
-                <a:ln>
-                  <a:noFill/>
-                </a:ln>
-                <a:solidFill>
-                  <a:schemeClr val="tx1"/>
-                </a:solidFill>
-                <a:effectLst/>
-                <a:latin typeface="Arial" charset="0"/>
-              </a:endParaRPr>
-            </a:p>
-          </p:txBody>
-        </p:sp>
-        <p:sp>
-          <p:nvSpPr>
-            <p:cNvPr id="54" name="Oval 53"/>
-            <p:cNvSpPr/>
-            <p:nvPr/>
-          </p:nvSpPr>
-          <p:spPr bwMode="auto">
-            <a:xfrm>
-              <a:off x="7867649" y="2924175"/>
-              <a:ext cx="142875" cy="142875"/>
-            </a:xfrm>
-            <a:prstGeom prst="ellipse">
-              <a:avLst/>
-            </a:prstGeom>
-            <a:solidFill>
-              <a:schemeClr val="accent1"/>
-            </a:solidFill>
-            <a:ln w="9525" cap="flat" cmpd="sng" algn="ctr">
-              <a:solidFill>
-                <a:schemeClr val="tx1"/>
-              </a:solidFill>
-              <a:prstDash val="solid"/>
-              <a:round/>
-              <a:headEnd type="none" w="med" len="med"/>
-              <a:tailEnd type="none" w="med" len="med"/>
-            </a:ln>
-            <a:effectLst/>
-          </p:spPr>
-          <p:txBody>
-            <a:bodyPr vert="horz" wrap="square" lIns="91440" tIns="45720" rIns="91440" bIns="45720" numCol="1" rtlCol="0" anchor="t" anchorCtr="0" compatLnSpc="1">
-              <a:prstTxWarp prst="textNoShape">
-                <a:avLst/>
-              </a:prstTxWarp>
-            </a:bodyPr>
-            <a:lstStyle/>
-            <a:p>
-              <a:pPr marL="0" marR="0" indent="0" algn="l" defTabSz="914400" rtl="0" eaLnBrk="1" fontAlgn="base" latinLnBrk="0" hangingPunct="1">
-                <a:lnSpc>
-                  <a:spcPct val="100000"/>
-                </a:lnSpc>
-                <a:spcBef>
-                  <a:spcPct val="0"/>
-                </a:spcBef>
-                <a:spcAft>
-                  <a:spcPct val="0"/>
-                </a:spcAft>
-                <a:buClrTx/>
-                <a:buSzTx/>
-                <a:buFontTx/>
-                <a:buNone/>
-                <a:tabLst/>
-              </a:pPr>
-              <a:endParaRPr kumimoji="0" lang="en-US" sz="1800" b="1" i="0" u="none" strike="noStrike" cap="none" normalizeH="0" baseline="0" dirty="0" smtClean="0">
-                <a:ln>
-                  <a:noFill/>
-                </a:ln>
-                <a:solidFill>
-                  <a:schemeClr val="tx1"/>
-                </a:solidFill>
-                <a:effectLst/>
-                <a:latin typeface="Arial" charset="0"/>
-              </a:endParaRPr>
-            </a:p>
-          </p:txBody>
-        </p:sp>
-        <p:grpSp>
-          <p:nvGrpSpPr>
-            <p:cNvPr id="13" name="Group 61"/>
-            <p:cNvGrpSpPr/>
-            <p:nvPr/>
-          </p:nvGrpSpPr>
-          <p:grpSpPr>
-            <a:xfrm>
-              <a:off x="7820024" y="3214695"/>
-              <a:ext cx="238125" cy="238125"/>
-              <a:chOff x="6858000" y="2566995"/>
-              <a:chExt cx="238125" cy="238125"/>
-            </a:xfrm>
-          </p:grpSpPr>
-          <p:sp>
-            <p:nvSpPr>
-              <p:cNvPr id="56" name="Oval 55"/>
-              <p:cNvSpPr/>
-              <p:nvPr/>
-            </p:nvSpPr>
-            <p:spPr bwMode="auto">
-              <a:xfrm>
-                <a:off x="6858000" y="2566995"/>
-                <a:ext cx="238125" cy="238125"/>
-              </a:xfrm>
-              <a:prstGeom prst="ellipse">
-                <a:avLst/>
-              </a:prstGeom>
-              <a:noFill/>
-              <a:ln w="25400" cap="flat" cmpd="sng" algn="ctr">
-                <a:solidFill>
-                  <a:schemeClr val="tx1"/>
-                </a:solidFill>
-                <a:prstDash val="solid"/>
-                <a:round/>
-                <a:headEnd type="none" w="med" len="med"/>
-                <a:tailEnd type="none" w="med" len="med"/>
-              </a:ln>
-              <a:effectLst/>
-            </p:spPr>
-            <p:txBody>
-              <a:bodyPr vert="horz" wrap="square" lIns="91440" tIns="45720" rIns="91440" bIns="45720" numCol="1" rtlCol="0" anchor="t" anchorCtr="0" compatLnSpc="1">
-                <a:prstTxWarp prst="textNoShape">
-                  <a:avLst/>
-                </a:prstTxWarp>
-              </a:bodyPr>
-              <a:lstStyle/>
-              <a:p>
-                <a:pPr marL="0" marR="0" indent="0" algn="l" defTabSz="914400" rtl="0" eaLnBrk="1" fontAlgn="base" latinLnBrk="0" hangingPunct="1">
-                  <a:lnSpc>
-                    <a:spcPct val="100000"/>
-                  </a:lnSpc>
-                  <a:spcBef>
-                    <a:spcPct val="0"/>
-                  </a:spcBef>
-                  <a:spcAft>
-                    <a:spcPct val="0"/>
-                  </a:spcAft>
-                  <a:buClrTx/>
-                  <a:buSzTx/>
-                  <a:buFontTx/>
-                  <a:buNone/>
-                  <a:tabLst/>
-                </a:pPr>
-                <a:endParaRPr kumimoji="0" lang="en-US" sz="1800" b="1" i="0" u="none" strike="noStrike" cap="none" normalizeH="0" baseline="0" dirty="0" smtClean="0">
-                  <a:ln>
-                    <a:noFill/>
-                  </a:ln>
-                  <a:solidFill>
-                    <a:schemeClr val="tx1"/>
-                  </a:solidFill>
-                  <a:effectLst/>
-                  <a:latin typeface="Arial" charset="0"/>
-                </a:endParaRPr>
-              </a:p>
-            </p:txBody>
-          </p:sp>
-          <p:sp>
-            <p:nvSpPr>
-              <p:cNvPr id="60" name="Oval 59"/>
-              <p:cNvSpPr/>
-              <p:nvPr/>
-            </p:nvSpPr>
-            <p:spPr bwMode="auto">
-              <a:xfrm>
-                <a:off x="6905625" y="2608224"/>
-                <a:ext cx="142875" cy="142875"/>
-              </a:xfrm>
-              <a:prstGeom prst="ellipse">
-                <a:avLst/>
-              </a:prstGeom>
-              <a:solidFill>
-                <a:schemeClr val="accent1"/>
-              </a:solidFill>
-              <a:ln w="9525" cap="flat" cmpd="sng" algn="ctr">
-                <a:solidFill>
-                  <a:schemeClr val="tx1"/>
-                </a:solidFill>
-                <a:prstDash val="solid"/>
-                <a:round/>
-                <a:headEnd type="none" w="med" len="med"/>
-                <a:tailEnd type="none" w="med" len="med"/>
-              </a:ln>
-              <a:effectLst/>
-            </p:spPr>
-            <p:txBody>
-              <a:bodyPr vert="horz" wrap="square" lIns="91440" tIns="45720" rIns="91440" bIns="45720" numCol="1" rtlCol="0" anchor="t" anchorCtr="0" compatLnSpc="1">
-                <a:prstTxWarp prst="textNoShape">
-                  <a:avLst/>
-                </a:prstTxWarp>
-              </a:bodyPr>
-              <a:lstStyle/>
-              <a:p>
-                <a:pPr marL="0" marR="0" indent="0" algn="l" defTabSz="914400" rtl="0" eaLnBrk="1" fontAlgn="base" latinLnBrk="0" hangingPunct="1">
-                  <a:lnSpc>
-                    <a:spcPct val="100000"/>
-                  </a:lnSpc>
-                  <a:spcBef>
-                    <a:spcPct val="0"/>
-                  </a:spcBef>
-                  <a:spcAft>
-                    <a:spcPct val="0"/>
-                  </a:spcAft>
-                  <a:buClrTx/>
-                  <a:buSzTx/>
-                  <a:buFontTx/>
-                  <a:buNone/>
-                  <a:tabLst/>
-                </a:pPr>
-                <a:endParaRPr kumimoji="0" lang="en-US" sz="1800" b="1" i="0" u="none" strike="noStrike" cap="none" normalizeH="0" baseline="0" dirty="0" smtClean="0">
-                  <a:ln>
-                    <a:noFill/>
-                  </a:ln>
-                  <a:solidFill>
-                    <a:schemeClr val="tx1"/>
-                  </a:solidFill>
-                  <a:effectLst/>
-                  <a:latin typeface="Arial" charset="0"/>
-                </a:endParaRPr>
-              </a:p>
-            </p:txBody>
-          </p:sp>
-        </p:grpSp>
-      </p:grpSp>
-      <p:sp>
-        <p:nvSpPr>
-          <p:cNvPr id="67" name="TextBox 66"/>
-          <p:cNvSpPr txBox="1"/>
-          <p:nvPr/>
-        </p:nvSpPr>
-        <p:spPr>
-          <a:xfrm>
-            <a:off x="4724400" y="3467100"/>
-            <a:ext cx="2867025" cy="307777"/>
-          </a:xfrm>
-          <a:prstGeom prst="rect">
-            <a:avLst/>
-          </a:prstGeom>
-          <a:noFill/>
-        </p:spPr>
-        <p:txBody>
-          <a:bodyPr wrap="square" rtlCol="0">
-            <a:spAutoFit/>
-          </a:bodyPr>
+        <p:txBody>
+          <a:bodyPr/>
           <a:lstStyle/>
           <a:p>
-            <a:r>
-              <a:rPr lang="en-US" sz="1400" dirty="0" smtClean="0"/>
-              <a:t>-- Pixel with only Y value</a:t>
-            </a:r>
-            <a:endParaRPr lang="en-US" sz="1400" dirty="0"/>
-          </a:p>
-        </p:txBody>
-      </p:sp>
-      <p:sp>
-        <p:nvSpPr>
-          <p:cNvPr id="68" name="Rectangle 67"/>
-          <p:cNvSpPr/>
-          <p:nvPr/>
-        </p:nvSpPr>
-        <p:spPr>
-          <a:xfrm>
-            <a:off x="4724400" y="3765292"/>
-            <a:ext cx="3106941" cy="307777"/>
-          </a:xfrm>
-          <a:prstGeom prst="rect">
-            <a:avLst/>
-          </a:prstGeom>
-        </p:spPr>
-        <p:txBody>
-          <a:bodyPr wrap="none">
-            <a:spAutoFit/>
-          </a:bodyPr>
-          <a:lstStyle/>
-          <a:p>
-            <a:r>
-              <a:rPr lang="en-US" sz="1400" dirty="0" smtClean="0"/>
-              <a:t>-- Pixel with only Cr and Cb values</a:t>
-            </a:r>
-            <a:endParaRPr lang="en-US" sz="1400" dirty="0"/>
-          </a:p>
-        </p:txBody>
-      </p:sp>
-      <p:sp>
-        <p:nvSpPr>
-          <p:cNvPr id="69" name="Rectangle 68"/>
-          <p:cNvSpPr/>
-          <p:nvPr/>
-        </p:nvSpPr>
-        <p:spPr>
-          <a:xfrm>
-            <a:off x="4724400" y="4111109"/>
-            <a:ext cx="2926442" cy="307777"/>
-          </a:xfrm>
-          <a:prstGeom prst="rect">
-            <a:avLst/>
-          </a:prstGeom>
-        </p:spPr>
-        <p:txBody>
-          <a:bodyPr wrap="none">
-            <a:spAutoFit/>
-          </a:bodyPr>
-          <a:lstStyle/>
-          <a:p>
-            <a:r>
-              <a:rPr lang="en-US" sz="1400" dirty="0" smtClean="0"/>
-              <a:t>-- Pixel with Y, Cr, and Cb values</a:t>
-            </a:r>
-            <a:endParaRPr lang="en-US" sz="1400" dirty="0"/>
-          </a:p>
-        </p:txBody>
-      </p:sp>
-      <p:sp>
-        <p:nvSpPr>
-          <p:cNvPr id="70" name="TextBox 69"/>
-          <p:cNvSpPr txBox="1"/>
-          <p:nvPr/>
-        </p:nvSpPr>
-        <p:spPr>
-          <a:xfrm>
-            <a:off x="7143750" y="4610100"/>
-            <a:ext cx="1189749" cy="307777"/>
-          </a:xfrm>
-          <a:prstGeom prst="rect">
-            <a:avLst/>
-          </a:prstGeom>
-          <a:noFill/>
-        </p:spPr>
-        <p:txBody>
-          <a:bodyPr wrap="none" rtlCol="0">
-            <a:spAutoFit/>
-          </a:bodyPr>
-          <a:lstStyle/>
-          <a:p>
-            <a:r>
-              <a:rPr lang="en-US" sz="1400" dirty="0" smtClean="0"/>
-              <a:t>macroblock</a:t>
-            </a:r>
-            <a:endParaRPr lang="en-US" sz="1400" dirty="0"/>
+            <a:pPr marL="342900" indent="-342900" eaLnBrk="0" hangingPunct="0">
+              <a:spcBef>
+                <a:spcPct val="20000"/>
+              </a:spcBef>
+              <a:buFontTx/>
+              <a:buChar char="•"/>
+            </a:pPr>
+            <a:endParaRPr lang="en-US" altLang="zh-CN" sz="2400" b="0" dirty="0">
+              <a:ea typeface="SimSun" charset="-122"/>
+            </a:endParaRPr>
           </a:p>
         </p:txBody>
       </p:sp>
@@ -19961,43 +17969,39 @@
       </p:grpSpPr>
       <p:sp>
         <p:nvSpPr>
-          <p:cNvPr id="46081" name="Title 1"/>
-          <p:cNvSpPr>
-            <a:spLocks noGrp="1"/>
+          <p:cNvPr id="45057" name="Rectangle 2"/>
+          <p:cNvSpPr>
+            <a:spLocks noGrp="1" noChangeArrowheads="1"/>
           </p:cNvSpPr>
           <p:nvPr>
             <p:ph type="title"/>
           </p:nvPr>
         </p:nvSpPr>
-        <p:spPr>
-          <a:xfrm>
-            <a:off x="342900" y="83979"/>
-            <a:ext cx="8458200" cy="657225"/>
-          </a:xfrm>
-        </p:spPr>
+        <p:spPr/>
         <p:txBody>
           <a:bodyPr/>
           <a:lstStyle/>
           <a:p>
             <a:r>
-              <a:rPr lang="en-US" dirty="0" smtClean="0"/>
-              <a:t>Video Encoder Flow (per Macroblock)</a:t>
-            </a:r>
-          </a:p>
-        </p:txBody>
-      </p:sp>
-      <p:sp>
-        <p:nvSpPr>
-          <p:cNvPr id="46152" name="Rectangle 3"/>
-          <p:cNvSpPr>
+              <a:rPr lang="en-US" sz="3200" dirty="0" smtClean="0"/>
+              <a:t>Video Compression Algorithm</a:t>
+            </a:r>
+            <a:endParaRPr lang="en-US" sz="3200" dirty="0" smtClean="0"/>
+          </a:p>
+        </p:txBody>
+      </p:sp>
+      <p:sp>
+        <p:nvSpPr>
+          <p:cNvPr id="58" name="Rectangle 2339"/>
+          <p:cNvSpPr txBox="1">
             <a:spLocks noChangeArrowheads="1"/>
           </p:cNvSpPr>
           <p:nvPr/>
         </p:nvSpPr>
         <p:spPr bwMode="auto">
           <a:xfrm>
-            <a:off x="0" y="99916"/>
-            <a:ext cx="9144000" cy="369332"/>
+            <a:off x="333375" y="887413"/>
+            <a:ext cx="8467725" cy="2541587"/>
           </a:xfrm>
           <a:prstGeom prst="rect">
             <a:avLst/>
@@ -20011,41 +18015,246 @@
           </a:ln>
         </p:spPr>
         <p:txBody>
-          <a:bodyPr wrap="square" anchor="ctr">
-            <a:spAutoFit/>
+          <a:bodyPr vert="horz" wrap="square" lIns="91440" tIns="45720" rIns="91440" bIns="45720" numCol="1" anchor="t" anchorCtr="0" compatLnSpc="1">
+            <a:prstTxWarp prst="textNoShape">
+              <a:avLst/>
+            </a:prstTxWarp>
           </a:bodyPr>
           <a:lstStyle/>
           <a:p>
-            <a:pPr eaLnBrk="0" hangingPunct="0"/>
-            <a:endParaRPr lang="en-US" dirty="0"/>
-          </a:p>
-        </p:txBody>
-      </p:sp>
-      <p:graphicFrame>
-        <p:nvGraphicFramePr>
-          <p:cNvPr id="7" name="Object 6"/>
-          <p:cNvGraphicFramePr>
-            <a:graphicFrameLocks noChangeAspect="1"/>
-          </p:cNvGraphicFramePr>
+            <a:pPr marL="342900" marR="0" lvl="0" indent="-342900" algn="l" defTabSz="914400" rtl="0" eaLnBrk="0" fontAlgn="base" latinLnBrk="0" hangingPunct="0">
+              <a:lnSpc>
+                <a:spcPct val="90000"/>
+              </a:lnSpc>
+              <a:spcBef>
+                <a:spcPct val="20000"/>
+              </a:spcBef>
+              <a:spcAft>
+                <a:spcPct val="0"/>
+              </a:spcAft>
+              <a:buClrTx/>
+              <a:buSzTx/>
+              <a:buFontTx/>
+              <a:buChar char="•"/>
+              <a:tabLst/>
+              <a:defRPr/>
+            </a:pPr>
+            <a:r>
+              <a:rPr kumimoji="0" lang="en-US" sz="2400" b="0" i="0" u="none" strike="noStrike" kern="0" cap="none" spc="0" normalizeH="0" baseline="0" noProof="0" dirty="0" smtClean="0">
+                <a:ln>
+                  <a:noFill/>
+                </a:ln>
+                <a:solidFill>
+                  <a:schemeClr val="tx1"/>
+                </a:solidFill>
+                <a:effectLst/>
+                <a:uLnTx/>
+                <a:uFillTx/>
+                <a:latin typeface="+mn-lt"/>
+              </a:rPr>
+              <a:t>Video compression is</a:t>
+            </a:r>
+            <a:r>
+              <a:rPr kumimoji="0" lang="en-US" sz="2400" b="0" i="0" u="none" strike="noStrike" kern="0" cap="none" spc="0" normalizeH="0" noProof="0" dirty="0" smtClean="0">
+                <a:ln>
+                  <a:noFill/>
+                </a:ln>
+                <a:solidFill>
+                  <a:schemeClr val="tx1"/>
+                </a:solidFill>
+                <a:effectLst/>
+                <a:uLnTx/>
+                <a:uFillTx/>
+                <a:latin typeface="+mn-lt"/>
+              </a:rPr>
+              <a:t> done frame after frame</a:t>
+            </a:r>
+          </a:p>
+          <a:p>
+            <a:pPr marL="342900" marR="0" lvl="0" indent="-342900" algn="l" defTabSz="914400" rtl="0" eaLnBrk="0" fontAlgn="base" latinLnBrk="0" hangingPunct="0">
+              <a:lnSpc>
+                <a:spcPct val="90000"/>
+              </a:lnSpc>
+              <a:spcBef>
+                <a:spcPct val="20000"/>
+              </a:spcBef>
+              <a:spcAft>
+                <a:spcPct val="0"/>
+              </a:spcAft>
+              <a:buClrTx/>
+              <a:buSzTx/>
+              <a:buFontTx/>
+              <a:buChar char="•"/>
+              <a:tabLst/>
+              <a:defRPr/>
+            </a:pPr>
+            <a:r>
+              <a:rPr lang="en-US" sz="2400" b="0" kern="0" baseline="0" dirty="0" smtClean="0">
+                <a:latin typeface="+mn-lt"/>
+              </a:rPr>
+              <a:t>Within a frame, the processing is done row after row</a:t>
+            </a:r>
+            <a:endParaRPr kumimoji="0" lang="en-US" sz="2400" b="0" i="0" u="none" strike="noStrike" kern="0" cap="none" spc="0" normalizeH="0" baseline="0" noProof="0" dirty="0" smtClean="0">
+              <a:ln>
+                <a:noFill/>
+              </a:ln>
+              <a:solidFill>
+                <a:schemeClr val="tx1"/>
+              </a:solidFill>
+              <a:effectLst/>
+              <a:uLnTx/>
+              <a:uFillTx/>
+              <a:latin typeface="+mn-lt"/>
+            </a:endParaRPr>
+          </a:p>
+          <a:p>
+            <a:pPr marL="342900" marR="0" lvl="0" indent="-342900" algn="l" defTabSz="914400" rtl="0" eaLnBrk="0" fontAlgn="base" latinLnBrk="0" hangingPunct="0">
+              <a:lnSpc>
+                <a:spcPct val="90000"/>
+              </a:lnSpc>
+              <a:spcBef>
+                <a:spcPct val="20000"/>
+              </a:spcBef>
+              <a:spcAft>
+                <a:spcPct val="0"/>
+              </a:spcAft>
+              <a:buClrTx/>
+              <a:buSzTx/>
+              <a:buFontTx/>
+              <a:buChar char="•"/>
+              <a:tabLst/>
+              <a:defRPr/>
+            </a:pPr>
+            <a:r>
+              <a:rPr kumimoji="0" lang="en-US" sz="2400" b="0" i="0" u="none" strike="noStrike" kern="0" cap="none" spc="0" normalizeH="0" baseline="0" noProof="0" dirty="0" smtClean="0">
+                <a:ln>
+                  <a:noFill/>
+                </a:ln>
+                <a:solidFill>
+                  <a:schemeClr val="tx1"/>
+                </a:solidFill>
+                <a:effectLst/>
+                <a:uLnTx/>
+                <a:uFillTx/>
+                <a:latin typeface="+mn-lt"/>
+              </a:rPr>
+              <a:t>Video compression is done on Macroblocks (16x16 pixels)</a:t>
+            </a:r>
+          </a:p>
+          <a:p>
+            <a:pPr marL="342900" marR="0" lvl="0" indent="-342900" algn="l" defTabSz="914400" rtl="0" eaLnBrk="0" fontAlgn="base" latinLnBrk="0" hangingPunct="0">
+              <a:lnSpc>
+                <a:spcPct val="90000"/>
+              </a:lnSpc>
+              <a:spcBef>
+                <a:spcPct val="20000"/>
+              </a:spcBef>
+              <a:spcAft>
+                <a:spcPct val="0"/>
+              </a:spcAft>
+              <a:buClrTx/>
+              <a:buSzTx/>
+              <a:buFontTx/>
+              <a:buChar char="•"/>
+              <a:tabLst/>
+              <a:defRPr/>
+            </a:pPr>
+            <a:r>
+              <a:rPr lang="en-US" sz="2400" b="0" kern="0" dirty="0" smtClean="0">
+                <a:latin typeface="+mn-lt"/>
+              </a:rPr>
+              <a:t>Video compression can be divided into three parts – pre processing, main processing and post processing</a:t>
+            </a:r>
+            <a:endParaRPr kumimoji="0" lang="en-US" sz="2400" b="0" i="0" u="none" strike="noStrike" kern="0" cap="none" spc="0" normalizeH="0" baseline="0" noProof="0" dirty="0" smtClean="0">
+              <a:ln>
+                <a:noFill/>
+              </a:ln>
+              <a:solidFill>
+                <a:schemeClr val="tx1"/>
+              </a:solidFill>
+              <a:effectLst/>
+              <a:uLnTx/>
+              <a:uFillTx/>
+              <a:latin typeface="+mn-lt"/>
+            </a:endParaRPr>
+          </a:p>
+          <a:p>
+            <a:pPr marL="342900" marR="0" lvl="0" indent="-342900" algn="l" defTabSz="914400" rtl="0" eaLnBrk="0" fontAlgn="base" latinLnBrk="0" hangingPunct="0">
+              <a:lnSpc>
+                <a:spcPct val="90000"/>
+              </a:lnSpc>
+              <a:spcBef>
+                <a:spcPct val="20000"/>
+              </a:spcBef>
+              <a:spcAft>
+                <a:spcPct val="0"/>
+              </a:spcAft>
+              <a:buClrTx/>
+              <a:buSzTx/>
+              <a:buFontTx/>
+              <a:buChar char="•"/>
+              <a:tabLst/>
+              <a:defRPr/>
+            </a:pPr>
+            <a:endParaRPr kumimoji="0" lang="en-US" sz="2400" b="0" i="0" u="none" strike="noStrike" kern="0" cap="none" spc="0" normalizeH="0" baseline="0" noProof="0" dirty="0" smtClean="0">
+              <a:ln>
+                <a:noFill/>
+              </a:ln>
+              <a:solidFill>
+                <a:schemeClr val="tx1"/>
+              </a:solidFill>
+              <a:effectLst/>
+              <a:uLnTx/>
+              <a:uFillTx/>
+              <a:latin typeface="+mn-lt"/>
+            </a:endParaRPr>
+          </a:p>
+        </p:txBody>
+      </p:sp>
+      <p:pic>
+        <p:nvPicPr>
+          <p:cNvPr id="3074" name="Picture 2"/>
+          <p:cNvPicPr>
+            <a:picLocks noChangeAspect="1" noChangeArrowheads="1"/>
+          </p:cNvPicPr>
           <p:nvPr/>
-        </p:nvGraphicFramePr>
-        <p:xfrm>
-          <a:off x="2538723" y="1074717"/>
-          <a:ext cx="3011177" cy="5202960"/>
-        </p:xfrm>
-        <a:graphic>
-          <a:graphicData uri="http://schemas.openxmlformats.org/presentationml/2006/ole">
-            <p:oleObj spid="_x0000_s1026" name="Visio" r:id="rId4" imgW="3786183" imgH="6541581" progId="Visio.Drawing.11">
-              <p:embed/>
-            </p:oleObj>
-          </a:graphicData>
-        </a:graphic>
-      </p:graphicFrame>
+        </p:nvPicPr>
+        <p:blipFill>
+          <a:blip r:embed="rId3" cstate="print"/>
+          <a:srcRect/>
+          <a:stretch>
+            <a:fillRect/>
+          </a:stretch>
+        </p:blipFill>
+        <p:spPr bwMode="auto">
+          <a:xfrm>
+            <a:off x="349828" y="3788786"/>
+            <a:ext cx="8382000" cy="2085975"/>
+          </a:xfrm>
+          <a:prstGeom prst="rect">
+            <a:avLst/>
+          </a:prstGeom>
+          <a:noFill/>
+          <a:ln w="9525">
+            <a:noFill/>
+            <a:miter lim="800000"/>
+            <a:headEnd/>
+            <a:tailEnd/>
+          </a:ln>
+        </p:spPr>
+      </p:pic>
     </p:spTree>
   </p:cSld>
   <p:clrMapOvr>
     <a:masterClrMapping/>
   </p:clrMapOvr>
+  <p:timing>
+    <p:tnLst>
+      <p:par>
+        <p:cTn id="1" dur="indefinite" restart="never" nodeType="tmRoot"/>
+      </p:par>
+    </p:tnLst>
+  </p:timing>
 </p:sld>
 </file>
 
@@ -20068,6 +18277,149 @@
       </p:grpSpPr>
       <p:sp>
         <p:nvSpPr>
+          <p:cNvPr id="49153" name="Rectangle 2"/>
+          <p:cNvSpPr>
+            <a:spLocks noGrp="1" noChangeArrowheads="1"/>
+          </p:cNvSpPr>
+          <p:nvPr>
+            <p:ph type="title"/>
+          </p:nvPr>
+        </p:nvSpPr>
+        <p:spPr>
+          <a:xfrm>
+            <a:off x="139959" y="0"/>
+            <a:ext cx="8826759" cy="657225"/>
+          </a:xfrm>
+        </p:spPr>
+        <p:txBody>
+          <a:bodyPr/>
+          <a:lstStyle/>
+          <a:p>
+            <a:r>
+              <a:rPr lang="en-US" sz="3000" dirty="0" smtClean="0"/>
+              <a:t>Dependencies and limitations</a:t>
+            </a:r>
+            <a:endParaRPr lang="en-US" sz="3000" dirty="0" smtClean="0"/>
+          </a:p>
+        </p:txBody>
+      </p:sp>
+      <p:sp>
+        <p:nvSpPr>
+          <p:cNvPr id="49154" name="Rectangle 2339"/>
+          <p:cNvSpPr>
+            <a:spLocks noGrp="1" noChangeArrowheads="1"/>
+          </p:cNvSpPr>
+          <p:nvPr>
+            <p:ph type="body" idx="1"/>
+          </p:nvPr>
+        </p:nvSpPr>
+        <p:spPr>
+          <a:xfrm>
+            <a:off x="333375" y="887413"/>
+            <a:ext cx="8467725" cy="3227387"/>
+          </a:xfrm>
+        </p:spPr>
+        <p:txBody>
+          <a:bodyPr/>
+          <a:lstStyle/>
+          <a:p>
+            <a:r>
+              <a:rPr lang="en-US" sz="2000" dirty="0" smtClean="0"/>
+              <a:t>Pre-processing can not work on frame (N) before frame (N-1) is done, but there is no dependency between macroblock, that is, multiple core can divide the input data for the preprocessing</a:t>
+            </a:r>
+          </a:p>
+          <a:p>
+            <a:r>
+              <a:rPr lang="en-US" sz="2000" dirty="0" smtClean="0"/>
+              <a:t>Main-processing </a:t>
+            </a:r>
+            <a:r>
+              <a:rPr lang="en-US" sz="2000" dirty="0" smtClean="0"/>
+              <a:t>can not work on frame (N) before frame (N-1) is done, </a:t>
+            </a:r>
+            <a:r>
+              <a:rPr lang="en-US" sz="2000" dirty="0" smtClean="0"/>
+              <a:t>and each macroblock depends on the macroblocks above and to left, that is, no way to use multiple cores on main processing </a:t>
+            </a:r>
+          </a:p>
+          <a:p>
+            <a:r>
+              <a:rPr lang="en-US" sz="2000" dirty="0" smtClean="0"/>
+              <a:t>Post processing must work on complete frame, but there is no dependency between consecutive frames, that is, post processing can process frame(N) before frame (N-1) is done</a:t>
+            </a:r>
+            <a:endParaRPr lang="en-US" sz="2000" dirty="0" smtClean="0"/>
+          </a:p>
+          <a:p>
+            <a:endParaRPr lang="en-US" sz="2000" dirty="0" smtClean="0"/>
+          </a:p>
+        </p:txBody>
+      </p:sp>
+      <p:pic>
+        <p:nvPicPr>
+          <p:cNvPr id="4" name="Picture 2"/>
+          <p:cNvPicPr>
+            <a:picLocks noChangeAspect="1" noChangeArrowheads="1"/>
+          </p:cNvPicPr>
+          <p:nvPr/>
+        </p:nvPicPr>
+        <p:blipFill>
+          <a:blip r:embed="rId3" cstate="print"/>
+          <a:srcRect/>
+          <a:stretch>
+            <a:fillRect/>
+          </a:stretch>
+        </p:blipFill>
+        <p:spPr bwMode="auto">
+          <a:xfrm>
+            <a:off x="415635" y="4458468"/>
+            <a:ext cx="7152409" cy="1779975"/>
+          </a:xfrm>
+          <a:prstGeom prst="rect">
+            <a:avLst/>
+          </a:prstGeom>
+          <a:noFill/>
+          <a:ln w="9525">
+            <a:noFill/>
+            <a:miter lim="800000"/>
+            <a:headEnd/>
+            <a:tailEnd/>
+          </a:ln>
+        </p:spPr>
+      </p:pic>
+    </p:spTree>
+  </p:cSld>
+  <p:clrMapOvr>
+    <a:masterClrMapping/>
+  </p:clrMapOvr>
+  <p:timing>
+    <p:tnLst>
+      <p:par>
+        <p:cTn id="1" dur="indefinite" restart="never" nodeType="tmRoot"/>
+      </p:par>
+    </p:tnLst>
+  </p:timing>
+</p:sld>
+</file>
+
+<file path=ppt/slides/slide26.xml><?xml version="1.0" encoding="utf-8"?>
+<p:sld xmlns:a="http://schemas.openxmlformats.org/drawingml/2006/main" xmlns:r="http://schemas.openxmlformats.org/officeDocument/2006/relationships" xmlns:p="http://schemas.openxmlformats.org/presentationml/2006/main">
+  <p:cSld>
+    <p:spTree>
+      <p:nvGrpSpPr>
+        <p:cNvPr id="1" name=""/>
+        <p:cNvGrpSpPr/>
+        <p:nvPr/>
+      </p:nvGrpSpPr>
+      <p:grpSpPr>
+        <a:xfrm>
+          <a:off x="0" y="0"/>
+          <a:ext cx="0" cy="0"/>
+          <a:chOff x="0" y="0"/>
+          <a:chExt cx="0" cy="0"/>
+        </a:xfrm>
+      </p:grpSpPr>
+      <p:sp>
+        <p:nvSpPr>
           <p:cNvPr id="46081" name="Title 1"/>
           <p:cNvSpPr>
             <a:spLocks noGrp="1"/>
@@ -20102,7 +18454,7 @@
           <p:nvPr/>
         </p:nvGraphicFramePr>
         <p:xfrm>
-          <a:off x="223838" y="1644650"/>
+          <a:off x="431656" y="1052369"/>
           <a:ext cx="5576887" cy="1177798"/>
         </p:xfrm>
         <a:graphic>
@@ -22249,8 +20601,8 @@
           <p:nvPr/>
         </p:nvGraphicFramePr>
         <p:xfrm>
-          <a:off x="371475" y="4219575"/>
-          <a:ext cx="5256213" cy="1682496"/>
+          <a:off x="537729" y="2660072"/>
+          <a:ext cx="5256213" cy="1228598"/>
         </p:xfrm>
         <a:graphic>
           <a:graphicData uri="http://schemas.openxmlformats.org/drawingml/2006/table">
@@ -22262,7 +20614,7 @@
                 <a:gridCol w="1330325"/>
                 <a:gridCol w="1330325"/>
               </a:tblGrid>
-              <a:tr h="387350">
+              <a:tr h="379926">
                 <a:tc>
                   <a:txBody>
                     <a:bodyPr/>
@@ -22643,8 +20995,20 @@
                           <a:ea typeface="Calibri" pitchFamily="34" charset="0"/>
                           <a:cs typeface="Times New Roman" pitchFamily="18" charset="0"/>
                         </a:rPr>
-                        <a:t>Motion Estimation</a:t>
+                        <a:t>Pre=Processing</a:t>
                       </a:r>
+                      <a:endParaRPr kumimoji="0" lang="en-US" sz="1200" b="0" i="0" u="none" strike="noStrike" cap="none" normalizeH="0" baseline="0" dirty="0" smtClean="0">
+                        <a:ln>
+                          <a:noFill/>
+                        </a:ln>
+                        <a:solidFill>
+                          <a:schemeClr val="tx1"/>
+                        </a:solidFill>
+                        <a:effectLst/>
+                        <a:latin typeface="Calibri" pitchFamily="34" charset="0"/>
+                        <a:ea typeface="Calibri" pitchFamily="34" charset="0"/>
+                        <a:cs typeface="Times New Roman" pitchFamily="18" charset="0"/>
+                      </a:endParaRPr>
                     </a:p>
                   </a:txBody>
                   <a:tcPr marL="68580" marR="68580" marT="0" marB="0" horzOverflow="overflow">
@@ -22981,8 +21345,20 @@
                           <a:ea typeface="Calibri" pitchFamily="34" charset="0"/>
                           <a:cs typeface="Times New Roman" pitchFamily="18" charset="0"/>
                         </a:rPr>
-                        <a:t>IP, MC, Transform, Quantization</a:t>
+                        <a:t>Main Processing</a:t>
                       </a:r>
+                      <a:endParaRPr kumimoji="0" lang="en-US" sz="1200" b="0" i="0" u="none" strike="noStrike" cap="none" normalizeH="0" baseline="0" dirty="0" smtClean="0">
+                        <a:ln>
+                          <a:noFill/>
+                        </a:ln>
+                        <a:solidFill>
+                          <a:schemeClr val="tx1"/>
+                        </a:solidFill>
+                        <a:effectLst/>
+                        <a:latin typeface="Calibri" pitchFamily="34" charset="0"/>
+                        <a:ea typeface="Calibri" pitchFamily="34" charset="0"/>
+                        <a:cs typeface="Times New Roman" pitchFamily="18" charset="0"/>
+                      </a:endParaRPr>
                     </a:p>
                   </a:txBody>
                   <a:tcPr marL="68580" marR="68580" marT="0" marB="0" horzOverflow="overflow">
@@ -23065,8 +21441,20 @@
                           <a:ea typeface="Calibri" pitchFamily="34" charset="0"/>
                           <a:cs typeface="Times New Roman" pitchFamily="18" charset="0"/>
                         </a:rPr>
-                        <a:t>~12.5%</a:t>
+                        <a:t>~25%</a:t>
                       </a:r>
+                      <a:endParaRPr kumimoji="0" lang="en-US" sz="1200" b="0" i="0" u="none" strike="noStrike" cap="none" normalizeH="0" baseline="0" dirty="0" smtClean="0">
+                        <a:ln>
+                          <a:noFill/>
+                        </a:ln>
+                        <a:solidFill>
+                          <a:schemeClr val="tx1"/>
+                        </a:solidFill>
+                        <a:effectLst/>
+                        <a:latin typeface="Calibri" pitchFamily="34" charset="0"/>
+                        <a:ea typeface="Calibri" pitchFamily="34" charset="0"/>
+                        <a:cs typeface="Times New Roman" pitchFamily="18" charset="0"/>
+                      </a:endParaRPr>
                     </a:p>
                   </a:txBody>
                   <a:tcPr marL="68580" marR="68580" marT="0" marB="0" horzOverflow="overflow">
@@ -23149,8 +21537,20 @@
                           <a:ea typeface="Calibri" pitchFamily="34" charset="0"/>
                           <a:cs typeface="Times New Roman" pitchFamily="18" charset="0"/>
                         </a:rPr>
-                        <a:t>437.7</a:t>
+                        <a:t>875</a:t>
                       </a:r>
+                      <a:endParaRPr kumimoji="0" lang="en-US" sz="1200" b="0" i="0" u="none" strike="noStrike" cap="none" normalizeH="0" baseline="0" dirty="0" smtClean="0">
+                        <a:ln>
+                          <a:noFill/>
+                        </a:ln>
+                        <a:solidFill>
+                          <a:schemeClr val="tx1"/>
+                        </a:solidFill>
+                        <a:effectLst/>
+                        <a:latin typeface="Calibri" pitchFamily="34" charset="0"/>
+                        <a:ea typeface="Calibri" pitchFamily="34" charset="0"/>
+                        <a:cs typeface="Times New Roman" pitchFamily="18" charset="0"/>
+                      </a:endParaRPr>
                     </a:p>
                   </a:txBody>
                   <a:tcPr marL="68580" marR="68580" marT="0" marB="0" horzOverflow="overflow">
@@ -23233,8 +21633,20 @@
                           <a:ea typeface="Calibri" pitchFamily="34" charset="0"/>
                           <a:cs typeface="Times New Roman" pitchFamily="18" charset="0"/>
                         </a:rPr>
-                        <a:t>0.5</a:t>
+                        <a:t>1</a:t>
                       </a:r>
+                      <a:endParaRPr kumimoji="0" lang="en-US" sz="1200" b="0" i="0" u="none" strike="noStrike" cap="none" normalizeH="0" baseline="0" dirty="0" smtClean="0">
+                        <a:ln>
+                          <a:noFill/>
+                        </a:ln>
+                        <a:solidFill>
+                          <a:schemeClr val="tx1"/>
+                        </a:solidFill>
+                        <a:effectLst/>
+                        <a:latin typeface="Calibri" pitchFamily="34" charset="0"/>
+                        <a:ea typeface="Calibri" pitchFamily="34" charset="0"/>
+                        <a:cs typeface="Times New Roman" pitchFamily="18" charset="0"/>
+                      </a:endParaRPr>
                     </a:p>
                   </a:txBody>
                   <a:tcPr marL="68580" marR="68580" marT="0" marB="0" horzOverflow="overflow">
@@ -23473,6 +21885,7 @@
                         <a:buFontTx/>
                         <a:buNone/>
                         <a:tabLst/>
+                        <a:defRPr/>
                       </a:pPr>
                       <a:r>
                         <a:rPr kumimoji="0" lang="en-US" sz="1200" b="0" i="0" u="none" strike="noStrike" cap="none" normalizeH="0" baseline="0" dirty="0" smtClean="0">
@@ -23622,344 +22035,6 @@
                   </a:tcPr>
                 </a:tc>
               </a:tr>
-              <a:tr h="387350">
-                <a:tc>
-                  <a:txBody>
-                    <a:bodyPr/>
-                    <a:lstStyle/>
-                    <a:p>
-                      <a:pPr marL="0" marR="0" lvl="0" indent="0" algn="l" defTabSz="914400" rtl="0" eaLnBrk="1" fontAlgn="base" latinLnBrk="0" hangingPunct="1">
-                        <a:lnSpc>
-                          <a:spcPct val="115000"/>
-                        </a:lnSpc>
-                        <a:spcBef>
-                          <a:spcPct val="0"/>
-                        </a:spcBef>
-                        <a:spcAft>
-                          <a:spcPct val="0"/>
-                        </a:spcAft>
-                        <a:buClrTx/>
-                        <a:buSzTx/>
-                        <a:buFontTx/>
-                        <a:buNone/>
-                        <a:tabLst/>
-                      </a:pPr>
-                      <a:r>
-                        <a:rPr kumimoji="0" lang="en-US" sz="1200" b="0" i="0" u="none" strike="noStrike" cap="none" normalizeH="0" baseline="0" dirty="0" smtClean="0">
-                          <a:ln>
-                            <a:noFill/>
-                          </a:ln>
-                          <a:solidFill>
-                            <a:schemeClr val="tx1"/>
-                          </a:solidFill>
-                          <a:effectLst/>
-                          <a:latin typeface="Calibri" pitchFamily="34" charset="0"/>
-                          <a:ea typeface="Calibri" pitchFamily="34" charset="0"/>
-                          <a:cs typeface="Times New Roman" pitchFamily="18" charset="0"/>
-                        </a:rPr>
-                        <a:t>IT, IQ and Reconstruction</a:t>
-                      </a:r>
-                    </a:p>
-                  </a:txBody>
-                  <a:tcPr marL="68580" marR="68580" marT="0" marB="0" horzOverflow="overflow">
-                    <a:lnL w="12700" cap="flat" cmpd="sng" algn="ctr">
-                      <a:solidFill>
-                        <a:srgbClr val="000000"/>
-                      </a:solidFill>
-                      <a:prstDash val="solid"/>
-                      <a:round/>
-                      <a:headEnd type="none" w="med" len="med"/>
-                      <a:tailEnd type="none" w="med" len="med"/>
-                    </a:lnL>
-                    <a:lnR w="12700" cap="flat" cmpd="sng" algn="ctr">
-                      <a:solidFill>
-                        <a:srgbClr val="000000"/>
-                      </a:solidFill>
-                      <a:prstDash val="solid"/>
-                      <a:round/>
-                      <a:headEnd type="none" w="med" len="med"/>
-                      <a:tailEnd type="none" w="med" len="med"/>
-                    </a:lnR>
-                    <a:lnT w="12700" cap="flat" cmpd="sng" algn="ctr">
-                      <a:solidFill>
-                        <a:srgbClr val="000000"/>
-                      </a:solidFill>
-                      <a:prstDash val="solid"/>
-                      <a:round/>
-                      <a:headEnd type="none" w="med" len="med"/>
-                      <a:tailEnd type="none" w="med" len="med"/>
-                    </a:lnT>
-                    <a:lnB w="12700" cap="flat" cmpd="sng" algn="ctr">
-                      <a:solidFill>
-                        <a:srgbClr val="000000"/>
-                      </a:solidFill>
-                      <a:prstDash val="solid"/>
-                      <a:round/>
-                      <a:headEnd type="none" w="med" len="med"/>
-                      <a:tailEnd type="none" w="med" len="med"/>
-                    </a:lnB>
-                    <a:lnTlToBr>
-                      <a:noFill/>
-                    </a:lnTlToBr>
-                    <a:lnBlToTr>
-                      <a:noFill/>
-                    </a:lnBlToTr>
-                    <a:noFill/>
-                  </a:tcPr>
-                </a:tc>
-                <a:tc>
-                  <a:txBody>
-                    <a:bodyPr/>
-                    <a:lstStyle/>
-                    <a:p>
-                      <a:pPr marL="0" marR="0" lvl="0" indent="0" algn="l" defTabSz="914400" rtl="0" eaLnBrk="1" fontAlgn="base" latinLnBrk="0" hangingPunct="1">
-                        <a:lnSpc>
-                          <a:spcPct val="115000"/>
-                        </a:lnSpc>
-                        <a:spcBef>
-                          <a:spcPct val="0"/>
-                        </a:spcBef>
-                        <a:spcAft>
-                          <a:spcPct val="0"/>
-                        </a:spcAft>
-                        <a:buClrTx/>
-                        <a:buSzTx/>
-                        <a:buFontTx/>
-                        <a:buNone/>
-                        <a:tabLst/>
-                      </a:pPr>
-                      <a:r>
-                        <a:rPr kumimoji="0" lang="en-US" sz="1200" b="0" i="0" u="none" strike="noStrike" cap="none" normalizeH="0" baseline="0" dirty="0" smtClean="0">
-                          <a:ln>
-                            <a:noFill/>
-                          </a:ln>
-                          <a:solidFill>
-                            <a:schemeClr val="tx1"/>
-                          </a:solidFill>
-                          <a:effectLst/>
-                          <a:latin typeface="Calibri" pitchFamily="34" charset="0"/>
-                          <a:ea typeface="Calibri" pitchFamily="34" charset="0"/>
-                          <a:cs typeface="Times New Roman" pitchFamily="18" charset="0"/>
-                        </a:rPr>
-                        <a:t>~12.5%</a:t>
-                      </a:r>
-                    </a:p>
-                  </a:txBody>
-                  <a:tcPr marL="68580" marR="68580" marT="0" marB="0" horzOverflow="overflow">
-                    <a:lnL w="12700" cap="flat" cmpd="sng" algn="ctr">
-                      <a:solidFill>
-                        <a:srgbClr val="000000"/>
-                      </a:solidFill>
-                      <a:prstDash val="solid"/>
-                      <a:round/>
-                      <a:headEnd type="none" w="med" len="med"/>
-                      <a:tailEnd type="none" w="med" len="med"/>
-                    </a:lnL>
-                    <a:lnR w="12700" cap="flat" cmpd="sng" algn="ctr">
-                      <a:solidFill>
-                        <a:srgbClr val="000000"/>
-                      </a:solidFill>
-                      <a:prstDash val="solid"/>
-                      <a:round/>
-                      <a:headEnd type="none" w="med" len="med"/>
-                      <a:tailEnd type="none" w="med" len="med"/>
-                    </a:lnR>
-                    <a:lnT w="12700" cap="flat" cmpd="sng" algn="ctr">
-                      <a:solidFill>
-                        <a:srgbClr val="000000"/>
-                      </a:solidFill>
-                      <a:prstDash val="solid"/>
-                      <a:round/>
-                      <a:headEnd type="none" w="med" len="med"/>
-                      <a:tailEnd type="none" w="med" len="med"/>
-                    </a:lnT>
-                    <a:lnB w="12700" cap="flat" cmpd="sng" algn="ctr">
-                      <a:solidFill>
-                        <a:srgbClr val="000000"/>
-                      </a:solidFill>
-                      <a:prstDash val="solid"/>
-                      <a:round/>
-                      <a:headEnd type="none" w="med" len="med"/>
-                      <a:tailEnd type="none" w="med" len="med"/>
-                    </a:lnB>
-                    <a:lnTlToBr>
-                      <a:noFill/>
-                    </a:lnTlToBr>
-                    <a:lnBlToTr>
-                      <a:noFill/>
-                    </a:lnBlToTr>
-                    <a:noFill/>
-                  </a:tcPr>
-                </a:tc>
-                <a:tc>
-                  <a:txBody>
-                    <a:bodyPr/>
-                    <a:lstStyle/>
-                    <a:p>
-                      <a:pPr marL="0" marR="0" lvl="0" indent="0" algn="l" defTabSz="914400" rtl="0" eaLnBrk="1" fontAlgn="base" latinLnBrk="0" hangingPunct="1">
-                        <a:lnSpc>
-                          <a:spcPct val="115000"/>
-                        </a:lnSpc>
-                        <a:spcBef>
-                          <a:spcPct val="0"/>
-                        </a:spcBef>
-                        <a:spcAft>
-                          <a:spcPct val="0"/>
-                        </a:spcAft>
-                        <a:buClrTx/>
-                        <a:buSzTx/>
-                        <a:buFontTx/>
-                        <a:buNone/>
-                        <a:tabLst/>
-                      </a:pPr>
-                      <a:r>
-                        <a:rPr kumimoji="0" lang="en-US" sz="1200" b="0" i="0" u="none" strike="noStrike" cap="none" normalizeH="0" baseline="0" dirty="0" smtClean="0">
-                          <a:ln>
-                            <a:noFill/>
-                          </a:ln>
-                          <a:solidFill>
-                            <a:schemeClr val="tx1"/>
-                          </a:solidFill>
-                          <a:effectLst/>
-                          <a:latin typeface="Calibri" pitchFamily="34" charset="0"/>
-                          <a:ea typeface="Calibri" pitchFamily="34" charset="0"/>
-                          <a:cs typeface="Times New Roman" pitchFamily="18" charset="0"/>
-                        </a:rPr>
-                        <a:t>437.5</a:t>
-                      </a:r>
-                    </a:p>
-                  </a:txBody>
-                  <a:tcPr marL="68580" marR="68580" marT="0" marB="0" horzOverflow="overflow">
-                    <a:lnL w="12700" cap="flat" cmpd="sng" algn="ctr">
-                      <a:solidFill>
-                        <a:srgbClr val="000000"/>
-                      </a:solidFill>
-                      <a:prstDash val="solid"/>
-                      <a:round/>
-                      <a:headEnd type="none" w="med" len="med"/>
-                      <a:tailEnd type="none" w="med" len="med"/>
-                    </a:lnL>
-                    <a:lnR w="12700" cap="flat" cmpd="sng" algn="ctr">
-                      <a:solidFill>
-                        <a:srgbClr val="000000"/>
-                      </a:solidFill>
-                      <a:prstDash val="solid"/>
-                      <a:round/>
-                      <a:headEnd type="none" w="med" len="med"/>
-                      <a:tailEnd type="none" w="med" len="med"/>
-                    </a:lnR>
-                    <a:lnT w="12700" cap="flat" cmpd="sng" algn="ctr">
-                      <a:solidFill>
-                        <a:srgbClr val="000000"/>
-                      </a:solidFill>
-                      <a:prstDash val="solid"/>
-                      <a:round/>
-                      <a:headEnd type="none" w="med" len="med"/>
-                      <a:tailEnd type="none" w="med" len="med"/>
-                    </a:lnT>
-                    <a:lnB w="12700" cap="flat" cmpd="sng" algn="ctr">
-                      <a:solidFill>
-                        <a:srgbClr val="000000"/>
-                      </a:solidFill>
-                      <a:prstDash val="solid"/>
-                      <a:round/>
-                      <a:headEnd type="none" w="med" len="med"/>
-                      <a:tailEnd type="none" w="med" len="med"/>
-                    </a:lnB>
-                    <a:lnTlToBr>
-                      <a:noFill/>
-                    </a:lnTlToBr>
-                    <a:lnBlToTr>
-                      <a:noFill/>
-                    </a:lnBlToTr>
-                    <a:noFill/>
-                  </a:tcPr>
-                </a:tc>
-                <a:tc>
-                  <a:txBody>
-                    <a:bodyPr/>
-                    <a:lstStyle/>
-                    <a:p>
-                      <a:pPr marL="0" marR="0" lvl="0" indent="0" algn="l" defTabSz="914400" rtl="0" eaLnBrk="1" fontAlgn="base" latinLnBrk="0" hangingPunct="1">
-                        <a:lnSpc>
-                          <a:spcPct val="115000"/>
-                        </a:lnSpc>
-                        <a:spcBef>
-                          <a:spcPct val="0"/>
-                        </a:spcBef>
-                        <a:spcAft>
-                          <a:spcPct val="0"/>
-                        </a:spcAft>
-                        <a:buClrTx/>
-                        <a:buSzTx/>
-                        <a:buFontTx/>
-                        <a:buNone/>
-                        <a:tabLst/>
-                      </a:pPr>
-                      <a:r>
-                        <a:rPr kumimoji="0" lang="en-US" sz="1200" b="0" i="0" u="none" strike="noStrike" cap="none" normalizeH="0" baseline="0" dirty="0" smtClean="0">
-                          <a:ln>
-                            <a:noFill/>
-                          </a:ln>
-                          <a:solidFill>
-                            <a:schemeClr val="tx1"/>
-                          </a:solidFill>
-                          <a:effectLst/>
-                          <a:latin typeface="Calibri" pitchFamily="34" charset="0"/>
-                          <a:ea typeface="Calibri" pitchFamily="34" charset="0"/>
-                          <a:cs typeface="Times New Roman" pitchFamily="18" charset="0"/>
-                        </a:rPr>
-                        <a:t>0.5</a:t>
-                      </a:r>
-                    </a:p>
-                  </a:txBody>
-                  <a:tcPr marL="68580" marR="68580" marT="0" marB="0" horzOverflow="overflow">
-                    <a:lnL w="12700" cap="flat" cmpd="sng" algn="ctr">
-                      <a:solidFill>
-                        <a:srgbClr val="000000"/>
-                      </a:solidFill>
-                      <a:prstDash val="solid"/>
-                      <a:round/>
-                      <a:headEnd type="none" w="med" len="med"/>
-                      <a:tailEnd type="none" w="med" len="med"/>
-                    </a:lnL>
-                    <a:lnR w="12700" cap="flat" cmpd="sng" algn="ctr">
-                      <a:solidFill>
-                        <a:srgbClr val="000000"/>
-                      </a:solidFill>
-                      <a:prstDash val="solid"/>
-                      <a:round/>
-                      <a:headEnd type="none" w="med" len="med"/>
-                      <a:tailEnd type="none" w="med" len="med"/>
-                    </a:lnR>
-                    <a:lnT w="12700" cap="flat" cmpd="sng" algn="ctr">
-                      <a:solidFill>
-                        <a:srgbClr val="000000"/>
-                      </a:solidFill>
-                      <a:prstDash val="solid"/>
-                      <a:round/>
-                      <a:headEnd type="none" w="med" len="med"/>
-                      <a:tailEnd type="none" w="med" len="med"/>
-                    </a:lnT>
-                    <a:lnB w="12700" cap="flat" cmpd="sng" algn="ctr">
-                      <a:solidFill>
-                        <a:srgbClr val="000000"/>
-                      </a:solidFill>
-                      <a:prstDash val="solid"/>
-                      <a:round/>
-                      <a:headEnd type="none" w="med" len="med"/>
-                      <a:tailEnd type="none" w="med" len="med"/>
-                    </a:lnB>
-                    <a:lnTlToBr>
-                      <a:noFill/>
-                    </a:lnTlToBr>
-                    <a:lnBlToTr>
-                      <a:noFill/>
-                    </a:lnBlToTr>
-                    <a:noFill/>
-                  </a:tcPr>
-                </a:tc>
-              </a:tr>
             </a:tbl>
           </a:graphicData>
         </a:graphic>
@@ -23999,206 +22074,43 @@
           </a:p>
         </p:txBody>
       </p:sp>
-      <p:graphicFrame>
-        <p:nvGraphicFramePr>
-          <p:cNvPr id="7" name="Object 6"/>
-          <p:cNvGraphicFramePr>
-            <a:graphicFrameLocks noChangeAspect="1"/>
-          </p:cNvGraphicFramePr>
+      <p:pic>
+        <p:nvPicPr>
+          <p:cNvPr id="8" name="Picture 2"/>
+          <p:cNvPicPr>
+            <a:picLocks noChangeAspect="1" noChangeArrowheads="1"/>
+          </p:cNvPicPr>
           <p:nvPr/>
-        </p:nvGraphicFramePr>
-        <p:xfrm>
-          <a:off x="5946941" y="950026"/>
-          <a:ext cx="3011177" cy="5202960"/>
-        </p:xfrm>
-        <a:graphic>
-          <a:graphicData uri="http://schemas.openxmlformats.org/presentationml/2006/ole">
-            <p:oleObj spid="_x0000_s71682" name="Visio" r:id="rId4" imgW="3786183" imgH="6541581" progId="Visio.Drawing.11">
-              <p:embed/>
-            </p:oleObj>
-          </a:graphicData>
-        </a:graphic>
-      </p:graphicFrame>
+        </p:nvPicPr>
+        <p:blipFill>
+          <a:blip r:embed="rId3" cstate="print"/>
+          <a:srcRect/>
+          <a:stretch>
+            <a:fillRect/>
+          </a:stretch>
+        </p:blipFill>
+        <p:spPr bwMode="auto">
+          <a:xfrm>
+            <a:off x="415635" y="4458468"/>
+            <a:ext cx="7152409" cy="1779975"/>
+          </a:xfrm>
+          <a:prstGeom prst="rect">
+            <a:avLst/>
+          </a:prstGeom>
+          <a:noFill/>
+          <a:ln w="9525">
+            <a:noFill/>
+            <a:miter lim="800000"/>
+            <a:headEnd/>
+            <a:tailEnd/>
+          </a:ln>
+        </p:spPr>
+      </p:pic>
     </p:spTree>
   </p:cSld>
   <p:clrMapOvr>
     <a:masterClrMapping/>
   </p:clrMapOvr>
-</p:sld>
-</file>
-
-<file path=ppt/slides/slide26.xml><?xml version="1.0" encoding="utf-8"?>
-<p:sld xmlns:a="http://schemas.openxmlformats.org/drawingml/2006/main" xmlns:r="http://schemas.openxmlformats.org/officeDocument/2006/relationships" xmlns:p="http://schemas.openxmlformats.org/presentationml/2006/main" show="0">
-  <p:cSld>
-    <p:spTree>
-      <p:nvGrpSpPr>
-        <p:cNvPr id="1" name=""/>
-        <p:cNvGrpSpPr/>
-        <p:nvPr/>
-      </p:nvGrpSpPr>
-      <p:grpSpPr>
-        <a:xfrm>
-          <a:off x="0" y="0"/>
-          <a:ext cx="0" cy="0"/>
-          <a:chOff x="0" y="0"/>
-          <a:chExt cx="0" cy="0"/>
-        </a:xfrm>
-      </p:grpSpPr>
-      <p:sp>
-        <p:nvSpPr>
-          <p:cNvPr id="47105" name="Rectangle 2"/>
-          <p:cNvSpPr>
-            <a:spLocks noGrp="1" noChangeArrowheads="1"/>
-          </p:cNvSpPr>
-          <p:nvPr>
-            <p:ph type="title"/>
-          </p:nvPr>
-        </p:nvSpPr>
-        <p:spPr/>
-        <p:txBody>
-          <a:bodyPr/>
-          <a:lstStyle/>
-          <a:p>
-            <a:r>
-              <a:rPr lang="en-US" dirty="0" smtClean="0"/>
-              <a:t>Video Coding Algorithm Limitations</a:t>
-            </a:r>
-          </a:p>
-        </p:txBody>
-      </p:sp>
-      <p:sp>
-        <p:nvSpPr>
-          <p:cNvPr id="47106" name="Rectangle 2339"/>
-          <p:cNvSpPr>
-            <a:spLocks noGrp="1" noChangeArrowheads="1"/>
-          </p:cNvSpPr>
-          <p:nvPr>
-            <p:ph type="body" idx="1"/>
-          </p:nvPr>
-        </p:nvSpPr>
-        <p:spPr>
-          <a:xfrm>
-            <a:off x="333375" y="887413"/>
-            <a:ext cx="8467725" cy="5233987"/>
-          </a:xfrm>
-        </p:spPr>
-        <p:txBody>
-          <a:bodyPr/>
-          <a:lstStyle/>
-          <a:p>
-            <a:pPr>
-              <a:lnSpc>
-                <a:spcPct val="90000"/>
-              </a:lnSpc>
-            </a:pPr>
-            <a:r>
-              <a:rPr lang="en-US" dirty="0" smtClean="0"/>
-              <a:t>Motion estimation</a:t>
-            </a:r>
-          </a:p>
-          <a:p>
-            <a:pPr lvl="1">
-              <a:lnSpc>
-                <a:spcPct val="90000"/>
-              </a:lnSpc>
-            </a:pPr>
-            <a:r>
-              <a:rPr lang="en-US" dirty="0" smtClean="0"/>
-              <a:t>Depends on the reconstruction of previous (and future) frames</a:t>
-            </a:r>
-          </a:p>
-          <a:p>
-            <a:pPr lvl="1">
-              <a:lnSpc>
-                <a:spcPct val="90000"/>
-              </a:lnSpc>
-            </a:pPr>
-            <a:r>
-              <a:rPr lang="en-US" dirty="0" smtClean="0"/>
-              <a:t>Shortcuts can be performed (e.g., first row of frame N does not need last row of frame N-1).</a:t>
-            </a:r>
-          </a:p>
-          <a:p>
-            <a:pPr>
-              <a:lnSpc>
-                <a:spcPct val="90000"/>
-              </a:lnSpc>
-            </a:pPr>
-            <a:r>
-              <a:rPr lang="en-US" dirty="0" smtClean="0"/>
-              <a:t>Intra-prediction</a:t>
-            </a:r>
-          </a:p>
-          <a:p>
-            <a:pPr lvl="1">
-              <a:lnSpc>
-                <a:spcPct val="90000"/>
-              </a:lnSpc>
-            </a:pPr>
-            <a:r>
-              <a:rPr lang="en-US" dirty="0" smtClean="0"/>
-              <a:t>Depends on the macroblock above and to the left</a:t>
-            </a:r>
-          </a:p>
-          <a:p>
-            <a:pPr lvl="1">
-              <a:lnSpc>
-                <a:spcPct val="90000"/>
-              </a:lnSpc>
-            </a:pPr>
-            <a:r>
-              <a:rPr lang="en-US" dirty="0" smtClean="0"/>
-              <a:t>Must be done consecutively or encoding efficiency is lost (i.e., lower quality for the same number of bits)</a:t>
-            </a:r>
-          </a:p>
-          <a:p>
-            <a:pPr>
-              <a:lnSpc>
-                <a:spcPct val="90000"/>
-              </a:lnSpc>
-            </a:pPr>
-            <a:r>
-              <a:rPr lang="en-US" dirty="0" smtClean="0"/>
-              <a:t>Entropy encoding (CABAC, CAVLC)</a:t>
-            </a:r>
-          </a:p>
-          <a:p>
-            <a:pPr lvl="1">
-              <a:lnSpc>
-                <a:spcPct val="90000"/>
-              </a:lnSpc>
-            </a:pPr>
-            <a:r>
-              <a:rPr lang="en-US" dirty="0" smtClean="0"/>
-              <a:t>Must be processed in the macroblock order</a:t>
-            </a:r>
-          </a:p>
-          <a:p>
-            <a:pPr lvl="1">
-              <a:lnSpc>
-                <a:spcPct val="90000"/>
-              </a:lnSpc>
-            </a:pPr>
-            <a:r>
-              <a:rPr lang="en-US" dirty="0" smtClean="0"/>
-              <a:t>Each frame is independent of other frames.</a:t>
-            </a:r>
-          </a:p>
-        </p:txBody>
-      </p:sp>
-    </p:spTree>
-  </p:cSld>
-  <p:clrMapOvr>
-    <a:masterClrMapping/>
-  </p:clrMapOvr>
-  <p:transition/>
-  <p:timing>
-    <p:tnLst>
-      <p:par>
-        <p:cTn id="1" dur="indefinite" restart="never" nodeType="tmRoot"/>
-      </p:par>
-    </p:tnLst>
-  </p:timing>
 </p:sld>
 </file>
 
@@ -24282,22 +22194,37 @@
             <a:pPr lvl="1"/>
             <a:r>
               <a:rPr lang="en-US" dirty="0" smtClean="0"/>
-              <a:t>Two cores for motion estimation</a:t>
-            </a:r>
+              <a:t>Two cores for </a:t>
+            </a:r>
+            <a:r>
+              <a:rPr lang="en-US" dirty="0" smtClean="0"/>
+              <a:t>pre-processing</a:t>
+            </a:r>
+            <a:endParaRPr lang="en-US" dirty="0" smtClean="0"/>
           </a:p>
           <a:p>
             <a:pPr lvl="1"/>
             <a:r>
               <a:rPr lang="en-US" dirty="0" smtClean="0"/>
-              <a:t>One core for entropy encoding</a:t>
-            </a:r>
+              <a:t>One core for </a:t>
+            </a:r>
+            <a:r>
+              <a:rPr lang="en-US" dirty="0" smtClean="0"/>
+              <a:t>main-processing</a:t>
+            </a:r>
+            <a:endParaRPr lang="en-US" dirty="0" smtClean="0"/>
           </a:p>
           <a:p>
             <a:pPr lvl="1"/>
             <a:r>
               <a:rPr lang="en-US" dirty="0" smtClean="0"/>
-              <a:t>One core for everything else</a:t>
-            </a:r>
+              <a:t>One core for </a:t>
+            </a:r>
+            <a:r>
+              <a:rPr lang="en-US" dirty="0" smtClean="0"/>
+              <a:t>post-processing</a:t>
+            </a:r>
+            <a:endParaRPr lang="en-US" dirty="0" smtClean="0"/>
           </a:p>
           <a:p>
             <a:r>
@@ -24576,7 +22503,15 @@
             </a:pPr>
             <a:r>
               <a:rPr lang="en-US" sz="2400" dirty="0" smtClean="0"/>
-              <a:t>All other accesses (ME vectors, parameters, compressed data, etc.) are negligible.</a:t>
+              <a:t>All other accesses </a:t>
+            </a:r>
+            <a:r>
+              <a:rPr lang="en-US" sz="2400" dirty="0" smtClean="0"/>
+              <a:t>are </a:t>
+            </a:r>
+            <a:r>
+              <a:rPr lang="en-US" sz="2400" dirty="0" smtClean="0"/>
+              <a:t>negligible.</a:t>
             </a:r>
             <a:endParaRPr lang="en-US" dirty="0" smtClean="0"/>
           </a:p>
@@ -24598,85 +22533,12 @@
               </a:lnSpc>
             </a:pPr>
             <a:r>
-              <a:rPr lang="en-US" sz="2000" dirty="0" smtClean="0"/>
-              <a:t>Retrieving data from peripheral to DDR -  25M bits = 3.125MB</a:t>
-            </a:r>
-          </a:p>
-          <a:p>
-            <a:pPr lvl="1">
-              <a:lnSpc>
-                <a:spcPct val="80000"/>
-              </a:lnSpc>
-            </a:pPr>
-            <a:r>
-              <a:rPr lang="en-US" sz="2000" dirty="0" smtClean="0"/>
-              <a:t>Motion estimation phase reads the current frame (only Y) and older Y component of reconstruction frame(s).</a:t>
-            </a:r>
-          </a:p>
-          <a:p>
-            <a:pPr lvl="2">
-              <a:lnSpc>
-                <a:spcPct val="80000"/>
-              </a:lnSpc>
-            </a:pPr>
-            <a:r>
-              <a:rPr lang="en-US" dirty="0" smtClean="0"/>
-              <a:t>A good ME algorithm may read up to 6x older frame(s).</a:t>
-            </a:r>
-          </a:p>
-          <a:p>
-            <a:pPr lvl="2">
-              <a:lnSpc>
-                <a:spcPct val="80000"/>
-              </a:lnSpc>
-            </a:pPr>
-            <a:r>
-              <a:rPr lang="en-US" dirty="0" smtClean="0"/>
-              <a:t>7 * 1920 * 1088 = ~ 15M Bytes</a:t>
-            </a:r>
-          </a:p>
-          <a:p>
-            <a:pPr lvl="1">
-              <a:lnSpc>
-                <a:spcPct val="80000"/>
-              </a:lnSpc>
-            </a:pPr>
-            <a:r>
-              <a:rPr lang="en-US" sz="2000" dirty="0" smtClean="0"/>
-              <a:t>Encoding phase reads the current frame and one old frame. The total size is about 6.25 MB.</a:t>
-            </a:r>
-          </a:p>
-          <a:p>
-            <a:pPr lvl="1">
-              <a:lnSpc>
-                <a:spcPct val="80000"/>
-              </a:lnSpc>
-            </a:pPr>
-            <a:r>
-              <a:rPr lang="en-US" sz="2000" dirty="0" smtClean="0"/>
-              <a:t>Reconstruction phase reads one frame and writes one frame. So the total bandwidth is 6.25 MB.</a:t>
-            </a:r>
-          </a:p>
-          <a:p>
-            <a:pPr lvl="1">
-              <a:lnSpc>
-                <a:spcPct val="80000"/>
-              </a:lnSpc>
-            </a:pPr>
-            <a:r>
-              <a:rPr lang="en-US" sz="2000" dirty="0" smtClean="0"/>
-              <a:t>Frame compression before or after the entropy encoder is negligible.</a:t>
-            </a:r>
-          </a:p>
-          <a:p>
-            <a:pPr lvl="1">
-              <a:lnSpc>
-                <a:spcPct val="80000"/>
-              </a:lnSpc>
-            </a:pPr>
-            <a:r>
               <a:rPr lang="en-US" sz="2000" b="1" dirty="0" smtClean="0"/>
-              <a:t>Total DDR access for a single frame is less than 32 MB.</a:t>
+              <a:t>Total </a:t>
+            </a:r>
+            <a:r>
+              <a:rPr lang="en-US" sz="2000" b="1" dirty="0" smtClean="0"/>
+              <a:t>DDR access for a single frame is less than 32 MB.</a:t>
             </a:r>
             <a:endParaRPr lang="en-US" b="1" dirty="0" smtClean="0"/>
           </a:p>
@@ -25163,7 +23025,15 @@
             </a:pPr>
             <a:r>
               <a:rPr lang="en-US" dirty="0" smtClean="0"/>
-              <a:t>Data in and out of the system (SRIO, PCIe or SGMII) is done using the Navigator or other master DMA (PCIe).</a:t>
+              <a:t>Data in and out of the system (</a:t>
+            </a:r>
+            <a:r>
+              <a:rPr lang="en-US" dirty="0" smtClean="0"/>
+              <a:t>SRIO or </a:t>
+            </a:r>
+            <a:r>
+              <a:rPr lang="en-US" dirty="0" smtClean="0"/>
+              <a:t>SGMII) is done using the Navigator or other master DMA (PCIe).</a:t>
             </a:r>
           </a:p>
           <a:p>
@@ -26451,21 +24321,8 @@
                   <a:schemeClr val="tx2"/>
                 </a:solidFill>
               </a:rPr>
-              <a:t>step </a:t>
-            </a:r>
-            <a:r>
-              <a:rPr lang="en-US" dirty="0" smtClean="0">
-                <a:solidFill>
-                  <a:schemeClr val="tx2"/>
-                </a:solidFill>
-              </a:rPr>
-              <a:t>2</a:t>
-            </a:r>
-            <a:endParaRPr lang="en-US" dirty="0" smtClean="0">
-              <a:solidFill>
-                <a:schemeClr val="tx2"/>
-              </a:solidFill>
-            </a:endParaRPr>
+              <a:t>step 2</a:t>
+            </a:r>
           </a:p>
         </p:txBody>
       </p:sp>
@@ -26992,21 +24849,8 @@
                   <a:schemeClr val="tx2"/>
                 </a:solidFill>
               </a:rPr>
-              <a:t>step </a:t>
-            </a:r>
-            <a:r>
-              <a:rPr lang="en-US" dirty="0" smtClean="0">
-                <a:solidFill>
-                  <a:schemeClr val="tx2"/>
-                </a:solidFill>
-              </a:rPr>
-              <a:t>3</a:t>
-            </a:r>
-            <a:endParaRPr lang="en-US" dirty="0" smtClean="0">
-              <a:solidFill>
-                <a:schemeClr val="tx2"/>
-              </a:solidFill>
-            </a:endParaRPr>
+              <a:t>step 3</a:t>
+            </a:r>
           </a:p>
         </p:txBody>
       </p:sp>
@@ -27040,7 +24884,6 @@
               <a:rPr lang="en-US" sz="2400" dirty="0" smtClean="0"/>
               <a:t>Next we observe that the exponent can be written as three terms. The forth term is always one (                   =1)</a:t>
             </a:r>
-            <a:endParaRPr lang="en-US" sz="2400" dirty="0" smtClean="0"/>
           </a:p>
           <a:p>
             <a:pPr eaLnBrk="1" hangingPunct="1">
@@ -27312,21 +25155,8 @@
                   <a:schemeClr val="tx2"/>
                 </a:solidFill>
               </a:rPr>
-              <a:t>step </a:t>
-            </a:r>
-            <a:r>
-              <a:rPr lang="en-US" dirty="0" smtClean="0">
-                <a:solidFill>
-                  <a:schemeClr val="tx2"/>
-                </a:solidFill>
-              </a:rPr>
-              <a:t>4</a:t>
-            </a:r>
-            <a:endParaRPr lang="en-US" dirty="0" smtClean="0">
-              <a:solidFill>
-                <a:schemeClr val="tx2"/>
-              </a:solidFill>
-            </a:endParaRPr>
+              <a:t>step 4</a:t>
+            </a:r>
           </a:p>
         </p:txBody>
       </p:sp>
@@ -27568,21 +25398,8 @@
                   <a:schemeClr val="tx2"/>
                 </a:solidFill>
               </a:rPr>
-              <a:t>step </a:t>
-            </a:r>
-            <a:r>
-              <a:rPr lang="en-US" dirty="0" smtClean="0">
-                <a:solidFill>
-                  <a:schemeClr val="tx2"/>
-                </a:solidFill>
-              </a:rPr>
-              <a:t>5</a:t>
-            </a:r>
-            <a:endParaRPr lang="en-US" dirty="0" smtClean="0">
-              <a:solidFill>
-                <a:schemeClr val="tx2"/>
-              </a:solidFill>
-            </a:endParaRPr>
+              <a:t>step 5</a:t>
+            </a:r>
           </a:p>
         </p:txBody>
       </p:sp>
@@ -27701,11 +25518,7 @@
             </a:r>
             <a:r>
               <a:rPr lang="en-US" sz="2400" dirty="0" smtClean="0"/>
-              <a:t> multiply by a function (twiddle factor) of </a:t>
-            </a:r>
-            <a:r>
-              <a:rPr lang="en-US" sz="2400" dirty="0" smtClean="0"/>
-              <a:t>K</a:t>
+              <a:t> multiply by a function (twiddle factor) of K</a:t>
             </a:r>
             <a:r>
               <a:rPr lang="en-US" sz="2400" baseline="-25000" dirty="0" smtClean="0"/>
@@ -27725,7 +25538,11 @@
             </a:r>
             <a:r>
               <a:rPr lang="en-US" sz="2400" baseline="-25000" dirty="0" smtClean="0"/>
-              <a:t>u</a:t>
+              <a:t>u2</a:t>
+            </a:r>
+            <a:r>
+              <a:rPr lang="en-US" sz="2400" dirty="0" smtClean="0"/>
+              <a:t> (k</a:t>
             </a:r>
             <a:r>
               <a:rPr lang="en-US" sz="2400" baseline="-25000" dirty="0" smtClean="0"/>
@@ -27733,7 +25550,40 @@
             </a:r>
             <a:r>
               <a:rPr lang="en-US" sz="2400" dirty="0" smtClean="0"/>
-              <a:t> (k</a:t>
+              <a:t>).  </a:t>
+            </a:r>
+          </a:p>
+          <a:p>
+            <a:pPr>
+              <a:buNone/>
+            </a:pPr>
+            <a:endParaRPr lang="en-US" sz="2400" dirty="0" smtClean="0"/>
+          </a:p>
+          <a:p>
+            <a:pPr>
+              <a:buNone/>
+            </a:pPr>
+            <a:endParaRPr lang="en-US" sz="2400" dirty="0" smtClean="0"/>
+          </a:p>
+          <a:p>
+            <a:pPr>
+              <a:buNone/>
+            </a:pPr>
+            <a:endParaRPr lang="en-US" sz="2400" dirty="0" smtClean="0"/>
+          </a:p>
+          <a:p>
+            <a:pPr>
+              <a:buNone/>
+            </a:pPr>
+            <a:endParaRPr lang="en-US" sz="2400" dirty="0" smtClean="0"/>
+          </a:p>
+          <a:p>
+            <a:pPr>
+              <a:buNone/>
+            </a:pPr>
+            <a:r>
+              <a:rPr lang="en-US" sz="2400" dirty="0" smtClean="0"/>
+              <a:t>What we see is if we take from each FFT that we calculate before the u</a:t>
             </a:r>
             <a:r>
               <a:rPr lang="en-US" sz="2400" baseline="-25000" dirty="0" smtClean="0"/>
@@ -27741,78 +25591,29 @@
             </a:r>
             <a:r>
               <a:rPr lang="en-US" sz="2400" dirty="0" smtClean="0"/>
-              <a:t>).  </a:t>
-            </a:r>
+              <a:t>  element (after multiplying by the twiddle factor), we need to perform N</a:t>
+            </a:r>
+            <a:r>
+              <a:rPr lang="en-US" sz="2400" baseline="-25000" dirty="0" smtClean="0"/>
+              <a:t>2</a:t>
+            </a:r>
+            <a:r>
+              <a:rPr lang="en-US" sz="2400" dirty="0" smtClean="0"/>
+              <a:t> FFTs, each of them size N</a:t>
+            </a:r>
+            <a:r>
+              <a:rPr lang="en-US" sz="2400" baseline="-25000" dirty="0" smtClean="0"/>
+              <a:t>1</a:t>
+            </a:r>
+            <a:endParaRPr lang="en-US" sz="2400" dirty="0" smtClean="0"/>
           </a:p>
           <a:p>
             <a:pPr>
               <a:buNone/>
             </a:pPr>
-            <a:endParaRPr lang="en-US" sz="2400" dirty="0" smtClean="0"/>
-          </a:p>
-          <a:p>
-            <a:pPr>
-              <a:buNone/>
-            </a:pPr>
-            <a:endParaRPr lang="en-US" sz="2400" dirty="0" smtClean="0"/>
-          </a:p>
-          <a:p>
-            <a:pPr>
-              <a:buNone/>
-            </a:pPr>
-            <a:endParaRPr lang="en-US" sz="2400" dirty="0" smtClean="0"/>
-          </a:p>
-          <a:p>
-            <a:pPr>
-              <a:buNone/>
-            </a:pPr>
-            <a:endParaRPr lang="en-US" sz="2400" dirty="0" smtClean="0"/>
-          </a:p>
-          <a:p>
-            <a:pPr>
-              <a:buNone/>
-            </a:pPr>
             <a:r>
               <a:rPr lang="en-US" sz="2400" dirty="0" smtClean="0"/>
-              <a:t>What we see is if we take from each FFT that we calculate before the </a:t>
-            </a:r>
-            <a:r>
-              <a:rPr lang="en-US" sz="2400" dirty="0" smtClean="0"/>
-              <a:t>u</a:t>
-            </a:r>
-            <a:r>
-              <a:rPr lang="en-US" sz="2400" baseline="-25000" dirty="0" smtClean="0"/>
-              <a:t>2</a:t>
-            </a:r>
-            <a:r>
-              <a:rPr lang="en-US" sz="2400" dirty="0" smtClean="0"/>
-              <a:t>  element (after multiplying by the twiddle factor), we need to perform N</a:t>
-            </a:r>
-            <a:r>
-              <a:rPr lang="en-US" sz="2400" baseline="-25000" dirty="0" smtClean="0"/>
-              <a:t>2</a:t>
-            </a:r>
-            <a:r>
-              <a:rPr lang="en-US" sz="2400" dirty="0" smtClean="0"/>
-              <a:t> FFTs, each of them size N</a:t>
-            </a:r>
-            <a:r>
-              <a:rPr lang="en-US" sz="2400" baseline="-25000" dirty="0" smtClean="0"/>
-              <a:t>1</a:t>
-            </a:r>
-            <a:endParaRPr lang="en-US" sz="2400" dirty="0" smtClean="0"/>
-          </a:p>
-          <a:p>
-            <a:pPr>
-              <a:buNone/>
-            </a:pPr>
-            <a:r>
-              <a:rPr lang="en-US" sz="2400" dirty="0" smtClean="0"/>
-              <a:t>Taking the </a:t>
-            </a:r>
-            <a:r>
-              <a:rPr lang="en-US" sz="2400" dirty="0" smtClean="0"/>
-              <a:t>u</a:t>
+              <a:t>Taking the u</a:t>
             </a:r>
             <a:r>
               <a:rPr lang="en-US" sz="2400" baseline="-25000" dirty="0" smtClean="0"/>
@@ -27951,11 +25752,7 @@
             </a:pPr>
             <a:r>
               <a:rPr lang="en-US" dirty="0" smtClean="0"/>
-              <a:t>Compute </a:t>
-            </a:r>
-            <a:r>
-              <a:rPr lang="en-US" dirty="0" smtClean="0"/>
-              <a:t>N2 FFTs size N1</a:t>
+              <a:t>Compute N2 FFTs size N1</a:t>
             </a:r>
           </a:p>
           <a:p>
@@ -27985,13 +25782,8 @@
             </a:pPr>
             <a:r>
               <a:rPr lang="en-US" dirty="0" smtClean="0"/>
-              <a:t>Compute N1 FFTs. Each is N2 size</a:t>
-            </a:r>
-            <a:r>
-              <a:rPr lang="en-US" dirty="0" smtClean="0"/>
-              <a:t>.</a:t>
-            </a:r>
-            <a:endParaRPr lang="en-US" dirty="0" smtClean="0"/>
+              <a:t>Compute N1 FFTs. Each is N2 size.</a:t>
+            </a:r>
           </a:p>
         </p:txBody>
       </p:sp>
@@ -29154,6 +26946,13 @@
   <p:clrMapOvr>
     <a:masterClrMapping/>
   </p:clrMapOvr>
+  <p:timing>
+    <p:tnLst>
+      <p:par>
+        <p:cTn id="1" dur="indefinite" restart="never" nodeType="tmRoot"/>
+      </p:par>
+    </p:tnLst>
+  </p:timing>
 </p:sld>
 </file>
 
@@ -29338,9 +27137,9 @@
       </p:grpSpPr>
       <p:sp>
         <p:nvSpPr>
-          <p:cNvPr id="37889" name="Rectangle 2"/>
-          <p:cNvSpPr>
-            <a:spLocks noGrp="1" noChangeArrowheads="1"/>
+          <p:cNvPr id="35841" name="Title 1"/>
+          <p:cNvSpPr>
+            <a:spLocks noGrp="1"/>
           </p:cNvSpPr>
           <p:nvPr>
             <p:ph type="title"/>
@@ -29348,8 +27147,8 @@
         </p:nvSpPr>
         <p:spPr>
           <a:xfrm>
-            <a:off x="342900" y="176644"/>
-            <a:ext cx="8458200" cy="987137"/>
+            <a:off x="737754" y="228600"/>
+            <a:ext cx="8083983" cy="800100"/>
           </a:xfrm>
         </p:spPr>
         <p:txBody>
@@ -29358,81 +27157,238 @@
           <a:p>
             <a:r>
               <a:rPr lang="en-US" dirty="0" smtClean="0"/>
-              <a:t>Multicore implementation</a:t>
-            </a:r>
-          </a:p>
-        </p:txBody>
-      </p:sp>
-      <p:sp>
-        <p:nvSpPr>
-          <p:cNvPr id="23554" name="Rectangle 3"/>
-          <p:cNvSpPr>
-            <a:spLocks noGrp="1" noChangeArrowheads="1"/>
-          </p:cNvSpPr>
-          <p:nvPr>
-            <p:ph type="body" idx="1"/>
-          </p:nvPr>
-        </p:nvSpPr>
-        <p:spPr>
+              <a:t>Common Use Cases</a:t>
+            </a:r>
+          </a:p>
+        </p:txBody>
+      </p:sp>
+      <p:sp>
+        <p:nvSpPr>
+          <p:cNvPr id="35842" name="Content Placeholder 2"/>
+          <p:cNvSpPr>
+            <a:spLocks/>
+          </p:cNvSpPr>
+          <p:nvPr/>
+        </p:nvSpPr>
+        <p:spPr bwMode="auto">
           <a:xfrm>
-            <a:off x="333375" y="1068388"/>
-            <a:ext cx="8467725" cy="5075237"/>
+            <a:off x="316922" y="1246909"/>
+            <a:ext cx="8523288" cy="4759036"/>
           </a:xfrm>
+          <a:prstGeom prst="rect">
+            <a:avLst/>
+          </a:prstGeom>
+          <a:noFill/>
+          <a:ln w="9525">
+            <a:noFill/>
+            <a:miter lim="800000"/>
+            <a:headEnd/>
+            <a:tailEnd/>
+          </a:ln>
         </p:spPr>
         <p:txBody>
           <a:bodyPr/>
           <a:lstStyle/>
           <a:p>
-            <a:pPr>
-              <a:buNone/>
-            </a:pPr>
-            <a:endParaRPr lang="en-US" sz="2400" dirty="0" smtClean="0"/>
-          </a:p>
-          <a:p>
-            <a:r>
-              <a:rPr lang="en-US" sz="2400" dirty="0" smtClean="0"/>
-              <a:t>The goal is to speed up processing of a computationally-intensive applications.</a:t>
-            </a:r>
-          </a:p>
-          <a:p>
-            <a:r>
-              <a:rPr lang="en-US" sz="2400" dirty="0" smtClean="0"/>
-              <a:t>Characteristics of computationally-intensive applications:</a:t>
-            </a:r>
-          </a:p>
-          <a:p>
-            <a:pPr lvl="1"/>
-            <a:r>
-              <a:rPr lang="en-US" sz="2000" dirty="0" smtClean="0"/>
-              <a:t>Large amount of data to process</a:t>
-            </a:r>
-          </a:p>
-          <a:p>
-            <a:pPr lvl="1"/>
-            <a:r>
-              <a:rPr lang="en-US" sz="2000" dirty="0" smtClean="0"/>
-              <a:t>Complex algorithms require many computations</a:t>
-            </a:r>
-          </a:p>
-          <a:p>
-            <a:r>
-              <a:rPr lang="en-US" sz="2400" dirty="0" smtClean="0"/>
-              <a:t>Main Challenges </a:t>
-            </a:r>
-          </a:p>
-          <a:p>
-            <a:pPr lvl="1"/>
-            <a:r>
-              <a:rPr lang="en-US" sz="2000" dirty="0" smtClean="0"/>
-              <a:t>How to partition the task (threads, algorithms) between the cores in the most optimized way </a:t>
-            </a:r>
-          </a:p>
-          <a:p>
-            <a:pPr lvl="1"/>
-            <a:r>
-              <a:rPr lang="en-US" sz="2000" dirty="0" smtClean="0"/>
-              <a:t>How to use the devices resources (transport resources, semaphores, memories) to optimize performances and minimize contentions </a:t>
-            </a:r>
+            <a:pPr marL="342900" indent="-342900" eaLnBrk="0" hangingPunct="0">
+              <a:spcBef>
+                <a:spcPct val="20000"/>
+              </a:spcBef>
+              <a:buFontTx/>
+              <a:buChar char="•"/>
+            </a:pPr>
+            <a:r>
+              <a:rPr lang="en-US" altLang="zh-CN" sz="2400" b="0" dirty="0">
+                <a:ea typeface="SimSun" charset="-122"/>
+              </a:rPr>
+              <a:t>Network gateway, speech/voice processing</a:t>
+            </a:r>
+          </a:p>
+          <a:p>
+            <a:pPr marL="800100" lvl="1" indent="-342900" eaLnBrk="0" hangingPunct="0">
+              <a:spcBef>
+                <a:spcPct val="20000"/>
+              </a:spcBef>
+              <a:buFontTx/>
+              <a:buChar char="•"/>
+            </a:pPr>
+            <a:r>
+              <a:rPr lang="en-US" altLang="zh-CN" sz="2400" b="0" dirty="0">
+                <a:ea typeface="SimSun" charset="-122"/>
+              </a:rPr>
+              <a:t>Typically hundreds or thousands of channels</a:t>
+            </a:r>
+          </a:p>
+          <a:p>
+            <a:pPr marL="800100" lvl="1" indent="-342900" eaLnBrk="0" hangingPunct="0">
+              <a:spcBef>
+                <a:spcPct val="20000"/>
+              </a:spcBef>
+              <a:buFontTx/>
+              <a:buChar char="•"/>
+            </a:pPr>
+            <a:r>
+              <a:rPr lang="en-US" altLang="zh-CN" sz="2400" b="0" dirty="0">
+                <a:ea typeface="SimSun" charset="-122"/>
+              </a:rPr>
+              <a:t>Each channel consumes about 30 MIPS </a:t>
+            </a:r>
+          </a:p>
+          <a:p>
+            <a:pPr marL="342900" indent="-342900" eaLnBrk="0" hangingPunct="0">
+              <a:spcBef>
+                <a:spcPct val="20000"/>
+              </a:spcBef>
+              <a:buFontTx/>
+              <a:buChar char="•"/>
+            </a:pPr>
+            <a:r>
+              <a:rPr lang="en-US" altLang="zh-CN" sz="2400" b="0" dirty="0">
+                <a:ea typeface="SimSun" charset="-122"/>
+              </a:rPr>
+              <a:t>Large, complex, floating point </a:t>
+            </a:r>
+            <a:r>
+              <a:rPr lang="en-US" altLang="zh-CN" sz="2400" b="0" dirty="0" smtClean="0">
+                <a:ea typeface="SimSun" charset="-122"/>
+              </a:rPr>
+              <a:t>FFT (Radar applications and others)</a:t>
+            </a:r>
+            <a:endParaRPr lang="en-US" altLang="zh-CN" sz="2400" b="0" dirty="0">
+              <a:ea typeface="SimSun" charset="-122"/>
+            </a:endParaRPr>
+          </a:p>
+          <a:p>
+            <a:pPr marL="342900" indent="-342900" eaLnBrk="0" hangingPunct="0">
+              <a:spcBef>
+                <a:spcPct val="20000"/>
+              </a:spcBef>
+              <a:buFontTx/>
+              <a:buChar char="•"/>
+            </a:pPr>
+            <a:r>
+              <a:rPr lang="en-US" altLang="zh-CN" sz="2400" b="0" dirty="0">
+                <a:ea typeface="SimSun" charset="-122"/>
+              </a:rPr>
+              <a:t>Video </a:t>
+            </a:r>
+            <a:r>
+              <a:rPr lang="en-US" altLang="zh-CN" sz="2400" b="0" dirty="0" smtClean="0">
+                <a:ea typeface="SimSun" charset="-122"/>
+              </a:rPr>
+              <a:t>processing</a:t>
+            </a:r>
+          </a:p>
+          <a:p>
+            <a:pPr marL="342900" indent="-342900" eaLnBrk="0" hangingPunct="0">
+              <a:spcBef>
+                <a:spcPct val="20000"/>
+              </a:spcBef>
+              <a:buFontTx/>
+              <a:buChar char="•"/>
+            </a:pPr>
+            <a:r>
+              <a:rPr lang="en-US" altLang="zh-CN" sz="2400" b="0" dirty="0" smtClean="0">
+                <a:ea typeface="SimSun" charset="-122"/>
+              </a:rPr>
+              <a:t>Medical imaging</a:t>
+            </a:r>
+          </a:p>
+          <a:p>
+            <a:pPr marL="342900" indent="-342900" eaLnBrk="0" hangingPunct="0">
+              <a:spcBef>
+                <a:spcPct val="20000"/>
+              </a:spcBef>
+              <a:buFontTx/>
+              <a:buChar char="•"/>
+            </a:pPr>
+            <a:r>
+              <a:rPr lang="en-US" altLang="zh-CN" sz="2400" b="0" dirty="0" smtClean="0">
+                <a:ea typeface="SimSun" charset="-122"/>
+              </a:rPr>
+              <a:t>LTE, WiMAX, other wireless physical layers </a:t>
+            </a:r>
+          </a:p>
+          <a:p>
+            <a:pPr marL="342900" indent="-342900" eaLnBrk="0" hangingPunct="0">
+              <a:spcBef>
+                <a:spcPct val="20000"/>
+              </a:spcBef>
+              <a:buFontTx/>
+              <a:buChar char="•"/>
+            </a:pPr>
+            <a:r>
+              <a:rPr lang="en-US" altLang="zh-CN" sz="2400" b="0" dirty="0" smtClean="0">
+                <a:ea typeface="SimSun" charset="-122"/>
+              </a:rPr>
+              <a:t>Scientific processing (Oil explorations)</a:t>
+            </a:r>
+          </a:p>
+          <a:p>
+            <a:pPr marL="800100" lvl="1" indent="-342900" eaLnBrk="0" hangingPunct="0">
+              <a:spcBef>
+                <a:spcPct val="20000"/>
+              </a:spcBef>
+              <a:buFontTx/>
+              <a:buChar char="•"/>
+            </a:pPr>
+            <a:r>
+              <a:rPr lang="en-US" altLang="zh-CN" sz="2400" b="0" dirty="0" smtClean="0">
+                <a:ea typeface="SimSun" charset="-122"/>
+              </a:rPr>
+              <a:t>Large complex matrix manipulations</a:t>
+            </a:r>
+          </a:p>
+          <a:p>
+            <a:pPr marL="342900" indent="-342900" eaLnBrk="0" hangingPunct="0">
+              <a:spcBef>
+                <a:spcPct val="20000"/>
+              </a:spcBef>
+              <a:buFontTx/>
+              <a:buChar char="•"/>
+            </a:pPr>
+            <a:r>
+              <a:rPr lang="en-US" altLang="zh-CN" sz="2400" b="0" dirty="0" smtClean="0">
+                <a:ea typeface="SimSun" charset="-122"/>
+              </a:rPr>
+              <a:t>Your applications</a:t>
+            </a:r>
+          </a:p>
+          <a:p>
+            <a:pPr marL="342900" indent="-342900" eaLnBrk="0" hangingPunct="0">
+              <a:spcBef>
+                <a:spcPct val="20000"/>
+              </a:spcBef>
+              <a:buFontTx/>
+              <a:buChar char="•"/>
+            </a:pPr>
+            <a:endParaRPr lang="en-US" altLang="zh-CN" sz="2000" b="0" dirty="0">
+              <a:ea typeface="SimSun" charset="-122"/>
+            </a:endParaRPr>
+          </a:p>
+          <a:p>
+            <a:pPr marL="800100" lvl="1" indent="-342900" eaLnBrk="0" hangingPunct="0">
+              <a:spcBef>
+                <a:spcPct val="20000"/>
+              </a:spcBef>
+              <a:buFontTx/>
+              <a:buChar char="•"/>
+            </a:pPr>
+            <a:endParaRPr lang="en-US" altLang="zh-CN" sz="2000" b="0" dirty="0">
+              <a:ea typeface="SimSun" charset="-122"/>
+            </a:endParaRPr>
+          </a:p>
+          <a:p>
+            <a:pPr marL="800100" lvl="1" indent="-342900" eaLnBrk="0" hangingPunct="0">
+              <a:spcBef>
+                <a:spcPct val="20000"/>
+              </a:spcBef>
+              <a:buFontTx/>
+              <a:buChar char="•"/>
+            </a:pPr>
+            <a:endParaRPr lang="en-US" altLang="zh-CN" sz="2400" b="0" dirty="0">
+              <a:ea typeface="SimSun" charset="-122"/>
+            </a:endParaRPr>
           </a:p>
         </p:txBody>
       </p:sp>
@@ -29441,6 +27397,13 @@
   <p:clrMapOvr>
     <a:masterClrMapping/>
   </p:clrMapOvr>
+  <p:timing>
+    <p:tnLst>
+      <p:par>
+        <p:cTn id="1" dur="indefinite" restart="never" nodeType="tmRoot"/>
+      </p:par>
+    </p:tnLst>
+  </p:timing>
 </p:sld>
 </file>
 
@@ -29463,9 +27426,9 @@
       </p:grpSpPr>
       <p:sp>
         <p:nvSpPr>
-          <p:cNvPr id="35841" name="Title 1"/>
-          <p:cNvSpPr>
-            <a:spLocks noGrp="1"/>
+          <p:cNvPr id="38913" name="Rectangle 2"/>
+          <p:cNvSpPr>
+            <a:spLocks noGrp="1" noChangeArrowheads="1"/>
           </p:cNvSpPr>
           <p:nvPr>
             <p:ph type="title"/>
@@ -29473,8 +27436,8 @@
         </p:nvSpPr>
         <p:spPr>
           <a:xfrm>
-            <a:off x="737754" y="228600"/>
-            <a:ext cx="8083983" cy="800100"/>
+            <a:off x="332509" y="290946"/>
+            <a:ext cx="8458200" cy="1485899"/>
           </a:xfrm>
         </p:spPr>
         <p:txBody>
@@ -29483,238 +27446,78 @@
           <a:p>
             <a:r>
               <a:rPr lang="en-US" dirty="0" smtClean="0"/>
-              <a:t>Common Use Cases</a:t>
-            </a:r>
-          </a:p>
-        </p:txBody>
-      </p:sp>
-      <p:sp>
-        <p:nvSpPr>
-          <p:cNvPr id="35842" name="Content Placeholder 2"/>
-          <p:cNvSpPr>
-            <a:spLocks/>
-          </p:cNvSpPr>
-          <p:nvPr/>
-        </p:nvSpPr>
-        <p:spPr bwMode="auto">
+              <a:t>Parallel Processing Models</a:t>
+            </a:r>
+            <a:br>
+              <a:rPr lang="en-US" dirty="0" smtClean="0"/>
+            </a:br>
+            <a:r>
+              <a:rPr lang="en-US" dirty="0" smtClean="0">
+                <a:solidFill>
+                  <a:schemeClr val="tx2"/>
+                </a:solidFill>
+              </a:rPr>
+              <a:t>Master Slave Model</a:t>
+            </a:r>
+            <a:r>
+              <a:rPr lang="en-US" dirty="0" smtClean="0"/>
+              <a:t/>
+            </a:r>
+            <a:br>
+              <a:rPr lang="en-US" dirty="0" smtClean="0"/>
+            </a:br>
+            <a:endParaRPr lang="en-US" dirty="0" smtClean="0"/>
+          </a:p>
+        </p:txBody>
+      </p:sp>
+      <p:sp>
+        <p:nvSpPr>
+          <p:cNvPr id="38914" name="Rectangle 3"/>
+          <p:cNvSpPr>
+            <a:spLocks noGrp="1" noChangeArrowheads="1"/>
+          </p:cNvSpPr>
+          <p:nvPr>
+            <p:ph type="body" idx="1"/>
+          </p:nvPr>
+        </p:nvSpPr>
+        <p:spPr>
           <a:xfrm>
-            <a:off x="316922" y="1246909"/>
-            <a:ext cx="8523288" cy="4759036"/>
+            <a:off x="364547" y="1932709"/>
+            <a:ext cx="8467725" cy="4426527"/>
           </a:xfrm>
-          <a:prstGeom prst="rect">
-            <a:avLst/>
-          </a:prstGeom>
-          <a:noFill/>
-          <a:ln w="9525">
-            <a:noFill/>
-            <a:miter lim="800000"/>
-            <a:headEnd/>
-            <a:tailEnd/>
-          </a:ln>
         </p:spPr>
         <p:txBody>
           <a:bodyPr/>
           <a:lstStyle/>
           <a:p>
-            <a:pPr marL="342900" indent="-342900" eaLnBrk="0" hangingPunct="0">
-              <a:spcBef>
-                <a:spcPct val="20000"/>
-              </a:spcBef>
-              <a:buFontTx/>
-              <a:buChar char="•"/>
-            </a:pPr>
-            <a:r>
-              <a:rPr lang="en-US" altLang="zh-CN" sz="2400" b="0" dirty="0">
-                <a:ea typeface="SimSun" charset="-122"/>
-              </a:rPr>
-              <a:t>Network gateway, speech/voice processing</a:t>
-            </a:r>
-          </a:p>
-          <a:p>
-            <a:pPr marL="800100" lvl="1" indent="-342900" eaLnBrk="0" hangingPunct="0">
-              <a:spcBef>
-                <a:spcPct val="20000"/>
-              </a:spcBef>
-              <a:buFontTx/>
-              <a:buChar char="•"/>
-            </a:pPr>
-            <a:r>
-              <a:rPr lang="en-US" altLang="zh-CN" sz="2400" b="0" dirty="0">
-                <a:ea typeface="SimSun" charset="-122"/>
-              </a:rPr>
-              <a:t>Typically hundreds or thousands of channels</a:t>
-            </a:r>
-          </a:p>
-          <a:p>
-            <a:pPr marL="800100" lvl="1" indent="-342900" eaLnBrk="0" hangingPunct="0">
-              <a:spcBef>
-                <a:spcPct val="20000"/>
-              </a:spcBef>
-              <a:buFontTx/>
-              <a:buChar char="•"/>
-            </a:pPr>
-            <a:r>
-              <a:rPr lang="en-US" altLang="zh-CN" sz="2400" b="0" dirty="0">
-                <a:ea typeface="SimSun" charset="-122"/>
-              </a:rPr>
-              <a:t>Each channel consumes about 30 MIPS </a:t>
-            </a:r>
-          </a:p>
-          <a:p>
-            <a:pPr marL="342900" indent="-342900" eaLnBrk="0" hangingPunct="0">
-              <a:spcBef>
-                <a:spcPct val="20000"/>
-              </a:spcBef>
-              <a:buFontTx/>
-              <a:buChar char="•"/>
-            </a:pPr>
-            <a:r>
-              <a:rPr lang="en-US" altLang="zh-CN" sz="2400" b="0" dirty="0">
-                <a:ea typeface="SimSun" charset="-122"/>
-              </a:rPr>
-              <a:t>Large, complex, floating point </a:t>
-            </a:r>
-            <a:r>
-              <a:rPr lang="en-US" altLang="zh-CN" sz="2400" b="0" dirty="0" smtClean="0">
-                <a:ea typeface="SimSun" charset="-122"/>
-              </a:rPr>
-              <a:t>FFT (Radar applications and others)</a:t>
-            </a:r>
-            <a:endParaRPr lang="en-US" altLang="zh-CN" sz="2400" b="0" dirty="0">
-              <a:ea typeface="SimSun" charset="-122"/>
-            </a:endParaRPr>
-          </a:p>
-          <a:p>
-            <a:pPr marL="342900" indent="-342900" eaLnBrk="0" hangingPunct="0">
-              <a:spcBef>
-                <a:spcPct val="20000"/>
-              </a:spcBef>
-              <a:buFontTx/>
-              <a:buChar char="•"/>
-            </a:pPr>
-            <a:r>
-              <a:rPr lang="en-US" altLang="zh-CN" sz="2400" b="0" dirty="0">
-                <a:ea typeface="SimSun" charset="-122"/>
-              </a:rPr>
-              <a:t>Video </a:t>
-            </a:r>
-            <a:r>
-              <a:rPr lang="en-US" altLang="zh-CN" sz="2400" b="0" dirty="0" smtClean="0">
-                <a:ea typeface="SimSun" charset="-122"/>
-              </a:rPr>
-              <a:t>processing</a:t>
-            </a:r>
-          </a:p>
-          <a:p>
-            <a:pPr marL="342900" indent="-342900" eaLnBrk="0" hangingPunct="0">
-              <a:spcBef>
-                <a:spcPct val="20000"/>
-              </a:spcBef>
-              <a:buFontTx/>
-              <a:buChar char="•"/>
-            </a:pPr>
-            <a:r>
-              <a:rPr lang="en-US" altLang="zh-CN" sz="2400" b="0" dirty="0" smtClean="0">
-                <a:ea typeface="SimSun" charset="-122"/>
-              </a:rPr>
-              <a:t>Medical imaging</a:t>
-            </a:r>
-          </a:p>
-          <a:p>
-            <a:pPr marL="342900" indent="-342900" eaLnBrk="0" hangingPunct="0">
-              <a:spcBef>
-                <a:spcPct val="20000"/>
-              </a:spcBef>
-              <a:buFontTx/>
-              <a:buChar char="•"/>
-            </a:pPr>
-            <a:r>
-              <a:rPr lang="en-US" altLang="zh-CN" sz="2400" b="0" dirty="0" smtClean="0">
-                <a:ea typeface="SimSun" charset="-122"/>
-              </a:rPr>
-              <a:t>LTE, WiMAX, other wireless physical layers </a:t>
-            </a:r>
-          </a:p>
-          <a:p>
-            <a:pPr marL="342900" indent="-342900" eaLnBrk="0" hangingPunct="0">
-              <a:spcBef>
-                <a:spcPct val="20000"/>
-              </a:spcBef>
-              <a:buFontTx/>
-              <a:buChar char="•"/>
-            </a:pPr>
-            <a:r>
-              <a:rPr lang="en-US" altLang="zh-CN" sz="2400" b="0" dirty="0" smtClean="0">
-                <a:ea typeface="SimSun" charset="-122"/>
-              </a:rPr>
-              <a:t>Scientific processing (Oil explorations)</a:t>
-            </a:r>
-          </a:p>
-          <a:p>
-            <a:pPr marL="800100" lvl="1" indent="-342900" eaLnBrk="0" hangingPunct="0">
-              <a:spcBef>
-                <a:spcPct val="20000"/>
-              </a:spcBef>
-              <a:buFontTx/>
-              <a:buChar char="•"/>
-            </a:pPr>
-            <a:r>
-              <a:rPr lang="en-US" altLang="zh-CN" sz="2400" b="0" dirty="0" smtClean="0">
-                <a:ea typeface="SimSun" charset="-122"/>
-              </a:rPr>
-              <a:t>Large complex matrix manipulations</a:t>
-            </a:r>
-          </a:p>
-          <a:p>
-            <a:pPr marL="342900" indent="-342900" eaLnBrk="0" hangingPunct="0">
-              <a:spcBef>
-                <a:spcPct val="20000"/>
-              </a:spcBef>
-              <a:buFontTx/>
-              <a:buChar char="•"/>
-            </a:pPr>
-            <a:r>
-              <a:rPr lang="en-US" altLang="zh-CN" sz="2400" b="0" dirty="0" smtClean="0">
-                <a:ea typeface="SimSun" charset="-122"/>
-              </a:rPr>
-              <a:t>Your applications</a:t>
-            </a:r>
-          </a:p>
-          <a:p>
-            <a:pPr marL="342900" indent="-342900" eaLnBrk="0" hangingPunct="0">
-              <a:spcBef>
-                <a:spcPct val="20000"/>
-              </a:spcBef>
-              <a:buFontTx/>
-              <a:buChar char="•"/>
-            </a:pPr>
-            <a:endParaRPr lang="en-US" altLang="zh-CN" sz="2000" b="0" dirty="0">
-              <a:ea typeface="SimSun" charset="-122"/>
-            </a:endParaRPr>
-          </a:p>
-          <a:p>
-            <a:pPr marL="800100" lvl="1" indent="-342900" eaLnBrk="0" hangingPunct="0">
-              <a:spcBef>
-                <a:spcPct val="20000"/>
-              </a:spcBef>
-              <a:buFontTx/>
-              <a:buChar char="•"/>
-            </a:pPr>
-            <a:endParaRPr lang="en-US" altLang="zh-CN" sz="2000" b="0" dirty="0">
-              <a:ea typeface="SimSun" charset="-122"/>
-            </a:endParaRPr>
-          </a:p>
-          <a:p>
-            <a:pPr marL="800100" lvl="1" indent="-342900" eaLnBrk="0" hangingPunct="0">
-              <a:spcBef>
-                <a:spcPct val="20000"/>
-              </a:spcBef>
-              <a:buFontTx/>
-              <a:buChar char="•"/>
-            </a:pPr>
-            <a:endParaRPr lang="en-US" altLang="zh-CN" sz="2400" b="0" dirty="0">
-              <a:ea typeface="SimSun" charset="-122"/>
-            </a:endParaRPr>
+            <a:r>
+              <a:rPr lang="en-US" dirty="0" smtClean="0"/>
+              <a:t>Centralized control and distributed execution</a:t>
+            </a:r>
+          </a:p>
+          <a:p>
+            <a:r>
+              <a:rPr lang="en-US" dirty="0" smtClean="0"/>
+              <a:t>Master responsible for execution scheduling and data availability</a:t>
+            </a:r>
+          </a:p>
+          <a:p>
+            <a:r>
+              <a:rPr lang="en-US" dirty="0" smtClean="0"/>
+              <a:t>Required fast and cheap (in terms of CPU resources) messages and data exchange between cores</a:t>
+            </a:r>
+          </a:p>
+          <a:p>
+            <a:r>
+              <a:rPr lang="en-US" dirty="0" smtClean="0"/>
+              <a:t>Typical applications consists of many small independent threads</a:t>
+            </a:r>
+          </a:p>
+          <a:p>
+            <a:pPr lvl="1">
+              <a:buNone/>
+            </a:pPr>
+            <a:endParaRPr lang="en-US" dirty="0" smtClean="0"/>
           </a:p>
         </p:txBody>
       </p:sp>
@@ -29734,128 +27537,6 @@
 </file>
 
 <file path=ppt/slides/slide8.xml><?xml version="1.0" encoding="utf-8"?>
-<p:sld xmlns:a="http://schemas.openxmlformats.org/drawingml/2006/main" xmlns:r="http://schemas.openxmlformats.org/officeDocument/2006/relationships" xmlns:p="http://schemas.openxmlformats.org/presentationml/2006/main">
-  <p:cSld>
-    <p:spTree>
-      <p:nvGrpSpPr>
-        <p:cNvPr id="1" name=""/>
-        <p:cNvGrpSpPr/>
-        <p:nvPr/>
-      </p:nvGrpSpPr>
-      <p:grpSpPr>
-        <a:xfrm>
-          <a:off x="0" y="0"/>
-          <a:ext cx="0" cy="0"/>
-          <a:chOff x="0" y="0"/>
-          <a:chExt cx="0" cy="0"/>
-        </a:xfrm>
-      </p:grpSpPr>
-      <p:sp>
-        <p:nvSpPr>
-          <p:cNvPr id="38913" name="Rectangle 2"/>
-          <p:cNvSpPr>
-            <a:spLocks noGrp="1" noChangeArrowheads="1"/>
-          </p:cNvSpPr>
-          <p:nvPr>
-            <p:ph type="title"/>
-          </p:nvPr>
-        </p:nvSpPr>
-        <p:spPr>
-          <a:xfrm>
-            <a:off x="332509" y="290946"/>
-            <a:ext cx="8458200" cy="1485899"/>
-          </a:xfrm>
-        </p:spPr>
-        <p:txBody>
-          <a:bodyPr/>
-          <a:lstStyle/>
-          <a:p>
-            <a:r>
-              <a:rPr lang="en-US" dirty="0" smtClean="0"/>
-              <a:t>Parallel Processing Models</a:t>
-            </a:r>
-            <a:br>
-              <a:rPr lang="en-US" dirty="0" smtClean="0"/>
-            </a:br>
-            <a:r>
-              <a:rPr lang="en-US" dirty="0" smtClean="0">
-                <a:solidFill>
-                  <a:schemeClr val="tx2"/>
-                </a:solidFill>
-              </a:rPr>
-              <a:t>Master Slave Model</a:t>
-            </a:r>
-            <a:r>
-              <a:rPr lang="en-US" dirty="0" smtClean="0"/>
-              <a:t/>
-            </a:r>
-            <a:br>
-              <a:rPr lang="en-US" dirty="0" smtClean="0"/>
-            </a:br>
-            <a:endParaRPr lang="en-US" dirty="0" smtClean="0"/>
-          </a:p>
-        </p:txBody>
-      </p:sp>
-      <p:sp>
-        <p:nvSpPr>
-          <p:cNvPr id="38914" name="Rectangle 3"/>
-          <p:cNvSpPr>
-            <a:spLocks noGrp="1" noChangeArrowheads="1"/>
-          </p:cNvSpPr>
-          <p:nvPr>
-            <p:ph type="body" idx="1"/>
-          </p:nvPr>
-        </p:nvSpPr>
-        <p:spPr>
-          <a:xfrm>
-            <a:off x="364547" y="1932709"/>
-            <a:ext cx="8467725" cy="4426527"/>
-          </a:xfrm>
-        </p:spPr>
-        <p:txBody>
-          <a:bodyPr/>
-          <a:lstStyle/>
-          <a:p>
-            <a:r>
-              <a:rPr lang="en-US" dirty="0" smtClean="0"/>
-              <a:t>Centralized control and distributed execution</a:t>
-            </a:r>
-          </a:p>
-          <a:p>
-            <a:r>
-              <a:rPr lang="en-US" dirty="0" smtClean="0"/>
-              <a:t>Master responsible for execution scheduling and data availability</a:t>
-            </a:r>
-          </a:p>
-          <a:p>
-            <a:r>
-              <a:rPr lang="en-US" dirty="0" smtClean="0"/>
-              <a:t>Required fast and cheap (in terms of CPU resources) messages and data exchange between cores</a:t>
-            </a:r>
-          </a:p>
-          <a:p>
-            <a:r>
-              <a:rPr lang="en-US" dirty="0" smtClean="0"/>
-              <a:t>Typical applications consists of many small independent threads</a:t>
-            </a:r>
-          </a:p>
-          <a:p>
-            <a:pPr lvl="1">
-              <a:buNone/>
-            </a:pPr>
-            <a:endParaRPr lang="en-US" dirty="0" smtClean="0"/>
-          </a:p>
-        </p:txBody>
-      </p:sp>
-    </p:spTree>
-  </p:cSld>
-  <p:clrMapOvr>
-    <a:masterClrMapping/>
-  </p:clrMapOvr>
-</p:sld>
-</file>
-
-<file path=ppt/slides/slide9.xml><?xml version="1.0" encoding="utf-8"?>
 <p:sld xmlns:a="http://schemas.openxmlformats.org/drawingml/2006/main" xmlns:r="http://schemas.openxmlformats.org/officeDocument/2006/relationships" xmlns:p="http://schemas.openxmlformats.org/presentationml/2006/main">
   <p:cSld>
     <p:spTree>
@@ -30443,6 +28124,144 @@
   <p:clrMapOvr>
     <a:masterClrMapping/>
   </p:clrMapOvr>
+  <p:timing>
+    <p:tnLst>
+      <p:par>
+        <p:cTn id="1" dur="indefinite" restart="never" nodeType="tmRoot"/>
+      </p:par>
+    </p:tnLst>
+  </p:timing>
+</p:sld>
+</file>
+
+<file path=ppt/slides/slide9.xml><?xml version="1.0" encoding="utf-8"?>
+<p:sld xmlns:a="http://schemas.openxmlformats.org/drawingml/2006/main" xmlns:r="http://schemas.openxmlformats.org/officeDocument/2006/relationships" xmlns:p="http://schemas.openxmlformats.org/presentationml/2006/main">
+  <p:cSld>
+    <p:spTree>
+      <p:nvGrpSpPr>
+        <p:cNvPr id="1" name=""/>
+        <p:cNvGrpSpPr/>
+        <p:nvPr/>
+      </p:nvGrpSpPr>
+      <p:grpSpPr>
+        <a:xfrm>
+          <a:off x="0" y="0"/>
+          <a:ext cx="0" cy="0"/>
+          <a:chOff x="0" y="0"/>
+          <a:chExt cx="0" cy="0"/>
+        </a:xfrm>
+      </p:grpSpPr>
+      <p:sp>
+        <p:nvSpPr>
+          <p:cNvPr id="38913" name="Rectangle 2"/>
+          <p:cNvSpPr>
+            <a:spLocks noGrp="1" noChangeArrowheads="1"/>
+          </p:cNvSpPr>
+          <p:nvPr>
+            <p:ph type="title"/>
+          </p:nvPr>
+        </p:nvSpPr>
+        <p:spPr>
+          <a:xfrm>
+            <a:off x="332509" y="290946"/>
+            <a:ext cx="8458200" cy="1433945"/>
+          </a:xfrm>
+        </p:spPr>
+        <p:txBody>
+          <a:bodyPr/>
+          <a:lstStyle/>
+          <a:p>
+            <a:r>
+              <a:rPr lang="en-US" dirty="0" smtClean="0"/>
+              <a:t>Parallel Processing Models</a:t>
+            </a:r>
+            <a:br>
+              <a:rPr lang="en-US" dirty="0" smtClean="0"/>
+            </a:br>
+            <a:r>
+              <a:rPr lang="en-US" dirty="0" smtClean="0">
+                <a:solidFill>
+                  <a:schemeClr val="tx2"/>
+                </a:solidFill>
+              </a:rPr>
+              <a:t> Data Flow Model</a:t>
+            </a:r>
+            <a:endParaRPr lang="en-US" dirty="0" smtClean="0"/>
+          </a:p>
+        </p:txBody>
+      </p:sp>
+      <p:sp>
+        <p:nvSpPr>
+          <p:cNvPr id="38914" name="Rectangle 3"/>
+          <p:cNvSpPr>
+            <a:spLocks noGrp="1" noChangeArrowheads="1"/>
+          </p:cNvSpPr>
+          <p:nvPr>
+            <p:ph type="body" idx="1"/>
+          </p:nvPr>
+        </p:nvSpPr>
+        <p:spPr>
+          <a:xfrm>
+            <a:off x="333375" y="1808018"/>
+            <a:ext cx="8467725" cy="4070495"/>
+          </a:xfrm>
+        </p:spPr>
+        <p:txBody>
+          <a:bodyPr/>
+          <a:lstStyle/>
+          <a:p>
+            <a:r>
+              <a:rPr lang="en-US" dirty="0" smtClean="0"/>
+              <a:t>Distributed Control and execution</a:t>
+            </a:r>
+          </a:p>
+          <a:p>
+            <a:r>
+              <a:rPr lang="en-US" dirty="0" smtClean="0"/>
+              <a:t>The algorithm is partitioned into multiple block, each block is processed by a core, and the output of one core is the input to the next core</a:t>
+            </a:r>
+          </a:p>
+          <a:p>
+            <a:pPr lvl="1"/>
+            <a:r>
+              <a:rPr lang="en-US" dirty="0" smtClean="0"/>
+              <a:t>Exchange data and messages between any cores</a:t>
+            </a:r>
+          </a:p>
+          <a:p>
+            <a:r>
+              <a:rPr lang="en-US" dirty="0" smtClean="0"/>
+              <a:t>Big challenge – partition blocks to optimize performances</a:t>
+            </a:r>
+          </a:p>
+          <a:p>
+            <a:pPr lvl="1"/>
+            <a:r>
+              <a:rPr lang="en-US" dirty="0" smtClean="0"/>
+              <a:t>Required loose link between cores (queue system)</a:t>
+            </a:r>
+          </a:p>
+          <a:p>
+            <a:pPr lvl="1"/>
+            <a:endParaRPr lang="en-US" dirty="0" smtClean="0"/>
+          </a:p>
+          <a:p>
+            <a:endParaRPr lang="en-US" dirty="0" smtClean="0"/>
+          </a:p>
+        </p:txBody>
+      </p:sp>
+    </p:spTree>
+  </p:cSld>
+  <p:clrMapOvr>
+    <a:masterClrMapping/>
+  </p:clrMapOvr>
+  <p:timing>
+    <p:tnLst>
+      <p:par>
+        <p:cTn id="1" dur="indefinite" restart="never" nodeType="tmRoot"/>
+      </p:par>
+    </p:tnLst>
+  </p:timing>
 </p:sld>
 </file>
 
